--- a/reference_content/Slides/NLP_2.pptx
+++ b/reference_content/Slides/NLP_2.pptx
@@ -14,22 +14,29 @@
     <p:sldId id="275" r:id="rId8"/>
     <p:sldId id="260" r:id="rId9"/>
     <p:sldId id="261" r:id="rId10"/>
-    <p:sldId id="262" r:id="rId11"/>
-    <p:sldId id="280" r:id="rId12"/>
-    <p:sldId id="265" r:id="rId13"/>
-    <p:sldId id="283" r:id="rId14"/>
-    <p:sldId id="281" r:id="rId15"/>
-    <p:sldId id="276" r:id="rId16"/>
-    <p:sldId id="266" r:id="rId17"/>
-    <p:sldId id="267" r:id="rId18"/>
-    <p:sldId id="268" r:id="rId19"/>
-    <p:sldId id="269" r:id="rId20"/>
-    <p:sldId id="282" r:id="rId21"/>
-    <p:sldId id="277" r:id="rId22"/>
-    <p:sldId id="278" r:id="rId23"/>
-    <p:sldId id="279" r:id="rId24"/>
-    <p:sldId id="263" r:id="rId25"/>
-    <p:sldId id="264" r:id="rId26"/>
+    <p:sldId id="288" r:id="rId11"/>
+    <p:sldId id="262" r:id="rId12"/>
+    <p:sldId id="280" r:id="rId13"/>
+    <p:sldId id="265" r:id="rId14"/>
+    <p:sldId id="283" r:id="rId15"/>
+    <p:sldId id="286" r:id="rId16"/>
+    <p:sldId id="281" r:id="rId17"/>
+    <p:sldId id="276" r:id="rId18"/>
+    <p:sldId id="266" r:id="rId19"/>
+    <p:sldId id="267" r:id="rId20"/>
+    <p:sldId id="278" r:id="rId21"/>
+    <p:sldId id="282" r:id="rId22"/>
+    <p:sldId id="277" r:id="rId23"/>
+    <p:sldId id="284" r:id="rId24"/>
+    <p:sldId id="268" r:id="rId25"/>
+    <p:sldId id="269" r:id="rId26"/>
+    <p:sldId id="290" r:id="rId27"/>
+    <p:sldId id="279" r:id="rId28"/>
+    <p:sldId id="289" r:id="rId29"/>
+    <p:sldId id="287" r:id="rId30"/>
+    <p:sldId id="263" r:id="rId31"/>
+    <p:sldId id="264" r:id="rId32"/>
+    <p:sldId id="285" r:id="rId33"/>
   </p:sldIdLst>
   <p:sldSz cx="12192000" cy="6858000"/>
   <p:notesSz cx="6858000" cy="9144000"/>
@@ -275,7 +282,7 @@
           <a:p>
             <a:fld id="{1C4D3139-13C9-D140-A605-51870A8CAC8E}" type="datetimeFigureOut">
               <a:rPr lang="en-US" smtClean="0"/>
-              <a:t>2/6/25</a:t>
+              <a:t>2/14/25</a:t>
             </a:fld>
             <a:endParaRPr lang="en-US"/>
           </a:p>
@@ -486,7 +493,7 @@
           <a:p>
             <a:fld id="{1C4D3139-13C9-D140-A605-51870A8CAC8E}" type="datetimeFigureOut">
               <a:rPr lang="en-US" smtClean="0"/>
-              <a:t>2/6/25</a:t>
+              <a:t>2/14/25</a:t>
             </a:fld>
             <a:endParaRPr lang="en-US"/>
           </a:p>
@@ -701,7 +708,7 @@
           <a:p>
             <a:fld id="{1C4D3139-13C9-D140-A605-51870A8CAC8E}" type="datetimeFigureOut">
               <a:rPr lang="en-US" smtClean="0"/>
-              <a:t>2/6/25</a:t>
+              <a:t>2/14/25</a:t>
             </a:fld>
             <a:endParaRPr lang="en-US"/>
           </a:p>
@@ -902,7 +909,7 @@
           <a:p>
             <a:fld id="{1C4D3139-13C9-D140-A605-51870A8CAC8E}" type="datetimeFigureOut">
               <a:rPr lang="en-US" smtClean="0"/>
-              <a:t>2/6/25</a:t>
+              <a:t>2/14/25</a:t>
             </a:fld>
             <a:endParaRPr lang="en-US"/>
           </a:p>
@@ -1181,7 +1188,7 @@
           <a:p>
             <a:fld id="{1C4D3139-13C9-D140-A605-51870A8CAC8E}" type="datetimeFigureOut">
               <a:rPr lang="en-US" smtClean="0"/>
-              <a:t>2/6/25</a:t>
+              <a:t>2/14/25</a:t>
             </a:fld>
             <a:endParaRPr lang="en-US"/>
           </a:p>
@@ -1449,7 +1456,7 @@
           <a:p>
             <a:fld id="{1C4D3139-13C9-D140-A605-51870A8CAC8E}" type="datetimeFigureOut">
               <a:rPr lang="en-US" smtClean="0"/>
-              <a:t>2/6/25</a:t>
+              <a:t>2/14/25</a:t>
             </a:fld>
             <a:endParaRPr lang="en-US"/>
           </a:p>
@@ -1865,7 +1872,7 @@
           <a:p>
             <a:fld id="{1C4D3139-13C9-D140-A605-51870A8CAC8E}" type="datetimeFigureOut">
               <a:rPr lang="en-US" smtClean="0"/>
-              <a:t>2/6/25</a:t>
+              <a:t>2/14/25</a:t>
             </a:fld>
             <a:endParaRPr lang="en-US"/>
           </a:p>
@@ -2014,7 +2021,7 @@
           <a:p>
             <a:fld id="{1C4D3139-13C9-D140-A605-51870A8CAC8E}" type="datetimeFigureOut">
               <a:rPr lang="en-US" smtClean="0"/>
-              <a:t>2/6/25</a:t>
+              <a:t>2/14/25</a:t>
             </a:fld>
             <a:endParaRPr lang="en-US"/>
           </a:p>
@@ -2140,7 +2147,7 @@
           <a:p>
             <a:fld id="{1C4D3139-13C9-D140-A605-51870A8CAC8E}" type="datetimeFigureOut">
               <a:rPr lang="en-US" smtClean="0"/>
-              <a:t>2/6/25</a:t>
+              <a:t>2/14/25</a:t>
             </a:fld>
             <a:endParaRPr lang="en-US"/>
           </a:p>
@@ -2391,7 +2398,7 @@
           <a:p>
             <a:fld id="{1C4D3139-13C9-D140-A605-51870A8CAC8E}" type="datetimeFigureOut">
               <a:rPr lang="en-US" smtClean="0"/>
-              <a:t>2/6/25</a:t>
+              <a:t>2/14/25</a:t>
             </a:fld>
             <a:endParaRPr lang="en-US"/>
           </a:p>
@@ -2836,7 +2843,7 @@
           <a:p>
             <a:fld id="{1C4D3139-13C9-D140-A605-51870A8CAC8E}" type="datetimeFigureOut">
               <a:rPr lang="en-US" smtClean="0"/>
-              <a:t>2/6/25</a:t>
+              <a:t>2/14/25</a:t>
             </a:fld>
             <a:endParaRPr lang="en-US"/>
           </a:p>
@@ -3163,7 +3170,7 @@
           <a:p>
             <a:fld id="{1C4D3139-13C9-D140-A605-51870A8CAC8E}" type="datetimeFigureOut">
               <a:rPr lang="en-US" smtClean="0"/>
-              <a:t>2/6/25</a:t>
+              <a:t>2/14/25</a:t>
             </a:fld>
             <a:endParaRPr lang="en-US"/>
           </a:p>
@@ -3751,23 +3758,16 @@
             </a:r>
           </a:p>
           <a:p>
-            <a:r>
-              <a:rPr lang="en-US" dirty="0"/>
-              <a:t>Test – 1 week. </a:t>
-            </a:r>
-          </a:p>
-          <a:p>
-            <a:pPr lvl="1"/>
-            <a:r>
-              <a:rPr lang="en-US" dirty="0"/>
-              <a:t>There’s a guide up on Moodle. </a:t>
-            </a:r>
-          </a:p>
-          <a:p>
-            <a:pPr lvl="1"/>
-            <a:r>
-              <a:rPr lang="en-US" dirty="0"/>
-              <a:t>It’s honestly not that hard or problematic. </a:t>
+            <a:pPr lvl="1"/>
+            <a:r>
+              <a:rPr lang="en-US" dirty="0"/>
+              <a:t>Embeddings. </a:t>
+            </a:r>
+          </a:p>
+          <a:p>
+            <a:r>
+              <a:rPr lang="en-US" dirty="0"/>
+              <a:t>Did you all do Bayes models in stats? Ideally making the model from scratch. </a:t>
             </a:r>
           </a:p>
         </p:txBody>
@@ -3786,6 +3786,128 @@
 </file>
 
 <file path=ppt/slides/slide10.xml><?xml version="1.0" encoding="utf-8"?>
+<p:sld xmlns:a="http://schemas.openxmlformats.org/drawingml/2006/main" xmlns:r="http://schemas.openxmlformats.org/officeDocument/2006/relationships" xmlns:p="http://schemas.openxmlformats.org/presentationml/2006/main">
+  <p:cSld>
+    <p:spTree>
+      <p:nvGrpSpPr>
+        <p:cNvPr id="1" name=""/>
+        <p:cNvGrpSpPr/>
+        <p:nvPr/>
+      </p:nvGrpSpPr>
+      <p:grpSpPr>
+        <a:xfrm>
+          <a:off x="0" y="0"/>
+          <a:ext cx="0" cy="0"/>
+          <a:chOff x="0" y="0"/>
+          <a:chExt cx="0" cy="0"/>
+        </a:xfrm>
+      </p:grpSpPr>
+      <p:sp>
+        <p:nvSpPr>
+          <p:cNvPr id="2" name="Title 1">
+            <a:extLst>
+              <a:ext uri="{FF2B5EF4-FFF2-40B4-BE49-F238E27FC236}">
+                <a16:creationId xmlns:a16="http://schemas.microsoft.com/office/drawing/2014/main" id="{33F95D59-FBC2-4B2A-4E9E-EAF5338F8AB0}"/>
+              </a:ext>
+            </a:extLst>
+          </p:cNvPr>
+          <p:cNvSpPr>
+            <a:spLocks noGrp="1"/>
+          </p:cNvSpPr>
+          <p:nvPr>
+            <p:ph type="title"/>
+          </p:nvPr>
+        </p:nvSpPr>
+        <p:spPr/>
+        <p:txBody>
+          <a:bodyPr/>
+          <a:lstStyle/>
+          <a:p>
+            <a:r>
+              <a:rPr lang="en-US" dirty="0"/>
+              <a:t>What’s Going on…</a:t>
+            </a:r>
+          </a:p>
+        </p:txBody>
+      </p:sp>
+      <p:sp>
+        <p:nvSpPr>
+          <p:cNvPr id="3" name="Content Placeholder 2">
+            <a:extLst>
+              <a:ext uri="{FF2B5EF4-FFF2-40B4-BE49-F238E27FC236}">
+                <a16:creationId xmlns:a16="http://schemas.microsoft.com/office/drawing/2014/main" id="{7EA7AE7B-5DAF-6036-DD80-A42607A35A9D}"/>
+              </a:ext>
+            </a:extLst>
+          </p:cNvPr>
+          <p:cNvSpPr>
+            <a:spLocks noGrp="1"/>
+          </p:cNvSpPr>
+          <p:nvPr>
+            <p:ph idx="1"/>
+          </p:nvPr>
+        </p:nvSpPr>
+        <p:spPr/>
+        <p:txBody>
+          <a:bodyPr/>
+          <a:lstStyle/>
+          <a:p>
+            <a:r>
+              <a:rPr lang="en-US" dirty="0"/>
+              <a:t>The process does some linear algebra calculations to generate the topics and strengths.</a:t>
+            </a:r>
+          </a:p>
+          <a:p>
+            <a:r>
+              <a:rPr lang="en-US" dirty="0"/>
+              <a:t>The details of the math aren’t really super relevant for us here. </a:t>
+            </a:r>
+          </a:p>
+          <a:p>
+            <a:r>
+              <a:rPr lang="en-US" dirty="0"/>
+              <a:t>We’ll look at PCA soon, which does a similar thing. </a:t>
+            </a:r>
+          </a:p>
+          <a:p>
+            <a:pPr lvl="1"/>
+            <a:r>
+              <a:rPr lang="en-US" dirty="0"/>
+              <a:t>PCA has math that is more clear and easy to understand. </a:t>
+            </a:r>
+          </a:p>
+          <a:p>
+            <a:r>
+              <a:rPr lang="en-US" dirty="0"/>
+              <a:t>We want the key info (var. of target), contained in as few features as possible. </a:t>
+            </a:r>
+          </a:p>
+          <a:p>
+            <a:pPr lvl="1"/>
+            <a:r>
+              <a:rPr lang="en-US" dirty="0"/>
+              <a:t>The ‘ideal’ scenario is one feature with an R2 of 1, how close can we get? </a:t>
+            </a:r>
+          </a:p>
+          <a:p>
+            <a:pPr lvl="1"/>
+            <a:endParaRPr lang="en-US" dirty="0"/>
+          </a:p>
+        </p:txBody>
+      </p:sp>
+    </p:spTree>
+    <p:extLst>
+      <p:ext uri="{BB962C8B-B14F-4D97-AF65-F5344CB8AC3E}">
+        <p14:creationId xmlns:p14="http://schemas.microsoft.com/office/powerpoint/2010/main" val="980316528"/>
+      </p:ext>
+    </p:extLst>
+  </p:cSld>
+  <p:clrMapOvr>
+    <a:masterClrMapping/>
+  </p:clrMapOvr>
+</p:sld>
+</file>
+
+<file path=ppt/slides/slide11.xml><?xml version="1.0" encoding="utf-8"?>
 <p:sld xmlns:a="http://schemas.openxmlformats.org/drawingml/2006/main" xmlns:r="http://schemas.openxmlformats.org/officeDocument/2006/relationships" xmlns:p="http://schemas.openxmlformats.org/presentationml/2006/main">
   <p:cSld>
     <p:bg>
@@ -3989,7 +4111,7 @@
 </p:sld>
 </file>
 
-<file path=ppt/slides/slide11.xml><?xml version="1.0" encoding="utf-8"?>
+<file path=ppt/slides/slide12.xml><?xml version="1.0" encoding="utf-8"?>
 <p:sld xmlns:a="http://schemas.openxmlformats.org/drawingml/2006/main" xmlns:r="http://schemas.openxmlformats.org/officeDocument/2006/relationships" xmlns:p="http://schemas.openxmlformats.org/presentationml/2006/main">
   <p:cSld>
     <p:spTree>
@@ -4116,140 +4238,6 @@
 </p:sld>
 </file>
 
-<file path=ppt/slides/slide12.xml><?xml version="1.0" encoding="utf-8"?>
-<p:sld xmlns:a="http://schemas.openxmlformats.org/drawingml/2006/main" xmlns:r="http://schemas.openxmlformats.org/officeDocument/2006/relationships" xmlns:p="http://schemas.openxmlformats.org/presentationml/2006/main">
-  <p:cSld>
-    <p:spTree>
-      <p:nvGrpSpPr>
-        <p:cNvPr id="1" name=""/>
-        <p:cNvGrpSpPr/>
-        <p:nvPr/>
-      </p:nvGrpSpPr>
-      <p:grpSpPr>
-        <a:xfrm>
-          <a:off x="0" y="0"/>
-          <a:ext cx="0" cy="0"/>
-          <a:chOff x="0" y="0"/>
-          <a:chExt cx="0" cy="0"/>
-        </a:xfrm>
-      </p:grpSpPr>
-      <p:sp>
-        <p:nvSpPr>
-          <p:cNvPr id="2" name="Title 1">
-            <a:extLst>
-              <a:ext uri="{FF2B5EF4-FFF2-40B4-BE49-F238E27FC236}">
-                <a16:creationId xmlns:a16="http://schemas.microsoft.com/office/drawing/2014/main" id="{F7BDA15F-2865-624E-88AB-16D82E0001B0}"/>
-              </a:ext>
-            </a:extLst>
-          </p:cNvPr>
-          <p:cNvSpPr>
-            <a:spLocks noGrp="1"/>
-          </p:cNvSpPr>
-          <p:nvPr>
-            <p:ph type="title"/>
-          </p:nvPr>
-        </p:nvSpPr>
-        <p:spPr/>
-        <p:txBody>
-          <a:bodyPr/>
-          <a:lstStyle/>
-          <a:p>
-            <a:r>
-              <a:rPr lang="en-US" dirty="0"/>
-              <a:t>Truncated SVD - Results</a:t>
-            </a:r>
-          </a:p>
-        </p:txBody>
-      </p:sp>
-      <p:sp>
-        <p:nvSpPr>
-          <p:cNvPr id="3" name="Content Placeholder 2">
-            <a:extLst>
-              <a:ext uri="{FF2B5EF4-FFF2-40B4-BE49-F238E27FC236}">
-                <a16:creationId xmlns:a16="http://schemas.microsoft.com/office/drawing/2014/main" id="{088D1D4E-CD49-FA4B-B96D-7B71B4D9CEA5}"/>
-              </a:ext>
-            </a:extLst>
-          </p:cNvPr>
-          <p:cNvSpPr>
-            <a:spLocks noGrp="1"/>
-          </p:cNvSpPr>
-          <p:nvPr>
-            <p:ph idx="1"/>
-          </p:nvPr>
-        </p:nvSpPr>
-        <p:spPr>
-          <a:xfrm>
-            <a:off x="1451579" y="2015732"/>
-            <a:ext cx="9603275" cy="4037749"/>
-          </a:xfrm>
-        </p:spPr>
-        <p:txBody>
-          <a:bodyPr/>
-          <a:lstStyle/>
-          <a:p>
-            <a:r>
-              <a:rPr lang="en-US" dirty="0"/>
-              <a:t>SVD aims to capture the maximum meaning with the minimum amount of data. </a:t>
-            </a:r>
-          </a:p>
-          <a:p>
-            <a:r>
-              <a:rPr lang="en-US" dirty="0"/>
-              <a:t>Only the strongest concepts are kept. </a:t>
-            </a:r>
-          </a:p>
-          <a:p>
-            <a:r>
-              <a:rPr lang="en-US" dirty="0"/>
-              <a:t>Feature set can be massively reduced. </a:t>
-            </a:r>
-          </a:p>
-          <a:p>
-            <a:r>
-              <a:rPr lang="en-US" dirty="0"/>
-              <a:t>We don’t know a good number of components going in – we need to tune it. </a:t>
-            </a:r>
-          </a:p>
-          <a:p>
-            <a:r>
-              <a:rPr lang="en-US" dirty="0"/>
-              <a:t>Prediction accuracy is usually “close”, but with a far smaller feature set. </a:t>
-            </a:r>
-          </a:p>
-          <a:p>
-            <a:pPr lvl="1"/>
-            <a:r>
-              <a:rPr lang="en-US" dirty="0"/>
-              <a:t>Accuracy won’t (likely) increase – you are tossing data. </a:t>
-            </a:r>
-          </a:p>
-          <a:p>
-            <a:r>
-              <a:rPr lang="en-US" dirty="0"/>
-              <a:t>Can’t reliably separate different meanings of one word. </a:t>
-            </a:r>
-          </a:p>
-          <a:p>
-            <a:r>
-              <a:rPr lang="en-US" dirty="0"/>
-              <a:t>Similar to how PCA reconstructs features into more meaningful components. </a:t>
-            </a:r>
-          </a:p>
-        </p:txBody>
-      </p:sp>
-    </p:spTree>
-    <p:extLst>
-      <p:ext uri="{BB962C8B-B14F-4D97-AF65-F5344CB8AC3E}">
-        <p14:creationId xmlns:p14="http://schemas.microsoft.com/office/powerpoint/2010/main" val="3772727615"/>
-      </p:ext>
-    </p:extLst>
-  </p:cSld>
-  <p:clrMapOvr>
-    <a:masterClrMapping/>
-  </p:clrMapOvr>
-</p:sld>
-</file>
-
 <file path=ppt/slides/slide13.xml><?xml version="1.0" encoding="utf-8"?>
 <p:sld xmlns:a="http://schemas.openxmlformats.org/drawingml/2006/main" xmlns:r="http://schemas.openxmlformats.org/officeDocument/2006/relationships" xmlns:p="http://schemas.openxmlformats.org/presentationml/2006/main">
   <p:cSld>
@@ -4272,7 +4260,7 @@
           <p:cNvPr id="2" name="Title 1">
             <a:extLst>
               <a:ext uri="{FF2B5EF4-FFF2-40B4-BE49-F238E27FC236}">
-                <a16:creationId xmlns:a16="http://schemas.microsoft.com/office/drawing/2014/main" id="{F369C7DA-D147-B95D-4158-D0B38510E4E5}"/>
+                <a16:creationId xmlns:a16="http://schemas.microsoft.com/office/drawing/2014/main" id="{F7BDA15F-2865-624E-88AB-16D82E0001B0}"/>
               </a:ext>
             </a:extLst>
           </p:cNvPr>
@@ -4290,7 +4278,7 @@
           <a:p>
             <a:r>
               <a:rPr lang="en-US" dirty="0"/>
-              <a:t>TSVD Results</a:t>
+              <a:t>Truncated SVD - Results</a:t>
             </a:r>
           </a:p>
         </p:txBody>
@@ -4300,7 +4288,7 @@
           <p:cNvPr id="3" name="Content Placeholder 2">
             <a:extLst>
               <a:ext uri="{FF2B5EF4-FFF2-40B4-BE49-F238E27FC236}">
-                <a16:creationId xmlns:a16="http://schemas.microsoft.com/office/drawing/2014/main" id="{82002585-4190-C6A7-99FB-B59EBCB2064F}"/>
+                <a16:creationId xmlns:a16="http://schemas.microsoft.com/office/drawing/2014/main" id="{088D1D4E-CD49-FA4B-B96D-7B71B4D9CEA5}"/>
               </a:ext>
             </a:extLst>
           </p:cNvPr>
@@ -4313,85 +4301,68 @@
         </p:nvSpPr>
         <p:spPr>
           <a:xfrm>
-            <a:off x="1451579" y="4412161"/>
-            <a:ext cx="9603275" cy="1641319"/>
+            <a:off x="1451579" y="2015732"/>
+            <a:ext cx="9603275" cy="4037749"/>
           </a:xfrm>
         </p:spPr>
         <p:txBody>
-          <a:bodyPr>
-            <a:normAutofit lnSpcReduction="10000"/>
-          </a:bodyPr>
-          <a:lstStyle/>
-          <a:p>
-            <a:r>
-              <a:rPr lang="en-US" dirty="0"/>
-              <a:t>This is an example of the ‘topics’ detected from </a:t>
-            </a:r>
-            <a:r>
-              <a:rPr lang="en-US" dirty="0" err="1"/>
-              <a:t>tsvd</a:t>
-            </a:r>
-            <a:r>
-              <a:rPr lang="en-US" dirty="0"/>
-              <a:t>. </a:t>
-            </a:r>
-          </a:p>
-          <a:p>
-            <a:pPr lvl="1"/>
-            <a:r>
-              <a:rPr lang="en-US" dirty="0"/>
-              <a:t>The topics are similar, as far as the model is concerned. </a:t>
-            </a:r>
-          </a:p>
-          <a:p>
-            <a:r>
-              <a:rPr lang="en-US" dirty="0"/>
-              <a:t>These topics aren’t defined from outside, the process learns them. </a:t>
-            </a:r>
-          </a:p>
-          <a:p>
-            <a:pPr lvl="1"/>
-            <a:r>
-              <a:rPr lang="en-US" dirty="0"/>
-              <a:t>The process has no understanding of meaning here, it’s just math. </a:t>
-            </a:r>
-          </a:p>
-        </p:txBody>
-      </p:sp>
-      <p:pic>
-        <p:nvPicPr>
-          <p:cNvPr id="4" name="Picture 3">
-            <a:extLst>
-              <a:ext uri="{FF2B5EF4-FFF2-40B4-BE49-F238E27FC236}">
-                <a16:creationId xmlns:a16="http://schemas.microsoft.com/office/drawing/2014/main" id="{839D5702-1E49-1F86-A71E-C991A9E91498}"/>
-              </a:ext>
-            </a:extLst>
-          </p:cNvPr>
-          <p:cNvPicPr>
-            <a:picLocks noChangeAspect="1"/>
-          </p:cNvPicPr>
-          <p:nvPr/>
-        </p:nvPicPr>
-        <p:blipFill>
-          <a:blip r:embed="rId2"/>
-          <a:stretch>
-            <a:fillRect/>
-          </a:stretch>
-        </p:blipFill>
-        <p:spPr>
-          <a:xfrm>
-            <a:off x="77276" y="2007066"/>
-            <a:ext cx="12037447" cy="2405095"/>
-          </a:xfrm>
-          <a:prstGeom prst="rect">
-            <a:avLst/>
-          </a:prstGeom>
-        </p:spPr>
-      </p:pic>
+          <a:bodyPr/>
+          <a:lstStyle/>
+          <a:p>
+            <a:r>
+              <a:rPr lang="en-US" dirty="0"/>
+              <a:t>SVD aims to capture the maximum meaning with the minimum amount of data. </a:t>
+            </a:r>
+          </a:p>
+          <a:p>
+            <a:r>
+              <a:rPr lang="en-US" dirty="0"/>
+              <a:t>Only the strongest concepts are kept. </a:t>
+            </a:r>
+          </a:p>
+          <a:p>
+            <a:r>
+              <a:rPr lang="en-US" dirty="0"/>
+              <a:t>Feature set can be massively reduced. </a:t>
+            </a:r>
+          </a:p>
+          <a:p>
+            <a:r>
+              <a:rPr lang="en-US" dirty="0"/>
+              <a:t>We don’t know a good number of components going in – we need to tune it. </a:t>
+            </a:r>
+          </a:p>
+          <a:p>
+            <a:r>
+              <a:rPr lang="en-US" dirty="0"/>
+              <a:t>Prediction accuracy is usually “close”, but with a far smaller feature set. </a:t>
+            </a:r>
+          </a:p>
+          <a:p>
+            <a:pPr lvl="1"/>
+            <a:r>
+              <a:rPr lang="en-US" dirty="0"/>
+              <a:t>Accuracy won’t (likely) increase – you are tossing data. </a:t>
+            </a:r>
+          </a:p>
+          <a:p>
+            <a:r>
+              <a:rPr lang="en-US" dirty="0"/>
+              <a:t>Can’t reliably separate different meanings of one word. </a:t>
+            </a:r>
+          </a:p>
+          <a:p>
+            <a:r>
+              <a:rPr lang="en-US" dirty="0"/>
+              <a:t>Similar to how PCA reconstructs features into more meaningful components. </a:t>
+            </a:r>
+          </a:p>
+        </p:txBody>
+      </p:sp>
     </p:spTree>
     <p:extLst>
       <p:ext uri="{BB962C8B-B14F-4D97-AF65-F5344CB8AC3E}">
-        <p14:creationId xmlns:p14="http://schemas.microsoft.com/office/powerpoint/2010/main" val="1714369486"/>
+        <p14:creationId xmlns:p14="http://schemas.microsoft.com/office/powerpoint/2010/main" val="3772727615"/>
       </p:ext>
     </p:extLst>
   </p:cSld>
@@ -4423,7 +4394,7 @@
           <p:cNvPr id="2" name="Title 1">
             <a:extLst>
               <a:ext uri="{FF2B5EF4-FFF2-40B4-BE49-F238E27FC236}">
-                <a16:creationId xmlns:a16="http://schemas.microsoft.com/office/drawing/2014/main" id="{3808307A-86A8-4E2B-B16C-F1148CCD7C95}"/>
+                <a16:creationId xmlns:a16="http://schemas.microsoft.com/office/drawing/2014/main" id="{F369C7DA-D147-B95D-4158-D0B38510E4E5}"/>
               </a:ext>
             </a:extLst>
           </p:cNvPr>
@@ -4434,14 +4405,19 @@
             <p:ph type="title"/>
           </p:nvPr>
         </p:nvSpPr>
-        <p:spPr/>
-        <p:txBody>
-          <a:bodyPr/>
-          <a:lstStyle/>
-          <a:p>
-            <a:r>
-              <a:rPr lang="en-US" dirty="0"/>
-              <a:t>Numbers from Words </a:t>
+        <p:spPr>
+          <a:xfrm>
+            <a:off x="1451579" y="1"/>
+            <a:ext cx="9603275" cy="565483"/>
+          </a:xfrm>
+        </p:spPr>
+        <p:txBody>
+          <a:bodyPr/>
+          <a:lstStyle/>
+          <a:p>
+            <a:r>
+              <a:rPr lang="en-US" dirty="0"/>
+              <a:t>TSVD Results</a:t>
             </a:r>
           </a:p>
         </p:txBody>
@@ -4451,7 +4427,7 @@
           <p:cNvPr id="3" name="Content Placeholder 2">
             <a:extLst>
               <a:ext uri="{FF2B5EF4-FFF2-40B4-BE49-F238E27FC236}">
-                <a16:creationId xmlns:a16="http://schemas.microsoft.com/office/drawing/2014/main" id="{EC19EA0C-E1BB-25C9-0019-7CFDEFCFE9F9}"/>
+                <a16:creationId xmlns:a16="http://schemas.microsoft.com/office/drawing/2014/main" id="{82002585-4190-C6A7-99FB-B59EBCB2064F}"/>
               </a:ext>
             </a:extLst>
           </p:cNvPr>
@@ -4464,74 +4440,104 @@
         </p:nvSpPr>
         <p:spPr>
           <a:xfrm>
-            <a:off x="1003853" y="1853754"/>
-            <a:ext cx="10644808" cy="4199727"/>
+            <a:off x="360947" y="2970579"/>
+            <a:ext cx="11550316" cy="3082901"/>
           </a:xfrm>
         </p:spPr>
         <p:txBody>
-          <a:bodyPr/>
-          <a:lstStyle/>
-          <a:p>
-            <a:r>
-              <a:rPr lang="en-US" dirty="0"/>
-              <a:t>Every tool aims to generate some numeric representation of the text – needed </a:t>
-            </a:r>
-            <a:r>
-              <a:rPr lang="en-US"/>
-              <a:t>for model. </a:t>
-            </a:r>
-            <a:endParaRPr lang="en-US" dirty="0"/>
-          </a:p>
-          <a:p>
-            <a:r>
-              <a:rPr lang="en-US" dirty="0"/>
-              <a:t>Count vectorization does it with simple arithmetic. </a:t>
-            </a:r>
-          </a:p>
-          <a:p>
-            <a:r>
-              <a:rPr lang="en-US" dirty="0"/>
-              <a:t>TF-IDF does it with some algebra. </a:t>
-            </a:r>
-          </a:p>
-          <a:p>
-            <a:r>
-              <a:rPr lang="en-US" dirty="0"/>
-              <a:t>Truncated SVD does it with some linear algebra. </a:t>
-            </a:r>
-          </a:p>
-          <a:p>
-            <a:r>
-              <a:rPr lang="en-US" dirty="0"/>
-              <a:t>Other tools do it with predictive models. </a:t>
-            </a:r>
-          </a:p>
-          <a:p>
-            <a:r>
-              <a:rPr lang="en-US" dirty="0"/>
-              <a:t>Generally, we call the result of the models' embeddings (others do too, but term is less common): </a:t>
-            </a:r>
-          </a:p>
-          <a:p>
-            <a:pPr lvl="1"/>
-            <a:r>
-              <a:rPr lang="en-US" dirty="0"/>
-              <a:t>This embedding space is multi-dimensional – each term is represented by K numbers. </a:t>
-            </a:r>
-          </a:p>
-          <a:p>
-            <a:pPr lvl="1"/>
-            <a:r>
-              <a:rPr lang="en-US" dirty="0"/>
-              <a:t>The larger K gets, the more accurate our representation can be, given we have the data. </a:t>
-            </a:r>
-          </a:p>
-        </p:txBody>
-      </p:sp>
+          <a:bodyPr>
+            <a:normAutofit/>
+          </a:bodyPr>
+          <a:lstStyle/>
+          <a:p>
+            <a:r>
+              <a:rPr lang="en-US" dirty="0"/>
+              <a:t>This is an example of the ‘topics’ detected from </a:t>
+            </a:r>
+            <a:r>
+              <a:rPr lang="en-US" dirty="0" err="1"/>
+              <a:t>tsvd</a:t>
+            </a:r>
+            <a:r>
+              <a:rPr lang="en-US" dirty="0"/>
+              <a:t>. </a:t>
+            </a:r>
+          </a:p>
+          <a:p>
+            <a:pPr lvl="1"/>
+            <a:r>
+              <a:rPr lang="en-US" dirty="0"/>
+              <a:t>The topics are internally similar, as far as the model is concerned. </a:t>
+            </a:r>
+          </a:p>
+          <a:p>
+            <a:r>
+              <a:rPr lang="en-US" dirty="0"/>
+              <a:t>These topics aren’t defined from outside, the process learns them. (More data impacts this a lot). </a:t>
+            </a:r>
+          </a:p>
+          <a:p>
+            <a:pPr lvl="1"/>
+            <a:r>
+              <a:rPr lang="en-US" dirty="0"/>
+              <a:t>The process has no understanding of meaning here, it’s just math. </a:t>
+            </a:r>
+          </a:p>
+          <a:p>
+            <a:pPr lvl="1"/>
+            <a:r>
+              <a:rPr lang="en-US" dirty="0"/>
+              <a:t>1 is bank-y things, 3 is love, 8 is a future Netflix documentary. More data, better results. </a:t>
+            </a:r>
+          </a:p>
+          <a:p>
+            <a:r>
+              <a:rPr lang="en-US" dirty="0"/>
+              <a:t>For meaning predictions – knowing the topic is likely better than the exact token. </a:t>
+            </a:r>
+          </a:p>
+          <a:p>
+            <a:r>
+              <a:rPr lang="en-US" dirty="0"/>
+              <a:t>Inconsistency in meaning will require more data or worsen results. E.g. bad can be bad or good. </a:t>
+            </a:r>
+          </a:p>
+        </p:txBody>
+      </p:sp>
+      <p:pic>
+        <p:nvPicPr>
+          <p:cNvPr id="4" name="Picture 3">
+            <a:extLst>
+              <a:ext uri="{FF2B5EF4-FFF2-40B4-BE49-F238E27FC236}">
+                <a16:creationId xmlns:a16="http://schemas.microsoft.com/office/drawing/2014/main" id="{839D5702-1E49-1F86-A71E-C991A9E91498}"/>
+              </a:ext>
+            </a:extLst>
+          </p:cNvPr>
+          <p:cNvPicPr>
+            <a:picLocks noChangeAspect="1"/>
+          </p:cNvPicPr>
+          <p:nvPr/>
+        </p:nvPicPr>
+        <p:blipFill>
+          <a:blip r:embed="rId2"/>
+          <a:stretch>
+            <a:fillRect/>
+          </a:stretch>
+        </p:blipFill>
+        <p:spPr>
+          <a:xfrm>
+            <a:off x="77276" y="565484"/>
+            <a:ext cx="12037447" cy="2405095"/>
+          </a:xfrm>
+          <a:prstGeom prst="rect">
+            <a:avLst/>
+          </a:prstGeom>
+        </p:spPr>
+      </p:pic>
     </p:spTree>
     <p:extLst>
       <p:ext uri="{BB962C8B-B14F-4D97-AF65-F5344CB8AC3E}">
-        <p14:creationId xmlns:p14="http://schemas.microsoft.com/office/powerpoint/2010/main" val="3763944849"/>
+        <p14:creationId xmlns:p14="http://schemas.microsoft.com/office/powerpoint/2010/main" val="1714369486"/>
       </p:ext>
     </p:extLst>
   </p:cSld>
@@ -4563,7 +4569,7 @@
           <p:cNvPr id="2" name="Title 1">
             <a:extLst>
               <a:ext uri="{FF2B5EF4-FFF2-40B4-BE49-F238E27FC236}">
-                <a16:creationId xmlns:a16="http://schemas.microsoft.com/office/drawing/2014/main" id="{58EEC8AC-2DCC-B80D-D838-619FC0C4C14C}"/>
+                <a16:creationId xmlns:a16="http://schemas.microsoft.com/office/drawing/2014/main" id="{D55FE3DF-2907-02D8-E6FE-A6DA6EDE96A9}"/>
               </a:ext>
             </a:extLst>
           </p:cNvPr>
@@ -4581,7 +4587,7 @@
           <a:p>
             <a:r>
               <a:rPr lang="en-US" dirty="0"/>
-              <a:t>Embedding Generating Tools</a:t>
+              <a:t>Slight Detour – Remember R2?</a:t>
             </a:r>
           </a:p>
         </p:txBody>
@@ -4591,7 +4597,7 @@
           <p:cNvPr id="3" name="Content Placeholder 2">
             <a:extLst>
               <a:ext uri="{FF2B5EF4-FFF2-40B4-BE49-F238E27FC236}">
-                <a16:creationId xmlns:a16="http://schemas.microsoft.com/office/drawing/2014/main" id="{FABD49CF-7DD4-5F36-37EB-E24713DB8258}"/>
+                <a16:creationId xmlns:a16="http://schemas.microsoft.com/office/drawing/2014/main" id="{A1F7ED1F-0799-FA26-0B4B-B66676A93C27}"/>
               </a:ext>
             </a:extLst>
           </p:cNvPr>
@@ -4602,19 +4608,74 @@
             <p:ph idx="1"/>
           </p:nvPr>
         </p:nvSpPr>
-        <p:spPr/>
-        <p:txBody>
-          <a:bodyPr/>
-          <a:lstStyle/>
-          <a:p>
-            <a:endParaRPr lang="en-US"/>
+        <p:spPr>
+          <a:xfrm>
+            <a:off x="1451579" y="1853754"/>
+            <a:ext cx="9978421" cy="4199727"/>
+          </a:xfrm>
+        </p:spPr>
+        <p:txBody>
+          <a:bodyPr/>
+          <a:lstStyle/>
+          <a:p>
+            <a:r>
+              <a:rPr lang="en-US" dirty="0"/>
+              <a:t>One of the key metrics we use in regression is the coefficient of determination – R2. </a:t>
+            </a:r>
+          </a:p>
+          <a:p>
+            <a:r>
+              <a:rPr lang="en-US" dirty="0"/>
+              <a:t>R2 tells us the proportion of variance in the target that is explained by our model. </a:t>
+            </a:r>
+          </a:p>
+          <a:p>
+            <a:pPr lvl="1"/>
+            <a:r>
+              <a:rPr lang="en-US" dirty="0"/>
+              <a:t>i.e. an R2 of .8 for predicting lifespan means that our model accounts for 80% of the value of the target, while stuff not captured by our model is the other 20%. </a:t>
+            </a:r>
+          </a:p>
+          <a:p>
+            <a:r>
+              <a:rPr lang="en-US" dirty="0"/>
+              <a:t>When we do dimensional reduction, we can think of it like R2. (Conceptually, not literally).</a:t>
+            </a:r>
+          </a:p>
+          <a:p>
+            <a:pPr lvl="1"/>
+            <a:r>
+              <a:rPr lang="en-US" dirty="0"/>
+              <a:t>Our original M features (as a whole) capture K% of the meaning of the document. </a:t>
+            </a:r>
+          </a:p>
+          <a:p>
+            <a:pPr lvl="1"/>
+            <a:r>
+              <a:rPr lang="en-US" dirty="0"/>
+              <a:t>After reduction, we have &lt;M features, but hopefully capture ~K of the meaning. </a:t>
+            </a:r>
+          </a:p>
+          <a:p>
+            <a:pPr lvl="1"/>
+            <a:r>
+              <a:rPr lang="en-US" dirty="0"/>
+              <a:t>Each of our features captures more useful data, while we discard the non-useful parts.</a:t>
+            </a:r>
+          </a:p>
+          <a:p>
+            <a:pPr lvl="1"/>
+            <a:r>
+              <a:rPr lang="en-US" dirty="0"/>
+              <a:t>Kind of (even more conceptually) like multicollinearity – capture meaning in fewer features. </a:t>
+            </a:r>
           </a:p>
         </p:txBody>
       </p:sp>
     </p:spTree>
     <p:extLst>
       <p:ext uri="{BB962C8B-B14F-4D97-AF65-F5344CB8AC3E}">
-        <p14:creationId xmlns:p14="http://schemas.microsoft.com/office/powerpoint/2010/main" val="1103754389"/>
+        <p14:creationId xmlns:p14="http://schemas.microsoft.com/office/powerpoint/2010/main" val="1296426880"/>
       </p:ext>
     </p:extLst>
   </p:cSld>
@@ -4646,7 +4707,7 @@
           <p:cNvPr id="2" name="Title 1">
             <a:extLst>
               <a:ext uri="{FF2B5EF4-FFF2-40B4-BE49-F238E27FC236}">
-                <a16:creationId xmlns:a16="http://schemas.microsoft.com/office/drawing/2014/main" id="{79ABC1E9-9DB9-D348-83D2-878E06DE33E3}"/>
+                <a16:creationId xmlns:a16="http://schemas.microsoft.com/office/drawing/2014/main" id="{3808307A-86A8-4E2B-B16C-F1148CCD7C95}"/>
               </a:ext>
             </a:extLst>
           </p:cNvPr>
@@ -4664,7 +4725,7 @@
           <a:p>
             <a:r>
               <a:rPr lang="en-US" dirty="0"/>
-              <a:t>Word2Vec and Alternate encodings</a:t>
+              <a:t>Numbers from Words </a:t>
             </a:r>
           </a:p>
         </p:txBody>
@@ -4674,7 +4735,7 @@
           <p:cNvPr id="3" name="Content Placeholder 2">
             <a:extLst>
               <a:ext uri="{FF2B5EF4-FFF2-40B4-BE49-F238E27FC236}">
-                <a16:creationId xmlns:a16="http://schemas.microsoft.com/office/drawing/2014/main" id="{3FB3ECEC-AE79-BF4D-99A3-10DDD2E855FC}"/>
+                <a16:creationId xmlns:a16="http://schemas.microsoft.com/office/drawing/2014/main" id="{EC19EA0C-E1BB-25C9-0019-7CFDEFCFE9F9}"/>
               </a:ext>
             </a:extLst>
           </p:cNvPr>
@@ -4687,8 +4748,8 @@
         </p:nvSpPr>
         <p:spPr>
           <a:xfrm>
-            <a:off x="1451579" y="2015732"/>
-            <a:ext cx="9603275" cy="4037749"/>
+            <a:off x="1003853" y="1853754"/>
+            <a:ext cx="10644808" cy="4199727"/>
           </a:xfrm>
         </p:spPr>
         <p:txBody>
@@ -4697,31 +4758,56 @@
           <a:p>
             <a:r>
               <a:rPr lang="en-US" dirty="0"/>
-              <a:t>There are lots of other NLP libraries out there that take different approaches to dealing with text. </a:t>
-            </a:r>
-          </a:p>
-          <a:p>
-            <a:r>
-              <a:rPr lang="en-US" dirty="0"/>
-              <a:t>One library we can use is Word2Vec, originally developed by Google. </a:t>
-            </a:r>
-          </a:p>
-          <a:p>
-            <a:r>
-              <a:rPr lang="en-US" dirty="0"/>
-              <a:t>Word2Vec transforms words into vector representations using a neural network. </a:t>
-            </a:r>
-          </a:p>
-          <a:p>
-            <a:r>
-              <a:rPr lang="en-US" dirty="0"/>
-              <a:t>Word2Vec looks at words and their surroundings in sentences (documents) to generate the encoding. </a:t>
-            </a:r>
-          </a:p>
-          <a:p>
-            <a:r>
-              <a:rPr lang="en-US" dirty="0"/>
-              <a:t>Each word gets a vector of values that encodes it, not just one number. </a:t>
+              <a:t>Every tool aims to generate some numeric representation of the text – needed </a:t>
+            </a:r>
+            <a:r>
+              <a:rPr lang="en-US"/>
+              <a:t>for model. </a:t>
+            </a:r>
+            <a:endParaRPr lang="en-US" dirty="0"/>
+          </a:p>
+          <a:p>
+            <a:r>
+              <a:rPr lang="en-US" dirty="0"/>
+              <a:t>Count vectorization does it with simple arithmetic. </a:t>
+            </a:r>
+          </a:p>
+          <a:p>
+            <a:r>
+              <a:rPr lang="en-US" dirty="0"/>
+              <a:t>TF-IDF does it with some algebra. </a:t>
+            </a:r>
+          </a:p>
+          <a:p>
+            <a:r>
+              <a:rPr lang="en-US" dirty="0"/>
+              <a:t>Truncated SVD does it with some linear algebra. </a:t>
+            </a:r>
+          </a:p>
+          <a:p>
+            <a:r>
+              <a:rPr lang="en-US" dirty="0"/>
+              <a:t>Other tools do it with predictive models. </a:t>
+            </a:r>
+          </a:p>
+          <a:p>
+            <a:r>
+              <a:rPr lang="en-US" dirty="0"/>
+              <a:t>Generally, we call the result of the models' embeddings (others do too, but term is less common): </a:t>
+            </a:r>
+          </a:p>
+          <a:p>
+            <a:pPr lvl="1"/>
+            <a:r>
+              <a:rPr lang="en-US" dirty="0"/>
+              <a:t>This embedding space is multi-dimensional – each term is represented by K numbers. </a:t>
+            </a:r>
+          </a:p>
+          <a:p>
+            <a:pPr lvl="1"/>
+            <a:r>
+              <a:rPr lang="en-US" dirty="0"/>
+              <a:t>The larger K gets, the more accurate our representation can be, given we have the data. </a:t>
             </a:r>
           </a:p>
         </p:txBody>
@@ -4729,7 +4815,7 @@
     </p:spTree>
     <p:extLst>
       <p:ext uri="{BB962C8B-B14F-4D97-AF65-F5344CB8AC3E}">
-        <p14:creationId xmlns:p14="http://schemas.microsoft.com/office/powerpoint/2010/main" val="2027915239"/>
+        <p14:creationId xmlns:p14="http://schemas.microsoft.com/office/powerpoint/2010/main" val="3763944849"/>
       </p:ext>
     </p:extLst>
   </p:cSld>
@@ -4761,6 +4847,204 @@
           <p:cNvPr id="2" name="Title 1">
             <a:extLst>
               <a:ext uri="{FF2B5EF4-FFF2-40B4-BE49-F238E27FC236}">
+                <a16:creationId xmlns:a16="http://schemas.microsoft.com/office/drawing/2014/main" id="{58EEC8AC-2DCC-B80D-D838-619FC0C4C14C}"/>
+              </a:ext>
+            </a:extLst>
+          </p:cNvPr>
+          <p:cNvSpPr>
+            <a:spLocks noGrp="1"/>
+          </p:cNvSpPr>
+          <p:nvPr>
+            <p:ph type="title"/>
+          </p:nvPr>
+        </p:nvSpPr>
+        <p:spPr/>
+        <p:txBody>
+          <a:bodyPr/>
+          <a:lstStyle/>
+          <a:p>
+            <a:r>
+              <a:rPr lang="en-US" dirty="0"/>
+              <a:t>Embedding Generating Tools</a:t>
+            </a:r>
+          </a:p>
+        </p:txBody>
+      </p:sp>
+      <p:sp>
+        <p:nvSpPr>
+          <p:cNvPr id="3" name="Content Placeholder 2">
+            <a:extLst>
+              <a:ext uri="{FF2B5EF4-FFF2-40B4-BE49-F238E27FC236}">
+                <a16:creationId xmlns:a16="http://schemas.microsoft.com/office/drawing/2014/main" id="{FABD49CF-7DD4-5F36-37EB-E24713DB8258}"/>
+              </a:ext>
+            </a:extLst>
+          </p:cNvPr>
+          <p:cNvSpPr>
+            <a:spLocks noGrp="1"/>
+          </p:cNvSpPr>
+          <p:nvPr>
+            <p:ph idx="1"/>
+          </p:nvPr>
+        </p:nvSpPr>
+        <p:spPr/>
+        <p:txBody>
+          <a:bodyPr/>
+          <a:lstStyle/>
+          <a:p>
+            <a:endParaRPr lang="en-US"/>
+          </a:p>
+        </p:txBody>
+      </p:sp>
+    </p:spTree>
+    <p:extLst>
+      <p:ext uri="{BB962C8B-B14F-4D97-AF65-F5344CB8AC3E}">
+        <p14:creationId xmlns:p14="http://schemas.microsoft.com/office/powerpoint/2010/main" val="1103754389"/>
+      </p:ext>
+    </p:extLst>
+  </p:cSld>
+  <p:clrMapOvr>
+    <a:masterClrMapping/>
+  </p:clrMapOvr>
+</p:sld>
+</file>
+
+<file path=ppt/slides/slide18.xml><?xml version="1.0" encoding="utf-8"?>
+<p:sld xmlns:a="http://schemas.openxmlformats.org/drawingml/2006/main" xmlns:r="http://schemas.openxmlformats.org/officeDocument/2006/relationships" xmlns:p="http://schemas.openxmlformats.org/presentationml/2006/main">
+  <p:cSld>
+    <p:spTree>
+      <p:nvGrpSpPr>
+        <p:cNvPr id="1" name=""/>
+        <p:cNvGrpSpPr/>
+        <p:nvPr/>
+      </p:nvGrpSpPr>
+      <p:grpSpPr>
+        <a:xfrm>
+          <a:off x="0" y="0"/>
+          <a:ext cx="0" cy="0"/>
+          <a:chOff x="0" y="0"/>
+          <a:chExt cx="0" cy="0"/>
+        </a:xfrm>
+      </p:grpSpPr>
+      <p:sp>
+        <p:nvSpPr>
+          <p:cNvPr id="2" name="Title 1">
+            <a:extLst>
+              <a:ext uri="{FF2B5EF4-FFF2-40B4-BE49-F238E27FC236}">
+                <a16:creationId xmlns:a16="http://schemas.microsoft.com/office/drawing/2014/main" id="{79ABC1E9-9DB9-D348-83D2-878E06DE33E3}"/>
+              </a:ext>
+            </a:extLst>
+          </p:cNvPr>
+          <p:cNvSpPr>
+            <a:spLocks noGrp="1"/>
+          </p:cNvSpPr>
+          <p:nvPr>
+            <p:ph type="title"/>
+          </p:nvPr>
+        </p:nvSpPr>
+        <p:spPr/>
+        <p:txBody>
+          <a:bodyPr/>
+          <a:lstStyle/>
+          <a:p>
+            <a:r>
+              <a:rPr lang="en-US" dirty="0"/>
+              <a:t>Word2Vec and Alternate encodings</a:t>
+            </a:r>
+          </a:p>
+        </p:txBody>
+      </p:sp>
+      <p:sp>
+        <p:nvSpPr>
+          <p:cNvPr id="3" name="Content Placeholder 2">
+            <a:extLst>
+              <a:ext uri="{FF2B5EF4-FFF2-40B4-BE49-F238E27FC236}">
+                <a16:creationId xmlns:a16="http://schemas.microsoft.com/office/drawing/2014/main" id="{3FB3ECEC-AE79-BF4D-99A3-10DDD2E855FC}"/>
+              </a:ext>
+            </a:extLst>
+          </p:cNvPr>
+          <p:cNvSpPr>
+            <a:spLocks noGrp="1"/>
+          </p:cNvSpPr>
+          <p:nvPr>
+            <p:ph idx="1"/>
+          </p:nvPr>
+        </p:nvSpPr>
+        <p:spPr>
+          <a:xfrm>
+            <a:off x="1451579" y="2015732"/>
+            <a:ext cx="9603275" cy="4037749"/>
+          </a:xfrm>
+        </p:spPr>
+        <p:txBody>
+          <a:bodyPr/>
+          <a:lstStyle/>
+          <a:p>
+            <a:r>
+              <a:rPr lang="en-US" dirty="0"/>
+              <a:t>There are lots of other NLP libraries out there that take different approaches to dealing with text. </a:t>
+            </a:r>
+          </a:p>
+          <a:p>
+            <a:r>
+              <a:rPr lang="en-US" dirty="0"/>
+              <a:t>One library we can use is Word2Vec, originally developed by Google. </a:t>
+            </a:r>
+          </a:p>
+          <a:p>
+            <a:r>
+              <a:rPr lang="en-US" dirty="0"/>
+              <a:t>Word2Vec transforms words into vector representations using a neural network. </a:t>
+            </a:r>
+          </a:p>
+          <a:p>
+            <a:r>
+              <a:rPr lang="en-US" dirty="0"/>
+              <a:t>Word2Vec looks at words and their surroundings in sentences (documents) to generate the encoding. </a:t>
+            </a:r>
+          </a:p>
+          <a:p>
+            <a:r>
+              <a:rPr lang="en-US" dirty="0"/>
+              <a:t>Each word gets a vector of values that encodes it, not just one number. </a:t>
+            </a:r>
+          </a:p>
+        </p:txBody>
+      </p:sp>
+    </p:spTree>
+    <p:extLst>
+      <p:ext uri="{BB962C8B-B14F-4D97-AF65-F5344CB8AC3E}">
+        <p14:creationId xmlns:p14="http://schemas.microsoft.com/office/powerpoint/2010/main" val="2027915239"/>
+      </p:ext>
+    </p:extLst>
+  </p:cSld>
+  <p:clrMapOvr>
+    <a:masterClrMapping/>
+  </p:clrMapOvr>
+</p:sld>
+</file>
+
+<file path=ppt/slides/slide19.xml><?xml version="1.0" encoding="utf-8"?>
+<p:sld xmlns:a="http://schemas.openxmlformats.org/drawingml/2006/main" xmlns:r="http://schemas.openxmlformats.org/officeDocument/2006/relationships" xmlns:p="http://schemas.openxmlformats.org/presentationml/2006/main">
+  <p:cSld>
+    <p:spTree>
+      <p:nvGrpSpPr>
+        <p:cNvPr id="1" name=""/>
+        <p:cNvGrpSpPr/>
+        <p:nvPr/>
+      </p:nvGrpSpPr>
+      <p:grpSpPr>
+        <a:xfrm>
+          <a:off x="0" y="0"/>
+          <a:ext cx="0" cy="0"/>
+          <a:chOff x="0" y="0"/>
+          <a:chExt cx="0" cy="0"/>
+        </a:xfrm>
+      </p:grpSpPr>
+      <p:sp>
+        <p:nvSpPr>
+          <p:cNvPr id="2" name="Title 1">
+            <a:extLst>
+              <a:ext uri="{FF2B5EF4-FFF2-40B4-BE49-F238E27FC236}">
                 <a16:creationId xmlns:a16="http://schemas.microsoft.com/office/drawing/2014/main" id="{250C2BFA-C699-9F44-9DE2-BBBD054F4D03}"/>
               </a:ext>
             </a:extLst>
@@ -4779,7 +5063,7 @@
           <a:p>
             <a:r>
               <a:rPr lang="en-US" dirty="0"/>
-              <a:t>Word2Vec</a:t>
+              <a:t>Embeddings</a:t>
             </a:r>
           </a:p>
         </p:txBody>
@@ -4802,17 +5086,19 @@
         </p:nvSpPr>
         <p:spPr>
           <a:xfrm>
-            <a:off x="1451579" y="3962400"/>
-            <a:ext cx="9603275" cy="1939047"/>
+            <a:off x="1292087" y="3429000"/>
+            <a:ext cx="10426148" cy="2642046"/>
           </a:xfrm>
         </p:spPr>
         <p:txBody>
-          <a:bodyPr/>
-          <a:lstStyle/>
-          <a:p>
-            <a:r>
-              <a:rPr lang="en-US" dirty="0"/>
-              <a:t>Each word is defined by a 100/200/2000 dimension vector of values. </a:t>
+          <a:bodyPr>
+            <a:normAutofit/>
+          </a:bodyPr>
+          <a:lstStyle/>
+          <a:p>
+            <a:r>
+              <a:rPr lang="en-US" dirty="0"/>
+              <a:t>Each word is defined by a 100/200/2000/big number dimension vector of values. </a:t>
             </a:r>
           </a:p>
           <a:p>
@@ -4825,6 +5111,35 @@
             <a:r>
               <a:rPr lang="en-US" dirty="0"/>
               <a:t>Each word is “placed” in that N-dim space, and it “sits” in an area of similar words. </a:t>
+            </a:r>
+          </a:p>
+          <a:p>
+            <a:pPr lvl="1"/>
+            <a:r>
+              <a:rPr lang="en-US" dirty="0"/>
+              <a:t>Large embeddings basically plot tokens in large D, the distance to other tokens is the similarity. </a:t>
+            </a:r>
+          </a:p>
+          <a:p>
+            <a:pPr lvl="1"/>
+            <a:r>
+              <a:rPr lang="en-US" dirty="0"/>
+              <a:t>E.g. Man, dude, guy, </a:t>
+            </a:r>
+            <a:r>
+              <a:rPr lang="en-US" dirty="0" err="1"/>
+              <a:t>brochacho</a:t>
+            </a:r>
+            <a:r>
+              <a:rPr lang="en-US" dirty="0"/>
+              <a:t>, will all have similar values in nearly all dimensions. </a:t>
+            </a:r>
+          </a:p>
+          <a:p>
+            <a:pPr lvl="2"/>
+            <a:r>
+              <a:rPr lang="en-US" dirty="0"/>
+              <a:t>The ones where they differ will (very roughly) measure things like formality. (This is rough, not pre-def.)</a:t>
             </a:r>
           </a:p>
         </p:txBody>
@@ -4858,7 +5173,7 @@
         </p:blipFill>
         <p:spPr bwMode="auto">
           <a:xfrm>
-            <a:off x="1640138" y="1853754"/>
+            <a:off x="1570564" y="1329136"/>
             <a:ext cx="8911723" cy="2108646"/>
           </a:xfrm>
           <a:prstGeom prst="rect">
@@ -4889,7 +5204,7 @@
 </p:sld>
 </file>
 
-<file path=ppt/slides/slide18.xml><?xml version="1.0" encoding="utf-8"?>
+<file path=ppt/slides/slide2.xml><?xml version="1.0" encoding="utf-8"?>
 <p:sld xmlns:a="http://schemas.openxmlformats.org/drawingml/2006/main" xmlns:r="http://schemas.openxmlformats.org/officeDocument/2006/relationships" xmlns:p="http://schemas.openxmlformats.org/presentationml/2006/main">
   <p:cSld>
     <p:spTree>
@@ -4911,6 +5226,610 @@
           <p:cNvPr id="2" name="Title 1">
             <a:extLst>
               <a:ext uri="{FF2B5EF4-FFF2-40B4-BE49-F238E27FC236}">
+                <a16:creationId xmlns:a16="http://schemas.microsoft.com/office/drawing/2014/main" id="{A4FF979B-3BE2-8A46-8F66-12A03A428907}"/>
+              </a:ext>
+            </a:extLst>
+          </p:cNvPr>
+          <p:cNvSpPr>
+            <a:spLocks noGrp="1"/>
+          </p:cNvSpPr>
+          <p:nvPr>
+            <p:ph type="ctrTitle"/>
+          </p:nvPr>
+        </p:nvSpPr>
+        <p:spPr/>
+        <p:txBody>
+          <a:bodyPr/>
+          <a:lstStyle/>
+          <a:p>
+            <a:r>
+              <a:rPr lang="en-US" dirty="0"/>
+              <a:t>NLP Part 2</a:t>
+            </a:r>
+          </a:p>
+        </p:txBody>
+      </p:sp>
+      <p:sp>
+        <p:nvSpPr>
+          <p:cNvPr id="3" name="Subtitle 2">
+            <a:extLst>
+              <a:ext uri="{FF2B5EF4-FFF2-40B4-BE49-F238E27FC236}">
+                <a16:creationId xmlns:a16="http://schemas.microsoft.com/office/drawing/2014/main" id="{726EF9AF-2934-5C49-BEA4-8229E37E25B1}"/>
+              </a:ext>
+            </a:extLst>
+          </p:cNvPr>
+          <p:cNvSpPr>
+            <a:spLocks noGrp="1"/>
+          </p:cNvSpPr>
+          <p:nvPr>
+            <p:ph type="subTitle" idx="1"/>
+          </p:nvPr>
+        </p:nvSpPr>
+        <p:spPr/>
+        <p:txBody>
+          <a:bodyPr/>
+          <a:lstStyle/>
+          <a:p>
+            <a:endParaRPr lang="en-US"/>
+          </a:p>
+        </p:txBody>
+      </p:sp>
+    </p:spTree>
+    <p:extLst>
+      <p:ext uri="{BB962C8B-B14F-4D97-AF65-F5344CB8AC3E}">
+        <p14:creationId xmlns:p14="http://schemas.microsoft.com/office/powerpoint/2010/main" val="1673785752"/>
+      </p:ext>
+    </p:extLst>
+  </p:cSld>
+  <p:clrMapOvr>
+    <a:masterClrMapping/>
+  </p:clrMapOvr>
+</p:sld>
+</file>
+
+<file path=ppt/slides/slide20.xml><?xml version="1.0" encoding="utf-8"?>
+<p:sld xmlns:a="http://schemas.openxmlformats.org/drawingml/2006/main" xmlns:r="http://schemas.openxmlformats.org/officeDocument/2006/relationships" xmlns:p="http://schemas.openxmlformats.org/presentationml/2006/main">
+  <p:cSld>
+    <p:spTree>
+      <p:nvGrpSpPr>
+        <p:cNvPr id="1" name=""/>
+        <p:cNvGrpSpPr/>
+        <p:nvPr/>
+      </p:nvGrpSpPr>
+      <p:grpSpPr>
+        <a:xfrm>
+          <a:off x="0" y="0"/>
+          <a:ext cx="0" cy="0"/>
+          <a:chOff x="0" y="0"/>
+          <a:chExt cx="0" cy="0"/>
+        </a:xfrm>
+      </p:grpSpPr>
+      <p:sp>
+        <p:nvSpPr>
+          <p:cNvPr id="2" name="Title 1">
+            <a:extLst>
+              <a:ext uri="{FF2B5EF4-FFF2-40B4-BE49-F238E27FC236}">
+                <a16:creationId xmlns:a16="http://schemas.microsoft.com/office/drawing/2014/main" id="{D835ECFB-6194-91CC-3072-F1EF34FA3B76}"/>
+              </a:ext>
+            </a:extLst>
+          </p:cNvPr>
+          <p:cNvSpPr>
+            <a:spLocks noGrp="1"/>
+          </p:cNvSpPr>
+          <p:nvPr>
+            <p:ph type="title"/>
+          </p:nvPr>
+        </p:nvSpPr>
+        <p:spPr/>
+        <p:txBody>
+          <a:bodyPr/>
+          <a:lstStyle/>
+          <a:p>
+            <a:r>
+              <a:rPr lang="en-US" dirty="0"/>
+              <a:t>This, but in 5000 Dimensions</a:t>
+            </a:r>
+          </a:p>
+        </p:txBody>
+      </p:sp>
+      <p:sp>
+        <p:nvSpPr>
+          <p:cNvPr id="3" name="Content Placeholder 2">
+            <a:extLst>
+              <a:ext uri="{FF2B5EF4-FFF2-40B4-BE49-F238E27FC236}">
+                <a16:creationId xmlns:a16="http://schemas.microsoft.com/office/drawing/2014/main" id="{745DE9C9-9B32-28FE-3CD2-0301568E0FA5}"/>
+              </a:ext>
+            </a:extLst>
+          </p:cNvPr>
+          <p:cNvSpPr>
+            <a:spLocks noGrp="1"/>
+          </p:cNvSpPr>
+          <p:nvPr>
+            <p:ph idx="1"/>
+          </p:nvPr>
+        </p:nvSpPr>
+        <p:spPr/>
+        <p:txBody>
+          <a:bodyPr/>
+          <a:lstStyle/>
+          <a:p>
+            <a:endParaRPr lang="en-US"/>
+          </a:p>
+        </p:txBody>
+      </p:sp>
+      <p:pic>
+        <p:nvPicPr>
+          <p:cNvPr id="1026" name="Picture 2" descr="How to Develop Word Embeddings in Python with Gensim -  MachineLearningMastery.com">
+            <a:extLst>
+              <a:ext uri="{FF2B5EF4-FFF2-40B4-BE49-F238E27FC236}">
+                <a16:creationId xmlns:a16="http://schemas.microsoft.com/office/drawing/2014/main" id="{AB49025B-33C1-F887-DBB8-637B1D48959A}"/>
+              </a:ext>
+            </a:extLst>
+          </p:cNvPr>
+          <p:cNvPicPr>
+            <a:picLocks noChangeAspect="1" noChangeArrowheads="1"/>
+          </p:cNvPicPr>
+          <p:nvPr/>
+        </p:nvPicPr>
+        <p:blipFill>
+          <a:blip r:embed="rId2">
+            <a:extLst>
+              <a:ext uri="{28A0092B-C50C-407E-A947-70E740481C1C}">
+                <a14:useLocalDpi xmlns:a14="http://schemas.microsoft.com/office/drawing/2010/main" val="0"/>
+              </a:ext>
+            </a:extLst>
+          </a:blip>
+          <a:srcRect/>
+          <a:stretch>
+            <a:fillRect/>
+          </a:stretch>
+        </p:blipFill>
+        <p:spPr bwMode="auto">
+          <a:xfrm>
+            <a:off x="3573378" y="1537034"/>
+            <a:ext cx="7094621" cy="5320966"/>
+          </a:xfrm>
+          <a:prstGeom prst="rect">
+            <a:avLst/>
+          </a:prstGeom>
+          <a:noFill/>
+          <a:extLst>
+            <a:ext uri="{909E8E84-426E-40DD-AFC4-6F175D3DCCD1}">
+              <a14:hiddenFill xmlns:a14="http://schemas.microsoft.com/office/drawing/2010/main">
+                <a:solidFill>
+                  <a:srgbClr val="FFFFFF"/>
+                </a:solidFill>
+              </a14:hiddenFill>
+            </a:ext>
+          </a:extLst>
+        </p:spPr>
+      </p:pic>
+    </p:spTree>
+    <p:extLst>
+      <p:ext uri="{BB962C8B-B14F-4D97-AF65-F5344CB8AC3E}">
+        <p14:creationId xmlns:p14="http://schemas.microsoft.com/office/powerpoint/2010/main" val="2235428637"/>
+      </p:ext>
+    </p:extLst>
+  </p:cSld>
+  <p:clrMapOvr>
+    <a:masterClrMapping/>
+  </p:clrMapOvr>
+</p:sld>
+</file>
+
+<file path=ppt/slides/slide21.xml><?xml version="1.0" encoding="utf-8"?>
+<p:sld xmlns:a="http://schemas.openxmlformats.org/drawingml/2006/main" xmlns:r="http://schemas.openxmlformats.org/officeDocument/2006/relationships" xmlns:p="http://schemas.openxmlformats.org/presentationml/2006/main">
+  <p:cSld>
+    <p:spTree>
+      <p:nvGrpSpPr>
+        <p:cNvPr id="1" name=""/>
+        <p:cNvGrpSpPr/>
+        <p:nvPr/>
+      </p:nvGrpSpPr>
+      <p:grpSpPr>
+        <a:xfrm>
+          <a:off x="0" y="0"/>
+          <a:ext cx="0" cy="0"/>
+          <a:chOff x="0" y="0"/>
+          <a:chExt cx="0" cy="0"/>
+        </a:xfrm>
+      </p:grpSpPr>
+      <p:sp>
+        <p:nvSpPr>
+          <p:cNvPr id="2" name="Title 1">
+            <a:extLst>
+              <a:ext uri="{FF2B5EF4-FFF2-40B4-BE49-F238E27FC236}">
+                <a16:creationId xmlns:a16="http://schemas.microsoft.com/office/drawing/2014/main" id="{AD0F2834-A31C-84B8-F900-96154C9037B1}"/>
+              </a:ext>
+            </a:extLst>
+          </p:cNvPr>
+          <p:cNvSpPr>
+            <a:spLocks noGrp="1"/>
+          </p:cNvSpPr>
+          <p:nvPr>
+            <p:ph type="title"/>
+          </p:nvPr>
+        </p:nvSpPr>
+        <p:spPr/>
+        <p:txBody>
+          <a:bodyPr/>
+          <a:lstStyle/>
+          <a:p>
+            <a:r>
+              <a:rPr lang="en-US" dirty="0"/>
+              <a:t>Embeddings Visualized</a:t>
+            </a:r>
+          </a:p>
+        </p:txBody>
+      </p:sp>
+      <p:sp>
+        <p:nvSpPr>
+          <p:cNvPr id="3" name="Content Placeholder 2">
+            <a:extLst>
+              <a:ext uri="{FF2B5EF4-FFF2-40B4-BE49-F238E27FC236}">
+                <a16:creationId xmlns:a16="http://schemas.microsoft.com/office/drawing/2014/main" id="{9A15553F-CA0B-6416-03B4-D3C6F36FEBBE}"/>
+              </a:ext>
+            </a:extLst>
+          </p:cNvPr>
+          <p:cNvSpPr>
+            <a:spLocks noGrp="1"/>
+          </p:cNvSpPr>
+          <p:nvPr>
+            <p:ph idx="1"/>
+          </p:nvPr>
+        </p:nvSpPr>
+        <p:spPr>
+          <a:xfrm>
+            <a:off x="162839" y="1853754"/>
+            <a:ext cx="5326716" cy="4278689"/>
+          </a:xfrm>
+        </p:spPr>
+        <p:txBody>
+          <a:bodyPr/>
+          <a:lstStyle/>
+          <a:p>
+            <a:r>
+              <a:rPr lang="en-US" dirty="0"/>
+              <a:t>Each token is represented in K dimensions. </a:t>
+            </a:r>
+          </a:p>
+          <a:p>
+            <a:pPr lvl="1"/>
+            <a:r>
+              <a:rPr lang="en-US" dirty="0"/>
+              <a:t>Larger k, more complex representation. </a:t>
+            </a:r>
+          </a:p>
+          <a:p>
+            <a:pPr lvl="1"/>
+            <a:r>
+              <a:rPr lang="en-US" dirty="0"/>
+              <a:t>Data needs scale rapidly. </a:t>
+            </a:r>
+          </a:p>
+          <a:p>
+            <a:r>
+              <a:rPr lang="en-US" dirty="0"/>
+              <a:t>Those dimensions aren’t predefined as they are here, that’s what the embedding system learns. </a:t>
+            </a:r>
+          </a:p>
+          <a:p>
+            <a:pPr lvl="1"/>
+            <a:r>
+              <a:rPr lang="en-US" dirty="0"/>
+              <a:t>They aren’t human dims, they’re machine dims. </a:t>
+            </a:r>
+          </a:p>
+          <a:p>
+            <a:r>
+              <a:rPr lang="en-US" dirty="0"/>
+              <a:t>The accuracy of this embedding determines how well the model handles the meaning of each word. </a:t>
+            </a:r>
+          </a:p>
+        </p:txBody>
+      </p:sp>
+      <p:pic>
+        <p:nvPicPr>
+          <p:cNvPr id="1026" name="Picture 2" descr="Word Embedding: Basics. Create a vector from a word | by Hariom Gautam |  Medium">
+            <a:extLst>
+              <a:ext uri="{FF2B5EF4-FFF2-40B4-BE49-F238E27FC236}">
+                <a16:creationId xmlns:a16="http://schemas.microsoft.com/office/drawing/2014/main" id="{3C7A720A-0AFD-B354-E87C-3B3DBBE4D983}"/>
+              </a:ext>
+            </a:extLst>
+          </p:cNvPr>
+          <p:cNvPicPr>
+            <a:picLocks noChangeAspect="1" noChangeArrowheads="1"/>
+          </p:cNvPicPr>
+          <p:nvPr/>
+        </p:nvPicPr>
+        <p:blipFill>
+          <a:blip r:embed="rId2">
+            <a:extLst>
+              <a:ext uri="{28A0092B-C50C-407E-A947-70E740481C1C}">
+                <a14:useLocalDpi xmlns:a14="http://schemas.microsoft.com/office/drawing/2010/main" val="0"/>
+              </a:ext>
+            </a:extLst>
+          </a:blip>
+          <a:srcRect/>
+          <a:stretch>
+            <a:fillRect/>
+          </a:stretch>
+        </p:blipFill>
+        <p:spPr bwMode="auto">
+          <a:xfrm>
+            <a:off x="5489554" y="1490500"/>
+            <a:ext cx="6702446" cy="5004246"/>
+          </a:xfrm>
+          <a:prstGeom prst="rect">
+            <a:avLst/>
+          </a:prstGeom>
+          <a:noFill/>
+          <a:extLst>
+            <a:ext uri="{909E8E84-426E-40DD-AFC4-6F175D3DCCD1}">
+              <a14:hiddenFill xmlns:a14="http://schemas.microsoft.com/office/drawing/2010/main">
+                <a:solidFill>
+                  <a:srgbClr val="FFFFFF"/>
+                </a:solidFill>
+              </a14:hiddenFill>
+            </a:ext>
+          </a:extLst>
+        </p:spPr>
+      </p:pic>
+    </p:spTree>
+    <p:extLst>
+      <p:ext uri="{BB962C8B-B14F-4D97-AF65-F5344CB8AC3E}">
+        <p14:creationId xmlns:p14="http://schemas.microsoft.com/office/powerpoint/2010/main" val="4231532232"/>
+      </p:ext>
+    </p:extLst>
+  </p:cSld>
+  <p:clrMapOvr>
+    <a:masterClrMapping/>
+  </p:clrMapOvr>
+</p:sld>
+</file>
+
+<file path=ppt/slides/slide22.xml><?xml version="1.0" encoding="utf-8"?>
+<p:sld xmlns:a="http://schemas.openxmlformats.org/drawingml/2006/main" xmlns:r="http://schemas.openxmlformats.org/officeDocument/2006/relationships" xmlns:p="http://schemas.openxmlformats.org/presentationml/2006/main">
+  <p:cSld>
+    <p:spTree>
+      <p:nvGrpSpPr>
+        <p:cNvPr id="1" name=""/>
+        <p:cNvGrpSpPr/>
+        <p:nvPr/>
+      </p:nvGrpSpPr>
+      <p:grpSpPr>
+        <a:xfrm>
+          <a:off x="0" y="0"/>
+          <a:ext cx="0" cy="0"/>
+          <a:chOff x="0" y="0"/>
+          <a:chExt cx="0" cy="0"/>
+        </a:xfrm>
+      </p:grpSpPr>
+      <p:sp>
+        <p:nvSpPr>
+          <p:cNvPr id="2" name="Title 1">
+            <a:extLst>
+              <a:ext uri="{FF2B5EF4-FFF2-40B4-BE49-F238E27FC236}">
+                <a16:creationId xmlns:a16="http://schemas.microsoft.com/office/drawing/2014/main" id="{8159B03E-04F7-EF5A-D8D9-115A09709A19}"/>
+              </a:ext>
+            </a:extLst>
+          </p:cNvPr>
+          <p:cNvSpPr>
+            <a:spLocks noGrp="1"/>
+          </p:cNvSpPr>
+          <p:nvPr>
+            <p:ph type="title"/>
+          </p:nvPr>
+        </p:nvSpPr>
+        <p:spPr/>
+        <p:txBody>
+          <a:bodyPr/>
+          <a:lstStyle/>
+          <a:p>
+            <a:r>
+              <a:rPr lang="en-US" dirty="0"/>
+              <a:t>Embedding Systems</a:t>
+            </a:r>
+          </a:p>
+        </p:txBody>
+      </p:sp>
+      <p:sp>
+        <p:nvSpPr>
+          <p:cNvPr id="3" name="Content Placeholder 2">
+            <a:extLst>
+              <a:ext uri="{FF2B5EF4-FFF2-40B4-BE49-F238E27FC236}">
+                <a16:creationId xmlns:a16="http://schemas.microsoft.com/office/drawing/2014/main" id="{A0A3AC09-E8B8-FE2E-54A9-646D6CCA30EE}"/>
+              </a:ext>
+            </a:extLst>
+          </p:cNvPr>
+          <p:cNvSpPr>
+            <a:spLocks noGrp="1"/>
+          </p:cNvSpPr>
+          <p:nvPr>
+            <p:ph idx="1"/>
+          </p:nvPr>
+        </p:nvSpPr>
+        <p:spPr>
+          <a:xfrm>
+            <a:off x="1451579" y="1853754"/>
+            <a:ext cx="9603275" cy="4199727"/>
+          </a:xfrm>
+        </p:spPr>
+        <p:txBody>
+          <a:bodyPr/>
+          <a:lstStyle/>
+          <a:p>
+            <a:r>
+              <a:rPr lang="en-US" dirty="0"/>
+              <a:t>Tools that create embeddings such as word2vec are critical in NLP models. </a:t>
+            </a:r>
+          </a:p>
+          <a:p>
+            <a:r>
+              <a:rPr lang="en-US" dirty="0"/>
+              <a:t>Models only use and predict numbers, no matter the complexity. </a:t>
+            </a:r>
+          </a:p>
+          <a:p>
+            <a:pPr lvl="1"/>
+            <a:r>
+              <a:rPr lang="en-US" dirty="0"/>
+              <a:t>The embedding is what defines the text -&gt; numbers relationship. </a:t>
+            </a:r>
+          </a:p>
+          <a:p>
+            <a:pPr lvl="1"/>
+            <a:r>
+              <a:rPr lang="en-US" dirty="0"/>
+              <a:t>The better the embedding is (the closer its representations matches the ‘real’ meaning), the more accurate (with respect to actual use, not model statistics) the results will be. </a:t>
+            </a:r>
+          </a:p>
+          <a:p>
+            <a:r>
+              <a:rPr lang="en-US" dirty="0"/>
+              <a:t>Real tools use massive text sets to learn word meaning / embedding space. </a:t>
+            </a:r>
+          </a:p>
+          <a:p>
+            <a:pPr lvl="1"/>
+            <a:r>
+              <a:rPr lang="en-US" dirty="0"/>
+              <a:t>Larger dimensionality can yield better results, but requires more data/time. </a:t>
+            </a:r>
+          </a:p>
+          <a:p>
+            <a:r>
+              <a:rPr lang="en-US" dirty="0"/>
+              <a:t>Key – the model learns the dimensions to use, they aren’t defined going in. </a:t>
+            </a:r>
+          </a:p>
+          <a:p>
+            <a:pPr lvl="1"/>
+            <a:r>
+              <a:rPr lang="en-US" dirty="0"/>
+              <a:t>E.g. there’s no “plural” axis, or “masculine” axis – the model learns the dimensions needed and they don’t need to correspond to the metrics that we’d use to “measure” a word. </a:t>
+            </a:r>
+          </a:p>
+        </p:txBody>
+      </p:sp>
+    </p:spTree>
+    <p:extLst>
+      <p:ext uri="{BB962C8B-B14F-4D97-AF65-F5344CB8AC3E}">
+        <p14:creationId xmlns:p14="http://schemas.microsoft.com/office/powerpoint/2010/main" val="592998705"/>
+      </p:ext>
+    </p:extLst>
+  </p:cSld>
+  <p:clrMapOvr>
+    <a:masterClrMapping/>
+  </p:clrMapOvr>
+</p:sld>
+</file>
+
+<file path=ppt/slides/slide23.xml><?xml version="1.0" encoding="utf-8"?>
+<p:sld xmlns:a="http://schemas.openxmlformats.org/drawingml/2006/main" xmlns:r="http://schemas.openxmlformats.org/officeDocument/2006/relationships" xmlns:p="http://schemas.openxmlformats.org/presentationml/2006/main">
+  <p:cSld>
+    <p:spTree>
+      <p:nvGrpSpPr>
+        <p:cNvPr id="1" name=""/>
+        <p:cNvGrpSpPr/>
+        <p:nvPr/>
+      </p:nvGrpSpPr>
+      <p:grpSpPr>
+        <a:xfrm>
+          <a:off x="0" y="0"/>
+          <a:ext cx="0" cy="0"/>
+          <a:chOff x="0" y="0"/>
+          <a:chExt cx="0" cy="0"/>
+        </a:xfrm>
+      </p:grpSpPr>
+      <p:sp>
+        <p:nvSpPr>
+          <p:cNvPr id="2" name="Title 1">
+            <a:extLst>
+              <a:ext uri="{FF2B5EF4-FFF2-40B4-BE49-F238E27FC236}">
+                <a16:creationId xmlns:a16="http://schemas.microsoft.com/office/drawing/2014/main" id="{3608824E-16A0-351F-BA81-1CB9EC969580}"/>
+              </a:ext>
+            </a:extLst>
+          </p:cNvPr>
+          <p:cNvSpPr>
+            <a:spLocks noGrp="1"/>
+          </p:cNvSpPr>
+          <p:nvPr>
+            <p:ph type="title"/>
+          </p:nvPr>
+        </p:nvSpPr>
+        <p:spPr/>
+        <p:txBody>
+          <a:bodyPr/>
+          <a:lstStyle/>
+          <a:p>
+            <a:r>
+              <a:rPr lang="en-US" dirty="0"/>
+              <a:t>Other Parts of Embeddings</a:t>
+            </a:r>
+          </a:p>
+        </p:txBody>
+      </p:sp>
+      <p:sp>
+        <p:nvSpPr>
+          <p:cNvPr id="3" name="Content Placeholder 2">
+            <a:extLst>
+              <a:ext uri="{FF2B5EF4-FFF2-40B4-BE49-F238E27FC236}">
+                <a16:creationId xmlns:a16="http://schemas.microsoft.com/office/drawing/2014/main" id="{6507F75C-5B36-47F2-C871-69641AEBC974}"/>
+              </a:ext>
+            </a:extLst>
+          </p:cNvPr>
+          <p:cNvSpPr>
+            <a:spLocks noGrp="1"/>
+          </p:cNvSpPr>
+          <p:nvPr>
+            <p:ph idx="1"/>
+          </p:nvPr>
+        </p:nvSpPr>
+        <p:spPr/>
+        <p:txBody>
+          <a:bodyPr/>
+          <a:lstStyle/>
+          <a:p>
+            <a:endParaRPr lang="en-US"/>
+          </a:p>
+        </p:txBody>
+      </p:sp>
+    </p:spTree>
+    <p:extLst>
+      <p:ext uri="{BB962C8B-B14F-4D97-AF65-F5344CB8AC3E}">
+        <p14:creationId xmlns:p14="http://schemas.microsoft.com/office/powerpoint/2010/main" val="3473837524"/>
+      </p:ext>
+    </p:extLst>
+  </p:cSld>
+  <p:clrMapOvr>
+    <a:masterClrMapping/>
+  </p:clrMapOvr>
+</p:sld>
+</file>
+
+<file path=ppt/slides/slide24.xml><?xml version="1.0" encoding="utf-8"?>
+<p:sld xmlns:a="http://schemas.openxmlformats.org/drawingml/2006/main" xmlns:r="http://schemas.openxmlformats.org/officeDocument/2006/relationships" xmlns:p="http://schemas.openxmlformats.org/presentationml/2006/main">
+  <p:cSld>
+    <p:spTree>
+      <p:nvGrpSpPr>
+        <p:cNvPr id="1" name=""/>
+        <p:cNvGrpSpPr/>
+        <p:nvPr/>
+      </p:nvGrpSpPr>
+      <p:grpSpPr>
+        <a:xfrm>
+          <a:off x="0" y="0"/>
+          <a:ext cx="0" cy="0"/>
+          <a:chOff x="0" y="0"/>
+          <a:chExt cx="0" cy="0"/>
+        </a:xfrm>
+      </p:grpSpPr>
+      <p:sp>
+        <p:nvSpPr>
+          <p:cNvPr id="2" name="Title 1">
+            <a:extLst>
+              <a:ext uri="{FF2B5EF4-FFF2-40B4-BE49-F238E27FC236}">
                 <a16:creationId xmlns:a16="http://schemas.microsoft.com/office/drawing/2014/main" id="{71C95609-D71B-AB4E-8925-81157B02E545}"/>
               </a:ext>
             </a:extLst>
@@ -4950,12 +5869,53 @@
             <p:ph idx="1"/>
           </p:nvPr>
         </p:nvSpPr>
-        <p:spPr/>
-        <p:txBody>
-          <a:bodyPr/>
-          <a:lstStyle/>
-          <a:p>
-            <a:endParaRPr lang="en-US"/>
+        <p:spPr>
+          <a:xfrm>
+            <a:off x="7095434" y="2015732"/>
+            <a:ext cx="4990549" cy="3889322"/>
+          </a:xfrm>
+        </p:spPr>
+        <p:txBody>
+          <a:bodyPr/>
+          <a:lstStyle/>
+          <a:p>
+            <a:r>
+              <a:rPr lang="en-US" dirty="0"/>
+              <a:t>Text isn’t just a bag-o-words, order matters.</a:t>
+            </a:r>
+          </a:p>
+          <a:p>
+            <a:pPr lvl="1"/>
+            <a:r>
+              <a:rPr lang="en-US" dirty="0"/>
+              <a:t>”Dumps like a truck” and “likes dump trucks” are verry different. </a:t>
+            </a:r>
+          </a:p>
+          <a:p>
+            <a:r>
+              <a:rPr lang="en-US" dirty="0"/>
+              <a:t>NLP can benefit from learning from order. </a:t>
+            </a:r>
+          </a:p>
+          <a:p>
+            <a:pPr lvl="1"/>
+            <a:r>
+              <a:rPr lang="en-US" dirty="0"/>
+              <a:t>Word2Vec uses the sequence order. </a:t>
+            </a:r>
+          </a:p>
+          <a:p>
+            <a:pPr lvl="1"/>
+            <a:r>
+              <a:rPr lang="en-US" dirty="0"/>
+              <a:t>In NN, we’ll look at order more explicitly. </a:t>
+            </a:r>
+          </a:p>
+          <a:p>
+            <a:r>
+              <a:rPr lang="en-US" dirty="0"/>
+              <a:t>The order will (hopefully) help generate better embeddings by capturing meaning. </a:t>
+            </a:r>
           </a:p>
         </p:txBody>
       </p:sp>
@@ -4988,7 +5948,7 @@
         </p:blipFill>
         <p:spPr bwMode="auto">
           <a:xfrm>
-            <a:off x="2692400" y="2142652"/>
+            <a:off x="288235" y="1853754"/>
             <a:ext cx="6807200" cy="4051300"/>
           </a:xfrm>
           <a:prstGeom prst="rect">
@@ -5019,7 +5979,7 @@
 </p:sld>
 </file>
 
-<file path=ppt/slides/slide19.xml><?xml version="1.0" encoding="utf-8"?>
+<file path=ppt/slides/slide25.xml><?xml version="1.0" encoding="utf-8"?>
 <p:sld xmlns:a="http://schemas.openxmlformats.org/drawingml/2006/main" xmlns:r="http://schemas.openxmlformats.org/officeDocument/2006/relationships" xmlns:p="http://schemas.openxmlformats.org/presentationml/2006/main">
   <p:cSld>
     <p:spTree>
@@ -5149,7 +6109,7 @@
 </p:sld>
 </file>
 
-<file path=ppt/slides/slide2.xml><?xml version="1.0" encoding="utf-8"?>
+<file path=ppt/slides/slide26.xml><?xml version="1.0" encoding="utf-8"?>
 <p:sld xmlns:a="http://schemas.openxmlformats.org/drawingml/2006/main" xmlns:r="http://schemas.openxmlformats.org/officeDocument/2006/relationships" xmlns:p="http://schemas.openxmlformats.org/presentationml/2006/main">
   <p:cSld>
     <p:spTree>
@@ -5171,7 +6131,7 @@
           <p:cNvPr id="2" name="Title 1">
             <a:extLst>
               <a:ext uri="{FF2B5EF4-FFF2-40B4-BE49-F238E27FC236}">
-                <a16:creationId xmlns:a16="http://schemas.microsoft.com/office/drawing/2014/main" id="{A4FF979B-3BE2-8A46-8F66-12A03A428907}"/>
+                <a16:creationId xmlns:a16="http://schemas.microsoft.com/office/drawing/2014/main" id="{A00B79CE-B3E0-CE3A-9FCE-44C45AB4966F}"/>
               </a:ext>
             </a:extLst>
           </p:cNvPr>
@@ -5179,7 +6139,7 @@
             <a:spLocks noGrp="1"/>
           </p:cNvSpPr>
           <p:nvPr>
-            <p:ph type="ctrTitle"/>
+            <p:ph type="title"/>
           </p:nvPr>
         </p:nvSpPr>
         <p:spPr/>
@@ -5189,17 +6149,17 @@
           <a:p>
             <a:r>
               <a:rPr lang="en-US" dirty="0"/>
-              <a:t>NLP Part 2</a:t>
-            </a:r>
-          </a:p>
-        </p:txBody>
-      </p:sp>
-      <p:sp>
-        <p:nvSpPr>
-          <p:cNvPr id="3" name="Subtitle 2">
+              <a:t>Differences</a:t>
+            </a:r>
+          </a:p>
+        </p:txBody>
+      </p:sp>
+      <p:sp>
+        <p:nvSpPr>
+          <p:cNvPr id="3" name="Content Placeholder 2">
             <a:extLst>
               <a:ext uri="{FF2B5EF4-FFF2-40B4-BE49-F238E27FC236}">
-                <a16:creationId xmlns:a16="http://schemas.microsoft.com/office/drawing/2014/main" id="{726EF9AF-2934-5C49-BEA4-8229E37E25B1}"/>
+                <a16:creationId xmlns:a16="http://schemas.microsoft.com/office/drawing/2014/main" id="{4A29BF9D-63C7-6454-018B-4F9A56D89B36}"/>
               </a:ext>
             </a:extLst>
           </p:cNvPr>
@@ -5207,22 +6167,89 @@
             <a:spLocks noGrp="1"/>
           </p:cNvSpPr>
           <p:nvPr>
-            <p:ph type="subTitle" idx="1"/>
-          </p:nvPr>
-        </p:nvSpPr>
-        <p:spPr/>
-        <p:txBody>
-          <a:bodyPr/>
-          <a:lstStyle/>
-          <a:p>
-            <a:endParaRPr lang="en-US"/>
+            <p:ph idx="1"/>
+          </p:nvPr>
+        </p:nvSpPr>
+        <p:spPr>
+          <a:xfrm>
+            <a:off x="1451579" y="1946366"/>
+            <a:ext cx="9603275" cy="4107115"/>
+          </a:xfrm>
+        </p:spPr>
+        <p:txBody>
+          <a:bodyPr/>
+          <a:lstStyle/>
+          <a:p>
+            <a:r>
+              <a:rPr lang="en-US" dirty="0"/>
+              <a:t>Skip Gram</a:t>
+            </a:r>
+          </a:p>
+          <a:p>
+            <a:pPr lvl="1"/>
+            <a:r>
+              <a:rPr lang="en-US" dirty="0"/>
+              <a:t>Often better with low frequency words and maintains sequence information. </a:t>
+            </a:r>
+          </a:p>
+          <a:p>
+            <a:pPr lvl="1"/>
+            <a:r>
+              <a:rPr lang="en-US" dirty="0"/>
+              <a:t>Can be computationally slow and perform worse with non-diverse datasets. </a:t>
+            </a:r>
+          </a:p>
+          <a:p>
+            <a:pPr lvl="1"/>
+            <a:r>
+              <a:rPr lang="en-US" dirty="0"/>
+              <a:t>Better for semantic relationships (meaning) and text generation. </a:t>
+            </a:r>
+          </a:p>
+          <a:p>
+            <a:r>
+              <a:rPr lang="en-US" dirty="0"/>
+              <a:t>CBOW</a:t>
+            </a:r>
+          </a:p>
+          <a:p>
+            <a:pPr lvl="1"/>
+            <a:r>
+              <a:rPr lang="en-US" dirty="0"/>
+              <a:t>Faster and often better where words are frequent and order is less important. </a:t>
+            </a:r>
+          </a:p>
+          <a:p>
+            <a:pPr lvl="1"/>
+            <a:r>
+              <a:rPr lang="en-US" dirty="0"/>
+              <a:t>Often worse with low-frequency words and loses order. </a:t>
+            </a:r>
+          </a:p>
+          <a:p>
+            <a:pPr lvl="1"/>
+            <a:r>
+              <a:rPr lang="en-US" dirty="0"/>
+              <a:t>Common in classification and recommendations – ‘vibes’ over details. </a:t>
+            </a:r>
+          </a:p>
+          <a:p>
+            <a:r>
+              <a:rPr lang="en-US" dirty="0"/>
+              <a:t>How well the embedding matches the text meaning and use will </a:t>
+            </a:r>
+            <a:r>
+              <a:rPr lang="en-US"/>
+              <a:t>determine performance.</a:t>
+            </a:r>
+            <a:endParaRPr lang="en-US" dirty="0"/>
           </a:p>
         </p:txBody>
       </p:sp>
     </p:spTree>
     <p:extLst>
       <p:ext uri="{BB962C8B-B14F-4D97-AF65-F5344CB8AC3E}">
-        <p14:creationId xmlns:p14="http://schemas.microsoft.com/office/powerpoint/2010/main" val="1673785752"/>
+        <p14:creationId xmlns:p14="http://schemas.microsoft.com/office/powerpoint/2010/main" val="4238678843"/>
       </p:ext>
     </p:extLst>
   </p:cSld>
@@ -5232,442 +6259,7 @@
 </p:sld>
 </file>
 
-<file path=ppt/slides/slide20.xml><?xml version="1.0" encoding="utf-8"?>
-<p:sld xmlns:a="http://schemas.openxmlformats.org/drawingml/2006/main" xmlns:r="http://schemas.openxmlformats.org/officeDocument/2006/relationships" xmlns:p="http://schemas.openxmlformats.org/presentationml/2006/main">
-  <p:cSld>
-    <p:spTree>
-      <p:nvGrpSpPr>
-        <p:cNvPr id="1" name=""/>
-        <p:cNvGrpSpPr/>
-        <p:nvPr/>
-      </p:nvGrpSpPr>
-      <p:grpSpPr>
-        <a:xfrm>
-          <a:off x="0" y="0"/>
-          <a:ext cx="0" cy="0"/>
-          <a:chOff x="0" y="0"/>
-          <a:chExt cx="0" cy="0"/>
-        </a:xfrm>
-      </p:grpSpPr>
-      <p:sp>
-        <p:nvSpPr>
-          <p:cNvPr id="2" name="Title 1">
-            <a:extLst>
-              <a:ext uri="{FF2B5EF4-FFF2-40B4-BE49-F238E27FC236}">
-                <a16:creationId xmlns:a16="http://schemas.microsoft.com/office/drawing/2014/main" id="{AD0F2834-A31C-84B8-F900-96154C9037B1}"/>
-              </a:ext>
-            </a:extLst>
-          </p:cNvPr>
-          <p:cNvSpPr>
-            <a:spLocks noGrp="1"/>
-          </p:cNvSpPr>
-          <p:nvPr>
-            <p:ph type="title"/>
-          </p:nvPr>
-        </p:nvSpPr>
-        <p:spPr/>
-        <p:txBody>
-          <a:bodyPr/>
-          <a:lstStyle/>
-          <a:p>
-            <a:r>
-              <a:rPr lang="en-US" dirty="0"/>
-              <a:t>Embeddings Visualized</a:t>
-            </a:r>
-          </a:p>
-        </p:txBody>
-      </p:sp>
-      <p:sp>
-        <p:nvSpPr>
-          <p:cNvPr id="3" name="Content Placeholder 2">
-            <a:extLst>
-              <a:ext uri="{FF2B5EF4-FFF2-40B4-BE49-F238E27FC236}">
-                <a16:creationId xmlns:a16="http://schemas.microsoft.com/office/drawing/2014/main" id="{9A15553F-CA0B-6416-03B4-D3C6F36FEBBE}"/>
-              </a:ext>
-            </a:extLst>
-          </p:cNvPr>
-          <p:cNvSpPr>
-            <a:spLocks noGrp="1"/>
-          </p:cNvSpPr>
-          <p:nvPr>
-            <p:ph idx="1"/>
-          </p:nvPr>
-        </p:nvSpPr>
-        <p:spPr>
-          <a:xfrm>
-            <a:off x="162839" y="1853754"/>
-            <a:ext cx="5326716" cy="4278689"/>
-          </a:xfrm>
-        </p:spPr>
-        <p:txBody>
-          <a:bodyPr/>
-          <a:lstStyle/>
-          <a:p>
-            <a:r>
-              <a:rPr lang="en-US" dirty="0"/>
-              <a:t>Each token is represented in K dimensions. </a:t>
-            </a:r>
-          </a:p>
-          <a:p>
-            <a:pPr lvl="1"/>
-            <a:r>
-              <a:rPr lang="en-US" dirty="0"/>
-              <a:t>Larger k, more complex representation. </a:t>
-            </a:r>
-          </a:p>
-          <a:p>
-            <a:pPr lvl="1"/>
-            <a:r>
-              <a:rPr lang="en-US" dirty="0"/>
-              <a:t>Data needs scale rapidly. </a:t>
-            </a:r>
-          </a:p>
-          <a:p>
-            <a:r>
-              <a:rPr lang="en-US" dirty="0"/>
-              <a:t>Those dimensions aren’t predefined as they are here, that’s what the embedding system learns. </a:t>
-            </a:r>
-          </a:p>
-          <a:p>
-            <a:pPr lvl="1"/>
-            <a:r>
-              <a:rPr lang="en-US" dirty="0"/>
-              <a:t>They aren’t human dimensions, they’re machine dimensions. </a:t>
-            </a:r>
-          </a:p>
-          <a:p>
-            <a:r>
-              <a:rPr lang="en-US" dirty="0"/>
-              <a:t>The accuracy of this embedding determines how well the model handles the meaning of each word. </a:t>
-            </a:r>
-          </a:p>
-        </p:txBody>
-      </p:sp>
-      <p:pic>
-        <p:nvPicPr>
-          <p:cNvPr id="1026" name="Picture 2" descr="Word Embedding: Basics. Create a vector from a word | by Hariom Gautam |  Medium">
-            <a:extLst>
-              <a:ext uri="{FF2B5EF4-FFF2-40B4-BE49-F238E27FC236}">
-                <a16:creationId xmlns:a16="http://schemas.microsoft.com/office/drawing/2014/main" id="{3C7A720A-0AFD-B354-E87C-3B3DBBE4D983}"/>
-              </a:ext>
-            </a:extLst>
-          </p:cNvPr>
-          <p:cNvPicPr>
-            <a:picLocks noChangeAspect="1" noChangeArrowheads="1"/>
-          </p:cNvPicPr>
-          <p:nvPr/>
-        </p:nvPicPr>
-        <p:blipFill>
-          <a:blip r:embed="rId2">
-            <a:extLst>
-              <a:ext uri="{28A0092B-C50C-407E-A947-70E740481C1C}">
-                <a14:useLocalDpi xmlns:a14="http://schemas.microsoft.com/office/drawing/2010/main" val="0"/>
-              </a:ext>
-            </a:extLst>
-          </a:blip>
-          <a:srcRect/>
-          <a:stretch>
-            <a:fillRect/>
-          </a:stretch>
-        </p:blipFill>
-        <p:spPr bwMode="auto">
-          <a:xfrm>
-            <a:off x="5489554" y="1490500"/>
-            <a:ext cx="6702446" cy="5004246"/>
-          </a:xfrm>
-          <a:prstGeom prst="rect">
-            <a:avLst/>
-          </a:prstGeom>
-          <a:noFill/>
-          <a:extLst>
-            <a:ext uri="{909E8E84-426E-40DD-AFC4-6F175D3DCCD1}">
-              <a14:hiddenFill xmlns:a14="http://schemas.microsoft.com/office/drawing/2010/main">
-                <a:solidFill>
-                  <a:srgbClr val="FFFFFF"/>
-                </a:solidFill>
-              </a14:hiddenFill>
-            </a:ext>
-          </a:extLst>
-        </p:spPr>
-      </p:pic>
-    </p:spTree>
-    <p:extLst>
-      <p:ext uri="{BB962C8B-B14F-4D97-AF65-F5344CB8AC3E}">
-        <p14:creationId xmlns:p14="http://schemas.microsoft.com/office/powerpoint/2010/main" val="4231532232"/>
-      </p:ext>
-    </p:extLst>
-  </p:cSld>
-  <p:clrMapOvr>
-    <a:masterClrMapping/>
-  </p:clrMapOvr>
-</p:sld>
-</file>
-
-<file path=ppt/slides/slide21.xml><?xml version="1.0" encoding="utf-8"?>
-<p:sld xmlns:a="http://schemas.openxmlformats.org/drawingml/2006/main" xmlns:r="http://schemas.openxmlformats.org/officeDocument/2006/relationships" xmlns:p="http://schemas.openxmlformats.org/presentationml/2006/main">
-  <p:cSld>
-    <p:spTree>
-      <p:nvGrpSpPr>
-        <p:cNvPr id="1" name=""/>
-        <p:cNvGrpSpPr/>
-        <p:nvPr/>
-      </p:nvGrpSpPr>
-      <p:grpSpPr>
-        <a:xfrm>
-          <a:off x="0" y="0"/>
-          <a:ext cx="0" cy="0"/>
-          <a:chOff x="0" y="0"/>
-          <a:chExt cx="0" cy="0"/>
-        </a:xfrm>
-      </p:grpSpPr>
-      <p:sp>
-        <p:nvSpPr>
-          <p:cNvPr id="2" name="Title 1">
-            <a:extLst>
-              <a:ext uri="{FF2B5EF4-FFF2-40B4-BE49-F238E27FC236}">
-                <a16:creationId xmlns:a16="http://schemas.microsoft.com/office/drawing/2014/main" id="{8159B03E-04F7-EF5A-D8D9-115A09709A19}"/>
-              </a:ext>
-            </a:extLst>
-          </p:cNvPr>
-          <p:cNvSpPr>
-            <a:spLocks noGrp="1"/>
-          </p:cNvSpPr>
-          <p:nvPr>
-            <p:ph type="title"/>
-          </p:nvPr>
-        </p:nvSpPr>
-        <p:spPr/>
-        <p:txBody>
-          <a:bodyPr/>
-          <a:lstStyle/>
-          <a:p>
-            <a:r>
-              <a:rPr lang="en-US" dirty="0"/>
-              <a:t>Embedding Systems</a:t>
-            </a:r>
-          </a:p>
-        </p:txBody>
-      </p:sp>
-      <p:sp>
-        <p:nvSpPr>
-          <p:cNvPr id="3" name="Content Placeholder 2">
-            <a:extLst>
-              <a:ext uri="{FF2B5EF4-FFF2-40B4-BE49-F238E27FC236}">
-                <a16:creationId xmlns:a16="http://schemas.microsoft.com/office/drawing/2014/main" id="{A0A3AC09-E8B8-FE2E-54A9-646D6CCA30EE}"/>
-              </a:ext>
-            </a:extLst>
-          </p:cNvPr>
-          <p:cNvSpPr>
-            <a:spLocks noGrp="1"/>
-          </p:cNvSpPr>
-          <p:nvPr>
-            <p:ph idx="1"/>
-          </p:nvPr>
-        </p:nvSpPr>
-        <p:spPr>
-          <a:xfrm>
-            <a:off x="1451579" y="1853754"/>
-            <a:ext cx="9603275" cy="4199727"/>
-          </a:xfrm>
-        </p:spPr>
-        <p:txBody>
-          <a:bodyPr/>
-          <a:lstStyle/>
-          <a:p>
-            <a:r>
-              <a:rPr lang="en-US" dirty="0"/>
-              <a:t>Tools that create embeddings such as word2vec are critical in NLP models. </a:t>
-            </a:r>
-          </a:p>
-          <a:p>
-            <a:r>
-              <a:rPr lang="en-US" dirty="0"/>
-              <a:t>Models only use and predict numbers, no matter the complexity. </a:t>
-            </a:r>
-          </a:p>
-          <a:p>
-            <a:pPr lvl="1"/>
-            <a:r>
-              <a:rPr lang="en-US" dirty="0"/>
-              <a:t>The embedding is what defines the text -&gt; numbers relationship. </a:t>
-            </a:r>
-          </a:p>
-          <a:p>
-            <a:pPr lvl="1"/>
-            <a:r>
-              <a:rPr lang="en-US" dirty="0"/>
-              <a:t>The better the embedding is (the closer its representations matches the ‘real’ meaning), the more accurate (with respect to actual use, not model statistics) the results will be. </a:t>
-            </a:r>
-          </a:p>
-          <a:p>
-            <a:r>
-              <a:rPr lang="en-US" dirty="0"/>
-              <a:t>Real tools use massive text sets to learn word meaning / embedding space. </a:t>
-            </a:r>
-          </a:p>
-          <a:p>
-            <a:pPr lvl="1"/>
-            <a:r>
-              <a:rPr lang="en-US" dirty="0"/>
-              <a:t>Larger dimensionality can yield better results, but requires more data/time. </a:t>
-            </a:r>
-          </a:p>
-          <a:p>
-            <a:r>
-              <a:rPr lang="en-US" dirty="0"/>
-              <a:t>Key – the model learns the dimensions to use, they aren’t defined going in. </a:t>
-            </a:r>
-          </a:p>
-          <a:p>
-            <a:pPr lvl="1"/>
-            <a:r>
-              <a:rPr lang="en-US" dirty="0"/>
-              <a:t>E.g. there’s no “plural” axis, or “masculine” axis – the model learns the dimensions needed and they don’t need to correspond to the metrics that we’d use to “measure” a word. </a:t>
-            </a:r>
-          </a:p>
-        </p:txBody>
-      </p:sp>
-    </p:spTree>
-    <p:extLst>
-      <p:ext uri="{BB962C8B-B14F-4D97-AF65-F5344CB8AC3E}">
-        <p14:creationId xmlns:p14="http://schemas.microsoft.com/office/powerpoint/2010/main" val="592998705"/>
-      </p:ext>
-    </p:extLst>
-  </p:cSld>
-  <p:clrMapOvr>
-    <a:masterClrMapping/>
-  </p:clrMapOvr>
-</p:sld>
-</file>
-
-<file path=ppt/slides/slide22.xml><?xml version="1.0" encoding="utf-8"?>
-<p:sld xmlns:a="http://schemas.openxmlformats.org/drawingml/2006/main" xmlns:r="http://schemas.openxmlformats.org/officeDocument/2006/relationships" xmlns:p="http://schemas.openxmlformats.org/presentationml/2006/main">
-  <p:cSld>
-    <p:spTree>
-      <p:nvGrpSpPr>
-        <p:cNvPr id="1" name=""/>
-        <p:cNvGrpSpPr/>
-        <p:nvPr/>
-      </p:nvGrpSpPr>
-      <p:grpSpPr>
-        <a:xfrm>
-          <a:off x="0" y="0"/>
-          <a:ext cx="0" cy="0"/>
-          <a:chOff x="0" y="0"/>
-          <a:chExt cx="0" cy="0"/>
-        </a:xfrm>
-      </p:grpSpPr>
-      <p:sp>
-        <p:nvSpPr>
-          <p:cNvPr id="2" name="Title 1">
-            <a:extLst>
-              <a:ext uri="{FF2B5EF4-FFF2-40B4-BE49-F238E27FC236}">
-                <a16:creationId xmlns:a16="http://schemas.microsoft.com/office/drawing/2014/main" id="{D835ECFB-6194-91CC-3072-F1EF34FA3B76}"/>
-              </a:ext>
-            </a:extLst>
-          </p:cNvPr>
-          <p:cNvSpPr>
-            <a:spLocks noGrp="1"/>
-          </p:cNvSpPr>
-          <p:nvPr>
-            <p:ph type="title"/>
-          </p:nvPr>
-        </p:nvSpPr>
-        <p:spPr/>
-        <p:txBody>
-          <a:bodyPr/>
-          <a:lstStyle/>
-          <a:p>
-            <a:endParaRPr lang="en-US"/>
-          </a:p>
-        </p:txBody>
-      </p:sp>
-      <p:sp>
-        <p:nvSpPr>
-          <p:cNvPr id="3" name="Content Placeholder 2">
-            <a:extLst>
-              <a:ext uri="{FF2B5EF4-FFF2-40B4-BE49-F238E27FC236}">
-                <a16:creationId xmlns:a16="http://schemas.microsoft.com/office/drawing/2014/main" id="{745DE9C9-9B32-28FE-3CD2-0301568E0FA5}"/>
-              </a:ext>
-            </a:extLst>
-          </p:cNvPr>
-          <p:cNvSpPr>
-            <a:spLocks noGrp="1"/>
-          </p:cNvSpPr>
-          <p:nvPr>
-            <p:ph idx="1"/>
-          </p:nvPr>
-        </p:nvSpPr>
-        <p:spPr/>
-        <p:txBody>
-          <a:bodyPr/>
-          <a:lstStyle/>
-          <a:p>
-            <a:endParaRPr lang="en-US"/>
-          </a:p>
-        </p:txBody>
-      </p:sp>
-      <p:pic>
-        <p:nvPicPr>
-          <p:cNvPr id="1026" name="Picture 2" descr="How to Develop Word Embeddings in Python with Gensim -  MachineLearningMastery.com">
-            <a:extLst>
-              <a:ext uri="{FF2B5EF4-FFF2-40B4-BE49-F238E27FC236}">
-                <a16:creationId xmlns:a16="http://schemas.microsoft.com/office/drawing/2014/main" id="{AB49025B-33C1-F887-DBB8-637B1D48959A}"/>
-              </a:ext>
-            </a:extLst>
-          </p:cNvPr>
-          <p:cNvPicPr>
-            <a:picLocks noChangeAspect="1" noChangeArrowheads="1"/>
-          </p:cNvPicPr>
-          <p:nvPr/>
-        </p:nvPicPr>
-        <p:blipFill>
-          <a:blip r:embed="rId2">
-            <a:extLst>
-              <a:ext uri="{28A0092B-C50C-407E-A947-70E740481C1C}">
-                <a14:useLocalDpi xmlns:a14="http://schemas.microsoft.com/office/drawing/2010/main" val="0"/>
-              </a:ext>
-            </a:extLst>
-          </a:blip>
-          <a:srcRect/>
-          <a:stretch>
-            <a:fillRect/>
-          </a:stretch>
-        </p:blipFill>
-        <p:spPr bwMode="auto">
-          <a:xfrm>
-            <a:off x="1524000" y="0"/>
-            <a:ext cx="9144000" cy="6858000"/>
-          </a:xfrm>
-          <a:prstGeom prst="rect">
-            <a:avLst/>
-          </a:prstGeom>
-          <a:noFill/>
-          <a:extLst>
-            <a:ext uri="{909E8E84-426E-40DD-AFC4-6F175D3DCCD1}">
-              <a14:hiddenFill xmlns:a14="http://schemas.microsoft.com/office/drawing/2010/main">
-                <a:solidFill>
-                  <a:srgbClr val="FFFFFF"/>
-                </a:solidFill>
-              </a14:hiddenFill>
-            </a:ext>
-          </a:extLst>
-        </p:spPr>
-      </p:pic>
-    </p:spTree>
-    <p:extLst>
-      <p:ext uri="{BB962C8B-B14F-4D97-AF65-F5344CB8AC3E}">
-        <p14:creationId xmlns:p14="http://schemas.microsoft.com/office/powerpoint/2010/main" val="2235428637"/>
-      </p:ext>
-    </p:extLst>
-  </p:cSld>
-  <p:clrMapOvr>
-    <a:masterClrMapping/>
-  </p:clrMapOvr>
-</p:sld>
-</file>
-
-<file path=ppt/slides/slide23.xml><?xml version="1.0" encoding="utf-8"?>
+<file path=ppt/slides/slide27.xml><?xml version="1.0" encoding="utf-8"?>
 <p:sld xmlns:a="http://schemas.openxmlformats.org/drawingml/2006/main" xmlns:r="http://schemas.openxmlformats.org/officeDocument/2006/relationships" xmlns:p="http://schemas.openxmlformats.org/presentationml/2006/main">
   <p:cSld>
     <p:spTree>
@@ -5794,7 +6386,7 @@
 </p:sld>
 </file>
 
-<file path=ppt/slides/slide24.xml><?xml version="1.0" encoding="utf-8"?>
+<file path=ppt/slides/slide28.xml><?xml version="1.0" encoding="utf-8"?>
 <p:sld xmlns:a="http://schemas.openxmlformats.org/drawingml/2006/main" xmlns:r="http://schemas.openxmlformats.org/officeDocument/2006/relationships" xmlns:p="http://schemas.openxmlformats.org/presentationml/2006/main">
   <p:cSld>
     <p:spTree>
@@ -5816,7 +6408,7 @@
           <p:cNvPr id="2" name="Title 1">
             <a:extLst>
               <a:ext uri="{FF2B5EF4-FFF2-40B4-BE49-F238E27FC236}">
-                <a16:creationId xmlns:a16="http://schemas.microsoft.com/office/drawing/2014/main" id="{2F6D39ED-4049-484A-8A23-EF2C3DFB812B}"/>
+                <a16:creationId xmlns:a16="http://schemas.microsoft.com/office/drawing/2014/main" id="{E84D1227-A141-327F-EB19-DF351941BF62}"/>
               </a:ext>
             </a:extLst>
           </p:cNvPr>
@@ -5834,7 +6426,7 @@
           <a:p>
             <a:r>
               <a:rPr lang="en-US" dirty="0"/>
-              <a:t>NLP in Practice</a:t>
+              <a:t>Big Note</a:t>
             </a:r>
           </a:p>
         </p:txBody>
@@ -5844,7 +6436,7 @@
           <p:cNvPr id="3" name="Content Placeholder 2">
             <a:extLst>
               <a:ext uri="{FF2B5EF4-FFF2-40B4-BE49-F238E27FC236}">
-                <a16:creationId xmlns:a16="http://schemas.microsoft.com/office/drawing/2014/main" id="{776F59CA-DD5B-E345-972A-8104869FCF33}"/>
+                <a16:creationId xmlns:a16="http://schemas.microsoft.com/office/drawing/2014/main" id="{66AF796C-B5F8-A589-2F00-3A98CB8A78A9}"/>
               </a:ext>
             </a:extLst>
           </p:cNvPr>
@@ -5857,79 +6449,56 @@
         </p:nvSpPr>
         <p:spPr>
           <a:xfrm>
-            <a:off x="1451579" y="1853754"/>
-            <a:ext cx="9603275" cy="4199727"/>
+            <a:off x="1451579" y="1853755"/>
+            <a:ext cx="9603275" cy="4199726"/>
           </a:xfrm>
         </p:spPr>
         <p:txBody>
-          <a:bodyPr>
-            <a:normAutofit lnSpcReduction="10000"/>
-          </a:bodyPr>
-          <a:lstStyle/>
-          <a:p>
-            <a:r>
-              <a:rPr lang="en-US" dirty="0"/>
-              <a:t>NLP is an area that is very quickly developing. </a:t>
-            </a:r>
-          </a:p>
-          <a:p>
-            <a:r>
-              <a:rPr lang="en-US" dirty="0"/>
-              <a:t>More data makes a big difference!</a:t>
-            </a:r>
-          </a:p>
-          <a:p>
-            <a:pPr lvl="1"/>
-            <a:r>
-              <a:rPr lang="en-US" dirty="0"/>
-              <a:t>Language has subtleties, massive datasets allow those subtleties to become patterns. </a:t>
-            </a:r>
-          </a:p>
-          <a:p>
-            <a:pPr lvl="1"/>
-            <a:r>
-              <a:rPr lang="en-US" dirty="0"/>
-              <a:t>The #1 determinant of future language models will probably be access to human written text.</a:t>
-            </a:r>
-          </a:p>
-          <a:p>
-            <a:r>
-              <a:rPr lang="en-US" dirty="0"/>
-              <a:t>Preprocessing choices can make massive differences:</a:t>
-            </a:r>
-          </a:p>
-          <a:p>
-            <a:pPr lvl="1"/>
-            <a:r>
-              <a:rPr lang="en-US" dirty="0"/>
-              <a:t>Stemming, lemmatization, stop words, and n-gram size all vary widely depending on context. </a:t>
-            </a:r>
-          </a:p>
-          <a:p>
-            <a:r>
-              <a:rPr lang="en-US" dirty="0"/>
-              <a:t>The embedding space quality matters as much or more than the predictor. </a:t>
-            </a:r>
-          </a:p>
-          <a:p>
-            <a:pPr lvl="1"/>
-            <a:r>
-              <a:rPr lang="en-US" dirty="0"/>
-              <a:t>Like images, we must represent text as numbers – how well we do this is critical. </a:t>
-            </a:r>
-          </a:p>
-          <a:p>
-            <a:pPr lvl="1"/>
-            <a:r>
-              <a:rPr lang="en-US" dirty="0"/>
-              <a:t>This is a source of irreducible error for the predictive model. </a:t>
-            </a:r>
-          </a:p>
-          <a:p>
-            <a:pPr lvl="1"/>
-            <a:r>
-              <a:rPr lang="en-US" dirty="0"/>
-              <a:t>E.g. the word “lit” has a different lemma on Twitter, in a college English dept, or for wildfires. </a:t>
+          <a:bodyPr/>
+          <a:lstStyle/>
+          <a:p>
+            <a:r>
+              <a:rPr lang="en-US" dirty="0"/>
+              <a:t>We will use embeddings, but we have to collapse them to 1 dimension. </a:t>
+            </a:r>
+          </a:p>
+          <a:p>
+            <a:pPr lvl="1"/>
+            <a:r>
+              <a:rPr lang="en-US" dirty="0"/>
+              <a:t>Each feature needs 1 value, not 200 values. </a:t>
+            </a:r>
+          </a:p>
+          <a:p>
+            <a:r>
+              <a:rPr lang="en-US" dirty="0"/>
+              <a:t>This is a simplification for our simple models that must have 1D data. </a:t>
+            </a:r>
+          </a:p>
+          <a:p>
+            <a:r>
+              <a:rPr lang="en-US" dirty="0"/>
+              <a:t>In neural network models we don’t do this, we can keep 2D data. </a:t>
+            </a:r>
+          </a:p>
+          <a:p>
+            <a:pPr lvl="1"/>
+            <a:r>
+              <a:rPr lang="en-US" dirty="0"/>
+              <a:t>Feature x embedding dimensions. </a:t>
+            </a:r>
+          </a:p>
+          <a:p>
+            <a:pPr lvl="1"/>
+            <a:r>
+              <a:rPr lang="en-US" dirty="0"/>
+              <a:t>The process doesn’t really change all that much, the we can just use the embedding as is. </a:t>
+            </a:r>
+          </a:p>
+          <a:p>
+            <a:r>
+              <a:rPr lang="en-US" dirty="0"/>
+              <a:t>This loses the ‘magic’ of fancy embedding, so we can expect much better results with this approach only if we use a bigger model to take advantage of them. </a:t>
             </a:r>
           </a:p>
         </p:txBody>
@@ -5937,7 +6506,7 @@
     </p:spTree>
     <p:extLst>
       <p:ext uri="{BB962C8B-B14F-4D97-AF65-F5344CB8AC3E}">
-        <p14:creationId xmlns:p14="http://schemas.microsoft.com/office/powerpoint/2010/main" val="2196243548"/>
+        <p14:creationId xmlns:p14="http://schemas.microsoft.com/office/powerpoint/2010/main" val="3213704600"/>
       </p:ext>
     </p:extLst>
   </p:cSld>
@@ -5947,8 +6516,8 @@
 </p:sld>
 </file>
 
-<file path=ppt/slides/slide25.xml><?xml version="1.0" encoding="utf-8"?>
-<p:sld xmlns:a="http://schemas.openxmlformats.org/drawingml/2006/main" xmlns:r="http://schemas.openxmlformats.org/officeDocument/2006/relationships" xmlns:p="http://schemas.openxmlformats.org/presentationml/2006/main">
+<file path=ppt/slides/slide29.xml><?xml version="1.0" encoding="utf-8"?>
+<p:sld xmlns:a="http://schemas.openxmlformats.org/drawingml/2006/main" xmlns:r="http://schemas.openxmlformats.org/officeDocument/2006/relationships" xmlns:p="http://schemas.openxmlformats.org/presentationml/2006/main" show="0">
   <p:cSld>
     <p:spTree>
       <p:nvGrpSpPr>
@@ -5969,7 +6538,7 @@
           <p:cNvPr id="2" name="Title 1">
             <a:extLst>
               <a:ext uri="{FF2B5EF4-FFF2-40B4-BE49-F238E27FC236}">
-                <a16:creationId xmlns:a16="http://schemas.microsoft.com/office/drawing/2014/main" id="{984A237C-6E20-E34E-B7D9-06A3FF0331A8}"/>
+                <a16:creationId xmlns:a16="http://schemas.microsoft.com/office/drawing/2014/main" id="{7276A5D6-C8FC-B473-94E4-174561A24133}"/>
               </a:ext>
             </a:extLst>
           </p:cNvPr>
@@ -5987,7 +6556,7 @@
           <a:p>
             <a:r>
               <a:rPr lang="en-US" dirty="0"/>
-              <a:t>More advanced NLP</a:t>
+              <a:t>Using Embeddings</a:t>
             </a:r>
           </a:p>
         </p:txBody>
@@ -5997,7 +6566,7 @@
           <p:cNvPr id="3" name="Content Placeholder 2">
             <a:extLst>
               <a:ext uri="{FF2B5EF4-FFF2-40B4-BE49-F238E27FC236}">
-                <a16:creationId xmlns:a16="http://schemas.microsoft.com/office/drawing/2014/main" id="{2CAE941D-47C9-7A41-96F7-C35BE56B8FAD}"/>
+                <a16:creationId xmlns:a16="http://schemas.microsoft.com/office/drawing/2014/main" id="{7C9F7881-E651-AE6B-4396-F5603E69A376}"/>
               </a:ext>
             </a:extLst>
           </p:cNvPr>
@@ -6011,7 +6580,7 @@
         <p:spPr>
           <a:xfrm>
             <a:off x="1451579" y="2015732"/>
-            <a:ext cx="9603275" cy="3982991"/>
+            <a:ext cx="9603275" cy="4037749"/>
           </a:xfrm>
         </p:spPr>
         <p:txBody>
@@ -6020,55 +6589,47 @@
           <a:p>
             <a:r>
               <a:rPr lang="en-US" dirty="0"/>
-              <a:t>Many NLP tools are used in concert with neural networks. </a:t>
-            </a:r>
-          </a:p>
-          <a:p>
-            <a:pPr lvl="1"/>
-            <a:r>
-              <a:rPr lang="en-US" dirty="0"/>
-              <a:t>We’ll revisit some later on towards the end. </a:t>
-            </a:r>
-          </a:p>
-          <a:p>
-            <a:pPr lvl="1"/>
-            <a:r>
-              <a:rPr lang="en-US" dirty="0"/>
-              <a:t>NNs “suit” the challenge of extracting patterns from large datasets. </a:t>
-            </a:r>
-          </a:p>
-          <a:p>
-            <a:r>
-              <a:rPr lang="en-US" dirty="0"/>
-              <a:t>Recurrent neural networks and transformers are model types that are good at NLP. </a:t>
-            </a:r>
-          </a:p>
-          <a:p>
-            <a:pPr lvl="1"/>
-            <a:r>
-              <a:rPr lang="en-US" dirty="0"/>
-              <a:t>Good at capturing sequence of tokens – important for actual language. </a:t>
-            </a:r>
-          </a:p>
-          <a:p>
-            <a:pPr lvl="1"/>
-            <a:r>
-              <a:rPr lang="en-US" dirty="0"/>
-              <a:t>These tools enable text generation – predict the next word, and generate it. </a:t>
-            </a:r>
-          </a:p>
-          <a:p>
-            <a:pPr lvl="1"/>
-            <a:r>
-              <a:rPr lang="en-US" dirty="0"/>
-              <a:t>I.e. what value (in N-dim) should the next word have? Choose a word that is embedded close to that ‘correct’ word. </a:t>
-            </a:r>
-          </a:p>
-          <a:p>
-            <a:pPr lvl="1"/>
-            <a:r>
-              <a:rPr lang="en-US" dirty="0"/>
-              <a:t>Precursor to the types of models that are used for modern text generation, transformers. </a:t>
+              <a:t>For us, for now, we’ll collapse the embedding values down. </a:t>
+            </a:r>
+          </a:p>
+          <a:p>
+            <a:r>
+              <a:rPr lang="en-US" dirty="0"/>
+              <a:t>Later, with neural networks, we’ll look at how we can use them sans collapse. </a:t>
+            </a:r>
+          </a:p>
+          <a:p>
+            <a:pPr lvl="1"/>
+            <a:r>
+              <a:rPr lang="en-US" dirty="0"/>
+              <a:t>Our models can only handle a 2D grid of data.</a:t>
+            </a:r>
+          </a:p>
+          <a:p>
+            <a:r>
+              <a:rPr lang="en-US" dirty="0"/>
+              <a:t>Overall, any representation could work.</a:t>
+            </a:r>
+          </a:p>
+          <a:p>
+            <a:pPr lvl="1"/>
+            <a:r>
+              <a:rPr lang="en-US" dirty="0"/>
+              <a:t>In our examples, we’ll collapse multi-D embeddings down to 1 D. </a:t>
+            </a:r>
+          </a:p>
+          <a:p>
+            <a:pPr lvl="1"/>
+            <a:r>
+              <a:rPr lang="en-US" dirty="0"/>
+              <a:t>We could keep the multiple dimensions, and have a 3D dataset (later). </a:t>
+            </a:r>
+          </a:p>
+          <a:p>
+            <a:pPr lvl="1"/>
+            <a:r>
+              <a:rPr lang="en-US" dirty="0"/>
+              <a:t>We could do any other flattening – we’d have to test to see what works well. </a:t>
             </a:r>
           </a:p>
         </p:txBody>
@@ -6076,7 +6637,7 @@
     </p:spTree>
     <p:extLst>
       <p:ext uri="{BB962C8B-B14F-4D97-AF65-F5344CB8AC3E}">
-        <p14:creationId xmlns:p14="http://schemas.microsoft.com/office/powerpoint/2010/main" val="488913720"/>
+        <p14:creationId xmlns:p14="http://schemas.microsoft.com/office/powerpoint/2010/main" val="2498184138"/>
       </p:ext>
     </p:extLst>
   </p:cSld>
@@ -6237,6 +6798,461 @@
     <p:extLst>
       <p:ext uri="{BB962C8B-B14F-4D97-AF65-F5344CB8AC3E}">
         <p14:creationId xmlns:p14="http://schemas.microsoft.com/office/powerpoint/2010/main" val="1605237893"/>
+      </p:ext>
+    </p:extLst>
+  </p:cSld>
+  <p:clrMapOvr>
+    <a:masterClrMapping/>
+  </p:clrMapOvr>
+</p:sld>
+</file>
+
+<file path=ppt/slides/slide30.xml><?xml version="1.0" encoding="utf-8"?>
+<p:sld xmlns:a="http://schemas.openxmlformats.org/drawingml/2006/main" xmlns:r="http://schemas.openxmlformats.org/officeDocument/2006/relationships" xmlns:p="http://schemas.openxmlformats.org/presentationml/2006/main">
+  <p:cSld>
+    <p:spTree>
+      <p:nvGrpSpPr>
+        <p:cNvPr id="1" name=""/>
+        <p:cNvGrpSpPr/>
+        <p:nvPr/>
+      </p:nvGrpSpPr>
+      <p:grpSpPr>
+        <a:xfrm>
+          <a:off x="0" y="0"/>
+          <a:ext cx="0" cy="0"/>
+          <a:chOff x="0" y="0"/>
+          <a:chExt cx="0" cy="0"/>
+        </a:xfrm>
+      </p:grpSpPr>
+      <p:sp>
+        <p:nvSpPr>
+          <p:cNvPr id="2" name="Title 1">
+            <a:extLst>
+              <a:ext uri="{FF2B5EF4-FFF2-40B4-BE49-F238E27FC236}">
+                <a16:creationId xmlns:a16="http://schemas.microsoft.com/office/drawing/2014/main" id="{2F6D39ED-4049-484A-8A23-EF2C3DFB812B}"/>
+              </a:ext>
+            </a:extLst>
+          </p:cNvPr>
+          <p:cNvSpPr>
+            <a:spLocks noGrp="1"/>
+          </p:cNvSpPr>
+          <p:nvPr>
+            <p:ph type="title"/>
+          </p:nvPr>
+        </p:nvSpPr>
+        <p:spPr/>
+        <p:txBody>
+          <a:bodyPr/>
+          <a:lstStyle/>
+          <a:p>
+            <a:r>
+              <a:rPr lang="en-US" dirty="0"/>
+              <a:t>NLP in Practice</a:t>
+            </a:r>
+          </a:p>
+        </p:txBody>
+      </p:sp>
+      <p:sp>
+        <p:nvSpPr>
+          <p:cNvPr id="3" name="Content Placeholder 2">
+            <a:extLst>
+              <a:ext uri="{FF2B5EF4-FFF2-40B4-BE49-F238E27FC236}">
+                <a16:creationId xmlns:a16="http://schemas.microsoft.com/office/drawing/2014/main" id="{776F59CA-DD5B-E345-972A-8104869FCF33}"/>
+              </a:ext>
+            </a:extLst>
+          </p:cNvPr>
+          <p:cNvSpPr>
+            <a:spLocks noGrp="1"/>
+          </p:cNvSpPr>
+          <p:nvPr>
+            <p:ph idx="1"/>
+          </p:nvPr>
+        </p:nvSpPr>
+        <p:spPr>
+          <a:xfrm>
+            <a:off x="1451579" y="1853754"/>
+            <a:ext cx="9603275" cy="4199727"/>
+          </a:xfrm>
+        </p:spPr>
+        <p:txBody>
+          <a:bodyPr>
+            <a:normAutofit lnSpcReduction="10000"/>
+          </a:bodyPr>
+          <a:lstStyle/>
+          <a:p>
+            <a:r>
+              <a:rPr lang="en-US" dirty="0"/>
+              <a:t>NLP is an area that is very quickly developing. </a:t>
+            </a:r>
+          </a:p>
+          <a:p>
+            <a:r>
+              <a:rPr lang="en-US" dirty="0"/>
+              <a:t>More data makes a big difference!</a:t>
+            </a:r>
+          </a:p>
+          <a:p>
+            <a:pPr lvl="1"/>
+            <a:r>
+              <a:rPr lang="en-US" dirty="0"/>
+              <a:t>Language has subtleties, massive datasets allow those subtleties to become patterns. </a:t>
+            </a:r>
+          </a:p>
+          <a:p>
+            <a:pPr lvl="1"/>
+            <a:r>
+              <a:rPr lang="en-US" dirty="0"/>
+              <a:t>The #1 determinant of future language models will probably be access to human written text.</a:t>
+            </a:r>
+          </a:p>
+          <a:p>
+            <a:r>
+              <a:rPr lang="en-US" dirty="0"/>
+              <a:t>Preprocessing choices can make massive differences:</a:t>
+            </a:r>
+          </a:p>
+          <a:p>
+            <a:pPr lvl="1"/>
+            <a:r>
+              <a:rPr lang="en-US" dirty="0"/>
+              <a:t>Stemming, lemmatization, stop words, and n-gram size all vary widely depending on context. </a:t>
+            </a:r>
+          </a:p>
+          <a:p>
+            <a:r>
+              <a:rPr lang="en-US" dirty="0"/>
+              <a:t>The embedding space quality matters as much or more than the predictor. </a:t>
+            </a:r>
+          </a:p>
+          <a:p>
+            <a:pPr lvl="1"/>
+            <a:r>
+              <a:rPr lang="en-US" dirty="0"/>
+              <a:t>Like images, we must represent text as numbers – how well we do this is critical. </a:t>
+            </a:r>
+          </a:p>
+          <a:p>
+            <a:pPr lvl="1"/>
+            <a:r>
+              <a:rPr lang="en-US" dirty="0"/>
+              <a:t>This is a source of irreducible error for the predictive model. </a:t>
+            </a:r>
+          </a:p>
+          <a:p>
+            <a:pPr lvl="1"/>
+            <a:r>
+              <a:rPr lang="en-US" dirty="0"/>
+              <a:t>E.g. the word “lit” has a different lemma on Twitter, in a college English dept, or for wildfires. </a:t>
+            </a:r>
+          </a:p>
+        </p:txBody>
+      </p:sp>
+    </p:spTree>
+    <p:extLst>
+      <p:ext uri="{BB962C8B-B14F-4D97-AF65-F5344CB8AC3E}">
+        <p14:creationId xmlns:p14="http://schemas.microsoft.com/office/powerpoint/2010/main" val="2196243548"/>
+      </p:ext>
+    </p:extLst>
+  </p:cSld>
+  <p:clrMapOvr>
+    <a:masterClrMapping/>
+  </p:clrMapOvr>
+</p:sld>
+</file>
+
+<file path=ppt/slides/slide31.xml><?xml version="1.0" encoding="utf-8"?>
+<p:sld xmlns:a="http://schemas.openxmlformats.org/drawingml/2006/main" xmlns:r="http://schemas.openxmlformats.org/officeDocument/2006/relationships" xmlns:p="http://schemas.openxmlformats.org/presentationml/2006/main">
+  <p:cSld>
+    <p:spTree>
+      <p:nvGrpSpPr>
+        <p:cNvPr id="1" name=""/>
+        <p:cNvGrpSpPr/>
+        <p:nvPr/>
+      </p:nvGrpSpPr>
+      <p:grpSpPr>
+        <a:xfrm>
+          <a:off x="0" y="0"/>
+          <a:ext cx="0" cy="0"/>
+          <a:chOff x="0" y="0"/>
+          <a:chExt cx="0" cy="0"/>
+        </a:xfrm>
+      </p:grpSpPr>
+      <p:sp>
+        <p:nvSpPr>
+          <p:cNvPr id="2" name="Title 1">
+            <a:extLst>
+              <a:ext uri="{FF2B5EF4-FFF2-40B4-BE49-F238E27FC236}">
+                <a16:creationId xmlns:a16="http://schemas.microsoft.com/office/drawing/2014/main" id="{984A237C-6E20-E34E-B7D9-06A3FF0331A8}"/>
+              </a:ext>
+            </a:extLst>
+          </p:cNvPr>
+          <p:cNvSpPr>
+            <a:spLocks noGrp="1"/>
+          </p:cNvSpPr>
+          <p:nvPr>
+            <p:ph type="title"/>
+          </p:nvPr>
+        </p:nvSpPr>
+        <p:spPr/>
+        <p:txBody>
+          <a:bodyPr/>
+          <a:lstStyle/>
+          <a:p>
+            <a:r>
+              <a:rPr lang="en-US" dirty="0"/>
+              <a:t>More advanced NLP</a:t>
+            </a:r>
+          </a:p>
+        </p:txBody>
+      </p:sp>
+      <p:sp>
+        <p:nvSpPr>
+          <p:cNvPr id="3" name="Content Placeholder 2">
+            <a:extLst>
+              <a:ext uri="{FF2B5EF4-FFF2-40B4-BE49-F238E27FC236}">
+                <a16:creationId xmlns:a16="http://schemas.microsoft.com/office/drawing/2014/main" id="{2CAE941D-47C9-7A41-96F7-C35BE56B8FAD}"/>
+              </a:ext>
+            </a:extLst>
+          </p:cNvPr>
+          <p:cNvSpPr>
+            <a:spLocks noGrp="1"/>
+          </p:cNvSpPr>
+          <p:nvPr>
+            <p:ph idx="1"/>
+          </p:nvPr>
+        </p:nvSpPr>
+        <p:spPr>
+          <a:xfrm>
+            <a:off x="1451579" y="1853754"/>
+            <a:ext cx="10038579" cy="4144969"/>
+          </a:xfrm>
+        </p:spPr>
+        <p:txBody>
+          <a:bodyPr>
+            <a:normAutofit/>
+          </a:bodyPr>
+          <a:lstStyle/>
+          <a:p>
+            <a:r>
+              <a:rPr lang="en-US" dirty="0"/>
+              <a:t>Many NLP tools are used in concert with neural networks. </a:t>
+            </a:r>
+          </a:p>
+          <a:p>
+            <a:pPr lvl="1"/>
+            <a:r>
+              <a:rPr lang="en-US" dirty="0"/>
+              <a:t>We’ll revisit some later on towards the end. </a:t>
+            </a:r>
+          </a:p>
+          <a:p>
+            <a:pPr lvl="1"/>
+            <a:r>
+              <a:rPr lang="en-US" dirty="0"/>
+              <a:t>NNs are well suited to the challenge of extracting patterns from large datasets. </a:t>
+            </a:r>
+          </a:p>
+          <a:p>
+            <a:pPr lvl="2"/>
+            <a:r>
+              <a:rPr lang="en-US" dirty="0"/>
+              <a:t>Complex relationships, huge data, large models. </a:t>
+            </a:r>
+          </a:p>
+          <a:p>
+            <a:r>
+              <a:rPr lang="en-US" dirty="0"/>
+              <a:t>Recurrent neural networks and transformers (March) are model types that are good at NLP. </a:t>
+            </a:r>
+          </a:p>
+          <a:p>
+            <a:pPr lvl="1"/>
+            <a:r>
+              <a:rPr lang="en-US" dirty="0"/>
+              <a:t>Good at capturing sequence of tokens – important for actual language. </a:t>
+            </a:r>
+          </a:p>
+          <a:p>
+            <a:pPr lvl="1"/>
+            <a:r>
+              <a:rPr lang="en-US" dirty="0"/>
+              <a:t>These tools enable text generation – predict the next word, and generate it. </a:t>
+            </a:r>
+          </a:p>
+          <a:p>
+            <a:pPr lvl="1"/>
+            <a:r>
+              <a:rPr lang="en-US" dirty="0"/>
+              <a:t>I.e. what value (in N-dim) should the next word have? Choose a word that is embedded close to that ‘correct’ word. </a:t>
+            </a:r>
+          </a:p>
+          <a:p>
+            <a:pPr lvl="1"/>
+            <a:r>
+              <a:rPr lang="en-US" dirty="0"/>
+              <a:t>Precursor to the types of models that are used for modern text generation, transformers. </a:t>
+            </a:r>
+          </a:p>
+        </p:txBody>
+      </p:sp>
+    </p:spTree>
+    <p:extLst>
+      <p:ext uri="{BB962C8B-B14F-4D97-AF65-F5344CB8AC3E}">
+        <p14:creationId xmlns:p14="http://schemas.microsoft.com/office/powerpoint/2010/main" val="488913720"/>
+      </p:ext>
+    </p:extLst>
+  </p:cSld>
+  <p:clrMapOvr>
+    <a:masterClrMapping/>
+  </p:clrMapOvr>
+</p:sld>
+</file>
+
+<file path=ppt/slides/slide32.xml><?xml version="1.0" encoding="utf-8"?>
+<p:sld xmlns:a="http://schemas.openxmlformats.org/drawingml/2006/main" xmlns:r="http://schemas.openxmlformats.org/officeDocument/2006/relationships" xmlns:p="http://schemas.openxmlformats.org/presentationml/2006/main">
+  <p:cSld>
+    <p:spTree>
+      <p:nvGrpSpPr>
+        <p:cNvPr id="1" name=""/>
+        <p:cNvGrpSpPr/>
+        <p:nvPr/>
+      </p:nvGrpSpPr>
+      <p:grpSpPr>
+        <a:xfrm>
+          <a:off x="0" y="0"/>
+          <a:ext cx="0" cy="0"/>
+          <a:chOff x="0" y="0"/>
+          <a:chExt cx="0" cy="0"/>
+        </a:xfrm>
+      </p:grpSpPr>
+      <p:sp>
+        <p:nvSpPr>
+          <p:cNvPr id="2" name="Title 1">
+            <a:extLst>
+              <a:ext uri="{FF2B5EF4-FFF2-40B4-BE49-F238E27FC236}">
+                <a16:creationId xmlns:a16="http://schemas.microsoft.com/office/drawing/2014/main" id="{DC2FF35A-AABD-D1BE-E81C-27EB4675F5B6}"/>
+              </a:ext>
+            </a:extLst>
+          </p:cNvPr>
+          <p:cNvSpPr>
+            <a:spLocks noGrp="1"/>
+          </p:cNvSpPr>
+          <p:nvPr>
+            <p:ph type="title"/>
+          </p:nvPr>
+        </p:nvSpPr>
+        <p:spPr/>
+        <p:txBody>
+          <a:bodyPr/>
+          <a:lstStyle/>
+          <a:p>
+            <a:r>
+              <a:rPr lang="en-US" dirty="0"/>
+              <a:t>NLP Conclusion, Part 2</a:t>
+            </a:r>
+          </a:p>
+        </p:txBody>
+      </p:sp>
+      <p:sp>
+        <p:nvSpPr>
+          <p:cNvPr id="3" name="Content Placeholder 2">
+            <a:extLst>
+              <a:ext uri="{FF2B5EF4-FFF2-40B4-BE49-F238E27FC236}">
+                <a16:creationId xmlns:a16="http://schemas.microsoft.com/office/drawing/2014/main" id="{EFEF1C4D-C3A6-CBBA-0845-3BBB9A1227C5}"/>
+              </a:ext>
+            </a:extLst>
+          </p:cNvPr>
+          <p:cNvSpPr>
+            <a:spLocks noGrp="1"/>
+          </p:cNvSpPr>
+          <p:nvPr>
+            <p:ph idx="1"/>
+          </p:nvPr>
+        </p:nvSpPr>
+        <p:spPr>
+          <a:xfrm>
+            <a:off x="1451579" y="1853754"/>
+            <a:ext cx="9603275" cy="4199727"/>
+          </a:xfrm>
+        </p:spPr>
+        <p:txBody>
+          <a:bodyPr>
+            <a:normAutofit lnSpcReduction="10000"/>
+          </a:bodyPr>
+          <a:lstStyle/>
+          <a:p>
+            <a:r>
+              <a:rPr lang="en-US" dirty="0"/>
+              <a:t>Text is a very complex thing – we can express the same thing in many ways, and different things in similar ways. </a:t>
+            </a:r>
+          </a:p>
+          <a:p>
+            <a:r>
+              <a:rPr lang="en-US" dirty="0"/>
+              <a:t>Performance of our models is very context dependent:</a:t>
+            </a:r>
+          </a:p>
+          <a:p>
+            <a:pPr lvl="1"/>
+            <a:r>
+              <a:rPr lang="en-US" dirty="0"/>
+              <a:t>Different parts of text matter depending on the goal (e.g. generation vs classification). </a:t>
+            </a:r>
+          </a:p>
+          <a:p>
+            <a:pPr lvl="1"/>
+            <a:r>
+              <a:rPr lang="en-US" dirty="0"/>
+              <a:t>There are several moving parts – cleaning, processing, embedding, model….</a:t>
+            </a:r>
+          </a:p>
+          <a:p>
+            <a:r>
+              <a:rPr lang="en-US" dirty="0"/>
+              <a:t>In general:</a:t>
+            </a:r>
+          </a:p>
+          <a:p>
+            <a:pPr lvl="1"/>
+            <a:r>
+              <a:rPr lang="en-US" dirty="0"/>
+              <a:t>For classification/regression – simplify the problem as much as is reasonable/works. </a:t>
+            </a:r>
+          </a:p>
+          <a:p>
+            <a:pPr lvl="2"/>
+            <a:r>
+              <a:rPr lang="en-US" dirty="0"/>
+              <a:t>Meaning matters, text detail doesn’t. We want to limit variance errors. </a:t>
+            </a:r>
+          </a:p>
+          <a:p>
+            <a:pPr lvl="1"/>
+            <a:r>
+              <a:rPr lang="en-US" dirty="0"/>
+              <a:t>For generation/advanced stuff – complex model, embedding, large data. </a:t>
+            </a:r>
+          </a:p>
+          <a:p>
+            <a:pPr lvl="2"/>
+            <a:r>
+              <a:rPr lang="en-US" dirty="0"/>
+              <a:t>The relationships are complex, so we need a large model to be able to capture it. </a:t>
+            </a:r>
+          </a:p>
+          <a:p>
+            <a:pPr lvl="2"/>
+            <a:r>
+              <a:rPr lang="en-US" dirty="0"/>
+              <a:t>Data needs can explode – need to be able to disambiguate all uses of each token. </a:t>
+            </a:r>
+          </a:p>
+        </p:txBody>
+      </p:sp>
+    </p:spTree>
+    <p:extLst>
+      <p:ext uri="{BB962C8B-B14F-4D97-AF65-F5344CB8AC3E}">
+        <p14:creationId xmlns:p14="http://schemas.microsoft.com/office/powerpoint/2010/main" val="1749391204"/>
       </p:ext>
     </p:extLst>
   </p:cSld>
@@ -6923,7 +7939,7 @@
             </a:pPr>
             <a:r>
               <a:rPr lang="en-US" sz="2000" dirty="0"/>
-              <a:t>Common sense – only a subset of words really define meaning. </a:t>
+              <a:t>Common sense – only a subset of words really define meaning – we can kill some. </a:t>
             </a:r>
           </a:p>
           <a:p>

--- a/reference_content/Slides/NLP_2.pptx
+++ b/reference_content/Slides/NLP_2.pptx
@@ -27,16 +27,17 @@
     <p:sldId id="278" r:id="rId21"/>
     <p:sldId id="282" r:id="rId22"/>
     <p:sldId id="277" r:id="rId23"/>
-    <p:sldId id="284" r:id="rId24"/>
-    <p:sldId id="268" r:id="rId25"/>
+    <p:sldId id="291" r:id="rId24"/>
+    <p:sldId id="284" r:id="rId25"/>
     <p:sldId id="269" r:id="rId26"/>
-    <p:sldId id="290" r:id="rId27"/>
-    <p:sldId id="279" r:id="rId28"/>
-    <p:sldId id="289" r:id="rId29"/>
-    <p:sldId id="287" r:id="rId30"/>
-    <p:sldId id="263" r:id="rId31"/>
-    <p:sldId id="264" r:id="rId32"/>
-    <p:sldId id="285" r:id="rId33"/>
+    <p:sldId id="268" r:id="rId27"/>
+    <p:sldId id="290" r:id="rId28"/>
+    <p:sldId id="279" r:id="rId29"/>
+    <p:sldId id="289" r:id="rId30"/>
+    <p:sldId id="287" r:id="rId31"/>
+    <p:sldId id="263" r:id="rId32"/>
+    <p:sldId id="264" r:id="rId33"/>
+    <p:sldId id="285" r:id="rId34"/>
   </p:sldIdLst>
   <p:sldSz cx="12192000" cy="6858000"/>
   <p:notesSz cx="6858000" cy="9144000"/>
@@ -5526,6 +5527,17 @@
               <a:t>The accuracy of this embedding determines how well the model handles the meaning of each word. </a:t>
             </a:r>
           </a:p>
+          <a:p>
+            <a:r>
+              <a:rPr lang="en-US" dirty="0"/>
+              <a:t>LLMs are in </a:t>
+            </a:r>
+            <a:r>
+              <a:rPr lang="en-US"/>
+              <a:t>the thousands. </a:t>
+            </a:r>
+            <a:endParaRPr lang="en-US" dirty="0"/>
+          </a:p>
         </p:txBody>
       </p:sp>
       <p:pic>
@@ -5747,7 +5759,7 @@
           <p:cNvPr id="2" name="Title 1">
             <a:extLst>
               <a:ext uri="{FF2B5EF4-FFF2-40B4-BE49-F238E27FC236}">
-                <a16:creationId xmlns:a16="http://schemas.microsoft.com/office/drawing/2014/main" id="{3608824E-16A0-351F-BA81-1CB9EC969580}"/>
+                <a16:creationId xmlns:a16="http://schemas.microsoft.com/office/drawing/2014/main" id="{82338912-E57B-5EF1-743F-594EF987C626}"/>
               </a:ext>
             </a:extLst>
           </p:cNvPr>
@@ -5764,8 +5776,12 @@
           <a:lstStyle/>
           <a:p>
             <a:r>
-              <a:rPr lang="en-US" dirty="0"/>
-              <a:t>Other Parts of Embeddings</a:t>
+              <a:rPr lang="en-US" dirty="0" err="1"/>
+              <a:t>SkipGram</a:t>
+            </a:r>
+            <a:r>
+              <a:rPr lang="en-US" dirty="0"/>
+              <a:t> and CBOW</a:t>
             </a:r>
           </a:p>
         </p:txBody>
@@ -5775,7 +5791,7 @@
           <p:cNvPr id="3" name="Content Placeholder 2">
             <a:extLst>
               <a:ext uri="{FF2B5EF4-FFF2-40B4-BE49-F238E27FC236}">
-                <a16:creationId xmlns:a16="http://schemas.microsoft.com/office/drawing/2014/main" id="{6507F75C-5B36-47F2-C871-69641AEBC974}"/>
+                <a16:creationId xmlns:a16="http://schemas.microsoft.com/office/drawing/2014/main" id="{DCD62451-6A06-13CD-1E20-D3584B10C278}"/>
               </a:ext>
             </a:extLst>
           </p:cNvPr>
@@ -5791,14 +5807,40 @@
           <a:bodyPr/>
           <a:lstStyle/>
           <a:p>
-            <a:endParaRPr lang="en-US"/>
+            <a:r>
+              <a:rPr lang="en-US" dirty="0"/>
+              <a:t>These are two different methods to generate embeddings for our tokens. </a:t>
+            </a:r>
+          </a:p>
+          <a:p>
+            <a:r>
+              <a:rPr lang="en-US" dirty="0" err="1"/>
+              <a:t>Skipgram</a:t>
+            </a:r>
+            <a:r>
+              <a:rPr lang="en-US" dirty="0"/>
+              <a:t> – predicts context given a word. </a:t>
+            </a:r>
+          </a:p>
+          <a:p>
+            <a:pPr lvl="1"/>
+            <a:r>
+              <a:rPr lang="en-US" dirty="0"/>
+              <a:t>I.e. output is a set of similar words. It then uses these to map value. </a:t>
+            </a:r>
+          </a:p>
+          <a:p>
+            <a:r>
+              <a:rPr lang="en-US" dirty="0"/>
+              <a:t>Continuous Bag of Words – predicts probability over vocabulary given words. </a:t>
+            </a:r>
           </a:p>
         </p:txBody>
       </p:sp>
     </p:spTree>
     <p:extLst>
       <p:ext uri="{BB962C8B-B14F-4D97-AF65-F5344CB8AC3E}">
-        <p14:creationId xmlns:p14="http://schemas.microsoft.com/office/powerpoint/2010/main" val="3473837524"/>
+        <p14:creationId xmlns:p14="http://schemas.microsoft.com/office/powerpoint/2010/main" val="3691588735"/>
       </p:ext>
     </p:extLst>
   </p:cSld>
@@ -5809,7 +5851,7 @@
 </file>
 
 <file path=ppt/slides/slide24.xml><?xml version="1.0" encoding="utf-8"?>
-<p:sld xmlns:a="http://schemas.openxmlformats.org/drawingml/2006/main" xmlns:r="http://schemas.openxmlformats.org/officeDocument/2006/relationships" xmlns:p="http://schemas.openxmlformats.org/presentationml/2006/main">
+<p:sld xmlns:a="http://schemas.openxmlformats.org/drawingml/2006/main" xmlns:r="http://schemas.openxmlformats.org/officeDocument/2006/relationships" xmlns:p="http://schemas.openxmlformats.org/presentationml/2006/main" show="0">
   <p:cSld>
     <p:spTree>
       <p:nvGrpSpPr>
@@ -5830,7 +5872,7 @@
           <p:cNvPr id="2" name="Title 1">
             <a:extLst>
               <a:ext uri="{FF2B5EF4-FFF2-40B4-BE49-F238E27FC236}">
-                <a16:creationId xmlns:a16="http://schemas.microsoft.com/office/drawing/2014/main" id="{71C95609-D71B-AB4E-8925-81157B02E545}"/>
+                <a16:creationId xmlns:a16="http://schemas.microsoft.com/office/drawing/2014/main" id="{3608824E-16A0-351F-BA81-1CB9EC969580}"/>
               </a:ext>
             </a:extLst>
           </p:cNvPr>
@@ -5846,10 +5888,7 @@
           <a:bodyPr/>
           <a:lstStyle/>
           <a:p>
-            <a:r>
-              <a:rPr lang="en-US" dirty="0"/>
-              <a:t>Temporal Awareness</a:t>
-            </a:r>
+            <a:endParaRPr lang="en-US" dirty="0"/>
           </a:p>
         </p:txBody>
       </p:sp>
@@ -5858,7 +5897,7 @@
           <p:cNvPr id="3" name="Content Placeholder 2">
             <a:extLst>
               <a:ext uri="{FF2B5EF4-FFF2-40B4-BE49-F238E27FC236}">
-                <a16:creationId xmlns:a16="http://schemas.microsoft.com/office/drawing/2014/main" id="{78BF3120-6F43-9442-A1C8-322B97A7B2D6}"/>
+                <a16:creationId xmlns:a16="http://schemas.microsoft.com/office/drawing/2014/main" id="{6507F75C-5B36-47F2-C871-69641AEBC974}"/>
               </a:ext>
             </a:extLst>
           </p:cNvPr>
@@ -5869,107 +5908,19 @@
             <p:ph idx="1"/>
           </p:nvPr>
         </p:nvSpPr>
-        <p:spPr>
-          <a:xfrm>
-            <a:off x="7095434" y="2015732"/>
-            <a:ext cx="4990549" cy="3889322"/>
-          </a:xfrm>
-        </p:spPr>
-        <p:txBody>
-          <a:bodyPr/>
-          <a:lstStyle/>
-          <a:p>
-            <a:r>
-              <a:rPr lang="en-US" dirty="0"/>
-              <a:t>Text isn’t just a bag-o-words, order matters.</a:t>
-            </a:r>
-          </a:p>
-          <a:p>
-            <a:pPr lvl="1"/>
-            <a:r>
-              <a:rPr lang="en-US" dirty="0"/>
-              <a:t>”Dumps like a truck” and “likes dump trucks” are verry different. </a:t>
-            </a:r>
-          </a:p>
-          <a:p>
-            <a:r>
-              <a:rPr lang="en-US" dirty="0"/>
-              <a:t>NLP can benefit from learning from order. </a:t>
-            </a:r>
-          </a:p>
-          <a:p>
-            <a:pPr lvl="1"/>
-            <a:r>
-              <a:rPr lang="en-US" dirty="0"/>
-              <a:t>Word2Vec uses the sequence order. </a:t>
-            </a:r>
-          </a:p>
-          <a:p>
-            <a:pPr lvl="1"/>
-            <a:r>
-              <a:rPr lang="en-US" dirty="0"/>
-              <a:t>In NN, we’ll look at order more explicitly. </a:t>
-            </a:r>
-          </a:p>
-          <a:p>
-            <a:r>
-              <a:rPr lang="en-US" dirty="0"/>
-              <a:t>The order will (hopefully) help generate better embeddings by capturing meaning. </a:t>
-            </a:r>
-          </a:p>
-        </p:txBody>
-      </p:sp>
-      <p:pic>
-        <p:nvPicPr>
-          <p:cNvPr id="7170" name="Picture 2">
-            <a:extLst>
-              <a:ext uri="{FF2B5EF4-FFF2-40B4-BE49-F238E27FC236}">
-                <a16:creationId xmlns:a16="http://schemas.microsoft.com/office/drawing/2014/main" id="{CEE09B02-039B-2C4A-B46D-0D99539A3AB6}"/>
-              </a:ext>
-            </a:extLst>
-          </p:cNvPr>
-          <p:cNvPicPr>
-            <a:picLocks noChangeAspect="1" noChangeArrowheads="1"/>
-          </p:cNvPicPr>
-          <p:nvPr/>
-        </p:nvPicPr>
-        <p:blipFill>
-          <a:blip r:embed="rId2">
-            <a:extLst>
-              <a:ext uri="{28A0092B-C50C-407E-A947-70E740481C1C}">
-                <a14:useLocalDpi xmlns:a14="http://schemas.microsoft.com/office/drawing/2010/main" val="0"/>
-              </a:ext>
-            </a:extLst>
-          </a:blip>
-          <a:srcRect/>
-          <a:stretch>
-            <a:fillRect/>
-          </a:stretch>
-        </p:blipFill>
-        <p:spPr bwMode="auto">
-          <a:xfrm>
-            <a:off x="288235" y="1853754"/>
-            <a:ext cx="6807200" cy="4051300"/>
-          </a:xfrm>
-          <a:prstGeom prst="rect">
-            <a:avLst/>
-          </a:prstGeom>
-          <a:noFill/>
-          <a:extLst>
-            <a:ext uri="{909E8E84-426E-40DD-AFC4-6F175D3DCCD1}">
-              <a14:hiddenFill xmlns:a14="http://schemas.microsoft.com/office/drawing/2010/main">
-                <a:solidFill>
-                  <a:srgbClr val="FFFFFF"/>
-                </a:solidFill>
-              </a14:hiddenFill>
-            </a:ext>
-          </a:extLst>
-        </p:spPr>
-      </p:pic>
+        <p:spPr/>
+        <p:txBody>
+          <a:bodyPr/>
+          <a:lstStyle/>
+          <a:p>
+            <a:endParaRPr lang="en-US"/>
+          </a:p>
+        </p:txBody>
+      </p:sp>
     </p:spTree>
     <p:extLst>
       <p:ext uri="{BB962C8B-B14F-4D97-AF65-F5344CB8AC3E}">
-        <p14:creationId xmlns:p14="http://schemas.microsoft.com/office/powerpoint/2010/main" val="121406583"/>
+        <p14:creationId xmlns:p14="http://schemas.microsoft.com/office/powerpoint/2010/main" val="3473837524"/>
       </p:ext>
     </p:extLst>
   </p:cSld>
@@ -6131,6 +6082,177 @@
           <p:cNvPr id="2" name="Title 1">
             <a:extLst>
               <a:ext uri="{FF2B5EF4-FFF2-40B4-BE49-F238E27FC236}">
+                <a16:creationId xmlns:a16="http://schemas.microsoft.com/office/drawing/2014/main" id="{71C95609-D71B-AB4E-8925-81157B02E545}"/>
+              </a:ext>
+            </a:extLst>
+          </p:cNvPr>
+          <p:cNvSpPr>
+            <a:spLocks noGrp="1"/>
+          </p:cNvSpPr>
+          <p:nvPr>
+            <p:ph type="title"/>
+          </p:nvPr>
+        </p:nvSpPr>
+        <p:spPr/>
+        <p:txBody>
+          <a:bodyPr/>
+          <a:lstStyle/>
+          <a:p>
+            <a:r>
+              <a:rPr lang="en-US" dirty="0"/>
+              <a:t>Temporal Awareness</a:t>
+            </a:r>
+          </a:p>
+        </p:txBody>
+      </p:sp>
+      <p:sp>
+        <p:nvSpPr>
+          <p:cNvPr id="3" name="Content Placeholder 2">
+            <a:extLst>
+              <a:ext uri="{FF2B5EF4-FFF2-40B4-BE49-F238E27FC236}">
+                <a16:creationId xmlns:a16="http://schemas.microsoft.com/office/drawing/2014/main" id="{78BF3120-6F43-9442-A1C8-322B97A7B2D6}"/>
+              </a:ext>
+            </a:extLst>
+          </p:cNvPr>
+          <p:cNvSpPr>
+            <a:spLocks noGrp="1"/>
+          </p:cNvSpPr>
+          <p:nvPr>
+            <p:ph idx="1"/>
+          </p:nvPr>
+        </p:nvSpPr>
+        <p:spPr>
+          <a:xfrm>
+            <a:off x="7095434" y="1853754"/>
+            <a:ext cx="5096566" cy="4051300"/>
+          </a:xfrm>
+        </p:spPr>
+        <p:txBody>
+          <a:bodyPr/>
+          <a:lstStyle/>
+          <a:p>
+            <a:r>
+              <a:rPr lang="en-US" dirty="0"/>
+              <a:t>Text isn’t just a bag-o-words, order matters.</a:t>
+            </a:r>
+          </a:p>
+          <a:p>
+            <a:pPr lvl="1"/>
+            <a:r>
+              <a:rPr lang="en-US" dirty="0"/>
+              <a:t>”Dumps like a truck” and “likes dump trucks” are verry different. </a:t>
+            </a:r>
+          </a:p>
+          <a:p>
+            <a:r>
+              <a:rPr lang="en-US" dirty="0"/>
+              <a:t>NLP can benefit from learning from order. </a:t>
+            </a:r>
+          </a:p>
+          <a:p>
+            <a:pPr lvl="1"/>
+            <a:r>
+              <a:rPr lang="en-US" dirty="0"/>
+              <a:t>Word2Vec can use the sequence order. </a:t>
+            </a:r>
+          </a:p>
+          <a:p>
+            <a:pPr lvl="1"/>
+            <a:r>
+              <a:rPr lang="en-US" dirty="0"/>
+              <a:t>In NN, we’ll look at order more explicitly. </a:t>
+            </a:r>
+          </a:p>
+          <a:p>
+            <a:r>
+              <a:rPr lang="en-US" dirty="0"/>
+              <a:t>The order will (hopefully) help generate better embeddings by capturing meaning. </a:t>
+            </a:r>
+          </a:p>
+        </p:txBody>
+      </p:sp>
+      <p:pic>
+        <p:nvPicPr>
+          <p:cNvPr id="7170" name="Picture 2">
+            <a:extLst>
+              <a:ext uri="{FF2B5EF4-FFF2-40B4-BE49-F238E27FC236}">
+                <a16:creationId xmlns:a16="http://schemas.microsoft.com/office/drawing/2014/main" id="{CEE09B02-039B-2C4A-B46D-0D99539A3AB6}"/>
+              </a:ext>
+            </a:extLst>
+          </p:cNvPr>
+          <p:cNvPicPr>
+            <a:picLocks noChangeAspect="1" noChangeArrowheads="1"/>
+          </p:cNvPicPr>
+          <p:nvPr/>
+        </p:nvPicPr>
+        <p:blipFill>
+          <a:blip r:embed="rId2">
+            <a:extLst>
+              <a:ext uri="{28A0092B-C50C-407E-A947-70E740481C1C}">
+                <a14:useLocalDpi xmlns:a14="http://schemas.microsoft.com/office/drawing/2010/main" val="0"/>
+              </a:ext>
+            </a:extLst>
+          </a:blip>
+          <a:srcRect/>
+          <a:stretch>
+            <a:fillRect/>
+          </a:stretch>
+        </p:blipFill>
+        <p:spPr bwMode="auto">
+          <a:xfrm>
+            <a:off x="288235" y="1853754"/>
+            <a:ext cx="6807200" cy="4051300"/>
+          </a:xfrm>
+          <a:prstGeom prst="rect">
+            <a:avLst/>
+          </a:prstGeom>
+          <a:noFill/>
+          <a:extLst>
+            <a:ext uri="{909E8E84-426E-40DD-AFC4-6F175D3DCCD1}">
+              <a14:hiddenFill xmlns:a14="http://schemas.microsoft.com/office/drawing/2010/main">
+                <a:solidFill>
+                  <a:srgbClr val="FFFFFF"/>
+                </a:solidFill>
+              </a14:hiddenFill>
+            </a:ext>
+          </a:extLst>
+        </p:spPr>
+      </p:pic>
+    </p:spTree>
+    <p:extLst>
+      <p:ext uri="{BB962C8B-B14F-4D97-AF65-F5344CB8AC3E}">
+        <p14:creationId xmlns:p14="http://schemas.microsoft.com/office/powerpoint/2010/main" val="121406583"/>
+      </p:ext>
+    </p:extLst>
+  </p:cSld>
+  <p:clrMapOvr>
+    <a:masterClrMapping/>
+  </p:clrMapOvr>
+</p:sld>
+</file>
+
+<file path=ppt/slides/slide27.xml><?xml version="1.0" encoding="utf-8"?>
+<p:sld xmlns:a="http://schemas.openxmlformats.org/drawingml/2006/main" xmlns:r="http://schemas.openxmlformats.org/officeDocument/2006/relationships" xmlns:p="http://schemas.openxmlformats.org/presentationml/2006/main">
+  <p:cSld>
+    <p:spTree>
+      <p:nvGrpSpPr>
+        <p:cNvPr id="1" name=""/>
+        <p:cNvGrpSpPr/>
+        <p:nvPr/>
+      </p:nvGrpSpPr>
+      <p:grpSpPr>
+        <a:xfrm>
+          <a:off x="0" y="0"/>
+          <a:ext cx="0" cy="0"/>
+          <a:chOff x="0" y="0"/>
+          <a:chExt cx="0" cy="0"/>
+        </a:xfrm>
+      </p:grpSpPr>
+      <p:sp>
+        <p:nvSpPr>
+          <p:cNvPr id="2" name="Title 1">
+            <a:extLst>
+              <a:ext uri="{FF2B5EF4-FFF2-40B4-BE49-F238E27FC236}">
                 <a16:creationId xmlns:a16="http://schemas.microsoft.com/office/drawing/2014/main" id="{A00B79CE-B3E0-CE3A-9FCE-44C45AB4966F}"/>
               </a:ext>
             </a:extLst>
@@ -6236,13 +6358,8 @@
           <a:p>
             <a:r>
               <a:rPr lang="en-US" dirty="0"/>
-              <a:t>How well the embedding matches the text meaning and use will </a:t>
-            </a:r>
-            <a:r>
-              <a:rPr lang="en-US"/>
-              <a:t>determine performance.</a:t>
-            </a:r>
-            <a:endParaRPr lang="en-US" dirty="0"/>
+              <a:t>How well the embedding matches the text meaning and use will determine performance.</a:t>
+            </a:r>
           </a:p>
         </p:txBody>
       </p:sp>
@@ -6259,7 +6376,7 @@
 </p:sld>
 </file>
 
-<file path=ppt/slides/slide27.xml><?xml version="1.0" encoding="utf-8"?>
+<file path=ppt/slides/slide28.xml><?xml version="1.0" encoding="utf-8"?>
 <p:sld xmlns:a="http://schemas.openxmlformats.org/drawingml/2006/main" xmlns:r="http://schemas.openxmlformats.org/officeDocument/2006/relationships" xmlns:p="http://schemas.openxmlformats.org/presentationml/2006/main">
   <p:cSld>
     <p:spTree>
@@ -6386,7 +6503,7 @@
 </p:sld>
 </file>
 
-<file path=ppt/slides/slide28.xml><?xml version="1.0" encoding="utf-8"?>
+<file path=ppt/slides/slide29.xml><?xml version="1.0" encoding="utf-8"?>
 <p:sld xmlns:a="http://schemas.openxmlformats.org/drawingml/2006/main" xmlns:r="http://schemas.openxmlformats.org/officeDocument/2006/relationships" xmlns:p="http://schemas.openxmlformats.org/presentationml/2006/main">
   <p:cSld>
     <p:spTree>
@@ -6507,137 +6624,6 @@
     <p:extLst>
       <p:ext uri="{BB962C8B-B14F-4D97-AF65-F5344CB8AC3E}">
         <p14:creationId xmlns:p14="http://schemas.microsoft.com/office/powerpoint/2010/main" val="3213704600"/>
-      </p:ext>
-    </p:extLst>
-  </p:cSld>
-  <p:clrMapOvr>
-    <a:masterClrMapping/>
-  </p:clrMapOvr>
-</p:sld>
-</file>
-
-<file path=ppt/slides/slide29.xml><?xml version="1.0" encoding="utf-8"?>
-<p:sld xmlns:a="http://schemas.openxmlformats.org/drawingml/2006/main" xmlns:r="http://schemas.openxmlformats.org/officeDocument/2006/relationships" xmlns:p="http://schemas.openxmlformats.org/presentationml/2006/main" show="0">
-  <p:cSld>
-    <p:spTree>
-      <p:nvGrpSpPr>
-        <p:cNvPr id="1" name=""/>
-        <p:cNvGrpSpPr/>
-        <p:nvPr/>
-      </p:nvGrpSpPr>
-      <p:grpSpPr>
-        <a:xfrm>
-          <a:off x="0" y="0"/>
-          <a:ext cx="0" cy="0"/>
-          <a:chOff x="0" y="0"/>
-          <a:chExt cx="0" cy="0"/>
-        </a:xfrm>
-      </p:grpSpPr>
-      <p:sp>
-        <p:nvSpPr>
-          <p:cNvPr id="2" name="Title 1">
-            <a:extLst>
-              <a:ext uri="{FF2B5EF4-FFF2-40B4-BE49-F238E27FC236}">
-                <a16:creationId xmlns:a16="http://schemas.microsoft.com/office/drawing/2014/main" id="{7276A5D6-C8FC-B473-94E4-174561A24133}"/>
-              </a:ext>
-            </a:extLst>
-          </p:cNvPr>
-          <p:cNvSpPr>
-            <a:spLocks noGrp="1"/>
-          </p:cNvSpPr>
-          <p:nvPr>
-            <p:ph type="title"/>
-          </p:nvPr>
-        </p:nvSpPr>
-        <p:spPr/>
-        <p:txBody>
-          <a:bodyPr/>
-          <a:lstStyle/>
-          <a:p>
-            <a:r>
-              <a:rPr lang="en-US" dirty="0"/>
-              <a:t>Using Embeddings</a:t>
-            </a:r>
-          </a:p>
-        </p:txBody>
-      </p:sp>
-      <p:sp>
-        <p:nvSpPr>
-          <p:cNvPr id="3" name="Content Placeholder 2">
-            <a:extLst>
-              <a:ext uri="{FF2B5EF4-FFF2-40B4-BE49-F238E27FC236}">
-                <a16:creationId xmlns:a16="http://schemas.microsoft.com/office/drawing/2014/main" id="{7C9F7881-E651-AE6B-4396-F5603E69A376}"/>
-              </a:ext>
-            </a:extLst>
-          </p:cNvPr>
-          <p:cNvSpPr>
-            <a:spLocks noGrp="1"/>
-          </p:cNvSpPr>
-          <p:nvPr>
-            <p:ph idx="1"/>
-          </p:nvPr>
-        </p:nvSpPr>
-        <p:spPr>
-          <a:xfrm>
-            <a:off x="1451579" y="2015732"/>
-            <a:ext cx="9603275" cy="4037749"/>
-          </a:xfrm>
-        </p:spPr>
-        <p:txBody>
-          <a:bodyPr/>
-          <a:lstStyle/>
-          <a:p>
-            <a:r>
-              <a:rPr lang="en-US" dirty="0"/>
-              <a:t>For us, for now, we’ll collapse the embedding values down. </a:t>
-            </a:r>
-          </a:p>
-          <a:p>
-            <a:r>
-              <a:rPr lang="en-US" dirty="0"/>
-              <a:t>Later, with neural networks, we’ll look at how we can use them sans collapse. </a:t>
-            </a:r>
-          </a:p>
-          <a:p>
-            <a:pPr lvl="1"/>
-            <a:r>
-              <a:rPr lang="en-US" dirty="0"/>
-              <a:t>Our models can only handle a 2D grid of data.</a:t>
-            </a:r>
-          </a:p>
-          <a:p>
-            <a:r>
-              <a:rPr lang="en-US" dirty="0"/>
-              <a:t>Overall, any representation could work.</a:t>
-            </a:r>
-          </a:p>
-          <a:p>
-            <a:pPr lvl="1"/>
-            <a:r>
-              <a:rPr lang="en-US" dirty="0"/>
-              <a:t>In our examples, we’ll collapse multi-D embeddings down to 1 D. </a:t>
-            </a:r>
-          </a:p>
-          <a:p>
-            <a:pPr lvl="1"/>
-            <a:r>
-              <a:rPr lang="en-US" dirty="0"/>
-              <a:t>We could keep the multiple dimensions, and have a 3D dataset (later). </a:t>
-            </a:r>
-          </a:p>
-          <a:p>
-            <a:pPr lvl="1"/>
-            <a:r>
-              <a:rPr lang="en-US" dirty="0"/>
-              <a:t>We could do any other flattening – we’d have to test to see what works well. </a:t>
-            </a:r>
-          </a:p>
-        </p:txBody>
-      </p:sp>
-    </p:spTree>
-    <p:extLst>
-      <p:ext uri="{BB962C8B-B14F-4D97-AF65-F5344CB8AC3E}">
-        <p14:creationId xmlns:p14="http://schemas.microsoft.com/office/powerpoint/2010/main" val="2498184138"/>
       </p:ext>
     </p:extLst>
   </p:cSld>
@@ -6808,7 +6794,7 @@
 </file>
 
 <file path=ppt/slides/slide30.xml><?xml version="1.0" encoding="utf-8"?>
-<p:sld xmlns:a="http://schemas.openxmlformats.org/drawingml/2006/main" xmlns:r="http://schemas.openxmlformats.org/officeDocument/2006/relationships" xmlns:p="http://schemas.openxmlformats.org/presentationml/2006/main">
+<p:sld xmlns:a="http://schemas.openxmlformats.org/drawingml/2006/main" xmlns:r="http://schemas.openxmlformats.org/officeDocument/2006/relationships" xmlns:p="http://schemas.openxmlformats.org/presentationml/2006/main" show="0">
   <p:cSld>
     <p:spTree>
       <p:nvGrpSpPr>
@@ -6829,7 +6815,7 @@
           <p:cNvPr id="2" name="Title 1">
             <a:extLst>
               <a:ext uri="{FF2B5EF4-FFF2-40B4-BE49-F238E27FC236}">
-                <a16:creationId xmlns:a16="http://schemas.microsoft.com/office/drawing/2014/main" id="{2F6D39ED-4049-484A-8A23-EF2C3DFB812B}"/>
+                <a16:creationId xmlns:a16="http://schemas.microsoft.com/office/drawing/2014/main" id="{7276A5D6-C8FC-B473-94E4-174561A24133}"/>
               </a:ext>
             </a:extLst>
           </p:cNvPr>
@@ -6847,7 +6833,7 @@
           <a:p>
             <a:r>
               <a:rPr lang="en-US" dirty="0"/>
-              <a:t>NLP in Practice</a:t>
+              <a:t>Using Embeddings</a:t>
             </a:r>
           </a:p>
         </p:txBody>
@@ -6857,7 +6843,7 @@
           <p:cNvPr id="3" name="Content Placeholder 2">
             <a:extLst>
               <a:ext uri="{FF2B5EF4-FFF2-40B4-BE49-F238E27FC236}">
-                <a16:creationId xmlns:a16="http://schemas.microsoft.com/office/drawing/2014/main" id="{776F59CA-DD5B-E345-972A-8104869FCF33}"/>
+                <a16:creationId xmlns:a16="http://schemas.microsoft.com/office/drawing/2014/main" id="{7C9F7881-E651-AE6B-4396-F5603E69A376}"/>
               </a:ext>
             </a:extLst>
           </p:cNvPr>
@@ -6870,79 +6856,57 @@
         </p:nvSpPr>
         <p:spPr>
           <a:xfrm>
-            <a:off x="1451579" y="1853754"/>
-            <a:ext cx="9603275" cy="4199727"/>
+            <a:off x="1451579" y="2015732"/>
+            <a:ext cx="9603275" cy="4037749"/>
           </a:xfrm>
         </p:spPr>
         <p:txBody>
-          <a:bodyPr>
-            <a:normAutofit lnSpcReduction="10000"/>
-          </a:bodyPr>
-          <a:lstStyle/>
-          <a:p>
-            <a:r>
-              <a:rPr lang="en-US" dirty="0"/>
-              <a:t>NLP is an area that is very quickly developing. </a:t>
-            </a:r>
-          </a:p>
-          <a:p>
-            <a:r>
-              <a:rPr lang="en-US" dirty="0"/>
-              <a:t>More data makes a big difference!</a:t>
-            </a:r>
-          </a:p>
-          <a:p>
-            <a:pPr lvl="1"/>
-            <a:r>
-              <a:rPr lang="en-US" dirty="0"/>
-              <a:t>Language has subtleties, massive datasets allow those subtleties to become patterns. </a:t>
-            </a:r>
-          </a:p>
-          <a:p>
-            <a:pPr lvl="1"/>
-            <a:r>
-              <a:rPr lang="en-US" dirty="0"/>
-              <a:t>The #1 determinant of future language models will probably be access to human written text.</a:t>
-            </a:r>
-          </a:p>
-          <a:p>
-            <a:r>
-              <a:rPr lang="en-US" dirty="0"/>
-              <a:t>Preprocessing choices can make massive differences:</a:t>
-            </a:r>
-          </a:p>
-          <a:p>
-            <a:pPr lvl="1"/>
-            <a:r>
-              <a:rPr lang="en-US" dirty="0"/>
-              <a:t>Stemming, lemmatization, stop words, and n-gram size all vary widely depending on context. </a:t>
-            </a:r>
-          </a:p>
-          <a:p>
-            <a:r>
-              <a:rPr lang="en-US" dirty="0"/>
-              <a:t>The embedding space quality matters as much or more than the predictor. </a:t>
-            </a:r>
-          </a:p>
-          <a:p>
-            <a:pPr lvl="1"/>
-            <a:r>
-              <a:rPr lang="en-US" dirty="0"/>
-              <a:t>Like images, we must represent text as numbers – how well we do this is critical. </a:t>
-            </a:r>
-          </a:p>
-          <a:p>
-            <a:pPr lvl="1"/>
-            <a:r>
-              <a:rPr lang="en-US" dirty="0"/>
-              <a:t>This is a source of irreducible error for the predictive model. </a:t>
-            </a:r>
-          </a:p>
-          <a:p>
-            <a:pPr lvl="1"/>
-            <a:r>
-              <a:rPr lang="en-US" dirty="0"/>
-              <a:t>E.g. the word “lit” has a different lemma on Twitter, in a college English dept, or for wildfires. </a:t>
+          <a:bodyPr/>
+          <a:lstStyle/>
+          <a:p>
+            <a:r>
+              <a:rPr lang="en-US" dirty="0"/>
+              <a:t>For us, for now, we’ll collapse the embedding values down. </a:t>
+            </a:r>
+          </a:p>
+          <a:p>
+            <a:r>
+              <a:rPr lang="en-US" dirty="0"/>
+              <a:t>Later, with neural networks, we’ll look at how we can use them sans collapse. </a:t>
+            </a:r>
+          </a:p>
+          <a:p>
+            <a:pPr lvl="1"/>
+            <a:r>
+              <a:rPr lang="en-US" dirty="0"/>
+              <a:t>Our models can only handle a 2D grid of data.</a:t>
+            </a:r>
+          </a:p>
+          <a:p>
+            <a:r>
+              <a:rPr lang="en-US" dirty="0"/>
+              <a:t>Overall, any representation could work.</a:t>
+            </a:r>
+          </a:p>
+          <a:p>
+            <a:pPr lvl="1"/>
+            <a:r>
+              <a:rPr lang="en-US" dirty="0"/>
+              <a:t>In our examples, we’ll collapse multi-D embeddings down to 1 D. </a:t>
+            </a:r>
+          </a:p>
+          <a:p>
+            <a:pPr lvl="1"/>
+            <a:r>
+              <a:rPr lang="en-US" dirty="0"/>
+              <a:t>We could keep the multiple dimensions, and have a 3D dataset (later). </a:t>
+            </a:r>
+          </a:p>
+          <a:p>
+            <a:pPr lvl="1"/>
+            <a:r>
+              <a:rPr lang="en-US" dirty="0"/>
+              <a:t>We could do any other flattening – we’d have to test to see what works well. </a:t>
             </a:r>
           </a:p>
         </p:txBody>
@@ -6950,7 +6914,7 @@
     </p:spTree>
     <p:extLst>
       <p:ext uri="{BB962C8B-B14F-4D97-AF65-F5344CB8AC3E}">
-        <p14:creationId xmlns:p14="http://schemas.microsoft.com/office/powerpoint/2010/main" val="2196243548"/>
+        <p14:creationId xmlns:p14="http://schemas.microsoft.com/office/powerpoint/2010/main" val="2498184138"/>
       </p:ext>
     </p:extLst>
   </p:cSld>
@@ -6982,6 +6946,159 @@
           <p:cNvPr id="2" name="Title 1">
             <a:extLst>
               <a:ext uri="{FF2B5EF4-FFF2-40B4-BE49-F238E27FC236}">
+                <a16:creationId xmlns:a16="http://schemas.microsoft.com/office/drawing/2014/main" id="{2F6D39ED-4049-484A-8A23-EF2C3DFB812B}"/>
+              </a:ext>
+            </a:extLst>
+          </p:cNvPr>
+          <p:cNvSpPr>
+            <a:spLocks noGrp="1"/>
+          </p:cNvSpPr>
+          <p:nvPr>
+            <p:ph type="title"/>
+          </p:nvPr>
+        </p:nvSpPr>
+        <p:spPr/>
+        <p:txBody>
+          <a:bodyPr/>
+          <a:lstStyle/>
+          <a:p>
+            <a:r>
+              <a:rPr lang="en-US" dirty="0"/>
+              <a:t>NLP in Practice</a:t>
+            </a:r>
+          </a:p>
+        </p:txBody>
+      </p:sp>
+      <p:sp>
+        <p:nvSpPr>
+          <p:cNvPr id="3" name="Content Placeholder 2">
+            <a:extLst>
+              <a:ext uri="{FF2B5EF4-FFF2-40B4-BE49-F238E27FC236}">
+                <a16:creationId xmlns:a16="http://schemas.microsoft.com/office/drawing/2014/main" id="{776F59CA-DD5B-E345-972A-8104869FCF33}"/>
+              </a:ext>
+            </a:extLst>
+          </p:cNvPr>
+          <p:cNvSpPr>
+            <a:spLocks noGrp="1"/>
+          </p:cNvSpPr>
+          <p:nvPr>
+            <p:ph idx="1"/>
+          </p:nvPr>
+        </p:nvSpPr>
+        <p:spPr>
+          <a:xfrm>
+            <a:off x="1451579" y="1853754"/>
+            <a:ext cx="9603275" cy="4199727"/>
+          </a:xfrm>
+        </p:spPr>
+        <p:txBody>
+          <a:bodyPr>
+            <a:normAutofit lnSpcReduction="10000"/>
+          </a:bodyPr>
+          <a:lstStyle/>
+          <a:p>
+            <a:r>
+              <a:rPr lang="en-US" dirty="0"/>
+              <a:t>NLP is an area that is very quickly developing. </a:t>
+            </a:r>
+          </a:p>
+          <a:p>
+            <a:r>
+              <a:rPr lang="en-US" dirty="0"/>
+              <a:t>More data makes a big difference!</a:t>
+            </a:r>
+          </a:p>
+          <a:p>
+            <a:pPr lvl="1"/>
+            <a:r>
+              <a:rPr lang="en-US" dirty="0"/>
+              <a:t>Language has subtleties, massive datasets allow those subtleties to become patterns. </a:t>
+            </a:r>
+          </a:p>
+          <a:p>
+            <a:pPr lvl="1"/>
+            <a:r>
+              <a:rPr lang="en-US" dirty="0"/>
+              <a:t>The #1 determinant of future language models will probably be access to human written text.</a:t>
+            </a:r>
+          </a:p>
+          <a:p>
+            <a:r>
+              <a:rPr lang="en-US" dirty="0"/>
+              <a:t>Preprocessing choices can make massive differences:</a:t>
+            </a:r>
+          </a:p>
+          <a:p>
+            <a:pPr lvl="1"/>
+            <a:r>
+              <a:rPr lang="en-US" dirty="0"/>
+              <a:t>Stemming, lemmatization, stop words, and n-gram size all vary widely depending on context. </a:t>
+            </a:r>
+          </a:p>
+          <a:p>
+            <a:r>
+              <a:rPr lang="en-US" dirty="0"/>
+              <a:t>The embedding space quality matters as much or more than the predictor. </a:t>
+            </a:r>
+          </a:p>
+          <a:p>
+            <a:pPr lvl="1"/>
+            <a:r>
+              <a:rPr lang="en-US" dirty="0"/>
+              <a:t>Like images, we must represent text as numbers – how well we do this is critical. </a:t>
+            </a:r>
+          </a:p>
+          <a:p>
+            <a:pPr lvl="1"/>
+            <a:r>
+              <a:rPr lang="en-US" dirty="0"/>
+              <a:t>This is a source of irreducible error for the predictive model. </a:t>
+            </a:r>
+          </a:p>
+          <a:p>
+            <a:pPr lvl="1"/>
+            <a:r>
+              <a:rPr lang="en-US" dirty="0"/>
+              <a:t>E.g. the word “lit” has a different lemma on Twitter, in a college English dept, or for wildfires. </a:t>
+            </a:r>
+          </a:p>
+        </p:txBody>
+      </p:sp>
+    </p:spTree>
+    <p:extLst>
+      <p:ext uri="{BB962C8B-B14F-4D97-AF65-F5344CB8AC3E}">
+        <p14:creationId xmlns:p14="http://schemas.microsoft.com/office/powerpoint/2010/main" val="2196243548"/>
+      </p:ext>
+    </p:extLst>
+  </p:cSld>
+  <p:clrMapOvr>
+    <a:masterClrMapping/>
+  </p:clrMapOvr>
+</p:sld>
+</file>
+
+<file path=ppt/slides/slide32.xml><?xml version="1.0" encoding="utf-8"?>
+<p:sld xmlns:a="http://schemas.openxmlformats.org/drawingml/2006/main" xmlns:r="http://schemas.openxmlformats.org/officeDocument/2006/relationships" xmlns:p="http://schemas.openxmlformats.org/presentationml/2006/main">
+  <p:cSld>
+    <p:spTree>
+      <p:nvGrpSpPr>
+        <p:cNvPr id="1" name=""/>
+        <p:cNvGrpSpPr/>
+        <p:nvPr/>
+      </p:nvGrpSpPr>
+      <p:grpSpPr>
+        <a:xfrm>
+          <a:off x="0" y="0"/>
+          <a:ext cx="0" cy="0"/>
+          <a:chOff x="0" y="0"/>
+          <a:chExt cx="0" cy="0"/>
+        </a:xfrm>
+      </p:grpSpPr>
+      <p:sp>
+        <p:nvSpPr>
+          <p:cNvPr id="2" name="Title 1">
+            <a:extLst>
+              <a:ext uri="{FF2B5EF4-FFF2-40B4-BE49-F238E27FC236}">
                 <a16:creationId xmlns:a16="http://schemas.microsoft.com/office/drawing/2014/main" id="{984A237C-6E20-E34E-B7D9-06A3FF0331A8}"/>
               </a:ext>
             </a:extLst>
@@ -7108,7 +7225,7 @@
 </p:sld>
 </file>
 
-<file path=ppt/slides/slide32.xml><?xml version="1.0" encoding="utf-8"?>
+<file path=ppt/slides/slide33.xml><?xml version="1.0" encoding="utf-8"?>
 <p:sld xmlns:a="http://schemas.openxmlformats.org/drawingml/2006/main" xmlns:r="http://schemas.openxmlformats.org/officeDocument/2006/relationships" xmlns:p="http://schemas.openxmlformats.org/presentationml/2006/main">
   <p:cSld>
     <p:spTree>

--- a/reference_content/Slides/NLP_2.pptx
+++ b/reference_content/Slides/NLP_2.pptx
@@ -27,17 +27,19 @@
     <p:sldId id="278" r:id="rId21"/>
     <p:sldId id="282" r:id="rId22"/>
     <p:sldId id="277" r:id="rId23"/>
-    <p:sldId id="291" r:id="rId24"/>
-    <p:sldId id="284" r:id="rId25"/>
-    <p:sldId id="269" r:id="rId26"/>
-    <p:sldId id="268" r:id="rId27"/>
-    <p:sldId id="290" r:id="rId28"/>
-    <p:sldId id="279" r:id="rId29"/>
-    <p:sldId id="289" r:id="rId30"/>
-    <p:sldId id="287" r:id="rId31"/>
-    <p:sldId id="263" r:id="rId32"/>
-    <p:sldId id="264" r:id="rId33"/>
-    <p:sldId id="285" r:id="rId34"/>
+    <p:sldId id="292" r:id="rId24"/>
+    <p:sldId id="291" r:id="rId25"/>
+    <p:sldId id="284" r:id="rId26"/>
+    <p:sldId id="269" r:id="rId27"/>
+    <p:sldId id="293" r:id="rId28"/>
+    <p:sldId id="268" r:id="rId29"/>
+    <p:sldId id="290" r:id="rId30"/>
+    <p:sldId id="279" r:id="rId31"/>
+    <p:sldId id="289" r:id="rId32"/>
+    <p:sldId id="287" r:id="rId33"/>
+    <p:sldId id="263" r:id="rId34"/>
+    <p:sldId id="264" r:id="rId35"/>
+    <p:sldId id="285" r:id="rId36"/>
   </p:sldIdLst>
   <p:sldSz cx="12192000" cy="6858000"/>
   <p:notesSz cx="6858000" cy="9144000"/>
@@ -283,7 +285,7 @@
           <a:p>
             <a:fld id="{1C4D3139-13C9-D140-A605-51870A8CAC8E}" type="datetimeFigureOut">
               <a:rPr lang="en-US" smtClean="0"/>
-              <a:t>2/14/25</a:t>
+              <a:t>2/5/26</a:t>
             </a:fld>
             <a:endParaRPr lang="en-US"/>
           </a:p>
@@ -494,7 +496,7 @@
           <a:p>
             <a:fld id="{1C4D3139-13C9-D140-A605-51870A8CAC8E}" type="datetimeFigureOut">
               <a:rPr lang="en-US" smtClean="0"/>
-              <a:t>2/14/25</a:t>
+              <a:t>2/5/26</a:t>
             </a:fld>
             <a:endParaRPr lang="en-US"/>
           </a:p>
@@ -709,7 +711,7 @@
           <a:p>
             <a:fld id="{1C4D3139-13C9-D140-A605-51870A8CAC8E}" type="datetimeFigureOut">
               <a:rPr lang="en-US" smtClean="0"/>
-              <a:t>2/14/25</a:t>
+              <a:t>2/5/26</a:t>
             </a:fld>
             <a:endParaRPr lang="en-US"/>
           </a:p>
@@ -910,7 +912,7 @@
           <a:p>
             <a:fld id="{1C4D3139-13C9-D140-A605-51870A8CAC8E}" type="datetimeFigureOut">
               <a:rPr lang="en-US" smtClean="0"/>
-              <a:t>2/14/25</a:t>
+              <a:t>2/5/26</a:t>
             </a:fld>
             <a:endParaRPr lang="en-US"/>
           </a:p>
@@ -1189,7 +1191,7 @@
           <a:p>
             <a:fld id="{1C4D3139-13C9-D140-A605-51870A8CAC8E}" type="datetimeFigureOut">
               <a:rPr lang="en-US" smtClean="0"/>
-              <a:t>2/14/25</a:t>
+              <a:t>2/5/26</a:t>
             </a:fld>
             <a:endParaRPr lang="en-US"/>
           </a:p>
@@ -1457,7 +1459,7 @@
           <a:p>
             <a:fld id="{1C4D3139-13C9-D140-A605-51870A8CAC8E}" type="datetimeFigureOut">
               <a:rPr lang="en-US" smtClean="0"/>
-              <a:t>2/14/25</a:t>
+              <a:t>2/5/26</a:t>
             </a:fld>
             <a:endParaRPr lang="en-US"/>
           </a:p>
@@ -1873,7 +1875,7 @@
           <a:p>
             <a:fld id="{1C4D3139-13C9-D140-A605-51870A8CAC8E}" type="datetimeFigureOut">
               <a:rPr lang="en-US" smtClean="0"/>
-              <a:t>2/14/25</a:t>
+              <a:t>2/5/26</a:t>
             </a:fld>
             <a:endParaRPr lang="en-US"/>
           </a:p>
@@ -2022,7 +2024,7 @@
           <a:p>
             <a:fld id="{1C4D3139-13C9-D140-A605-51870A8CAC8E}" type="datetimeFigureOut">
               <a:rPr lang="en-US" smtClean="0"/>
-              <a:t>2/14/25</a:t>
+              <a:t>2/5/26</a:t>
             </a:fld>
             <a:endParaRPr lang="en-US"/>
           </a:p>
@@ -2148,7 +2150,7 @@
           <a:p>
             <a:fld id="{1C4D3139-13C9-D140-A605-51870A8CAC8E}" type="datetimeFigureOut">
               <a:rPr lang="en-US" smtClean="0"/>
-              <a:t>2/14/25</a:t>
+              <a:t>2/5/26</a:t>
             </a:fld>
             <a:endParaRPr lang="en-US"/>
           </a:p>
@@ -2399,7 +2401,7 @@
           <a:p>
             <a:fld id="{1C4D3139-13C9-D140-A605-51870A8CAC8E}" type="datetimeFigureOut">
               <a:rPr lang="en-US" smtClean="0"/>
-              <a:t>2/14/25</a:t>
+              <a:t>2/5/26</a:t>
             </a:fld>
             <a:endParaRPr lang="en-US"/>
           </a:p>
@@ -2844,7 +2846,7 @@
           <a:p>
             <a:fld id="{1C4D3139-13C9-D140-A605-51870A8CAC8E}" type="datetimeFigureOut">
               <a:rPr lang="en-US" smtClean="0"/>
-              <a:t>2/14/25</a:t>
+              <a:t>2/5/26</a:t>
             </a:fld>
             <a:endParaRPr lang="en-US"/>
           </a:p>
@@ -3011,6 +3013,13 @@
             <a:schemeClr val="lt1"/>
           </a:fontRef>
         </p:style>
+        <p:txBody>
+          <a:bodyPr/>
+          <a:lstStyle/>
+          <a:p>
+            <a:endParaRPr lang="en-US"/>
+          </a:p>
+        </p:txBody>
       </p:sp>
       <p:pic>
         <p:nvPicPr>
@@ -3171,7 +3180,7 @@
           <a:p>
             <a:fld id="{1C4D3139-13C9-D140-A605-51870A8CAC8E}" type="datetimeFigureOut">
               <a:rPr lang="en-US" smtClean="0"/>
-              <a:t>2/14/25</a:t>
+              <a:t>2/5/26</a:t>
             </a:fld>
             <a:endParaRPr lang="en-US"/>
           </a:p>
@@ -5759,6 +5768,176 @@
           <p:cNvPr id="2" name="Title 1">
             <a:extLst>
               <a:ext uri="{FF2B5EF4-FFF2-40B4-BE49-F238E27FC236}">
+                <a16:creationId xmlns:a16="http://schemas.microsoft.com/office/drawing/2014/main" id="{E9DCB6D0-BB9E-0B3C-152B-239D65F64D44}"/>
+              </a:ext>
+            </a:extLst>
+          </p:cNvPr>
+          <p:cNvSpPr>
+            <a:spLocks noGrp="1"/>
+          </p:cNvSpPr>
+          <p:nvPr>
+            <p:ph type="title"/>
+          </p:nvPr>
+        </p:nvSpPr>
+        <p:spPr>
+          <a:xfrm>
+            <a:off x="1451580" y="804519"/>
+            <a:ext cx="4859686" cy="1049235"/>
+          </a:xfrm>
+        </p:spPr>
+        <p:txBody>
+          <a:bodyPr/>
+          <a:lstStyle/>
+          <a:p>
+            <a:r>
+              <a:rPr lang="en-US" dirty="0"/>
+              <a:t>Detour – </a:t>
+            </a:r>
+            <a:r>
+              <a:rPr lang="en-US" dirty="0" err="1"/>
+              <a:t>MultiModal</a:t>
+            </a:r>
+            <a:r>
+              <a:rPr lang="en-US" dirty="0"/>
+              <a:t> Models</a:t>
+            </a:r>
+          </a:p>
+        </p:txBody>
+      </p:sp>
+      <p:sp>
+        <p:nvSpPr>
+          <p:cNvPr id="3" name="Content Placeholder 2">
+            <a:extLst>
+              <a:ext uri="{FF2B5EF4-FFF2-40B4-BE49-F238E27FC236}">
+                <a16:creationId xmlns:a16="http://schemas.microsoft.com/office/drawing/2014/main" id="{4123335C-478C-C422-2490-567258DA4CE7}"/>
+              </a:ext>
+            </a:extLst>
+          </p:cNvPr>
+          <p:cNvSpPr>
+            <a:spLocks noGrp="1"/>
+          </p:cNvSpPr>
+          <p:nvPr>
+            <p:ph idx="1"/>
+          </p:nvPr>
+        </p:nvSpPr>
+        <p:spPr>
+          <a:xfrm>
+            <a:off x="1451579" y="1853754"/>
+            <a:ext cx="4859685" cy="4199727"/>
+          </a:xfrm>
+        </p:spPr>
+        <p:txBody>
+          <a:bodyPr/>
+          <a:lstStyle/>
+          <a:p>
+            <a:r>
+              <a:rPr lang="en-US" dirty="0"/>
+              <a:t>Many of the generative models are multi-modal, i.e. they deal with different types of content like text, images, video, </a:t>
+            </a:r>
+            <a:r>
+              <a:rPr lang="en-US" dirty="0" err="1"/>
+              <a:t>etc</a:t>
+            </a:r>
+            <a:r>
+              <a:rPr lang="en-US" dirty="0"/>
+              <a:t>…</a:t>
+            </a:r>
+          </a:p>
+          <a:p>
+            <a:r>
+              <a:rPr lang="en-US" dirty="0"/>
+              <a:t>This works by generating embeddings for each type of media, to a shared space. </a:t>
+            </a:r>
+          </a:p>
+          <a:p>
+            <a:pPr lvl="1"/>
+            <a:r>
+              <a:rPr lang="en-US" dirty="0"/>
+              <a:t>E.g. a picture labeled “</a:t>
+            </a:r>
+            <a:r>
+              <a:rPr lang="en-US" dirty="0" err="1"/>
+              <a:t>horse.jpg</a:t>
+            </a:r>
+            <a:r>
+              <a:rPr lang="en-US" dirty="0"/>
+              <a:t>” tells the model that a horse is X in text and Y in image.</a:t>
+            </a:r>
+          </a:p>
+          <a:p>
+            <a:pPr lvl="1"/>
+            <a:r>
+              <a:rPr lang="en-US" dirty="0"/>
+              <a:t>When someone asks for a horse, it “looks up” the image representations and gens…</a:t>
+            </a:r>
+          </a:p>
+        </p:txBody>
+      </p:sp>
+      <p:pic>
+        <p:nvPicPr>
+          <p:cNvPr id="4" name="Picture 3" descr="How LLMs See Images, Audio, and More">
+            <a:extLst>
+              <a:ext uri="{FF2B5EF4-FFF2-40B4-BE49-F238E27FC236}">
+                <a16:creationId xmlns:a16="http://schemas.microsoft.com/office/drawing/2014/main" id="{06012C61-BA30-0B91-4D6E-DEBD93FEA123}"/>
+              </a:ext>
+            </a:extLst>
+          </p:cNvPr>
+          <p:cNvPicPr>
+            <a:picLocks noChangeAspect="1"/>
+          </p:cNvPicPr>
+          <p:nvPr/>
+        </p:nvPicPr>
+        <p:blipFill>
+          <a:blip r:embed="rId2"/>
+          <a:stretch>
+            <a:fillRect/>
+          </a:stretch>
+        </p:blipFill>
+        <p:spPr>
+          <a:xfrm>
+            <a:off x="6311265" y="0"/>
+            <a:ext cx="5880735" cy="6858000"/>
+          </a:xfrm>
+          <a:prstGeom prst="rect">
+            <a:avLst/>
+          </a:prstGeom>
+        </p:spPr>
+      </p:pic>
+    </p:spTree>
+    <p:extLst>
+      <p:ext uri="{BB962C8B-B14F-4D97-AF65-F5344CB8AC3E}">
+        <p14:creationId xmlns:p14="http://schemas.microsoft.com/office/powerpoint/2010/main" val="769723518"/>
+      </p:ext>
+    </p:extLst>
+  </p:cSld>
+  <p:clrMapOvr>
+    <a:masterClrMapping/>
+  </p:clrMapOvr>
+</p:sld>
+</file>
+
+<file path=ppt/slides/slide24.xml><?xml version="1.0" encoding="utf-8"?>
+<p:sld xmlns:a="http://schemas.openxmlformats.org/drawingml/2006/main" xmlns:r="http://schemas.openxmlformats.org/officeDocument/2006/relationships" xmlns:p="http://schemas.openxmlformats.org/presentationml/2006/main">
+  <p:cSld>
+    <p:spTree>
+      <p:nvGrpSpPr>
+        <p:cNvPr id="1" name=""/>
+        <p:cNvGrpSpPr/>
+        <p:nvPr/>
+      </p:nvGrpSpPr>
+      <p:grpSpPr>
+        <a:xfrm>
+          <a:off x="0" y="0"/>
+          <a:ext cx="0" cy="0"/>
+          <a:chOff x="0" y="0"/>
+          <a:chExt cx="0" cy="0"/>
+        </a:xfrm>
+      </p:grpSpPr>
+      <p:sp>
+        <p:nvSpPr>
+          <p:cNvPr id="2" name="Title 1">
+            <a:extLst>
+              <a:ext uri="{FF2B5EF4-FFF2-40B4-BE49-F238E27FC236}">
                 <a16:creationId xmlns:a16="http://schemas.microsoft.com/office/drawing/2014/main" id="{82338912-E57B-5EF1-743F-594EF987C626}"/>
               </a:ext>
             </a:extLst>
@@ -5850,7 +6029,7 @@
 </p:sld>
 </file>
 
-<file path=ppt/slides/slide24.xml><?xml version="1.0" encoding="utf-8"?>
+<file path=ppt/slides/slide25.xml><?xml version="1.0" encoding="utf-8"?>
 <p:sld xmlns:a="http://schemas.openxmlformats.org/drawingml/2006/main" xmlns:r="http://schemas.openxmlformats.org/officeDocument/2006/relationships" xmlns:p="http://schemas.openxmlformats.org/presentationml/2006/main" show="0">
   <p:cSld>
     <p:spTree>
@@ -5930,7 +6109,7 @@
 </p:sld>
 </file>
 
-<file path=ppt/slides/slide25.xml><?xml version="1.0" encoding="utf-8"?>
+<file path=ppt/slides/slide26.xml><?xml version="1.0" encoding="utf-8"?>
 <p:sld xmlns:a="http://schemas.openxmlformats.org/drawingml/2006/main" xmlns:r="http://schemas.openxmlformats.org/officeDocument/2006/relationships" xmlns:p="http://schemas.openxmlformats.org/presentationml/2006/main">
   <p:cSld>
     <p:spTree>
@@ -6060,7 +6239,117 @@
 </p:sld>
 </file>
 
-<file path=ppt/slides/slide26.xml><?xml version="1.0" encoding="utf-8"?>
+<file path=ppt/slides/slide27.xml><?xml version="1.0" encoding="utf-8"?>
+<p:sld xmlns:a="http://schemas.openxmlformats.org/drawingml/2006/main" xmlns:r="http://schemas.openxmlformats.org/officeDocument/2006/relationships" xmlns:p="http://schemas.openxmlformats.org/presentationml/2006/main">
+  <p:cSld>
+    <p:spTree>
+      <p:nvGrpSpPr>
+        <p:cNvPr id="1" name=""/>
+        <p:cNvGrpSpPr/>
+        <p:nvPr/>
+      </p:nvGrpSpPr>
+      <p:grpSpPr>
+        <a:xfrm>
+          <a:off x="0" y="0"/>
+          <a:ext cx="0" cy="0"/>
+          <a:chOff x="0" y="0"/>
+          <a:chExt cx="0" cy="0"/>
+        </a:xfrm>
+      </p:grpSpPr>
+      <p:sp>
+        <p:nvSpPr>
+          <p:cNvPr id="2" name="Title 1">
+            <a:extLst>
+              <a:ext uri="{FF2B5EF4-FFF2-40B4-BE49-F238E27FC236}">
+                <a16:creationId xmlns:a16="http://schemas.microsoft.com/office/drawing/2014/main" id="{D4EFB496-7BFD-750A-4AAB-C884240D2ABE}"/>
+              </a:ext>
+            </a:extLst>
+          </p:cNvPr>
+          <p:cNvSpPr>
+            <a:spLocks noGrp="1"/>
+          </p:cNvSpPr>
+          <p:nvPr>
+            <p:ph type="title"/>
+          </p:nvPr>
+        </p:nvSpPr>
+        <p:spPr/>
+        <p:txBody>
+          <a:bodyPr/>
+          <a:lstStyle/>
+          <a:p>
+            <a:endParaRPr lang="en-US"/>
+          </a:p>
+        </p:txBody>
+      </p:sp>
+      <p:sp>
+        <p:nvSpPr>
+          <p:cNvPr id="3" name="Content Placeholder 2">
+            <a:extLst>
+              <a:ext uri="{FF2B5EF4-FFF2-40B4-BE49-F238E27FC236}">
+                <a16:creationId xmlns:a16="http://schemas.microsoft.com/office/drawing/2014/main" id="{92CB3D58-940E-690F-FA9B-AB0866ECE83C}"/>
+              </a:ext>
+            </a:extLst>
+          </p:cNvPr>
+          <p:cNvSpPr>
+            <a:spLocks noGrp="1"/>
+          </p:cNvSpPr>
+          <p:nvPr>
+            <p:ph idx="1"/>
+          </p:nvPr>
+        </p:nvSpPr>
+        <p:spPr/>
+        <p:txBody>
+          <a:bodyPr/>
+          <a:lstStyle/>
+          <a:p>
+            <a:endParaRPr lang="en-US"/>
+          </a:p>
+        </p:txBody>
+      </p:sp>
+      <p:pic>
+        <p:nvPicPr>
+          <p:cNvPr id="4" name="Picture 3">
+            <a:extLst>
+              <a:ext uri="{FF2B5EF4-FFF2-40B4-BE49-F238E27FC236}">
+                <a16:creationId xmlns:a16="http://schemas.microsoft.com/office/drawing/2014/main" id="{E15F4C17-6A95-E7EE-DDA6-31D60EFD5BB2}"/>
+              </a:ext>
+            </a:extLst>
+          </p:cNvPr>
+          <p:cNvPicPr>
+            <a:picLocks noChangeAspect="1"/>
+          </p:cNvPicPr>
+          <p:nvPr/>
+        </p:nvPicPr>
+        <p:blipFill>
+          <a:blip r:embed="rId2"/>
+          <a:stretch>
+            <a:fillRect/>
+          </a:stretch>
+        </p:blipFill>
+        <p:spPr>
+          <a:xfrm>
+            <a:off x="2248918" y="0"/>
+            <a:ext cx="7694163" cy="6858000"/>
+          </a:xfrm>
+          <a:prstGeom prst="rect">
+            <a:avLst/>
+          </a:prstGeom>
+        </p:spPr>
+      </p:pic>
+    </p:spTree>
+    <p:extLst>
+      <p:ext uri="{BB962C8B-B14F-4D97-AF65-F5344CB8AC3E}">
+        <p14:creationId xmlns:p14="http://schemas.microsoft.com/office/powerpoint/2010/main" val="3859650881"/>
+      </p:ext>
+    </p:extLst>
+  </p:cSld>
+  <p:clrMapOvr>
+    <a:masterClrMapping/>
+  </p:clrMapOvr>
+</p:sld>
+</file>
+
+<file path=ppt/slides/slide28.xml><?xml version="1.0" encoding="utf-8"?>
 <p:sld xmlns:a="http://schemas.openxmlformats.org/drawingml/2006/main" xmlns:r="http://schemas.openxmlformats.org/officeDocument/2006/relationships" xmlns:p="http://schemas.openxmlformats.org/presentationml/2006/main">
   <p:cSld>
     <p:spTree>
@@ -6231,7 +6520,7 @@
 </p:sld>
 </file>
 
-<file path=ppt/slides/slide27.xml><?xml version="1.0" encoding="utf-8"?>
+<file path=ppt/slides/slide29.xml><?xml version="1.0" encoding="utf-8"?>
 <p:sld xmlns:a="http://schemas.openxmlformats.org/drawingml/2006/main" xmlns:r="http://schemas.openxmlformats.org/officeDocument/2006/relationships" xmlns:p="http://schemas.openxmlformats.org/presentationml/2006/main">
   <p:cSld>
     <p:spTree>
@@ -6376,7 +6665,167 @@
 </p:sld>
 </file>
 
-<file path=ppt/slides/slide28.xml><?xml version="1.0" encoding="utf-8"?>
+<file path=ppt/slides/slide3.xml><?xml version="1.0" encoding="utf-8"?>
+<p:sld xmlns:a="http://schemas.openxmlformats.org/drawingml/2006/main" xmlns:r="http://schemas.openxmlformats.org/officeDocument/2006/relationships" xmlns:p="http://schemas.openxmlformats.org/presentationml/2006/main">
+  <p:cSld>
+    <p:spTree>
+      <p:nvGrpSpPr>
+        <p:cNvPr id="1" name=""/>
+        <p:cNvGrpSpPr/>
+        <p:nvPr/>
+      </p:nvGrpSpPr>
+      <p:grpSpPr>
+        <a:xfrm>
+          <a:off x="0" y="0"/>
+          <a:ext cx="0" cy="0"/>
+          <a:chOff x="0" y="0"/>
+          <a:chExt cx="0" cy="0"/>
+        </a:xfrm>
+      </p:grpSpPr>
+      <p:sp>
+        <p:nvSpPr>
+          <p:cNvPr id="2" name="Title 1">
+            <a:extLst>
+              <a:ext uri="{FF2B5EF4-FFF2-40B4-BE49-F238E27FC236}">
+                <a16:creationId xmlns:a16="http://schemas.microsoft.com/office/drawing/2014/main" id="{975ECA53-E686-75D2-3F6C-4D91841474F9}"/>
+              </a:ext>
+            </a:extLst>
+          </p:cNvPr>
+          <p:cNvSpPr>
+            <a:spLocks noGrp="1"/>
+          </p:cNvSpPr>
+          <p:nvPr>
+            <p:ph type="title"/>
+          </p:nvPr>
+        </p:nvSpPr>
+        <p:spPr/>
+        <p:txBody>
+          <a:bodyPr/>
+          <a:lstStyle/>
+          <a:p>
+            <a:r>
+              <a:rPr lang="en-US" dirty="0"/>
+              <a:t>Natural Language Processing Intro</a:t>
+            </a:r>
+          </a:p>
+        </p:txBody>
+      </p:sp>
+      <p:sp>
+        <p:nvSpPr>
+          <p:cNvPr id="3" name="Content Placeholder 2">
+            <a:extLst>
+              <a:ext uri="{FF2B5EF4-FFF2-40B4-BE49-F238E27FC236}">
+                <a16:creationId xmlns:a16="http://schemas.microsoft.com/office/drawing/2014/main" id="{6FE30764-4B1F-4F0B-4EF5-06F5C7594A3B}"/>
+              </a:ext>
+            </a:extLst>
+          </p:cNvPr>
+          <p:cNvSpPr>
+            <a:spLocks noGrp="1"/>
+          </p:cNvSpPr>
+          <p:nvPr>
+            <p:ph idx="1"/>
+          </p:nvPr>
+        </p:nvSpPr>
+        <p:spPr>
+          <a:xfrm>
+            <a:off x="1451579" y="1853754"/>
+            <a:ext cx="9603275" cy="4199727"/>
+          </a:xfrm>
+        </p:spPr>
+        <p:txBody>
+          <a:bodyPr/>
+          <a:lstStyle/>
+          <a:p>
+            <a:r>
+              <a:rPr lang="en-US" dirty="0"/>
+              <a:t>We can use text as a feature set to do predictive modelling. </a:t>
+            </a:r>
+          </a:p>
+          <a:p>
+            <a:pPr lvl="1"/>
+            <a:r>
+              <a:rPr lang="en-US" dirty="0"/>
+              <a:t>X is our feature set – the text after its processing. </a:t>
+            </a:r>
+          </a:p>
+          <a:p>
+            <a:pPr lvl="1"/>
+            <a:r>
+              <a:rPr lang="en-US" dirty="0"/>
+              <a:t>Y is our target – something external. E.g. positive/negative review, spam/not spam. </a:t>
+            </a:r>
+          </a:p>
+          <a:p>
+            <a:pPr lvl="1"/>
+            <a:r>
+              <a:rPr lang="en-US" dirty="0"/>
+              <a:t>We end up with a ‘normal’ array of data, that we can then TTS, predict, </a:t>
+            </a:r>
+            <a:r>
+              <a:rPr lang="en-US" dirty="0" err="1"/>
+              <a:t>etc</a:t>
+            </a:r>
+            <a:r>
+              <a:rPr lang="en-US" dirty="0"/>
+              <a:t>…</a:t>
+            </a:r>
+          </a:p>
+          <a:p>
+            <a:r>
+              <a:rPr lang="en-US" dirty="0"/>
+              <a:t>NLP uses some specific terms:</a:t>
+            </a:r>
+          </a:p>
+          <a:p>
+            <a:pPr lvl="1"/>
+            <a:r>
+              <a:rPr lang="en-US" dirty="0"/>
+              <a:t>Corpus – all the text that we are using. </a:t>
+            </a:r>
+          </a:p>
+          <a:p>
+            <a:pPr lvl="1"/>
+            <a:r>
+              <a:rPr lang="en-US" dirty="0"/>
+              <a:t>Document – one ‘piece’ of text. Normally a sentence or line. </a:t>
+            </a:r>
+          </a:p>
+          <a:p>
+            <a:pPr lvl="1"/>
+            <a:r>
+              <a:rPr lang="en-US" dirty="0"/>
+              <a:t>Vocabulary – all the tokens (words/terms) that is in our corpus. </a:t>
+            </a:r>
+          </a:p>
+          <a:p>
+            <a:r>
+              <a:rPr lang="en-US" dirty="0"/>
+              <a:t>Creating the feature set from the text involves some preparation. </a:t>
+            </a:r>
+          </a:p>
+          <a:p>
+            <a:pPr lvl="1"/>
+            <a:r>
+              <a:rPr lang="en-US" dirty="0"/>
+              <a:t>Text is first tokenized – transformed into individual ‘terms’ (words or n-grams). </a:t>
+            </a:r>
+          </a:p>
+        </p:txBody>
+      </p:sp>
+    </p:spTree>
+    <p:extLst>
+      <p:ext uri="{BB962C8B-B14F-4D97-AF65-F5344CB8AC3E}">
+        <p14:creationId xmlns:p14="http://schemas.microsoft.com/office/powerpoint/2010/main" val="1605237893"/>
+      </p:ext>
+    </p:extLst>
+  </p:cSld>
+  <p:clrMapOvr>
+    <a:masterClrMapping/>
+  </p:clrMapOvr>
+</p:sld>
+</file>
+
+<file path=ppt/slides/slide30.xml><?xml version="1.0" encoding="utf-8"?>
 <p:sld xmlns:a="http://schemas.openxmlformats.org/drawingml/2006/main" xmlns:r="http://schemas.openxmlformats.org/officeDocument/2006/relationships" xmlns:p="http://schemas.openxmlformats.org/presentationml/2006/main">
   <p:cSld>
     <p:spTree>
@@ -6503,427 +6952,6 @@
 </p:sld>
 </file>
 
-<file path=ppt/slides/slide29.xml><?xml version="1.0" encoding="utf-8"?>
-<p:sld xmlns:a="http://schemas.openxmlformats.org/drawingml/2006/main" xmlns:r="http://schemas.openxmlformats.org/officeDocument/2006/relationships" xmlns:p="http://schemas.openxmlformats.org/presentationml/2006/main">
-  <p:cSld>
-    <p:spTree>
-      <p:nvGrpSpPr>
-        <p:cNvPr id="1" name=""/>
-        <p:cNvGrpSpPr/>
-        <p:nvPr/>
-      </p:nvGrpSpPr>
-      <p:grpSpPr>
-        <a:xfrm>
-          <a:off x="0" y="0"/>
-          <a:ext cx="0" cy="0"/>
-          <a:chOff x="0" y="0"/>
-          <a:chExt cx="0" cy="0"/>
-        </a:xfrm>
-      </p:grpSpPr>
-      <p:sp>
-        <p:nvSpPr>
-          <p:cNvPr id="2" name="Title 1">
-            <a:extLst>
-              <a:ext uri="{FF2B5EF4-FFF2-40B4-BE49-F238E27FC236}">
-                <a16:creationId xmlns:a16="http://schemas.microsoft.com/office/drawing/2014/main" id="{E84D1227-A141-327F-EB19-DF351941BF62}"/>
-              </a:ext>
-            </a:extLst>
-          </p:cNvPr>
-          <p:cNvSpPr>
-            <a:spLocks noGrp="1"/>
-          </p:cNvSpPr>
-          <p:nvPr>
-            <p:ph type="title"/>
-          </p:nvPr>
-        </p:nvSpPr>
-        <p:spPr/>
-        <p:txBody>
-          <a:bodyPr/>
-          <a:lstStyle/>
-          <a:p>
-            <a:r>
-              <a:rPr lang="en-US" dirty="0"/>
-              <a:t>Big Note</a:t>
-            </a:r>
-          </a:p>
-        </p:txBody>
-      </p:sp>
-      <p:sp>
-        <p:nvSpPr>
-          <p:cNvPr id="3" name="Content Placeholder 2">
-            <a:extLst>
-              <a:ext uri="{FF2B5EF4-FFF2-40B4-BE49-F238E27FC236}">
-                <a16:creationId xmlns:a16="http://schemas.microsoft.com/office/drawing/2014/main" id="{66AF796C-B5F8-A589-2F00-3A98CB8A78A9}"/>
-              </a:ext>
-            </a:extLst>
-          </p:cNvPr>
-          <p:cNvSpPr>
-            <a:spLocks noGrp="1"/>
-          </p:cNvSpPr>
-          <p:nvPr>
-            <p:ph idx="1"/>
-          </p:nvPr>
-        </p:nvSpPr>
-        <p:spPr>
-          <a:xfrm>
-            <a:off x="1451579" y="1853755"/>
-            <a:ext cx="9603275" cy="4199726"/>
-          </a:xfrm>
-        </p:spPr>
-        <p:txBody>
-          <a:bodyPr/>
-          <a:lstStyle/>
-          <a:p>
-            <a:r>
-              <a:rPr lang="en-US" dirty="0"/>
-              <a:t>We will use embeddings, but we have to collapse them to 1 dimension. </a:t>
-            </a:r>
-          </a:p>
-          <a:p>
-            <a:pPr lvl="1"/>
-            <a:r>
-              <a:rPr lang="en-US" dirty="0"/>
-              <a:t>Each feature needs 1 value, not 200 values. </a:t>
-            </a:r>
-          </a:p>
-          <a:p>
-            <a:r>
-              <a:rPr lang="en-US" dirty="0"/>
-              <a:t>This is a simplification for our simple models that must have 1D data. </a:t>
-            </a:r>
-          </a:p>
-          <a:p>
-            <a:r>
-              <a:rPr lang="en-US" dirty="0"/>
-              <a:t>In neural network models we don’t do this, we can keep 2D data. </a:t>
-            </a:r>
-          </a:p>
-          <a:p>
-            <a:pPr lvl="1"/>
-            <a:r>
-              <a:rPr lang="en-US" dirty="0"/>
-              <a:t>Feature x embedding dimensions. </a:t>
-            </a:r>
-          </a:p>
-          <a:p>
-            <a:pPr lvl="1"/>
-            <a:r>
-              <a:rPr lang="en-US" dirty="0"/>
-              <a:t>The process doesn’t really change all that much, the we can just use the embedding as is. </a:t>
-            </a:r>
-          </a:p>
-          <a:p>
-            <a:r>
-              <a:rPr lang="en-US" dirty="0"/>
-              <a:t>This loses the ‘magic’ of fancy embedding, so we can expect much better results with this approach only if we use a bigger model to take advantage of them. </a:t>
-            </a:r>
-          </a:p>
-        </p:txBody>
-      </p:sp>
-    </p:spTree>
-    <p:extLst>
-      <p:ext uri="{BB962C8B-B14F-4D97-AF65-F5344CB8AC3E}">
-        <p14:creationId xmlns:p14="http://schemas.microsoft.com/office/powerpoint/2010/main" val="3213704600"/>
-      </p:ext>
-    </p:extLst>
-  </p:cSld>
-  <p:clrMapOvr>
-    <a:masterClrMapping/>
-  </p:clrMapOvr>
-</p:sld>
-</file>
-
-<file path=ppt/slides/slide3.xml><?xml version="1.0" encoding="utf-8"?>
-<p:sld xmlns:a="http://schemas.openxmlformats.org/drawingml/2006/main" xmlns:r="http://schemas.openxmlformats.org/officeDocument/2006/relationships" xmlns:p="http://schemas.openxmlformats.org/presentationml/2006/main">
-  <p:cSld>
-    <p:spTree>
-      <p:nvGrpSpPr>
-        <p:cNvPr id="1" name=""/>
-        <p:cNvGrpSpPr/>
-        <p:nvPr/>
-      </p:nvGrpSpPr>
-      <p:grpSpPr>
-        <a:xfrm>
-          <a:off x="0" y="0"/>
-          <a:ext cx="0" cy="0"/>
-          <a:chOff x="0" y="0"/>
-          <a:chExt cx="0" cy="0"/>
-        </a:xfrm>
-      </p:grpSpPr>
-      <p:sp>
-        <p:nvSpPr>
-          <p:cNvPr id="2" name="Title 1">
-            <a:extLst>
-              <a:ext uri="{FF2B5EF4-FFF2-40B4-BE49-F238E27FC236}">
-                <a16:creationId xmlns:a16="http://schemas.microsoft.com/office/drawing/2014/main" id="{975ECA53-E686-75D2-3F6C-4D91841474F9}"/>
-              </a:ext>
-            </a:extLst>
-          </p:cNvPr>
-          <p:cNvSpPr>
-            <a:spLocks noGrp="1"/>
-          </p:cNvSpPr>
-          <p:nvPr>
-            <p:ph type="title"/>
-          </p:nvPr>
-        </p:nvSpPr>
-        <p:spPr/>
-        <p:txBody>
-          <a:bodyPr/>
-          <a:lstStyle/>
-          <a:p>
-            <a:r>
-              <a:rPr lang="en-US" dirty="0"/>
-              <a:t>Natural Language Processing Intro</a:t>
-            </a:r>
-          </a:p>
-        </p:txBody>
-      </p:sp>
-      <p:sp>
-        <p:nvSpPr>
-          <p:cNvPr id="3" name="Content Placeholder 2">
-            <a:extLst>
-              <a:ext uri="{FF2B5EF4-FFF2-40B4-BE49-F238E27FC236}">
-                <a16:creationId xmlns:a16="http://schemas.microsoft.com/office/drawing/2014/main" id="{6FE30764-4B1F-4F0B-4EF5-06F5C7594A3B}"/>
-              </a:ext>
-            </a:extLst>
-          </p:cNvPr>
-          <p:cNvSpPr>
-            <a:spLocks noGrp="1"/>
-          </p:cNvSpPr>
-          <p:nvPr>
-            <p:ph idx="1"/>
-          </p:nvPr>
-        </p:nvSpPr>
-        <p:spPr>
-          <a:xfrm>
-            <a:off x="1451579" y="1853754"/>
-            <a:ext cx="9603275" cy="4199727"/>
-          </a:xfrm>
-        </p:spPr>
-        <p:txBody>
-          <a:bodyPr/>
-          <a:lstStyle/>
-          <a:p>
-            <a:r>
-              <a:rPr lang="en-US" dirty="0"/>
-              <a:t>We can use text as a feature set to do predictive modelling. </a:t>
-            </a:r>
-          </a:p>
-          <a:p>
-            <a:pPr lvl="1"/>
-            <a:r>
-              <a:rPr lang="en-US" dirty="0"/>
-              <a:t>X is our feature set – the text after its processing. </a:t>
-            </a:r>
-          </a:p>
-          <a:p>
-            <a:pPr lvl="1"/>
-            <a:r>
-              <a:rPr lang="en-US" dirty="0"/>
-              <a:t>Y is our target – something external. E.g. positive/negative review, spam/not spam. </a:t>
-            </a:r>
-          </a:p>
-          <a:p>
-            <a:pPr lvl="1"/>
-            <a:r>
-              <a:rPr lang="en-US" dirty="0"/>
-              <a:t>We end up with a ‘normal’ array of data, that we can then TTS, predict, </a:t>
-            </a:r>
-            <a:r>
-              <a:rPr lang="en-US" dirty="0" err="1"/>
-              <a:t>etc</a:t>
-            </a:r>
-            <a:r>
-              <a:rPr lang="en-US" dirty="0"/>
-              <a:t>…</a:t>
-            </a:r>
-          </a:p>
-          <a:p>
-            <a:r>
-              <a:rPr lang="en-US" dirty="0"/>
-              <a:t>NLP uses some specific terms:</a:t>
-            </a:r>
-          </a:p>
-          <a:p>
-            <a:pPr lvl="1"/>
-            <a:r>
-              <a:rPr lang="en-US" dirty="0"/>
-              <a:t>Corpus – all the text that we are using. </a:t>
-            </a:r>
-          </a:p>
-          <a:p>
-            <a:pPr lvl="1"/>
-            <a:r>
-              <a:rPr lang="en-US" dirty="0"/>
-              <a:t>Document – one ‘piece’ of text. Normally a sentence or line. </a:t>
-            </a:r>
-          </a:p>
-          <a:p>
-            <a:pPr lvl="1"/>
-            <a:r>
-              <a:rPr lang="en-US" dirty="0"/>
-              <a:t>Vocabulary – all the tokens (words/terms) that is in our corpus. </a:t>
-            </a:r>
-          </a:p>
-          <a:p>
-            <a:r>
-              <a:rPr lang="en-US" dirty="0"/>
-              <a:t>Creating the feature set from the text involves some preparation. </a:t>
-            </a:r>
-          </a:p>
-          <a:p>
-            <a:pPr lvl="1"/>
-            <a:r>
-              <a:rPr lang="en-US" dirty="0"/>
-              <a:t>Text is first tokenized – transformed into individual ‘terms’ (words or n-grams). </a:t>
-            </a:r>
-          </a:p>
-        </p:txBody>
-      </p:sp>
-    </p:spTree>
-    <p:extLst>
-      <p:ext uri="{BB962C8B-B14F-4D97-AF65-F5344CB8AC3E}">
-        <p14:creationId xmlns:p14="http://schemas.microsoft.com/office/powerpoint/2010/main" val="1605237893"/>
-      </p:ext>
-    </p:extLst>
-  </p:cSld>
-  <p:clrMapOvr>
-    <a:masterClrMapping/>
-  </p:clrMapOvr>
-</p:sld>
-</file>
-
-<file path=ppt/slides/slide30.xml><?xml version="1.0" encoding="utf-8"?>
-<p:sld xmlns:a="http://schemas.openxmlformats.org/drawingml/2006/main" xmlns:r="http://schemas.openxmlformats.org/officeDocument/2006/relationships" xmlns:p="http://schemas.openxmlformats.org/presentationml/2006/main" show="0">
-  <p:cSld>
-    <p:spTree>
-      <p:nvGrpSpPr>
-        <p:cNvPr id="1" name=""/>
-        <p:cNvGrpSpPr/>
-        <p:nvPr/>
-      </p:nvGrpSpPr>
-      <p:grpSpPr>
-        <a:xfrm>
-          <a:off x="0" y="0"/>
-          <a:ext cx="0" cy="0"/>
-          <a:chOff x="0" y="0"/>
-          <a:chExt cx="0" cy="0"/>
-        </a:xfrm>
-      </p:grpSpPr>
-      <p:sp>
-        <p:nvSpPr>
-          <p:cNvPr id="2" name="Title 1">
-            <a:extLst>
-              <a:ext uri="{FF2B5EF4-FFF2-40B4-BE49-F238E27FC236}">
-                <a16:creationId xmlns:a16="http://schemas.microsoft.com/office/drawing/2014/main" id="{7276A5D6-C8FC-B473-94E4-174561A24133}"/>
-              </a:ext>
-            </a:extLst>
-          </p:cNvPr>
-          <p:cNvSpPr>
-            <a:spLocks noGrp="1"/>
-          </p:cNvSpPr>
-          <p:nvPr>
-            <p:ph type="title"/>
-          </p:nvPr>
-        </p:nvSpPr>
-        <p:spPr/>
-        <p:txBody>
-          <a:bodyPr/>
-          <a:lstStyle/>
-          <a:p>
-            <a:r>
-              <a:rPr lang="en-US" dirty="0"/>
-              <a:t>Using Embeddings</a:t>
-            </a:r>
-          </a:p>
-        </p:txBody>
-      </p:sp>
-      <p:sp>
-        <p:nvSpPr>
-          <p:cNvPr id="3" name="Content Placeholder 2">
-            <a:extLst>
-              <a:ext uri="{FF2B5EF4-FFF2-40B4-BE49-F238E27FC236}">
-                <a16:creationId xmlns:a16="http://schemas.microsoft.com/office/drawing/2014/main" id="{7C9F7881-E651-AE6B-4396-F5603E69A376}"/>
-              </a:ext>
-            </a:extLst>
-          </p:cNvPr>
-          <p:cNvSpPr>
-            <a:spLocks noGrp="1"/>
-          </p:cNvSpPr>
-          <p:nvPr>
-            <p:ph idx="1"/>
-          </p:nvPr>
-        </p:nvSpPr>
-        <p:spPr>
-          <a:xfrm>
-            <a:off x="1451579" y="2015732"/>
-            <a:ext cx="9603275" cy="4037749"/>
-          </a:xfrm>
-        </p:spPr>
-        <p:txBody>
-          <a:bodyPr/>
-          <a:lstStyle/>
-          <a:p>
-            <a:r>
-              <a:rPr lang="en-US" dirty="0"/>
-              <a:t>For us, for now, we’ll collapse the embedding values down. </a:t>
-            </a:r>
-          </a:p>
-          <a:p>
-            <a:r>
-              <a:rPr lang="en-US" dirty="0"/>
-              <a:t>Later, with neural networks, we’ll look at how we can use them sans collapse. </a:t>
-            </a:r>
-          </a:p>
-          <a:p>
-            <a:pPr lvl="1"/>
-            <a:r>
-              <a:rPr lang="en-US" dirty="0"/>
-              <a:t>Our models can only handle a 2D grid of data.</a:t>
-            </a:r>
-          </a:p>
-          <a:p>
-            <a:r>
-              <a:rPr lang="en-US" dirty="0"/>
-              <a:t>Overall, any representation could work.</a:t>
-            </a:r>
-          </a:p>
-          <a:p>
-            <a:pPr lvl="1"/>
-            <a:r>
-              <a:rPr lang="en-US" dirty="0"/>
-              <a:t>In our examples, we’ll collapse multi-D embeddings down to 1 D. </a:t>
-            </a:r>
-          </a:p>
-          <a:p>
-            <a:pPr lvl="1"/>
-            <a:r>
-              <a:rPr lang="en-US" dirty="0"/>
-              <a:t>We could keep the multiple dimensions, and have a 3D dataset (later). </a:t>
-            </a:r>
-          </a:p>
-          <a:p>
-            <a:pPr lvl="1"/>
-            <a:r>
-              <a:rPr lang="en-US" dirty="0"/>
-              <a:t>We could do any other flattening – we’d have to test to see what works well. </a:t>
-            </a:r>
-          </a:p>
-        </p:txBody>
-      </p:sp>
-    </p:spTree>
-    <p:extLst>
-      <p:ext uri="{BB962C8B-B14F-4D97-AF65-F5344CB8AC3E}">
-        <p14:creationId xmlns:p14="http://schemas.microsoft.com/office/powerpoint/2010/main" val="2498184138"/>
-      </p:ext>
-    </p:extLst>
-  </p:cSld>
-  <p:clrMapOvr>
-    <a:masterClrMapping/>
-  </p:clrMapOvr>
-</p:sld>
-</file>
-
 <file path=ppt/slides/slide31.xml><?xml version="1.0" encoding="utf-8"?>
 <p:sld xmlns:a="http://schemas.openxmlformats.org/drawingml/2006/main" xmlns:r="http://schemas.openxmlformats.org/officeDocument/2006/relationships" xmlns:p="http://schemas.openxmlformats.org/presentationml/2006/main">
   <p:cSld>
@@ -6946,7 +6974,7 @@
           <p:cNvPr id="2" name="Title 1">
             <a:extLst>
               <a:ext uri="{FF2B5EF4-FFF2-40B4-BE49-F238E27FC236}">
-                <a16:creationId xmlns:a16="http://schemas.microsoft.com/office/drawing/2014/main" id="{2F6D39ED-4049-484A-8A23-EF2C3DFB812B}"/>
+                <a16:creationId xmlns:a16="http://schemas.microsoft.com/office/drawing/2014/main" id="{E84D1227-A141-327F-EB19-DF351941BF62}"/>
               </a:ext>
             </a:extLst>
           </p:cNvPr>
@@ -6964,7 +6992,7 @@
           <a:p>
             <a:r>
               <a:rPr lang="en-US" dirty="0"/>
-              <a:t>NLP in Practice</a:t>
+              <a:t>Big Note</a:t>
             </a:r>
           </a:p>
         </p:txBody>
@@ -6974,7 +7002,7 @@
           <p:cNvPr id="3" name="Content Placeholder 2">
             <a:extLst>
               <a:ext uri="{FF2B5EF4-FFF2-40B4-BE49-F238E27FC236}">
-                <a16:creationId xmlns:a16="http://schemas.microsoft.com/office/drawing/2014/main" id="{776F59CA-DD5B-E345-972A-8104869FCF33}"/>
+                <a16:creationId xmlns:a16="http://schemas.microsoft.com/office/drawing/2014/main" id="{66AF796C-B5F8-A589-2F00-3A98CB8A78A9}"/>
               </a:ext>
             </a:extLst>
           </p:cNvPr>
@@ -6987,87 +7015,76 @@
         </p:nvSpPr>
         <p:spPr>
           <a:xfrm>
-            <a:off x="1451579" y="1853754"/>
-            <a:ext cx="9603275" cy="4199727"/>
+            <a:off x="1451579" y="1853755"/>
+            <a:ext cx="9603275" cy="4199726"/>
           </a:xfrm>
         </p:spPr>
         <p:txBody>
-          <a:bodyPr>
-            <a:normAutofit lnSpcReduction="10000"/>
-          </a:bodyPr>
-          <a:lstStyle/>
-          <a:p>
-            <a:r>
-              <a:rPr lang="en-US" dirty="0"/>
-              <a:t>NLP is an area that is very quickly developing. </a:t>
-            </a:r>
-          </a:p>
-          <a:p>
-            <a:r>
-              <a:rPr lang="en-US" dirty="0"/>
-              <a:t>More data makes a big difference!</a:t>
-            </a:r>
-          </a:p>
-          <a:p>
-            <a:pPr lvl="1"/>
-            <a:r>
-              <a:rPr lang="en-US" dirty="0"/>
-              <a:t>Language has subtleties, massive datasets allow those subtleties to become patterns. </a:t>
-            </a:r>
-          </a:p>
-          <a:p>
-            <a:pPr lvl="1"/>
-            <a:r>
-              <a:rPr lang="en-US" dirty="0"/>
-              <a:t>The #1 determinant of future language models will probably be access to human written text.</a:t>
-            </a:r>
-          </a:p>
-          <a:p>
-            <a:r>
-              <a:rPr lang="en-US" dirty="0"/>
-              <a:t>Preprocessing choices can make massive differences:</a:t>
-            </a:r>
-          </a:p>
-          <a:p>
-            <a:pPr lvl="1"/>
-            <a:r>
-              <a:rPr lang="en-US" dirty="0"/>
-              <a:t>Stemming, lemmatization, stop words, and n-gram size all vary widely depending on context. </a:t>
-            </a:r>
-          </a:p>
-          <a:p>
-            <a:r>
-              <a:rPr lang="en-US" dirty="0"/>
-              <a:t>The embedding space quality matters as much or more than the predictor. </a:t>
-            </a:r>
-          </a:p>
-          <a:p>
-            <a:pPr lvl="1"/>
-            <a:r>
-              <a:rPr lang="en-US" dirty="0"/>
-              <a:t>Like images, we must represent text as numbers – how well we do this is critical. </a:t>
-            </a:r>
-          </a:p>
-          <a:p>
-            <a:pPr lvl="1"/>
-            <a:r>
-              <a:rPr lang="en-US" dirty="0"/>
-              <a:t>This is a source of irreducible error for the predictive model. </a:t>
-            </a:r>
-          </a:p>
-          <a:p>
-            <a:pPr lvl="1"/>
-            <a:r>
-              <a:rPr lang="en-US" dirty="0"/>
-              <a:t>E.g. the word “lit” has a different lemma on Twitter, in a college English dept, or for wildfires. </a:t>
-            </a:r>
+          <a:bodyPr/>
+          <a:lstStyle/>
+          <a:p>
+            <a:r>
+              <a:rPr lang="en-US" dirty="0"/>
+              <a:t>We will use embeddings, but we have to collapse them to 1 dimension. </a:t>
+            </a:r>
+          </a:p>
+          <a:p>
+            <a:pPr lvl="1"/>
+            <a:r>
+              <a:rPr lang="en-US" dirty="0"/>
+              <a:t>Each feature needs 1 value, not 200 values. </a:t>
+            </a:r>
+          </a:p>
+          <a:p>
+            <a:r>
+              <a:rPr lang="en-US" dirty="0"/>
+              <a:t>This is a simplification for our simple models that must have 1D data. </a:t>
+            </a:r>
+          </a:p>
+          <a:p>
+            <a:r>
+              <a:rPr lang="en-US" dirty="0"/>
+              <a:t>In neural network models we don’t do this, we can keep 2D data. </a:t>
+            </a:r>
+          </a:p>
+          <a:p>
+            <a:pPr lvl="1"/>
+            <a:r>
+              <a:rPr lang="en-US" dirty="0"/>
+              <a:t>Feature x embedding dimensions. </a:t>
+            </a:r>
+          </a:p>
+          <a:p>
+            <a:pPr lvl="1"/>
+            <a:r>
+              <a:rPr lang="en-US" dirty="0"/>
+              <a:t>The process doesn’t really change all that much, the we can just use the embedding as is. </a:t>
+            </a:r>
+          </a:p>
+          <a:p>
+            <a:r>
+              <a:rPr lang="en-US" dirty="0"/>
+              <a:t>This loses the ‘magic’ of fancy embedding, so we can expect much better results with this approach only if we use a bigger model to take advantage of them. </a:t>
+            </a:r>
+          </a:p>
+          <a:p>
+            <a:pPr lvl="1"/>
+            <a:r>
+              <a:rPr lang="en-US" dirty="0"/>
+              <a:t>I.e. when flattening all this data to a single value, we shouldn’t expect things to </a:t>
+            </a:r>
+            <a:r>
+              <a:rPr lang="en-US"/>
+              <a:t>be great. </a:t>
+            </a:r>
+            <a:endParaRPr lang="en-US" dirty="0"/>
           </a:p>
         </p:txBody>
       </p:sp>
     </p:spTree>
     <p:extLst>
       <p:ext uri="{BB962C8B-B14F-4D97-AF65-F5344CB8AC3E}">
-        <p14:creationId xmlns:p14="http://schemas.microsoft.com/office/powerpoint/2010/main" val="2196243548"/>
+        <p14:creationId xmlns:p14="http://schemas.microsoft.com/office/powerpoint/2010/main" val="3213704600"/>
       </p:ext>
     </p:extLst>
   </p:cSld>
@@ -7078,6 +7095,137 @@
 </file>
 
 <file path=ppt/slides/slide32.xml><?xml version="1.0" encoding="utf-8"?>
+<p:sld xmlns:a="http://schemas.openxmlformats.org/drawingml/2006/main" xmlns:r="http://schemas.openxmlformats.org/officeDocument/2006/relationships" xmlns:p="http://schemas.openxmlformats.org/presentationml/2006/main" show="0">
+  <p:cSld>
+    <p:spTree>
+      <p:nvGrpSpPr>
+        <p:cNvPr id="1" name=""/>
+        <p:cNvGrpSpPr/>
+        <p:nvPr/>
+      </p:nvGrpSpPr>
+      <p:grpSpPr>
+        <a:xfrm>
+          <a:off x="0" y="0"/>
+          <a:ext cx="0" cy="0"/>
+          <a:chOff x="0" y="0"/>
+          <a:chExt cx="0" cy="0"/>
+        </a:xfrm>
+      </p:grpSpPr>
+      <p:sp>
+        <p:nvSpPr>
+          <p:cNvPr id="2" name="Title 1">
+            <a:extLst>
+              <a:ext uri="{FF2B5EF4-FFF2-40B4-BE49-F238E27FC236}">
+                <a16:creationId xmlns:a16="http://schemas.microsoft.com/office/drawing/2014/main" id="{7276A5D6-C8FC-B473-94E4-174561A24133}"/>
+              </a:ext>
+            </a:extLst>
+          </p:cNvPr>
+          <p:cNvSpPr>
+            <a:spLocks noGrp="1"/>
+          </p:cNvSpPr>
+          <p:nvPr>
+            <p:ph type="title"/>
+          </p:nvPr>
+        </p:nvSpPr>
+        <p:spPr/>
+        <p:txBody>
+          <a:bodyPr/>
+          <a:lstStyle/>
+          <a:p>
+            <a:r>
+              <a:rPr lang="en-US" dirty="0"/>
+              <a:t>Using Embeddings</a:t>
+            </a:r>
+          </a:p>
+        </p:txBody>
+      </p:sp>
+      <p:sp>
+        <p:nvSpPr>
+          <p:cNvPr id="3" name="Content Placeholder 2">
+            <a:extLst>
+              <a:ext uri="{FF2B5EF4-FFF2-40B4-BE49-F238E27FC236}">
+                <a16:creationId xmlns:a16="http://schemas.microsoft.com/office/drawing/2014/main" id="{7C9F7881-E651-AE6B-4396-F5603E69A376}"/>
+              </a:ext>
+            </a:extLst>
+          </p:cNvPr>
+          <p:cNvSpPr>
+            <a:spLocks noGrp="1"/>
+          </p:cNvSpPr>
+          <p:nvPr>
+            <p:ph idx="1"/>
+          </p:nvPr>
+        </p:nvSpPr>
+        <p:spPr>
+          <a:xfrm>
+            <a:off x="1451579" y="2015732"/>
+            <a:ext cx="9603275" cy="4037749"/>
+          </a:xfrm>
+        </p:spPr>
+        <p:txBody>
+          <a:bodyPr/>
+          <a:lstStyle/>
+          <a:p>
+            <a:r>
+              <a:rPr lang="en-US" dirty="0"/>
+              <a:t>For us, for now, we’ll collapse the embedding values down. </a:t>
+            </a:r>
+          </a:p>
+          <a:p>
+            <a:r>
+              <a:rPr lang="en-US" dirty="0"/>
+              <a:t>Later, with neural networks, we’ll look at how we can use them sans collapse. </a:t>
+            </a:r>
+          </a:p>
+          <a:p>
+            <a:pPr lvl="1"/>
+            <a:r>
+              <a:rPr lang="en-US" dirty="0"/>
+              <a:t>Our models can only handle a 2D grid of data.</a:t>
+            </a:r>
+          </a:p>
+          <a:p>
+            <a:r>
+              <a:rPr lang="en-US" dirty="0"/>
+              <a:t>Overall, any representation could work.</a:t>
+            </a:r>
+          </a:p>
+          <a:p>
+            <a:pPr lvl="1"/>
+            <a:r>
+              <a:rPr lang="en-US" dirty="0"/>
+              <a:t>In our examples, we’ll collapse multi-D embeddings down to 1 D. </a:t>
+            </a:r>
+          </a:p>
+          <a:p>
+            <a:pPr lvl="1"/>
+            <a:r>
+              <a:rPr lang="en-US" dirty="0"/>
+              <a:t>We could keep the multiple dimensions, and have a 3D dataset (later). </a:t>
+            </a:r>
+          </a:p>
+          <a:p>
+            <a:pPr lvl="1"/>
+            <a:r>
+              <a:rPr lang="en-US" dirty="0"/>
+              <a:t>We could do any other flattening – we’d have to test to see what works well. </a:t>
+            </a:r>
+          </a:p>
+        </p:txBody>
+      </p:sp>
+    </p:spTree>
+    <p:extLst>
+      <p:ext uri="{BB962C8B-B14F-4D97-AF65-F5344CB8AC3E}">
+        <p14:creationId xmlns:p14="http://schemas.microsoft.com/office/powerpoint/2010/main" val="2498184138"/>
+      </p:ext>
+    </p:extLst>
+  </p:cSld>
+  <p:clrMapOvr>
+    <a:masterClrMapping/>
+  </p:clrMapOvr>
+</p:sld>
+</file>
+
+<file path=ppt/slides/slide33.xml><?xml version="1.0" encoding="utf-8"?>
 <p:sld xmlns:a="http://schemas.openxmlformats.org/drawingml/2006/main" xmlns:r="http://schemas.openxmlformats.org/officeDocument/2006/relationships" xmlns:p="http://schemas.openxmlformats.org/presentationml/2006/main">
   <p:cSld>
     <p:spTree>
@@ -7099,6 +7247,159 @@
           <p:cNvPr id="2" name="Title 1">
             <a:extLst>
               <a:ext uri="{FF2B5EF4-FFF2-40B4-BE49-F238E27FC236}">
+                <a16:creationId xmlns:a16="http://schemas.microsoft.com/office/drawing/2014/main" id="{2F6D39ED-4049-484A-8A23-EF2C3DFB812B}"/>
+              </a:ext>
+            </a:extLst>
+          </p:cNvPr>
+          <p:cNvSpPr>
+            <a:spLocks noGrp="1"/>
+          </p:cNvSpPr>
+          <p:nvPr>
+            <p:ph type="title"/>
+          </p:nvPr>
+        </p:nvSpPr>
+        <p:spPr/>
+        <p:txBody>
+          <a:bodyPr/>
+          <a:lstStyle/>
+          <a:p>
+            <a:r>
+              <a:rPr lang="en-US" dirty="0"/>
+              <a:t>NLP in Practice</a:t>
+            </a:r>
+          </a:p>
+        </p:txBody>
+      </p:sp>
+      <p:sp>
+        <p:nvSpPr>
+          <p:cNvPr id="3" name="Content Placeholder 2">
+            <a:extLst>
+              <a:ext uri="{FF2B5EF4-FFF2-40B4-BE49-F238E27FC236}">
+                <a16:creationId xmlns:a16="http://schemas.microsoft.com/office/drawing/2014/main" id="{776F59CA-DD5B-E345-972A-8104869FCF33}"/>
+              </a:ext>
+            </a:extLst>
+          </p:cNvPr>
+          <p:cNvSpPr>
+            <a:spLocks noGrp="1"/>
+          </p:cNvSpPr>
+          <p:nvPr>
+            <p:ph idx="1"/>
+          </p:nvPr>
+        </p:nvSpPr>
+        <p:spPr>
+          <a:xfrm>
+            <a:off x="1451579" y="1853754"/>
+            <a:ext cx="9603275" cy="4199727"/>
+          </a:xfrm>
+        </p:spPr>
+        <p:txBody>
+          <a:bodyPr>
+            <a:normAutofit lnSpcReduction="10000"/>
+          </a:bodyPr>
+          <a:lstStyle/>
+          <a:p>
+            <a:r>
+              <a:rPr lang="en-US" dirty="0"/>
+              <a:t>NLP is an area that is very quickly developing. </a:t>
+            </a:r>
+          </a:p>
+          <a:p>
+            <a:r>
+              <a:rPr lang="en-US" dirty="0"/>
+              <a:t>More data makes a big difference!</a:t>
+            </a:r>
+          </a:p>
+          <a:p>
+            <a:pPr lvl="1"/>
+            <a:r>
+              <a:rPr lang="en-US" dirty="0"/>
+              <a:t>Language has subtleties, massive datasets allow those subtleties to become patterns. </a:t>
+            </a:r>
+          </a:p>
+          <a:p>
+            <a:pPr lvl="1"/>
+            <a:r>
+              <a:rPr lang="en-US" dirty="0"/>
+              <a:t>The #1 determinant of future language models will probably be access to human written text.</a:t>
+            </a:r>
+          </a:p>
+          <a:p>
+            <a:r>
+              <a:rPr lang="en-US" dirty="0"/>
+              <a:t>Preprocessing choices can make massive differences:</a:t>
+            </a:r>
+          </a:p>
+          <a:p>
+            <a:pPr lvl="1"/>
+            <a:r>
+              <a:rPr lang="en-US" dirty="0"/>
+              <a:t>Stemming, lemmatization, stop words, and n-gram size all vary widely depending on context. </a:t>
+            </a:r>
+          </a:p>
+          <a:p>
+            <a:r>
+              <a:rPr lang="en-US" dirty="0"/>
+              <a:t>The embedding space quality matters as much or more than the predictor. </a:t>
+            </a:r>
+          </a:p>
+          <a:p>
+            <a:pPr lvl="1"/>
+            <a:r>
+              <a:rPr lang="en-US" dirty="0"/>
+              <a:t>Like images, we must represent text as numbers – how well we do this is critical. </a:t>
+            </a:r>
+          </a:p>
+          <a:p>
+            <a:pPr lvl="1"/>
+            <a:r>
+              <a:rPr lang="en-US" dirty="0"/>
+              <a:t>This is a source of irreducible error for the predictive model. </a:t>
+            </a:r>
+          </a:p>
+          <a:p>
+            <a:pPr lvl="1"/>
+            <a:r>
+              <a:rPr lang="en-US" dirty="0"/>
+              <a:t>E.g. the word “lit” has a different lemma on Twitter, in a college English dept, or for wildfires. </a:t>
+            </a:r>
+          </a:p>
+        </p:txBody>
+      </p:sp>
+    </p:spTree>
+    <p:extLst>
+      <p:ext uri="{BB962C8B-B14F-4D97-AF65-F5344CB8AC3E}">
+        <p14:creationId xmlns:p14="http://schemas.microsoft.com/office/powerpoint/2010/main" val="2196243548"/>
+      </p:ext>
+    </p:extLst>
+  </p:cSld>
+  <p:clrMapOvr>
+    <a:masterClrMapping/>
+  </p:clrMapOvr>
+</p:sld>
+</file>
+
+<file path=ppt/slides/slide34.xml><?xml version="1.0" encoding="utf-8"?>
+<p:sld xmlns:a="http://schemas.openxmlformats.org/drawingml/2006/main" xmlns:r="http://schemas.openxmlformats.org/officeDocument/2006/relationships" xmlns:p="http://schemas.openxmlformats.org/presentationml/2006/main">
+  <p:cSld>
+    <p:spTree>
+      <p:nvGrpSpPr>
+        <p:cNvPr id="1" name=""/>
+        <p:cNvGrpSpPr/>
+        <p:nvPr/>
+      </p:nvGrpSpPr>
+      <p:grpSpPr>
+        <a:xfrm>
+          <a:off x="0" y="0"/>
+          <a:ext cx="0" cy="0"/>
+          <a:chOff x="0" y="0"/>
+          <a:chExt cx="0" cy="0"/>
+        </a:xfrm>
+      </p:grpSpPr>
+      <p:sp>
+        <p:nvSpPr>
+          <p:cNvPr id="2" name="Title 1">
+            <a:extLst>
+              <a:ext uri="{FF2B5EF4-FFF2-40B4-BE49-F238E27FC236}">
                 <a16:creationId xmlns:a16="http://schemas.microsoft.com/office/drawing/2014/main" id="{984A237C-6E20-E34E-B7D9-06A3FF0331A8}"/>
               </a:ext>
             </a:extLst>
@@ -7225,7 +7526,7 @@
 </p:sld>
 </file>
 
-<file path=ppt/slides/slide33.xml><?xml version="1.0" encoding="utf-8"?>
+<file path=ppt/slides/slide35.xml><?xml version="1.0" encoding="utf-8"?>
 <p:sld xmlns:a="http://schemas.openxmlformats.org/drawingml/2006/main" xmlns:r="http://schemas.openxmlformats.org/officeDocument/2006/relationships" xmlns:p="http://schemas.openxmlformats.org/presentationml/2006/main">
   <p:cSld>
     <p:spTree>

--- a/reference_content/Slides/NLP_2.pptx
+++ b/reference_content/Slides/NLP_2.pptx
@@ -7,39 +7,41 @@
   <p:sldIdLst>
     <p:sldId id="270" r:id="rId2"/>
     <p:sldId id="256" r:id="rId3"/>
-    <p:sldId id="271" r:id="rId4"/>
-    <p:sldId id="272" r:id="rId5"/>
-    <p:sldId id="273" r:id="rId6"/>
-    <p:sldId id="274" r:id="rId7"/>
-    <p:sldId id="275" r:id="rId8"/>
-    <p:sldId id="260" r:id="rId9"/>
-    <p:sldId id="261" r:id="rId10"/>
-    <p:sldId id="288" r:id="rId11"/>
-    <p:sldId id="262" r:id="rId12"/>
-    <p:sldId id="280" r:id="rId13"/>
-    <p:sldId id="265" r:id="rId14"/>
-    <p:sldId id="283" r:id="rId15"/>
-    <p:sldId id="286" r:id="rId16"/>
-    <p:sldId id="281" r:id="rId17"/>
-    <p:sldId id="276" r:id="rId18"/>
-    <p:sldId id="266" r:id="rId19"/>
+    <p:sldId id="294" r:id="rId4"/>
+    <p:sldId id="271" r:id="rId5"/>
+    <p:sldId id="272" r:id="rId6"/>
+    <p:sldId id="273" r:id="rId7"/>
+    <p:sldId id="274" r:id="rId8"/>
+    <p:sldId id="275" r:id="rId9"/>
+    <p:sldId id="260" r:id="rId10"/>
+    <p:sldId id="261" r:id="rId11"/>
+    <p:sldId id="288" r:id="rId12"/>
+    <p:sldId id="262" r:id="rId13"/>
+    <p:sldId id="280" r:id="rId14"/>
+    <p:sldId id="265" r:id="rId15"/>
+    <p:sldId id="283" r:id="rId16"/>
+    <p:sldId id="286" r:id="rId17"/>
+    <p:sldId id="281" r:id="rId18"/>
+    <p:sldId id="276" r:id="rId19"/>
     <p:sldId id="267" r:id="rId20"/>
     <p:sldId id="278" r:id="rId21"/>
     <p:sldId id="282" r:id="rId22"/>
-    <p:sldId id="277" r:id="rId23"/>
-    <p:sldId id="292" r:id="rId24"/>
-    <p:sldId id="291" r:id="rId25"/>
-    <p:sldId id="284" r:id="rId26"/>
-    <p:sldId id="269" r:id="rId27"/>
+    <p:sldId id="292" r:id="rId23"/>
+    <p:sldId id="279" r:id="rId24"/>
+    <p:sldId id="296" r:id="rId25"/>
+    <p:sldId id="266" r:id="rId26"/>
+    <p:sldId id="277" r:id="rId27"/>
     <p:sldId id="293" r:id="rId28"/>
-    <p:sldId id="268" r:id="rId29"/>
+    <p:sldId id="269" r:id="rId29"/>
     <p:sldId id="290" r:id="rId30"/>
-    <p:sldId id="279" r:id="rId31"/>
-    <p:sldId id="289" r:id="rId32"/>
-    <p:sldId id="287" r:id="rId33"/>
-    <p:sldId id="263" r:id="rId34"/>
-    <p:sldId id="264" r:id="rId35"/>
-    <p:sldId id="285" r:id="rId36"/>
+    <p:sldId id="289" r:id="rId31"/>
+    <p:sldId id="295" r:id="rId32"/>
+    <p:sldId id="268" r:id="rId33"/>
+    <p:sldId id="297" r:id="rId34"/>
+    <p:sldId id="287" r:id="rId35"/>
+    <p:sldId id="263" r:id="rId36"/>
+    <p:sldId id="264" r:id="rId37"/>
+    <p:sldId id="285" r:id="rId38"/>
   </p:sldIdLst>
   <p:sldSz cx="12192000" cy="6858000"/>
   <p:notesSz cx="6858000" cy="9144000"/>
@@ -3817,6 +3819,149 @@
           <p:cNvPr id="2" name="Title 1">
             <a:extLst>
               <a:ext uri="{FF2B5EF4-FFF2-40B4-BE49-F238E27FC236}">
+                <a16:creationId xmlns:a16="http://schemas.microsoft.com/office/drawing/2014/main" id="{878B71F2-A6CC-D74A-B73E-8FD74DE8D2B8}"/>
+              </a:ext>
+            </a:extLst>
+          </p:cNvPr>
+          <p:cNvSpPr>
+            <a:spLocks noGrp="1"/>
+          </p:cNvSpPr>
+          <p:nvPr>
+            <p:ph type="title"/>
+          </p:nvPr>
+        </p:nvSpPr>
+        <p:spPr/>
+        <p:txBody>
+          <a:bodyPr/>
+          <a:lstStyle/>
+          <a:p>
+            <a:r>
+              <a:rPr lang="en-US" dirty="0"/>
+              <a:t>Truncated SVD and LSA</a:t>
+            </a:r>
+          </a:p>
+        </p:txBody>
+      </p:sp>
+      <p:sp>
+        <p:nvSpPr>
+          <p:cNvPr id="3" name="Content Placeholder 2">
+            <a:extLst>
+              <a:ext uri="{FF2B5EF4-FFF2-40B4-BE49-F238E27FC236}">
+                <a16:creationId xmlns:a16="http://schemas.microsoft.com/office/drawing/2014/main" id="{DE660909-3AB2-F946-BC80-4602BB028BB8}"/>
+              </a:ext>
+            </a:extLst>
+          </p:cNvPr>
+          <p:cNvSpPr>
+            <a:spLocks noGrp="1"/>
+          </p:cNvSpPr>
+          <p:nvPr>
+            <p:ph idx="1"/>
+          </p:nvPr>
+        </p:nvSpPr>
+        <p:spPr>
+          <a:xfrm>
+            <a:off x="1451579" y="1853754"/>
+            <a:ext cx="9603275" cy="4199727"/>
+          </a:xfrm>
+        </p:spPr>
+        <p:txBody>
+          <a:bodyPr>
+            <a:normAutofit lnSpcReduction="10000"/>
+          </a:bodyPr>
+          <a:lstStyle/>
+          <a:p>
+            <a:r>
+              <a:rPr lang="en-US" dirty="0"/>
+              <a:t>LSA is latent semantic analysis. LSA attempts to:</a:t>
+            </a:r>
+          </a:p>
+          <a:p>
+            <a:pPr lvl="1"/>
+            <a:r>
+              <a:rPr lang="en-US" dirty="0"/>
+              <a:t>Extract meaning from large amounts of text, using more advanced frequency calculations. </a:t>
+            </a:r>
+          </a:p>
+          <a:p>
+            <a:r>
+              <a:rPr lang="en-US" dirty="0"/>
+              <a:t>LSA follows a couple of assumptions:</a:t>
+            </a:r>
+          </a:p>
+          <a:p>
+            <a:pPr lvl="1"/>
+            <a:r>
+              <a:rPr lang="en-CA" i="1" dirty="0"/>
+              <a:t>Meaning of Sentences or Documents is a sum of the meaning of all words</a:t>
+            </a:r>
+            <a:r>
+              <a:rPr lang="en-CA" dirty="0"/>
+              <a:t> occurring in it. Overall, the meaning of a certain word is an average across all the documents it occurs in.</a:t>
+            </a:r>
+          </a:p>
+          <a:p>
+            <a:pPr lvl="1"/>
+            <a:r>
+              <a:rPr lang="en-CA" dirty="0"/>
+              <a:t>Semantic associations between words are present not explicitly, but only latently in the large sample of language.</a:t>
+            </a:r>
+          </a:p>
+          <a:p>
+            <a:r>
+              <a:rPr lang="en-CA" dirty="0"/>
+              <a:t>Latent Semantic Analysis (LSA) comprises of certain mathematical operation to get insight on a document. This algorithm forms the basis of </a:t>
+            </a:r>
+            <a:r>
+              <a:rPr lang="en-CA" i="1" dirty="0"/>
+              <a:t>Topic Modeling</a:t>
+            </a:r>
+            <a:r>
+              <a:rPr lang="en-CA" dirty="0"/>
+              <a:t>. The core idea is to take a matrix of what we have — documents and terms — and decompose it into a separate document-topic matrix and a topic-term matrix.</a:t>
+            </a:r>
+            <a:endParaRPr lang="en-US" dirty="0"/>
+          </a:p>
+          <a:p>
+            <a:pPr lvl="1"/>
+            <a:endParaRPr lang="en-US" dirty="0"/>
+          </a:p>
+        </p:txBody>
+      </p:sp>
+    </p:spTree>
+    <p:extLst>
+      <p:ext uri="{BB962C8B-B14F-4D97-AF65-F5344CB8AC3E}">
+        <p14:creationId xmlns:p14="http://schemas.microsoft.com/office/powerpoint/2010/main" val="3999811635"/>
+      </p:ext>
+    </p:extLst>
+  </p:cSld>
+  <p:clrMapOvr>
+    <a:masterClrMapping/>
+  </p:clrMapOvr>
+</p:sld>
+</file>
+
+<file path=ppt/slides/slide11.xml><?xml version="1.0" encoding="utf-8"?>
+<p:sld xmlns:a="http://schemas.openxmlformats.org/drawingml/2006/main" xmlns:r="http://schemas.openxmlformats.org/officeDocument/2006/relationships" xmlns:p="http://schemas.openxmlformats.org/presentationml/2006/main">
+  <p:cSld>
+    <p:spTree>
+      <p:nvGrpSpPr>
+        <p:cNvPr id="1" name=""/>
+        <p:cNvGrpSpPr/>
+        <p:nvPr/>
+      </p:nvGrpSpPr>
+      <p:grpSpPr>
+        <a:xfrm>
+          <a:off x="0" y="0"/>
+          <a:ext cx="0" cy="0"/>
+          <a:chOff x="0" y="0"/>
+          <a:chExt cx="0" cy="0"/>
+        </a:xfrm>
+      </p:grpSpPr>
+      <p:sp>
+        <p:nvSpPr>
+          <p:cNvPr id="2" name="Title 1">
+            <a:extLst>
+              <a:ext uri="{FF2B5EF4-FFF2-40B4-BE49-F238E27FC236}">
                 <a16:creationId xmlns:a16="http://schemas.microsoft.com/office/drawing/2014/main" id="{33F95D59-FBC2-4B2A-4E9E-EAF5338F8AB0}"/>
               </a:ext>
             </a:extLst>
@@ -3917,7 +4062,7 @@
 </p:sld>
 </file>
 
-<file path=ppt/slides/slide11.xml><?xml version="1.0" encoding="utf-8"?>
+<file path=ppt/slides/slide12.xml><?xml version="1.0" encoding="utf-8"?>
 <p:sld xmlns:a="http://schemas.openxmlformats.org/drawingml/2006/main" xmlns:r="http://schemas.openxmlformats.org/officeDocument/2006/relationships" xmlns:p="http://schemas.openxmlformats.org/presentationml/2006/main">
   <p:cSld>
     <p:bg>
@@ -4121,7 +4266,7 @@
 </p:sld>
 </file>
 
-<file path=ppt/slides/slide12.xml><?xml version="1.0" encoding="utf-8"?>
+<file path=ppt/slides/slide13.xml><?xml version="1.0" encoding="utf-8"?>
 <p:sld xmlns:a="http://schemas.openxmlformats.org/drawingml/2006/main" xmlns:r="http://schemas.openxmlformats.org/officeDocument/2006/relationships" xmlns:p="http://schemas.openxmlformats.org/presentationml/2006/main">
   <p:cSld>
     <p:spTree>
@@ -4248,7 +4393,7 @@
 </p:sld>
 </file>
 
-<file path=ppt/slides/slide13.xml><?xml version="1.0" encoding="utf-8"?>
+<file path=ppt/slides/slide14.xml><?xml version="1.0" encoding="utf-8"?>
 <p:sld xmlns:a="http://schemas.openxmlformats.org/drawingml/2006/main" xmlns:r="http://schemas.openxmlformats.org/officeDocument/2006/relationships" xmlns:p="http://schemas.openxmlformats.org/presentationml/2006/main">
   <p:cSld>
     <p:spTree>
@@ -4382,7 +4527,7 @@
 </p:sld>
 </file>
 
-<file path=ppt/slides/slide14.xml><?xml version="1.0" encoding="utf-8"?>
+<file path=ppt/slides/slide15.xml><?xml version="1.0" encoding="utf-8"?>
 <p:sld xmlns:a="http://schemas.openxmlformats.org/drawingml/2006/main" xmlns:r="http://schemas.openxmlformats.org/officeDocument/2006/relationships" xmlns:p="http://schemas.openxmlformats.org/presentationml/2006/main">
   <p:cSld>
     <p:spTree>
@@ -4557,144 +4702,6 @@
 </p:sld>
 </file>
 
-<file path=ppt/slides/slide15.xml><?xml version="1.0" encoding="utf-8"?>
-<p:sld xmlns:a="http://schemas.openxmlformats.org/drawingml/2006/main" xmlns:r="http://schemas.openxmlformats.org/officeDocument/2006/relationships" xmlns:p="http://schemas.openxmlformats.org/presentationml/2006/main">
-  <p:cSld>
-    <p:spTree>
-      <p:nvGrpSpPr>
-        <p:cNvPr id="1" name=""/>
-        <p:cNvGrpSpPr/>
-        <p:nvPr/>
-      </p:nvGrpSpPr>
-      <p:grpSpPr>
-        <a:xfrm>
-          <a:off x="0" y="0"/>
-          <a:ext cx="0" cy="0"/>
-          <a:chOff x="0" y="0"/>
-          <a:chExt cx="0" cy="0"/>
-        </a:xfrm>
-      </p:grpSpPr>
-      <p:sp>
-        <p:nvSpPr>
-          <p:cNvPr id="2" name="Title 1">
-            <a:extLst>
-              <a:ext uri="{FF2B5EF4-FFF2-40B4-BE49-F238E27FC236}">
-                <a16:creationId xmlns:a16="http://schemas.microsoft.com/office/drawing/2014/main" id="{D55FE3DF-2907-02D8-E6FE-A6DA6EDE96A9}"/>
-              </a:ext>
-            </a:extLst>
-          </p:cNvPr>
-          <p:cNvSpPr>
-            <a:spLocks noGrp="1"/>
-          </p:cNvSpPr>
-          <p:nvPr>
-            <p:ph type="title"/>
-          </p:nvPr>
-        </p:nvSpPr>
-        <p:spPr/>
-        <p:txBody>
-          <a:bodyPr/>
-          <a:lstStyle/>
-          <a:p>
-            <a:r>
-              <a:rPr lang="en-US" dirty="0"/>
-              <a:t>Slight Detour – Remember R2?</a:t>
-            </a:r>
-          </a:p>
-        </p:txBody>
-      </p:sp>
-      <p:sp>
-        <p:nvSpPr>
-          <p:cNvPr id="3" name="Content Placeholder 2">
-            <a:extLst>
-              <a:ext uri="{FF2B5EF4-FFF2-40B4-BE49-F238E27FC236}">
-                <a16:creationId xmlns:a16="http://schemas.microsoft.com/office/drawing/2014/main" id="{A1F7ED1F-0799-FA26-0B4B-B66676A93C27}"/>
-              </a:ext>
-            </a:extLst>
-          </p:cNvPr>
-          <p:cNvSpPr>
-            <a:spLocks noGrp="1"/>
-          </p:cNvSpPr>
-          <p:nvPr>
-            <p:ph idx="1"/>
-          </p:nvPr>
-        </p:nvSpPr>
-        <p:spPr>
-          <a:xfrm>
-            <a:off x="1451579" y="1853754"/>
-            <a:ext cx="9978421" cy="4199727"/>
-          </a:xfrm>
-        </p:spPr>
-        <p:txBody>
-          <a:bodyPr/>
-          <a:lstStyle/>
-          <a:p>
-            <a:r>
-              <a:rPr lang="en-US" dirty="0"/>
-              <a:t>One of the key metrics we use in regression is the coefficient of determination – R2. </a:t>
-            </a:r>
-          </a:p>
-          <a:p>
-            <a:r>
-              <a:rPr lang="en-US" dirty="0"/>
-              <a:t>R2 tells us the proportion of variance in the target that is explained by our model. </a:t>
-            </a:r>
-          </a:p>
-          <a:p>
-            <a:pPr lvl="1"/>
-            <a:r>
-              <a:rPr lang="en-US" dirty="0"/>
-              <a:t>i.e. an R2 of .8 for predicting lifespan means that our model accounts for 80% of the value of the target, while stuff not captured by our model is the other 20%. </a:t>
-            </a:r>
-          </a:p>
-          <a:p>
-            <a:r>
-              <a:rPr lang="en-US" dirty="0"/>
-              <a:t>When we do dimensional reduction, we can think of it like R2. (Conceptually, not literally).</a:t>
-            </a:r>
-          </a:p>
-          <a:p>
-            <a:pPr lvl="1"/>
-            <a:r>
-              <a:rPr lang="en-US" dirty="0"/>
-              <a:t>Our original M features (as a whole) capture K% of the meaning of the document. </a:t>
-            </a:r>
-          </a:p>
-          <a:p>
-            <a:pPr lvl="1"/>
-            <a:r>
-              <a:rPr lang="en-US" dirty="0"/>
-              <a:t>After reduction, we have &lt;M features, but hopefully capture ~K of the meaning. </a:t>
-            </a:r>
-          </a:p>
-          <a:p>
-            <a:pPr lvl="1"/>
-            <a:r>
-              <a:rPr lang="en-US" dirty="0"/>
-              <a:t>Each of our features captures more useful data, while we discard the non-useful parts.</a:t>
-            </a:r>
-          </a:p>
-          <a:p>
-            <a:pPr lvl="1"/>
-            <a:r>
-              <a:rPr lang="en-US" dirty="0"/>
-              <a:t>Kind of (even more conceptually) like multicollinearity – capture meaning in fewer features. </a:t>
-            </a:r>
-          </a:p>
-        </p:txBody>
-      </p:sp>
-    </p:spTree>
-    <p:extLst>
-      <p:ext uri="{BB962C8B-B14F-4D97-AF65-F5344CB8AC3E}">
-        <p14:creationId xmlns:p14="http://schemas.microsoft.com/office/powerpoint/2010/main" val="1296426880"/>
-      </p:ext>
-    </p:extLst>
-  </p:cSld>
-  <p:clrMapOvr>
-    <a:masterClrMapping/>
-  </p:clrMapOvr>
-</p:sld>
-</file>
-
 <file path=ppt/slides/slide16.xml><?xml version="1.0" encoding="utf-8"?>
 <p:sld xmlns:a="http://schemas.openxmlformats.org/drawingml/2006/main" xmlns:r="http://schemas.openxmlformats.org/officeDocument/2006/relationships" xmlns:p="http://schemas.openxmlformats.org/presentationml/2006/main">
   <p:cSld>
@@ -4717,7 +4724,7 @@
           <p:cNvPr id="2" name="Title 1">
             <a:extLst>
               <a:ext uri="{FF2B5EF4-FFF2-40B4-BE49-F238E27FC236}">
-                <a16:creationId xmlns:a16="http://schemas.microsoft.com/office/drawing/2014/main" id="{3808307A-86A8-4E2B-B16C-F1148CCD7C95}"/>
+                <a16:creationId xmlns:a16="http://schemas.microsoft.com/office/drawing/2014/main" id="{D55FE3DF-2907-02D8-E6FE-A6DA6EDE96A9}"/>
               </a:ext>
             </a:extLst>
           </p:cNvPr>
@@ -4735,7 +4742,7 @@
           <a:p>
             <a:r>
               <a:rPr lang="en-US" dirty="0"/>
-              <a:t>Numbers from Words </a:t>
+              <a:t>Slight Detour – Remember R2?</a:t>
             </a:r>
           </a:p>
         </p:txBody>
@@ -4745,7 +4752,7 @@
           <p:cNvPr id="3" name="Content Placeholder 2">
             <a:extLst>
               <a:ext uri="{FF2B5EF4-FFF2-40B4-BE49-F238E27FC236}">
-                <a16:creationId xmlns:a16="http://schemas.microsoft.com/office/drawing/2014/main" id="{EC19EA0C-E1BB-25C9-0019-7CFDEFCFE9F9}"/>
+                <a16:creationId xmlns:a16="http://schemas.microsoft.com/office/drawing/2014/main" id="{A1F7ED1F-0799-FA26-0B4B-B66676A93C27}"/>
               </a:ext>
             </a:extLst>
           </p:cNvPr>
@@ -4758,8 +4765,8 @@
         </p:nvSpPr>
         <p:spPr>
           <a:xfrm>
-            <a:off x="1003853" y="1853754"/>
-            <a:ext cx="10644808" cy="4199727"/>
+            <a:off x="1451579" y="1853754"/>
+            <a:ext cx="9978421" cy="4199727"/>
           </a:xfrm>
         </p:spPr>
         <p:txBody>
@@ -4768,56 +4775,54 @@
           <a:p>
             <a:r>
               <a:rPr lang="en-US" dirty="0"/>
-              <a:t>Every tool aims to generate some numeric representation of the text – needed </a:t>
-            </a:r>
-            <a:r>
-              <a:rPr lang="en-US"/>
-              <a:t>for model. </a:t>
-            </a:r>
-            <a:endParaRPr lang="en-US" dirty="0"/>
-          </a:p>
-          <a:p>
-            <a:r>
-              <a:rPr lang="en-US" dirty="0"/>
-              <a:t>Count vectorization does it with simple arithmetic. </a:t>
-            </a:r>
-          </a:p>
-          <a:p>
-            <a:r>
-              <a:rPr lang="en-US" dirty="0"/>
-              <a:t>TF-IDF does it with some algebra. </a:t>
-            </a:r>
-          </a:p>
-          <a:p>
-            <a:r>
-              <a:rPr lang="en-US" dirty="0"/>
-              <a:t>Truncated SVD does it with some linear algebra. </a:t>
-            </a:r>
-          </a:p>
-          <a:p>
-            <a:r>
-              <a:rPr lang="en-US" dirty="0"/>
-              <a:t>Other tools do it with predictive models. </a:t>
-            </a:r>
-          </a:p>
-          <a:p>
-            <a:r>
-              <a:rPr lang="en-US" dirty="0"/>
-              <a:t>Generally, we call the result of the models' embeddings (others do too, but term is less common): </a:t>
-            </a:r>
-          </a:p>
-          <a:p>
-            <a:pPr lvl="1"/>
-            <a:r>
-              <a:rPr lang="en-US" dirty="0"/>
-              <a:t>This embedding space is multi-dimensional – each term is represented by K numbers. </a:t>
-            </a:r>
-          </a:p>
-          <a:p>
-            <a:pPr lvl="1"/>
-            <a:r>
-              <a:rPr lang="en-US" dirty="0"/>
-              <a:t>The larger K gets, the more accurate our representation can be, given we have the data. </a:t>
+              <a:t>One of the key metrics we use in regression is the coefficient of determination – R2. </a:t>
+            </a:r>
+          </a:p>
+          <a:p>
+            <a:r>
+              <a:rPr lang="en-US" dirty="0"/>
+              <a:t>R2 tells us the proportion of variance in the target that is explained by our model. </a:t>
+            </a:r>
+          </a:p>
+          <a:p>
+            <a:pPr lvl="1"/>
+            <a:r>
+              <a:rPr lang="en-US" dirty="0"/>
+              <a:t>i.e. an R2 of .8 for predicting lifespan means that our model accounts for 80% of the value of the target, while stuff not captured by our model is the other 20%. </a:t>
+            </a:r>
+          </a:p>
+          <a:p>
+            <a:r>
+              <a:rPr lang="en-US" dirty="0"/>
+              <a:t>When we do dimensional reduction, we can think of it like R2. (Conceptually, not literally).</a:t>
+            </a:r>
+          </a:p>
+          <a:p>
+            <a:pPr lvl="1"/>
+            <a:r>
+              <a:rPr lang="en-US" dirty="0"/>
+              <a:t>Our original M features (as a whole) capture K% of the meaning of the document. </a:t>
+            </a:r>
+          </a:p>
+          <a:p>
+            <a:pPr lvl="1"/>
+            <a:r>
+              <a:rPr lang="en-US" dirty="0"/>
+              <a:t>After reduction, we have &lt;M features, but hopefully capture ~K of the meaning. </a:t>
+            </a:r>
+          </a:p>
+          <a:p>
+            <a:pPr lvl="1"/>
+            <a:r>
+              <a:rPr lang="en-US" dirty="0"/>
+              <a:t>Each of our features captures more useful data, while we discard the non-useful parts.</a:t>
+            </a:r>
+          </a:p>
+          <a:p>
+            <a:pPr lvl="1"/>
+            <a:r>
+              <a:rPr lang="en-US" dirty="0"/>
+              <a:t>Kind of (even more conceptually) like multicollinearity – capture meaning in fewer features. </a:t>
             </a:r>
           </a:p>
         </p:txBody>
@@ -4825,7 +4830,7 @@
     </p:spTree>
     <p:extLst>
       <p:ext uri="{BB962C8B-B14F-4D97-AF65-F5344CB8AC3E}">
-        <p14:creationId xmlns:p14="http://schemas.microsoft.com/office/powerpoint/2010/main" val="3763944849"/>
+        <p14:creationId xmlns:p14="http://schemas.microsoft.com/office/powerpoint/2010/main" val="1296426880"/>
       </p:ext>
     </p:extLst>
   </p:cSld>
@@ -4857,7 +4862,7 @@
           <p:cNvPr id="2" name="Title 1">
             <a:extLst>
               <a:ext uri="{FF2B5EF4-FFF2-40B4-BE49-F238E27FC236}">
-                <a16:creationId xmlns:a16="http://schemas.microsoft.com/office/drawing/2014/main" id="{58EEC8AC-2DCC-B80D-D838-619FC0C4C14C}"/>
+                <a16:creationId xmlns:a16="http://schemas.microsoft.com/office/drawing/2014/main" id="{3808307A-86A8-4E2B-B16C-F1148CCD7C95}"/>
               </a:ext>
             </a:extLst>
           </p:cNvPr>
@@ -4875,7 +4880,7 @@
           <a:p>
             <a:r>
               <a:rPr lang="en-US" dirty="0"/>
-              <a:t>Embedding Generating Tools</a:t>
+              <a:t>Numbers from Words </a:t>
             </a:r>
           </a:p>
         </p:txBody>
@@ -4885,7 +4890,7 @@
           <p:cNvPr id="3" name="Content Placeholder 2">
             <a:extLst>
               <a:ext uri="{FF2B5EF4-FFF2-40B4-BE49-F238E27FC236}">
-                <a16:creationId xmlns:a16="http://schemas.microsoft.com/office/drawing/2014/main" id="{FABD49CF-7DD4-5F36-37EB-E24713DB8258}"/>
+                <a16:creationId xmlns:a16="http://schemas.microsoft.com/office/drawing/2014/main" id="{EC19EA0C-E1BB-25C9-0019-7CFDEFCFE9F9}"/>
               </a:ext>
             </a:extLst>
           </p:cNvPr>
@@ -4896,19 +4901,76 @@
             <p:ph idx="1"/>
           </p:nvPr>
         </p:nvSpPr>
-        <p:spPr/>
-        <p:txBody>
-          <a:bodyPr/>
-          <a:lstStyle/>
-          <a:p>
-            <a:endParaRPr lang="en-US"/>
+        <p:spPr>
+          <a:xfrm>
+            <a:off x="1003853" y="1853754"/>
+            <a:ext cx="10644808" cy="4199727"/>
+          </a:xfrm>
+        </p:spPr>
+        <p:txBody>
+          <a:bodyPr/>
+          <a:lstStyle/>
+          <a:p>
+            <a:r>
+              <a:rPr lang="en-US" dirty="0"/>
+              <a:t>Every tool aims to generate some numeric representation of the text – needed </a:t>
+            </a:r>
+            <a:r>
+              <a:rPr lang="en-US"/>
+              <a:t>for model. </a:t>
+            </a:r>
+            <a:endParaRPr lang="en-US" dirty="0"/>
+          </a:p>
+          <a:p>
+            <a:r>
+              <a:rPr lang="en-US" dirty="0"/>
+              <a:t>Count vectorization does it with simple arithmetic. </a:t>
+            </a:r>
+          </a:p>
+          <a:p>
+            <a:r>
+              <a:rPr lang="en-US" dirty="0"/>
+              <a:t>TF-IDF does it with some algebra. </a:t>
+            </a:r>
+          </a:p>
+          <a:p>
+            <a:r>
+              <a:rPr lang="en-US" dirty="0"/>
+              <a:t>Truncated SVD does it with some linear algebra. </a:t>
+            </a:r>
+          </a:p>
+          <a:p>
+            <a:r>
+              <a:rPr lang="en-US" dirty="0"/>
+              <a:t>Other tools do it with predictive models. </a:t>
+            </a:r>
+          </a:p>
+          <a:p>
+            <a:r>
+              <a:rPr lang="en-US" dirty="0"/>
+              <a:t>Generally, we call the result of the models' embeddings (others do too, but term is less common): </a:t>
+            </a:r>
+          </a:p>
+          <a:p>
+            <a:pPr lvl="1"/>
+            <a:r>
+              <a:rPr lang="en-US" dirty="0"/>
+              <a:t>This embedding space is multi-dimensional – each term is represented by K numbers. </a:t>
+            </a:r>
+          </a:p>
+          <a:p>
+            <a:pPr lvl="1"/>
+            <a:r>
+              <a:rPr lang="en-US" dirty="0"/>
+              <a:t>The larger K gets, the more accurate our representation can be, given we have the data. </a:t>
+            </a:r>
           </a:p>
         </p:txBody>
       </p:sp>
     </p:spTree>
     <p:extLst>
       <p:ext uri="{BB962C8B-B14F-4D97-AF65-F5344CB8AC3E}">
-        <p14:creationId xmlns:p14="http://schemas.microsoft.com/office/powerpoint/2010/main" val="1103754389"/>
+        <p14:creationId xmlns:p14="http://schemas.microsoft.com/office/powerpoint/2010/main" val="3763944849"/>
       </p:ext>
     </p:extLst>
   </p:cSld>
@@ -4940,7 +5002,7 @@
           <p:cNvPr id="2" name="Title 1">
             <a:extLst>
               <a:ext uri="{FF2B5EF4-FFF2-40B4-BE49-F238E27FC236}">
-                <a16:creationId xmlns:a16="http://schemas.microsoft.com/office/drawing/2014/main" id="{79ABC1E9-9DB9-D348-83D2-878E06DE33E3}"/>
+                <a16:creationId xmlns:a16="http://schemas.microsoft.com/office/drawing/2014/main" id="{58EEC8AC-2DCC-B80D-D838-619FC0C4C14C}"/>
               </a:ext>
             </a:extLst>
           </p:cNvPr>
@@ -4958,7 +5020,7 @@
           <a:p>
             <a:r>
               <a:rPr lang="en-US" dirty="0"/>
-              <a:t>Word2Vec and Alternate encodings</a:t>
+              <a:t>Embedding Generating Tools</a:t>
             </a:r>
           </a:p>
         </p:txBody>
@@ -4968,7 +5030,7 @@
           <p:cNvPr id="3" name="Content Placeholder 2">
             <a:extLst>
               <a:ext uri="{FF2B5EF4-FFF2-40B4-BE49-F238E27FC236}">
-                <a16:creationId xmlns:a16="http://schemas.microsoft.com/office/drawing/2014/main" id="{3FB3ECEC-AE79-BF4D-99A3-10DDD2E855FC}"/>
+                <a16:creationId xmlns:a16="http://schemas.microsoft.com/office/drawing/2014/main" id="{FABD49CF-7DD4-5F36-37EB-E24713DB8258}"/>
               </a:ext>
             </a:extLst>
           </p:cNvPr>
@@ -4979,51 +5041,19 @@
             <p:ph idx="1"/>
           </p:nvPr>
         </p:nvSpPr>
-        <p:spPr>
-          <a:xfrm>
-            <a:off x="1451579" y="2015732"/>
-            <a:ext cx="9603275" cy="4037749"/>
-          </a:xfrm>
-        </p:spPr>
-        <p:txBody>
-          <a:bodyPr/>
-          <a:lstStyle/>
-          <a:p>
-            <a:r>
-              <a:rPr lang="en-US" dirty="0"/>
-              <a:t>There are lots of other NLP libraries out there that take different approaches to dealing with text. </a:t>
-            </a:r>
-          </a:p>
-          <a:p>
-            <a:r>
-              <a:rPr lang="en-US" dirty="0"/>
-              <a:t>One library we can use is Word2Vec, originally developed by Google. </a:t>
-            </a:r>
-          </a:p>
-          <a:p>
-            <a:r>
-              <a:rPr lang="en-US" dirty="0"/>
-              <a:t>Word2Vec transforms words into vector representations using a neural network. </a:t>
-            </a:r>
-          </a:p>
-          <a:p>
-            <a:r>
-              <a:rPr lang="en-US" dirty="0"/>
-              <a:t>Word2Vec looks at words and their surroundings in sentences (documents) to generate the encoding. </a:t>
-            </a:r>
-          </a:p>
-          <a:p>
-            <a:r>
-              <a:rPr lang="en-US" dirty="0"/>
-              <a:t>Each word gets a vector of values that encodes it, not just one number. </a:t>
-            </a:r>
+        <p:spPr/>
+        <p:txBody>
+          <a:bodyPr/>
+          <a:lstStyle/>
+          <a:p>
+            <a:endParaRPr lang="en-US"/>
           </a:p>
         </p:txBody>
       </p:sp>
     </p:spTree>
     <p:extLst>
       <p:ext uri="{BB962C8B-B14F-4D97-AF65-F5344CB8AC3E}">
-        <p14:creationId xmlns:p14="http://schemas.microsoft.com/office/powerpoint/2010/main" val="2027915239"/>
+        <p14:creationId xmlns:p14="http://schemas.microsoft.com/office/powerpoint/2010/main" val="1103754389"/>
       </p:ext>
     </p:extLst>
   </p:cSld>
@@ -5610,144 +5640,7 @@
 </file>
 
 <file path=ppt/slides/slide22.xml><?xml version="1.0" encoding="utf-8"?>
-<p:sld xmlns:a="http://schemas.openxmlformats.org/drawingml/2006/main" xmlns:r="http://schemas.openxmlformats.org/officeDocument/2006/relationships" xmlns:p="http://schemas.openxmlformats.org/presentationml/2006/main">
-  <p:cSld>
-    <p:spTree>
-      <p:nvGrpSpPr>
-        <p:cNvPr id="1" name=""/>
-        <p:cNvGrpSpPr/>
-        <p:nvPr/>
-      </p:nvGrpSpPr>
-      <p:grpSpPr>
-        <a:xfrm>
-          <a:off x="0" y="0"/>
-          <a:ext cx="0" cy="0"/>
-          <a:chOff x="0" y="0"/>
-          <a:chExt cx="0" cy="0"/>
-        </a:xfrm>
-      </p:grpSpPr>
-      <p:sp>
-        <p:nvSpPr>
-          <p:cNvPr id="2" name="Title 1">
-            <a:extLst>
-              <a:ext uri="{FF2B5EF4-FFF2-40B4-BE49-F238E27FC236}">
-                <a16:creationId xmlns:a16="http://schemas.microsoft.com/office/drawing/2014/main" id="{8159B03E-04F7-EF5A-D8D9-115A09709A19}"/>
-              </a:ext>
-            </a:extLst>
-          </p:cNvPr>
-          <p:cNvSpPr>
-            <a:spLocks noGrp="1"/>
-          </p:cNvSpPr>
-          <p:nvPr>
-            <p:ph type="title"/>
-          </p:nvPr>
-        </p:nvSpPr>
-        <p:spPr/>
-        <p:txBody>
-          <a:bodyPr/>
-          <a:lstStyle/>
-          <a:p>
-            <a:r>
-              <a:rPr lang="en-US" dirty="0"/>
-              <a:t>Embedding Systems</a:t>
-            </a:r>
-          </a:p>
-        </p:txBody>
-      </p:sp>
-      <p:sp>
-        <p:nvSpPr>
-          <p:cNvPr id="3" name="Content Placeholder 2">
-            <a:extLst>
-              <a:ext uri="{FF2B5EF4-FFF2-40B4-BE49-F238E27FC236}">
-                <a16:creationId xmlns:a16="http://schemas.microsoft.com/office/drawing/2014/main" id="{A0A3AC09-E8B8-FE2E-54A9-646D6CCA30EE}"/>
-              </a:ext>
-            </a:extLst>
-          </p:cNvPr>
-          <p:cNvSpPr>
-            <a:spLocks noGrp="1"/>
-          </p:cNvSpPr>
-          <p:nvPr>
-            <p:ph idx="1"/>
-          </p:nvPr>
-        </p:nvSpPr>
-        <p:spPr>
-          <a:xfrm>
-            <a:off x="1451579" y="1853754"/>
-            <a:ext cx="9603275" cy="4199727"/>
-          </a:xfrm>
-        </p:spPr>
-        <p:txBody>
-          <a:bodyPr/>
-          <a:lstStyle/>
-          <a:p>
-            <a:r>
-              <a:rPr lang="en-US" dirty="0"/>
-              <a:t>Tools that create embeddings such as word2vec are critical in NLP models. </a:t>
-            </a:r>
-          </a:p>
-          <a:p>
-            <a:r>
-              <a:rPr lang="en-US" dirty="0"/>
-              <a:t>Models only use and predict numbers, no matter the complexity. </a:t>
-            </a:r>
-          </a:p>
-          <a:p>
-            <a:pPr lvl="1"/>
-            <a:r>
-              <a:rPr lang="en-US" dirty="0"/>
-              <a:t>The embedding is what defines the text -&gt; numbers relationship. </a:t>
-            </a:r>
-          </a:p>
-          <a:p>
-            <a:pPr lvl="1"/>
-            <a:r>
-              <a:rPr lang="en-US" dirty="0"/>
-              <a:t>The better the embedding is (the closer its representations matches the ‘real’ meaning), the more accurate (with respect to actual use, not model statistics) the results will be. </a:t>
-            </a:r>
-          </a:p>
-          <a:p>
-            <a:r>
-              <a:rPr lang="en-US" dirty="0"/>
-              <a:t>Real tools use massive text sets to learn word meaning / embedding space. </a:t>
-            </a:r>
-          </a:p>
-          <a:p>
-            <a:pPr lvl="1"/>
-            <a:r>
-              <a:rPr lang="en-US" dirty="0"/>
-              <a:t>Larger dimensionality can yield better results, but requires more data/time. </a:t>
-            </a:r>
-          </a:p>
-          <a:p>
-            <a:r>
-              <a:rPr lang="en-US" dirty="0"/>
-              <a:t>Key – the model learns the dimensions to use, they aren’t defined going in. </a:t>
-            </a:r>
-          </a:p>
-          <a:p>
-            <a:pPr lvl="1"/>
-            <a:r>
-              <a:rPr lang="en-US" dirty="0"/>
-              <a:t>E.g. there’s no “plural” axis, or “masculine” axis – the model learns the dimensions needed and they don’t need to correspond to the metrics that we’d use to “measure” a word. </a:t>
-            </a:r>
-          </a:p>
-        </p:txBody>
-      </p:sp>
-    </p:spTree>
-    <p:extLst>
-      <p:ext uri="{BB962C8B-B14F-4D97-AF65-F5344CB8AC3E}">
-        <p14:creationId xmlns:p14="http://schemas.microsoft.com/office/powerpoint/2010/main" val="592998705"/>
-      </p:ext>
-    </p:extLst>
-  </p:cSld>
-  <p:clrMapOvr>
-    <a:masterClrMapping/>
-  </p:clrMapOvr>
-</p:sld>
-</file>
-
-<file path=ppt/slides/slide23.xml><?xml version="1.0" encoding="utf-8"?>
-<p:sld xmlns:a="http://schemas.openxmlformats.org/drawingml/2006/main" xmlns:r="http://schemas.openxmlformats.org/officeDocument/2006/relationships" xmlns:p="http://schemas.openxmlformats.org/presentationml/2006/main">
+<p:sld xmlns:a="http://schemas.openxmlformats.org/drawingml/2006/main" xmlns:r="http://schemas.openxmlformats.org/officeDocument/2006/relationships" xmlns:p="http://schemas.openxmlformats.org/presentationml/2006/main" show="0">
   <p:cSld>
     <p:spTree>
       <p:nvGrpSpPr>
@@ -5916,7 +5809,7 @@
 </p:sld>
 </file>
 
-<file path=ppt/slides/slide24.xml><?xml version="1.0" encoding="utf-8"?>
+<file path=ppt/slides/slide23.xml><?xml version="1.0" encoding="utf-8"?>
 <p:sld xmlns:a="http://schemas.openxmlformats.org/drawingml/2006/main" xmlns:r="http://schemas.openxmlformats.org/officeDocument/2006/relationships" xmlns:p="http://schemas.openxmlformats.org/presentationml/2006/main">
   <p:cSld>
     <p:spTree>
@@ -5938,7 +5831,7 @@
           <p:cNvPr id="2" name="Title 1">
             <a:extLst>
               <a:ext uri="{FF2B5EF4-FFF2-40B4-BE49-F238E27FC236}">
-                <a16:creationId xmlns:a16="http://schemas.microsoft.com/office/drawing/2014/main" id="{82338912-E57B-5EF1-743F-594EF987C626}"/>
+                <a16:creationId xmlns:a16="http://schemas.microsoft.com/office/drawing/2014/main" id="{94C13580-C066-403C-F510-0D51B59D4054}"/>
               </a:ext>
             </a:extLst>
           </p:cNvPr>
@@ -5954,14 +5847,7 @@
           <a:bodyPr/>
           <a:lstStyle/>
           <a:p>
-            <a:r>
-              <a:rPr lang="en-US" dirty="0" err="1"/>
-              <a:t>SkipGram</a:t>
-            </a:r>
-            <a:r>
-              <a:rPr lang="en-US" dirty="0"/>
-              <a:t> and CBOW</a:t>
-            </a:r>
+            <a:endParaRPr lang="en-US" dirty="0"/>
           </a:p>
         </p:txBody>
       </p:sp>
@@ -5970,7 +5856,7 @@
           <p:cNvPr id="3" name="Content Placeholder 2">
             <a:extLst>
               <a:ext uri="{FF2B5EF4-FFF2-40B4-BE49-F238E27FC236}">
-                <a16:creationId xmlns:a16="http://schemas.microsoft.com/office/drawing/2014/main" id="{DCD62451-6A06-13CD-1E20-D3584B10C278}"/>
+                <a16:creationId xmlns:a16="http://schemas.microsoft.com/office/drawing/2014/main" id="{10997F70-73BA-9251-7164-424F69DC9A03}"/>
               </a:ext>
             </a:extLst>
           </p:cNvPr>
@@ -5981,45 +5867,284 @@
             <p:ph idx="1"/>
           </p:nvPr>
         </p:nvSpPr>
-        <p:spPr/>
-        <p:txBody>
-          <a:bodyPr/>
-          <a:lstStyle/>
-          <a:p>
-            <a:r>
-              <a:rPr lang="en-US" dirty="0"/>
-              <a:t>These are two different methods to generate embeddings for our tokens. </a:t>
-            </a:r>
-          </a:p>
-          <a:p>
-            <a:r>
-              <a:rPr lang="en-US" dirty="0" err="1"/>
-              <a:t>Skipgram</a:t>
-            </a:r>
-            <a:r>
-              <a:rPr lang="en-US" dirty="0"/>
-              <a:t> – predicts context given a word. </a:t>
-            </a:r>
-          </a:p>
-          <a:p>
-            <a:pPr lvl="1"/>
-            <a:r>
-              <a:rPr lang="en-US" dirty="0"/>
-              <a:t>I.e. output is a set of similar words. It then uses these to map value. </a:t>
-            </a:r>
-          </a:p>
-          <a:p>
-            <a:r>
-              <a:rPr lang="en-US" dirty="0"/>
-              <a:t>Continuous Bag of Words – predicts probability over vocabulary given words. </a:t>
-            </a:r>
-          </a:p>
-        </p:txBody>
-      </p:sp>
+        <p:spPr>
+          <a:xfrm>
+            <a:off x="546653" y="2015732"/>
+            <a:ext cx="2120348" cy="3450613"/>
+          </a:xfrm>
+        </p:spPr>
+        <p:txBody>
+          <a:bodyPr/>
+          <a:lstStyle/>
+          <a:p>
+            <a:r>
+              <a:rPr lang="en-US" dirty="0"/>
+              <a:t>Visualizations map from M-dim down to 2D to visualize the embedding space. </a:t>
+            </a:r>
+          </a:p>
+        </p:txBody>
+      </p:sp>
+      <p:pic>
+        <p:nvPicPr>
+          <p:cNvPr id="2050" name="Picture 2" descr="vector - word mapping for 2D word embedding - Stack Overflow">
+            <a:extLst>
+              <a:ext uri="{FF2B5EF4-FFF2-40B4-BE49-F238E27FC236}">
+                <a16:creationId xmlns:a16="http://schemas.microsoft.com/office/drawing/2014/main" id="{CE1DA12F-1873-06E6-2B79-EB882E5F91BA}"/>
+              </a:ext>
+            </a:extLst>
+          </p:cNvPr>
+          <p:cNvPicPr>
+            <a:picLocks noChangeAspect="1" noChangeArrowheads="1"/>
+          </p:cNvPicPr>
+          <p:nvPr/>
+        </p:nvPicPr>
+        <p:blipFill>
+          <a:blip r:embed="rId2">
+            <a:extLst>
+              <a:ext uri="{28A0092B-C50C-407E-A947-70E740481C1C}">
+                <a14:useLocalDpi xmlns:a14="http://schemas.microsoft.com/office/drawing/2010/main" val="0"/>
+              </a:ext>
+            </a:extLst>
+          </a:blip>
+          <a:srcRect/>
+          <a:stretch>
+            <a:fillRect/>
+          </a:stretch>
+        </p:blipFill>
+        <p:spPr bwMode="auto">
+          <a:xfrm>
+            <a:off x="2667000" y="0"/>
+            <a:ext cx="6858000" cy="6858000"/>
+          </a:xfrm>
+          <a:prstGeom prst="rect">
+            <a:avLst/>
+          </a:prstGeom>
+          <a:noFill/>
+          <a:extLst>
+            <a:ext uri="{909E8E84-426E-40DD-AFC4-6F175D3DCCD1}">
+              <a14:hiddenFill xmlns:a14="http://schemas.microsoft.com/office/drawing/2010/main">
+                <a:solidFill>
+                  <a:srgbClr val="FFFFFF"/>
+                </a:solidFill>
+              </a14:hiddenFill>
+            </a:ext>
+          </a:extLst>
+        </p:spPr>
+      </p:pic>
     </p:spTree>
     <p:extLst>
       <p:ext uri="{BB962C8B-B14F-4D97-AF65-F5344CB8AC3E}">
-        <p14:creationId xmlns:p14="http://schemas.microsoft.com/office/powerpoint/2010/main" val="3691588735"/>
+        <p14:creationId xmlns:p14="http://schemas.microsoft.com/office/powerpoint/2010/main" val="3825656030"/>
+      </p:ext>
+    </p:extLst>
+  </p:cSld>
+  <p:clrMapOvr>
+    <a:masterClrMapping/>
+  </p:clrMapOvr>
+</p:sld>
+</file>
+
+<file path=ppt/slides/slide24.xml><?xml version="1.0" encoding="utf-8"?>
+<p:sld xmlns:a="http://schemas.openxmlformats.org/drawingml/2006/main" xmlns:r="http://schemas.openxmlformats.org/officeDocument/2006/relationships" xmlns:p="http://schemas.openxmlformats.org/presentationml/2006/main">
+  <p:cSld>
+    <p:spTree>
+      <p:nvGrpSpPr>
+        <p:cNvPr id="1" name="">
+          <a:extLst>
+            <a:ext uri="{FF2B5EF4-FFF2-40B4-BE49-F238E27FC236}">
+              <a16:creationId xmlns:a16="http://schemas.microsoft.com/office/drawing/2014/main" id="{51F21CF9-F3AC-CC4C-F930-E6BE6D39CCDD}"/>
+            </a:ext>
+          </a:extLst>
+        </p:cNvPr>
+        <p:cNvGrpSpPr/>
+        <p:nvPr/>
+      </p:nvGrpSpPr>
+      <p:grpSpPr>
+        <a:xfrm>
+          <a:off x="0" y="0"/>
+          <a:ext cx="0" cy="0"/>
+          <a:chOff x="0" y="0"/>
+          <a:chExt cx="0" cy="0"/>
+        </a:xfrm>
+      </p:grpSpPr>
+      <p:sp>
+        <p:nvSpPr>
+          <p:cNvPr id="2" name="Title 1">
+            <a:extLst>
+              <a:ext uri="{FF2B5EF4-FFF2-40B4-BE49-F238E27FC236}">
+                <a16:creationId xmlns:a16="http://schemas.microsoft.com/office/drawing/2014/main" id="{6EFB554D-5361-6A6E-1E5B-FBA6964E2CD0}"/>
+              </a:ext>
+            </a:extLst>
+          </p:cNvPr>
+          <p:cNvSpPr>
+            <a:spLocks noGrp="1"/>
+          </p:cNvSpPr>
+          <p:nvPr>
+            <p:ph type="title"/>
+          </p:nvPr>
+        </p:nvSpPr>
+        <p:spPr>
+          <a:xfrm>
+            <a:off x="1451580" y="804519"/>
+            <a:ext cx="4859686" cy="1049235"/>
+          </a:xfrm>
+        </p:spPr>
+        <p:txBody>
+          <a:bodyPr/>
+          <a:lstStyle/>
+          <a:p>
+            <a:r>
+              <a:rPr lang="en-US" dirty="0"/>
+              <a:t>Detour – </a:t>
+            </a:r>
+            <a:r>
+              <a:rPr lang="en-US" dirty="0" err="1"/>
+              <a:t>MultiModal</a:t>
+            </a:r>
+            <a:r>
+              <a:rPr lang="en-US" dirty="0"/>
+              <a:t> Models</a:t>
+            </a:r>
+          </a:p>
+        </p:txBody>
+      </p:sp>
+      <p:sp>
+        <p:nvSpPr>
+          <p:cNvPr id="3" name="Content Placeholder 2">
+            <a:extLst>
+              <a:ext uri="{FF2B5EF4-FFF2-40B4-BE49-F238E27FC236}">
+                <a16:creationId xmlns:a16="http://schemas.microsoft.com/office/drawing/2014/main" id="{7616424E-1D17-1AA9-C81B-3DBFE2E7C783}"/>
+              </a:ext>
+            </a:extLst>
+          </p:cNvPr>
+          <p:cNvSpPr>
+            <a:spLocks noGrp="1"/>
+          </p:cNvSpPr>
+          <p:nvPr>
+            <p:ph idx="1"/>
+          </p:nvPr>
+        </p:nvSpPr>
+        <p:spPr>
+          <a:xfrm>
+            <a:off x="99391" y="1853754"/>
+            <a:ext cx="5994466" cy="4199727"/>
+          </a:xfrm>
+        </p:spPr>
+        <p:txBody>
+          <a:bodyPr/>
+          <a:lstStyle/>
+          <a:p>
+            <a:r>
+              <a:rPr lang="en-US" dirty="0"/>
+              <a:t>Many generative models are multi-modal, i.e. they deal with different content like text, images, video…</a:t>
+            </a:r>
+          </a:p>
+          <a:p>
+            <a:r>
+              <a:rPr lang="en-US" dirty="0"/>
+              <a:t>This works by generating embeddings for each type of media, to a shared space. </a:t>
+            </a:r>
+          </a:p>
+          <a:p>
+            <a:pPr lvl="1"/>
+            <a:r>
+              <a:rPr lang="en-US" dirty="0"/>
+              <a:t>E.g. a picture labeled “</a:t>
+            </a:r>
+            <a:r>
+              <a:rPr lang="en-US" dirty="0" err="1"/>
+              <a:t>horse.jpg</a:t>
+            </a:r>
+            <a:r>
+              <a:rPr lang="en-US" dirty="0"/>
+              <a:t>” tells the model that a horse is X in text and Y in image.</a:t>
+            </a:r>
+          </a:p>
+          <a:p>
+            <a:pPr lvl="1"/>
+            <a:r>
+              <a:rPr lang="en-US" dirty="0"/>
+              <a:t>Both sets of embeddings ‘end up’ close to each other. </a:t>
+            </a:r>
+          </a:p>
+          <a:p>
+            <a:pPr lvl="1"/>
+            <a:r>
+              <a:rPr lang="en-US" dirty="0"/>
+              <a:t>When someone asks for a horse, it “looks up” the ‘horse’ embedding, then finds image embedding that are close in M-dim space, meaning they are similar. </a:t>
+            </a:r>
+          </a:p>
+          <a:p>
+            <a:pPr lvl="1"/>
+            <a:endParaRPr lang="en-US" dirty="0"/>
+          </a:p>
+        </p:txBody>
+      </p:sp>
+      <p:pic>
+        <p:nvPicPr>
+          <p:cNvPr id="5" name="Picture 4" descr="Instead of relying on a joint embedding space, we address the problem... |  Download Scientific Diagram">
+            <a:extLst>
+              <a:ext uri="{FF2B5EF4-FFF2-40B4-BE49-F238E27FC236}">
+                <a16:creationId xmlns:a16="http://schemas.microsoft.com/office/drawing/2014/main" id="{4397D4E3-7771-3A24-3083-F77087540511}"/>
+              </a:ext>
+            </a:extLst>
+          </p:cNvPr>
+          <p:cNvPicPr>
+            <a:picLocks noChangeAspect="1"/>
+          </p:cNvPicPr>
+          <p:nvPr/>
+        </p:nvPicPr>
+        <p:blipFill>
+          <a:blip r:embed="rId2"/>
+          <a:stretch>
+            <a:fillRect/>
+          </a:stretch>
+        </p:blipFill>
+        <p:spPr>
+          <a:xfrm>
+            <a:off x="6351484" y="690002"/>
+            <a:ext cx="5880100" cy="2641600"/>
+          </a:xfrm>
+          <a:prstGeom prst="rect">
+            <a:avLst/>
+          </a:prstGeom>
+        </p:spPr>
+      </p:pic>
+      <p:pic>
+        <p:nvPicPr>
+          <p:cNvPr id="6" name="Picture 5" descr="The proposed framework that learns a joint embedding of word images and...  | Download Scientific Diagram">
+            <a:extLst>
+              <a:ext uri="{FF2B5EF4-FFF2-40B4-BE49-F238E27FC236}">
+                <a16:creationId xmlns:a16="http://schemas.microsoft.com/office/drawing/2014/main" id="{456047EF-1A8F-CBA5-2A3D-28674BAD3557}"/>
+              </a:ext>
+            </a:extLst>
+          </p:cNvPr>
+          <p:cNvPicPr>
+            <a:picLocks noChangeAspect="1"/>
+          </p:cNvPicPr>
+          <p:nvPr/>
+        </p:nvPicPr>
+        <p:blipFill>
+          <a:blip r:embed="rId3"/>
+          <a:srcRect b="33752"/>
+          <a:stretch>
+            <a:fillRect/>
+          </a:stretch>
+        </p:blipFill>
+        <p:spPr>
+          <a:xfrm>
+            <a:off x="6094491" y="3804231"/>
+            <a:ext cx="6097509" cy="2064628"/>
+          </a:xfrm>
+          <a:prstGeom prst="rect">
+            <a:avLst/>
+          </a:prstGeom>
+        </p:spPr>
+      </p:pic>
+    </p:spTree>
+    <p:extLst>
+      <p:ext uri="{BB962C8B-B14F-4D97-AF65-F5344CB8AC3E}">
+        <p14:creationId xmlns:p14="http://schemas.microsoft.com/office/powerpoint/2010/main" val="1604536549"/>
       </p:ext>
     </p:extLst>
   </p:cSld>
@@ -6030,7 +6155,7 @@
 </file>
 
 <file path=ppt/slides/slide25.xml><?xml version="1.0" encoding="utf-8"?>
-<p:sld xmlns:a="http://schemas.openxmlformats.org/drawingml/2006/main" xmlns:r="http://schemas.openxmlformats.org/officeDocument/2006/relationships" xmlns:p="http://schemas.openxmlformats.org/presentationml/2006/main" show="0">
+<p:sld xmlns:a="http://schemas.openxmlformats.org/drawingml/2006/main" xmlns:r="http://schemas.openxmlformats.org/officeDocument/2006/relationships" xmlns:p="http://schemas.openxmlformats.org/presentationml/2006/main">
   <p:cSld>
     <p:spTree>
       <p:nvGrpSpPr>
@@ -6051,7 +6176,7 @@
           <p:cNvPr id="2" name="Title 1">
             <a:extLst>
               <a:ext uri="{FF2B5EF4-FFF2-40B4-BE49-F238E27FC236}">
-                <a16:creationId xmlns:a16="http://schemas.microsoft.com/office/drawing/2014/main" id="{3608824E-16A0-351F-BA81-1CB9EC969580}"/>
+                <a16:creationId xmlns:a16="http://schemas.microsoft.com/office/drawing/2014/main" id="{79ABC1E9-9DB9-D348-83D2-878E06DE33E3}"/>
               </a:ext>
             </a:extLst>
           </p:cNvPr>
@@ -6067,7 +6192,10 @@
           <a:bodyPr/>
           <a:lstStyle/>
           <a:p>
-            <a:endParaRPr lang="en-US" dirty="0"/>
+            <a:r>
+              <a:rPr lang="en-US" dirty="0"/>
+              <a:t>Word2Vec and Alternate encodings</a:t>
+            </a:r>
           </a:p>
         </p:txBody>
       </p:sp>
@@ -6076,7 +6204,7 @@
           <p:cNvPr id="3" name="Content Placeholder 2">
             <a:extLst>
               <a:ext uri="{FF2B5EF4-FFF2-40B4-BE49-F238E27FC236}">
-                <a16:creationId xmlns:a16="http://schemas.microsoft.com/office/drawing/2014/main" id="{6507F75C-5B36-47F2-C871-69641AEBC974}"/>
+                <a16:creationId xmlns:a16="http://schemas.microsoft.com/office/drawing/2014/main" id="{3FB3ECEC-AE79-BF4D-99A3-10DDD2E855FC}"/>
               </a:ext>
             </a:extLst>
           </p:cNvPr>
@@ -6087,19 +6215,51 @@
             <p:ph idx="1"/>
           </p:nvPr>
         </p:nvSpPr>
-        <p:spPr/>
-        <p:txBody>
-          <a:bodyPr/>
-          <a:lstStyle/>
-          <a:p>
-            <a:endParaRPr lang="en-US"/>
+        <p:spPr>
+          <a:xfrm>
+            <a:off x="1451579" y="2015732"/>
+            <a:ext cx="9603275" cy="4037749"/>
+          </a:xfrm>
+        </p:spPr>
+        <p:txBody>
+          <a:bodyPr/>
+          <a:lstStyle/>
+          <a:p>
+            <a:r>
+              <a:rPr lang="en-US" dirty="0"/>
+              <a:t>There are lots of other NLP libraries out there that take different approaches to dealing with text. </a:t>
+            </a:r>
+          </a:p>
+          <a:p>
+            <a:r>
+              <a:rPr lang="en-US" dirty="0"/>
+              <a:t>One library we can use is Word2Vec, originally developed by Google. </a:t>
+            </a:r>
+          </a:p>
+          <a:p>
+            <a:r>
+              <a:rPr lang="en-US" dirty="0"/>
+              <a:t>Word2Vec transforms words into vector representations using a neural network. </a:t>
+            </a:r>
+          </a:p>
+          <a:p>
+            <a:r>
+              <a:rPr lang="en-US" dirty="0"/>
+              <a:t>Word2Vec looks at words and their surroundings in sentences (documents) to generate the encoding. </a:t>
+            </a:r>
+          </a:p>
+          <a:p>
+            <a:r>
+              <a:rPr lang="en-US" dirty="0"/>
+              <a:t>Each word gets a vector of values that encodes it, in M-dimensions. </a:t>
+            </a:r>
           </a:p>
         </p:txBody>
       </p:sp>
     </p:spTree>
     <p:extLst>
       <p:ext uri="{BB962C8B-B14F-4D97-AF65-F5344CB8AC3E}">
-        <p14:creationId xmlns:p14="http://schemas.microsoft.com/office/powerpoint/2010/main" val="3473837524"/>
+        <p14:creationId xmlns:p14="http://schemas.microsoft.com/office/powerpoint/2010/main" val="2027915239"/>
       </p:ext>
     </p:extLst>
   </p:cSld>
@@ -6131,7 +6291,7 @@
           <p:cNvPr id="2" name="Title 1">
             <a:extLst>
               <a:ext uri="{FF2B5EF4-FFF2-40B4-BE49-F238E27FC236}">
-                <a16:creationId xmlns:a16="http://schemas.microsoft.com/office/drawing/2014/main" id="{DC6E4AA9-913F-1A4D-B078-31FF9F62C8EA}"/>
+                <a16:creationId xmlns:a16="http://schemas.microsoft.com/office/drawing/2014/main" id="{8159B03E-04F7-EF5A-D8D9-115A09709A19}"/>
               </a:ext>
             </a:extLst>
           </p:cNvPr>
@@ -6149,7 +6309,7 @@
           <a:p>
             <a:r>
               <a:rPr lang="en-US" dirty="0"/>
-              <a:t>Word2Vec uses Sequence to create Embeddings</a:t>
+              <a:t>Embedding Systems</a:t>
             </a:r>
           </a:p>
         </p:txBody>
@@ -6159,7 +6319,7 @@
           <p:cNvPr id="3" name="Content Placeholder 2">
             <a:extLst>
               <a:ext uri="{FF2B5EF4-FFF2-40B4-BE49-F238E27FC236}">
-                <a16:creationId xmlns:a16="http://schemas.microsoft.com/office/drawing/2014/main" id="{9821CE0A-B9D5-4241-BA2B-42CBAF304C62}"/>
+                <a16:creationId xmlns:a16="http://schemas.microsoft.com/office/drawing/2014/main" id="{A0A3AC09-E8B8-FE2E-54A9-646D6CCA30EE}"/>
               </a:ext>
             </a:extLst>
           </p:cNvPr>
@@ -6170,66 +6330,73 @@
             <p:ph idx="1"/>
           </p:nvPr>
         </p:nvSpPr>
-        <p:spPr/>
-        <p:txBody>
-          <a:bodyPr/>
-          <a:lstStyle/>
-          <a:p>
-            <a:endParaRPr lang="en-US"/>
-          </a:p>
-        </p:txBody>
-      </p:sp>
-      <p:pic>
-        <p:nvPicPr>
-          <p:cNvPr id="8194" name="Picture 2">
-            <a:extLst>
-              <a:ext uri="{FF2B5EF4-FFF2-40B4-BE49-F238E27FC236}">
-                <a16:creationId xmlns:a16="http://schemas.microsoft.com/office/drawing/2014/main" id="{0BA63EEB-C6C9-1346-BA75-23695AF852B3}"/>
-              </a:ext>
-            </a:extLst>
-          </p:cNvPr>
-          <p:cNvPicPr>
-            <a:picLocks noChangeAspect="1" noChangeArrowheads="1"/>
-          </p:cNvPicPr>
-          <p:nvPr/>
-        </p:nvPicPr>
-        <p:blipFill>
-          <a:blip r:embed="rId2">
-            <a:extLst>
-              <a:ext uri="{28A0092B-C50C-407E-A947-70E740481C1C}">
-                <a14:useLocalDpi xmlns:a14="http://schemas.microsoft.com/office/drawing/2010/main" val="0"/>
-              </a:ext>
-            </a:extLst>
-          </a:blip>
-          <a:srcRect/>
-          <a:stretch>
-            <a:fillRect/>
-          </a:stretch>
-        </p:blipFill>
-        <p:spPr bwMode="auto">
+        <p:spPr>
           <a:xfrm>
-            <a:off x="2559050" y="2015732"/>
-            <a:ext cx="7073900" cy="4254500"/>
+            <a:off x="1451579" y="1853754"/>
+            <a:ext cx="9603275" cy="4199727"/>
           </a:xfrm>
-          <a:prstGeom prst="rect">
-            <a:avLst/>
-          </a:prstGeom>
-          <a:noFill/>
-          <a:extLst>
-            <a:ext uri="{909E8E84-426E-40DD-AFC4-6F175D3DCCD1}">
-              <a14:hiddenFill xmlns:a14="http://schemas.microsoft.com/office/drawing/2010/main">
-                <a:solidFill>
-                  <a:srgbClr val="FFFFFF"/>
-                </a:solidFill>
-              </a14:hiddenFill>
-            </a:ext>
-          </a:extLst>
         </p:spPr>
-      </p:pic>
+        <p:txBody>
+          <a:bodyPr/>
+          <a:lstStyle/>
+          <a:p>
+            <a:r>
+              <a:rPr lang="en-US" dirty="0"/>
+              <a:t>Tools that create embeddings such as word2vec are critical in NLP models. </a:t>
+            </a:r>
+          </a:p>
+          <a:p>
+            <a:r>
+              <a:rPr lang="en-US" dirty="0"/>
+              <a:t>Models only use and predict numbers, no matter the complexity. </a:t>
+            </a:r>
+          </a:p>
+          <a:p>
+            <a:pPr lvl="1"/>
+            <a:r>
+              <a:rPr lang="en-US" dirty="0"/>
+              <a:t>The embedding is what defines the text -&gt; numbers relationship. </a:t>
+            </a:r>
+          </a:p>
+          <a:p>
+            <a:pPr lvl="1"/>
+            <a:r>
+              <a:rPr lang="en-US" dirty="0"/>
+              <a:t>The better the embedding is (the closer its representations matches the ‘real’ meaning), the more accurate (with respect to actual use, not model statistics) the results will be. </a:t>
+            </a:r>
+          </a:p>
+          <a:p>
+            <a:r>
+              <a:rPr lang="en-US" dirty="0"/>
+              <a:t>Real tools use massive text sets to learn word meaning / embedding space. </a:t>
+            </a:r>
+          </a:p>
+          <a:p>
+            <a:pPr lvl="1"/>
+            <a:r>
+              <a:rPr lang="en-US" dirty="0"/>
+              <a:t>Larger dimensionality can yield better results, but requires more data/time. </a:t>
+            </a:r>
+          </a:p>
+          <a:p>
+            <a:r>
+              <a:rPr lang="en-US" dirty="0"/>
+              <a:t>Key – the model learns the dimensions to use, they aren’t defined going in. </a:t>
+            </a:r>
+          </a:p>
+          <a:p>
+            <a:pPr lvl="1"/>
+            <a:r>
+              <a:rPr lang="en-US" dirty="0"/>
+              <a:t>E.g. there’s no “plural” axis, or “masculine” axis – the model learns the dimensions needed and they don’t need to correspond to the metrics that we’d use to “measure” a word. </a:t>
+            </a:r>
+          </a:p>
+        </p:txBody>
+      </p:sp>
     </p:spTree>
     <p:extLst>
       <p:ext uri="{BB962C8B-B14F-4D97-AF65-F5344CB8AC3E}">
-        <p14:creationId xmlns:p14="http://schemas.microsoft.com/office/powerpoint/2010/main" val="810634810"/>
+        <p14:creationId xmlns:p14="http://schemas.microsoft.com/office/powerpoint/2010/main" val="592998705"/>
       </p:ext>
     </p:extLst>
   </p:cSld>
@@ -6371,6 +6538,709 @@
           <p:cNvPr id="2" name="Title 1">
             <a:extLst>
               <a:ext uri="{FF2B5EF4-FFF2-40B4-BE49-F238E27FC236}">
+                <a16:creationId xmlns:a16="http://schemas.microsoft.com/office/drawing/2014/main" id="{DC6E4AA9-913F-1A4D-B078-31FF9F62C8EA}"/>
+              </a:ext>
+            </a:extLst>
+          </p:cNvPr>
+          <p:cNvSpPr>
+            <a:spLocks noGrp="1"/>
+          </p:cNvSpPr>
+          <p:nvPr>
+            <p:ph type="title"/>
+          </p:nvPr>
+        </p:nvSpPr>
+        <p:spPr/>
+        <p:txBody>
+          <a:bodyPr/>
+          <a:lstStyle/>
+          <a:p>
+            <a:r>
+              <a:rPr lang="en-US" dirty="0"/>
+              <a:t>Word2Vec - </a:t>
+            </a:r>
+            <a:r>
+              <a:rPr lang="en-US" dirty="0" err="1"/>
+              <a:t>SkipGram</a:t>
+            </a:r>
+            <a:r>
+              <a:rPr lang="en-US" dirty="0"/>
+              <a:t> and CBOW</a:t>
+            </a:r>
+          </a:p>
+        </p:txBody>
+      </p:sp>
+      <p:sp>
+        <p:nvSpPr>
+          <p:cNvPr id="3" name="Content Placeholder 2">
+            <a:extLst>
+              <a:ext uri="{FF2B5EF4-FFF2-40B4-BE49-F238E27FC236}">
+                <a16:creationId xmlns:a16="http://schemas.microsoft.com/office/drawing/2014/main" id="{9821CE0A-B9D5-4241-BA2B-42CBAF304C62}"/>
+              </a:ext>
+            </a:extLst>
+          </p:cNvPr>
+          <p:cNvSpPr>
+            <a:spLocks noGrp="1"/>
+          </p:cNvSpPr>
+          <p:nvPr>
+            <p:ph idx="1"/>
+          </p:nvPr>
+        </p:nvSpPr>
+        <p:spPr/>
+        <p:txBody>
+          <a:bodyPr/>
+          <a:lstStyle/>
+          <a:p>
+            <a:endParaRPr lang="en-US"/>
+          </a:p>
+        </p:txBody>
+      </p:sp>
+      <p:pic>
+        <p:nvPicPr>
+          <p:cNvPr id="8194" name="Picture 2">
+            <a:extLst>
+              <a:ext uri="{FF2B5EF4-FFF2-40B4-BE49-F238E27FC236}">
+                <a16:creationId xmlns:a16="http://schemas.microsoft.com/office/drawing/2014/main" id="{0BA63EEB-C6C9-1346-BA75-23695AF852B3}"/>
+              </a:ext>
+            </a:extLst>
+          </p:cNvPr>
+          <p:cNvPicPr>
+            <a:picLocks noChangeAspect="1" noChangeArrowheads="1"/>
+          </p:cNvPicPr>
+          <p:nvPr/>
+        </p:nvPicPr>
+        <p:blipFill>
+          <a:blip r:embed="rId2">
+            <a:extLst>
+              <a:ext uri="{28A0092B-C50C-407E-A947-70E740481C1C}">
+                <a14:useLocalDpi xmlns:a14="http://schemas.microsoft.com/office/drawing/2010/main" val="0"/>
+              </a:ext>
+            </a:extLst>
+          </a:blip>
+          <a:srcRect/>
+          <a:stretch>
+            <a:fillRect/>
+          </a:stretch>
+        </p:blipFill>
+        <p:spPr bwMode="auto">
+          <a:xfrm>
+            <a:off x="2559050" y="2015732"/>
+            <a:ext cx="7073900" cy="4254500"/>
+          </a:xfrm>
+          <a:prstGeom prst="rect">
+            <a:avLst/>
+          </a:prstGeom>
+          <a:noFill/>
+          <a:extLst>
+            <a:ext uri="{909E8E84-426E-40DD-AFC4-6F175D3DCCD1}">
+              <a14:hiddenFill xmlns:a14="http://schemas.microsoft.com/office/drawing/2010/main">
+                <a:solidFill>
+                  <a:srgbClr val="FFFFFF"/>
+                </a:solidFill>
+              </a14:hiddenFill>
+            </a:ext>
+          </a:extLst>
+        </p:spPr>
+      </p:pic>
+    </p:spTree>
+    <p:extLst>
+      <p:ext uri="{BB962C8B-B14F-4D97-AF65-F5344CB8AC3E}">
+        <p14:creationId xmlns:p14="http://schemas.microsoft.com/office/powerpoint/2010/main" val="810634810"/>
+      </p:ext>
+    </p:extLst>
+  </p:cSld>
+  <p:clrMapOvr>
+    <a:masterClrMapping/>
+  </p:clrMapOvr>
+</p:sld>
+</file>
+
+<file path=ppt/slides/slide29.xml><?xml version="1.0" encoding="utf-8"?>
+<p:sld xmlns:a="http://schemas.openxmlformats.org/drawingml/2006/main" xmlns:r="http://schemas.openxmlformats.org/officeDocument/2006/relationships" xmlns:p="http://schemas.openxmlformats.org/presentationml/2006/main">
+  <p:cSld>
+    <p:spTree>
+      <p:nvGrpSpPr>
+        <p:cNvPr id="1" name=""/>
+        <p:cNvGrpSpPr/>
+        <p:nvPr/>
+      </p:nvGrpSpPr>
+      <p:grpSpPr>
+        <a:xfrm>
+          <a:off x="0" y="0"/>
+          <a:ext cx="0" cy="0"/>
+          <a:chOff x="0" y="0"/>
+          <a:chExt cx="0" cy="0"/>
+        </a:xfrm>
+      </p:grpSpPr>
+      <p:sp>
+        <p:nvSpPr>
+          <p:cNvPr id="2" name="Title 1">
+            <a:extLst>
+              <a:ext uri="{FF2B5EF4-FFF2-40B4-BE49-F238E27FC236}">
+                <a16:creationId xmlns:a16="http://schemas.microsoft.com/office/drawing/2014/main" id="{A00B79CE-B3E0-CE3A-9FCE-44C45AB4966F}"/>
+              </a:ext>
+            </a:extLst>
+          </p:cNvPr>
+          <p:cNvSpPr>
+            <a:spLocks noGrp="1"/>
+          </p:cNvSpPr>
+          <p:nvPr>
+            <p:ph type="title"/>
+          </p:nvPr>
+        </p:nvSpPr>
+        <p:spPr/>
+        <p:txBody>
+          <a:bodyPr/>
+          <a:lstStyle/>
+          <a:p>
+            <a:r>
+              <a:rPr lang="en-US" dirty="0"/>
+              <a:t>Differences</a:t>
+            </a:r>
+          </a:p>
+        </p:txBody>
+      </p:sp>
+      <p:sp>
+        <p:nvSpPr>
+          <p:cNvPr id="3" name="Content Placeholder 2">
+            <a:extLst>
+              <a:ext uri="{FF2B5EF4-FFF2-40B4-BE49-F238E27FC236}">
+                <a16:creationId xmlns:a16="http://schemas.microsoft.com/office/drawing/2014/main" id="{4A29BF9D-63C7-6454-018B-4F9A56D89B36}"/>
+              </a:ext>
+            </a:extLst>
+          </p:cNvPr>
+          <p:cNvSpPr>
+            <a:spLocks noGrp="1"/>
+          </p:cNvSpPr>
+          <p:nvPr>
+            <p:ph idx="1"/>
+          </p:nvPr>
+        </p:nvSpPr>
+        <p:spPr>
+          <a:xfrm>
+            <a:off x="1451579" y="1946366"/>
+            <a:ext cx="9603275" cy="4107115"/>
+          </a:xfrm>
+        </p:spPr>
+        <p:txBody>
+          <a:bodyPr/>
+          <a:lstStyle/>
+          <a:p>
+            <a:r>
+              <a:rPr lang="en-US" dirty="0"/>
+              <a:t>Skip Gram</a:t>
+            </a:r>
+          </a:p>
+          <a:p>
+            <a:pPr lvl="1"/>
+            <a:r>
+              <a:rPr lang="en-US" dirty="0"/>
+              <a:t>Often better with low frequency words and maintains sequence information. </a:t>
+            </a:r>
+          </a:p>
+          <a:p>
+            <a:pPr lvl="1"/>
+            <a:r>
+              <a:rPr lang="en-US" dirty="0"/>
+              <a:t>Can be computationally slow and perform worse with non-diverse datasets. </a:t>
+            </a:r>
+          </a:p>
+          <a:p>
+            <a:pPr lvl="1"/>
+            <a:r>
+              <a:rPr lang="en-US" dirty="0"/>
+              <a:t>Better for semantic relationships (meaning) and text generation. </a:t>
+            </a:r>
+          </a:p>
+          <a:p>
+            <a:r>
+              <a:rPr lang="en-US" dirty="0"/>
+              <a:t>CBOW</a:t>
+            </a:r>
+          </a:p>
+          <a:p>
+            <a:pPr lvl="1"/>
+            <a:r>
+              <a:rPr lang="en-US" dirty="0"/>
+              <a:t>Faster and often better where words are frequent and order is less important. </a:t>
+            </a:r>
+          </a:p>
+          <a:p>
+            <a:pPr lvl="1"/>
+            <a:r>
+              <a:rPr lang="en-US" dirty="0"/>
+              <a:t>Often worse with low-frequency words and loses order. </a:t>
+            </a:r>
+          </a:p>
+          <a:p>
+            <a:pPr lvl="1"/>
+            <a:r>
+              <a:rPr lang="en-US" dirty="0"/>
+              <a:t>Common in classification and recommendations – ‘vibes’ over details. </a:t>
+            </a:r>
+          </a:p>
+          <a:p>
+            <a:r>
+              <a:rPr lang="en-US" dirty="0"/>
+              <a:t>How well the embedding matches the text meaning and use will determine performance.</a:t>
+            </a:r>
+          </a:p>
+        </p:txBody>
+      </p:sp>
+    </p:spTree>
+    <p:extLst>
+      <p:ext uri="{BB962C8B-B14F-4D97-AF65-F5344CB8AC3E}">
+        <p14:creationId xmlns:p14="http://schemas.microsoft.com/office/powerpoint/2010/main" val="4238678843"/>
+      </p:ext>
+    </p:extLst>
+  </p:cSld>
+  <p:clrMapOvr>
+    <a:masterClrMapping/>
+  </p:clrMapOvr>
+</p:sld>
+</file>
+
+<file path=ppt/slides/slide3.xml><?xml version="1.0" encoding="utf-8"?>
+<p:sld xmlns:a="http://schemas.openxmlformats.org/drawingml/2006/main" xmlns:r="http://schemas.openxmlformats.org/officeDocument/2006/relationships" xmlns:p="http://schemas.openxmlformats.org/presentationml/2006/main">
+  <p:cSld>
+    <p:spTree>
+      <p:nvGrpSpPr>
+        <p:cNvPr id="1" name=""/>
+        <p:cNvGrpSpPr/>
+        <p:nvPr/>
+      </p:nvGrpSpPr>
+      <p:grpSpPr>
+        <a:xfrm>
+          <a:off x="0" y="0"/>
+          <a:ext cx="0" cy="0"/>
+          <a:chOff x="0" y="0"/>
+          <a:chExt cx="0" cy="0"/>
+        </a:xfrm>
+      </p:grpSpPr>
+      <p:sp>
+        <p:nvSpPr>
+          <p:cNvPr id="2" name="Title 1">
+            <a:extLst>
+              <a:ext uri="{FF2B5EF4-FFF2-40B4-BE49-F238E27FC236}">
+                <a16:creationId xmlns:a16="http://schemas.microsoft.com/office/drawing/2014/main" id="{DFB7EC9D-6620-0C3E-8B92-145C7E74B83E}"/>
+              </a:ext>
+            </a:extLst>
+          </p:cNvPr>
+          <p:cNvSpPr>
+            <a:spLocks noGrp="1"/>
+          </p:cNvSpPr>
+          <p:nvPr>
+            <p:ph type="title"/>
+          </p:nvPr>
+        </p:nvSpPr>
+        <p:spPr/>
+        <p:txBody>
+          <a:bodyPr/>
+          <a:lstStyle/>
+          <a:p>
+            <a:r>
+              <a:rPr lang="en-US" dirty="0"/>
+              <a:t>Processing Text</a:t>
+            </a:r>
+          </a:p>
+        </p:txBody>
+      </p:sp>
+      <p:sp>
+        <p:nvSpPr>
+          <p:cNvPr id="3" name="Content Placeholder 2">
+            <a:extLst>
+              <a:ext uri="{FF2B5EF4-FFF2-40B4-BE49-F238E27FC236}">
+                <a16:creationId xmlns:a16="http://schemas.microsoft.com/office/drawing/2014/main" id="{D2EBDD67-82D5-7F80-70C0-EF8BFDD30CDE}"/>
+              </a:ext>
+            </a:extLst>
+          </p:cNvPr>
+          <p:cNvSpPr>
+            <a:spLocks noGrp="1"/>
+          </p:cNvSpPr>
+          <p:nvPr>
+            <p:ph idx="1"/>
+          </p:nvPr>
+        </p:nvSpPr>
+        <p:spPr>
+          <a:xfrm>
+            <a:off x="1451579" y="1948070"/>
+            <a:ext cx="9603275" cy="4105411"/>
+          </a:xfrm>
+        </p:spPr>
+        <p:txBody>
+          <a:bodyPr/>
+          <a:lstStyle/>
+          <a:p>
+            <a:r>
+              <a:rPr lang="en-US" dirty="0"/>
+              <a:t>Last time we saw the basics of using free text as feature data. </a:t>
+            </a:r>
+          </a:p>
+          <a:p>
+            <a:r>
+              <a:rPr lang="en-US" dirty="0"/>
+              <a:t>Key step is vectorization – transforming the text into a numeric representation. </a:t>
+            </a:r>
+          </a:p>
+          <a:p>
+            <a:pPr lvl="1"/>
+            <a:r>
+              <a:rPr lang="en-US" dirty="0"/>
+              <a:t>Saw two methods, count and </a:t>
+            </a:r>
+            <a:r>
+              <a:rPr lang="en-US" dirty="0" err="1"/>
+              <a:t>tf-idf</a:t>
+            </a:r>
+            <a:r>
+              <a:rPr lang="en-US" dirty="0"/>
+              <a:t> vectorization. </a:t>
+            </a:r>
+          </a:p>
+          <a:p>
+            <a:pPr lvl="1"/>
+            <a:r>
+              <a:rPr lang="en-US" dirty="0"/>
+              <a:t>Once we have a “row of values” representing each document, we can use it like any data. </a:t>
+            </a:r>
+          </a:p>
+          <a:p>
+            <a:r>
+              <a:rPr lang="en-US" dirty="0"/>
+              <a:t>Process aims to extract as much information from the text and represent that in data. </a:t>
+            </a:r>
+          </a:p>
+          <a:p>
+            <a:pPr lvl="1"/>
+            <a:r>
+              <a:rPr lang="en-US" dirty="0"/>
+              <a:t>Inherently lossy – we aren’t ever capturing </a:t>
+            </a:r>
+            <a:r>
+              <a:rPr lang="en-US" i="1" dirty="0"/>
+              <a:t>all</a:t>
+            </a:r>
+            <a:r>
+              <a:rPr lang="en-US" dirty="0"/>
+              <a:t> of the information from the text. </a:t>
+            </a:r>
+          </a:p>
+        </p:txBody>
+      </p:sp>
+    </p:spTree>
+    <p:extLst>
+      <p:ext uri="{BB962C8B-B14F-4D97-AF65-F5344CB8AC3E}">
+        <p14:creationId xmlns:p14="http://schemas.microsoft.com/office/powerpoint/2010/main" val="840269392"/>
+      </p:ext>
+    </p:extLst>
+  </p:cSld>
+  <p:clrMapOvr>
+    <a:masterClrMapping/>
+  </p:clrMapOvr>
+</p:sld>
+</file>
+
+<file path=ppt/slides/slide30.xml><?xml version="1.0" encoding="utf-8"?>
+<p:sld xmlns:a="http://schemas.openxmlformats.org/drawingml/2006/main" xmlns:r="http://schemas.openxmlformats.org/officeDocument/2006/relationships" xmlns:p="http://schemas.openxmlformats.org/presentationml/2006/main">
+  <p:cSld>
+    <p:spTree>
+      <p:nvGrpSpPr>
+        <p:cNvPr id="1" name=""/>
+        <p:cNvGrpSpPr/>
+        <p:nvPr/>
+      </p:nvGrpSpPr>
+      <p:grpSpPr>
+        <a:xfrm>
+          <a:off x="0" y="0"/>
+          <a:ext cx="0" cy="0"/>
+          <a:chOff x="0" y="0"/>
+          <a:chExt cx="0" cy="0"/>
+        </a:xfrm>
+      </p:grpSpPr>
+      <p:sp>
+        <p:nvSpPr>
+          <p:cNvPr id="2" name="Title 1">
+            <a:extLst>
+              <a:ext uri="{FF2B5EF4-FFF2-40B4-BE49-F238E27FC236}">
+                <a16:creationId xmlns:a16="http://schemas.microsoft.com/office/drawing/2014/main" id="{E84D1227-A141-327F-EB19-DF351941BF62}"/>
+              </a:ext>
+            </a:extLst>
+          </p:cNvPr>
+          <p:cNvSpPr>
+            <a:spLocks noGrp="1"/>
+          </p:cNvSpPr>
+          <p:nvPr>
+            <p:ph type="title"/>
+          </p:nvPr>
+        </p:nvSpPr>
+        <p:spPr/>
+        <p:txBody>
+          <a:bodyPr/>
+          <a:lstStyle/>
+          <a:p>
+            <a:r>
+              <a:rPr lang="en-US" dirty="0"/>
+              <a:t>Big Note For us right now</a:t>
+            </a:r>
+          </a:p>
+        </p:txBody>
+      </p:sp>
+      <p:sp>
+        <p:nvSpPr>
+          <p:cNvPr id="3" name="Content Placeholder 2">
+            <a:extLst>
+              <a:ext uri="{FF2B5EF4-FFF2-40B4-BE49-F238E27FC236}">
+                <a16:creationId xmlns:a16="http://schemas.microsoft.com/office/drawing/2014/main" id="{66AF796C-B5F8-A589-2F00-3A98CB8A78A9}"/>
+              </a:ext>
+            </a:extLst>
+          </p:cNvPr>
+          <p:cNvSpPr>
+            <a:spLocks noGrp="1"/>
+          </p:cNvSpPr>
+          <p:nvPr>
+            <p:ph idx="1"/>
+          </p:nvPr>
+        </p:nvSpPr>
+        <p:spPr>
+          <a:xfrm>
+            <a:off x="1451579" y="1853755"/>
+            <a:ext cx="9603275" cy="4199726"/>
+          </a:xfrm>
+        </p:spPr>
+        <p:txBody>
+          <a:bodyPr/>
+          <a:lstStyle/>
+          <a:p>
+            <a:r>
+              <a:rPr lang="en-US" dirty="0"/>
+              <a:t>We will use embeddings, but we have to collapse them to 1 dimension. </a:t>
+            </a:r>
+          </a:p>
+          <a:p>
+            <a:pPr lvl="1"/>
+            <a:r>
+              <a:rPr lang="en-US" dirty="0"/>
+              <a:t>Each feature needs 1 value, not 200 values. </a:t>
+            </a:r>
+          </a:p>
+          <a:p>
+            <a:r>
+              <a:rPr lang="en-US" dirty="0"/>
+              <a:t>This is a simplification for our simple models that must have 1D data. </a:t>
+            </a:r>
+          </a:p>
+          <a:p>
+            <a:r>
+              <a:rPr lang="en-US" dirty="0"/>
+              <a:t>In neural network models we don’t do this, we can keep 2D data. </a:t>
+            </a:r>
+          </a:p>
+          <a:p>
+            <a:pPr lvl="1"/>
+            <a:r>
+              <a:rPr lang="en-US" dirty="0"/>
+              <a:t>Feature x embedding dimensions. </a:t>
+            </a:r>
+          </a:p>
+          <a:p>
+            <a:pPr lvl="1"/>
+            <a:r>
+              <a:rPr lang="en-US" dirty="0"/>
+              <a:t>The process doesn’t really change all that much, the we can just use the embedding as is. </a:t>
+            </a:r>
+          </a:p>
+          <a:p>
+            <a:r>
+              <a:rPr lang="en-US" dirty="0"/>
+              <a:t>This loses the ‘magic’ of fancy embedding, so we can expect much better results with this approach only if we use a bigger model to take advantage of them. </a:t>
+            </a:r>
+          </a:p>
+          <a:p>
+            <a:pPr lvl="1"/>
+            <a:r>
+              <a:rPr lang="en-US" dirty="0"/>
+              <a:t>I.e. when flattening all this data to a single value, we shouldn’t expect things to be great. </a:t>
+            </a:r>
+          </a:p>
+        </p:txBody>
+      </p:sp>
+    </p:spTree>
+    <p:extLst>
+      <p:ext uri="{BB962C8B-B14F-4D97-AF65-F5344CB8AC3E}">
+        <p14:creationId xmlns:p14="http://schemas.microsoft.com/office/powerpoint/2010/main" val="3213704600"/>
+      </p:ext>
+    </p:extLst>
+  </p:cSld>
+  <p:clrMapOvr>
+    <a:masterClrMapping/>
+  </p:clrMapOvr>
+</p:sld>
+</file>
+
+<file path=ppt/slides/slide31.xml><?xml version="1.0" encoding="utf-8"?>
+<p:sld xmlns:a="http://schemas.openxmlformats.org/drawingml/2006/main" xmlns:r="http://schemas.openxmlformats.org/officeDocument/2006/relationships" xmlns:p="http://schemas.openxmlformats.org/presentationml/2006/main" show="0">
+  <p:cSld>
+    <p:spTree>
+      <p:nvGrpSpPr>
+        <p:cNvPr id="1" name=""/>
+        <p:cNvGrpSpPr/>
+        <p:nvPr/>
+      </p:nvGrpSpPr>
+      <p:grpSpPr>
+        <a:xfrm>
+          <a:off x="0" y="0"/>
+          <a:ext cx="0" cy="0"/>
+          <a:chOff x="0" y="0"/>
+          <a:chExt cx="0" cy="0"/>
+        </a:xfrm>
+      </p:grpSpPr>
+      <p:sp>
+        <p:nvSpPr>
+          <p:cNvPr id="2" name="Title 1">
+            <a:extLst>
+              <a:ext uri="{FF2B5EF4-FFF2-40B4-BE49-F238E27FC236}">
+                <a16:creationId xmlns:a16="http://schemas.microsoft.com/office/drawing/2014/main" id="{181F1305-286A-A78D-3510-67ED554D03F4}"/>
+              </a:ext>
+            </a:extLst>
+          </p:cNvPr>
+          <p:cNvSpPr>
+            <a:spLocks noGrp="1"/>
+          </p:cNvSpPr>
+          <p:nvPr>
+            <p:ph type="title"/>
+          </p:nvPr>
+        </p:nvSpPr>
+        <p:spPr/>
+        <p:txBody>
+          <a:bodyPr/>
+          <a:lstStyle/>
+          <a:p>
+            <a:r>
+              <a:rPr lang="en-US" dirty="0"/>
+              <a:t>Using embeddings</a:t>
+            </a:r>
+          </a:p>
+        </p:txBody>
+      </p:sp>
+      <p:sp>
+        <p:nvSpPr>
+          <p:cNvPr id="3" name="Content Placeholder 2">
+            <a:extLst>
+              <a:ext uri="{FF2B5EF4-FFF2-40B4-BE49-F238E27FC236}">
+                <a16:creationId xmlns:a16="http://schemas.microsoft.com/office/drawing/2014/main" id="{8805FD46-EF9E-DBF0-46DC-DCF41E4A7456}"/>
+              </a:ext>
+            </a:extLst>
+          </p:cNvPr>
+          <p:cNvSpPr>
+            <a:spLocks noGrp="1"/>
+          </p:cNvSpPr>
+          <p:nvPr>
+            <p:ph idx="1"/>
+          </p:nvPr>
+        </p:nvSpPr>
+        <p:spPr>
+          <a:xfrm>
+            <a:off x="1451579" y="1853754"/>
+            <a:ext cx="9603275" cy="4199727"/>
+          </a:xfrm>
+        </p:spPr>
+        <p:txBody>
+          <a:bodyPr/>
+          <a:lstStyle/>
+          <a:p>
+            <a:r>
+              <a:rPr lang="en-US" dirty="0"/>
+              <a:t>The embeddings basically transform each token into a M-dimension vector value. </a:t>
+            </a:r>
+          </a:p>
+          <a:p>
+            <a:r>
+              <a:rPr lang="en-US" dirty="0"/>
+              <a:t>The closeness in this space determines the similarity of tokens. </a:t>
+            </a:r>
+          </a:p>
+          <a:p>
+            <a:pPr lvl="1"/>
+            <a:r>
+              <a:rPr lang="en-US" dirty="0"/>
+              <a:t>E.g. “Guy” and “dude” are probably pretty close in most dimensions. </a:t>
+            </a:r>
+          </a:p>
+          <a:p>
+            <a:r>
+              <a:rPr lang="en-US" dirty="0"/>
+              <a:t>With LLMs, this is key to predicting the next token.</a:t>
+            </a:r>
+          </a:p>
+          <a:p>
+            <a:pPr lvl="1"/>
+            <a:r>
+              <a:rPr lang="en-US" dirty="0"/>
+              <a:t>Model predicts a M-dim value of next word, select a token that is close to that. </a:t>
+            </a:r>
+          </a:p>
+          <a:p>
+            <a:r>
+              <a:rPr lang="en-US" dirty="0"/>
+              <a:t>This benefits from large amounts of data. </a:t>
+            </a:r>
+          </a:p>
+          <a:p>
+            <a:pPr lvl="1"/>
+            <a:r>
+              <a:rPr lang="en-US" dirty="0"/>
+              <a:t>English is messy, lots of context is needed to disambiguate meaning. </a:t>
+            </a:r>
+          </a:p>
+          <a:p>
+            <a:r>
+              <a:rPr lang="en-US" dirty="0"/>
+              <a:t>We can use embedding spaces defined by others or make our own. </a:t>
+            </a:r>
+          </a:p>
+          <a:p>
+            <a:pPr lvl="1"/>
+            <a:r>
+              <a:rPr lang="en-US" dirty="0"/>
+              <a:t>If we have specialized language, our own might be better, otherwise likely not. </a:t>
+            </a:r>
+          </a:p>
+        </p:txBody>
+      </p:sp>
+    </p:spTree>
+    <p:extLst>
+      <p:ext uri="{BB962C8B-B14F-4D97-AF65-F5344CB8AC3E}">
+        <p14:creationId xmlns:p14="http://schemas.microsoft.com/office/powerpoint/2010/main" val="1094309214"/>
+      </p:ext>
+    </p:extLst>
+  </p:cSld>
+  <p:clrMapOvr>
+    <a:masterClrMapping/>
+  </p:clrMapOvr>
+</p:sld>
+</file>
+
+<file path=ppt/slides/slide32.xml><?xml version="1.0" encoding="utf-8"?>
+<p:sld xmlns:a="http://schemas.openxmlformats.org/drawingml/2006/main" xmlns:r="http://schemas.openxmlformats.org/officeDocument/2006/relationships" xmlns:p="http://schemas.openxmlformats.org/presentationml/2006/main">
+  <p:cSld>
+    <p:spTree>
+      <p:nvGrpSpPr>
+        <p:cNvPr id="1" name=""/>
+        <p:cNvGrpSpPr/>
+        <p:nvPr/>
+      </p:nvGrpSpPr>
+      <p:grpSpPr>
+        <a:xfrm>
+          <a:off x="0" y="0"/>
+          <a:ext cx="0" cy="0"/>
+          <a:chOff x="0" y="0"/>
+          <a:chExt cx="0" cy="0"/>
+        </a:xfrm>
+      </p:grpSpPr>
+      <p:sp>
+        <p:nvSpPr>
+          <p:cNvPr id="2" name="Title 1">
+            <a:extLst>
+              <a:ext uri="{FF2B5EF4-FFF2-40B4-BE49-F238E27FC236}">
                 <a16:creationId xmlns:a16="http://schemas.microsoft.com/office/drawing/2014/main" id="{71C95609-D71B-AB4E-8925-81157B02E545}"/>
               </a:ext>
             </a:extLst>
@@ -6442,13 +7312,6 @@
             <a:pPr lvl="1"/>
             <a:r>
               <a:rPr lang="en-US" dirty="0"/>
-              <a:t>Word2Vec can use the sequence order. </a:t>
-            </a:r>
-          </a:p>
-          <a:p>
-            <a:pPr lvl="1"/>
-            <a:r>
-              <a:rPr lang="en-US" dirty="0"/>
               <a:t>In NN, we’ll look at order more explicitly. </a:t>
             </a:r>
           </a:p>
@@ -6456,6 +7319,12 @@
             <a:r>
               <a:rPr lang="en-US" dirty="0"/>
               <a:t>The order will (hopefully) help generate better embeddings by capturing meaning. </a:t>
+            </a:r>
+          </a:p>
+          <a:p>
+            <a:r>
+              <a:rPr lang="en-US" dirty="0"/>
+              <a:t>LLM and similar models capture information on sequence as part of their process. </a:t>
             </a:r>
           </a:p>
         </p:txBody>
@@ -6520,711 +7389,6 @@
 </p:sld>
 </file>
 
-<file path=ppt/slides/slide29.xml><?xml version="1.0" encoding="utf-8"?>
-<p:sld xmlns:a="http://schemas.openxmlformats.org/drawingml/2006/main" xmlns:r="http://schemas.openxmlformats.org/officeDocument/2006/relationships" xmlns:p="http://schemas.openxmlformats.org/presentationml/2006/main">
-  <p:cSld>
-    <p:spTree>
-      <p:nvGrpSpPr>
-        <p:cNvPr id="1" name=""/>
-        <p:cNvGrpSpPr/>
-        <p:nvPr/>
-      </p:nvGrpSpPr>
-      <p:grpSpPr>
-        <a:xfrm>
-          <a:off x="0" y="0"/>
-          <a:ext cx="0" cy="0"/>
-          <a:chOff x="0" y="0"/>
-          <a:chExt cx="0" cy="0"/>
-        </a:xfrm>
-      </p:grpSpPr>
-      <p:sp>
-        <p:nvSpPr>
-          <p:cNvPr id="2" name="Title 1">
-            <a:extLst>
-              <a:ext uri="{FF2B5EF4-FFF2-40B4-BE49-F238E27FC236}">
-                <a16:creationId xmlns:a16="http://schemas.microsoft.com/office/drawing/2014/main" id="{A00B79CE-B3E0-CE3A-9FCE-44C45AB4966F}"/>
-              </a:ext>
-            </a:extLst>
-          </p:cNvPr>
-          <p:cNvSpPr>
-            <a:spLocks noGrp="1"/>
-          </p:cNvSpPr>
-          <p:nvPr>
-            <p:ph type="title"/>
-          </p:nvPr>
-        </p:nvSpPr>
-        <p:spPr/>
-        <p:txBody>
-          <a:bodyPr/>
-          <a:lstStyle/>
-          <a:p>
-            <a:r>
-              <a:rPr lang="en-US" dirty="0"/>
-              <a:t>Differences</a:t>
-            </a:r>
-          </a:p>
-        </p:txBody>
-      </p:sp>
-      <p:sp>
-        <p:nvSpPr>
-          <p:cNvPr id="3" name="Content Placeholder 2">
-            <a:extLst>
-              <a:ext uri="{FF2B5EF4-FFF2-40B4-BE49-F238E27FC236}">
-                <a16:creationId xmlns:a16="http://schemas.microsoft.com/office/drawing/2014/main" id="{4A29BF9D-63C7-6454-018B-4F9A56D89B36}"/>
-              </a:ext>
-            </a:extLst>
-          </p:cNvPr>
-          <p:cNvSpPr>
-            <a:spLocks noGrp="1"/>
-          </p:cNvSpPr>
-          <p:nvPr>
-            <p:ph idx="1"/>
-          </p:nvPr>
-        </p:nvSpPr>
-        <p:spPr>
-          <a:xfrm>
-            <a:off x="1451579" y="1946366"/>
-            <a:ext cx="9603275" cy="4107115"/>
-          </a:xfrm>
-        </p:spPr>
-        <p:txBody>
-          <a:bodyPr/>
-          <a:lstStyle/>
-          <a:p>
-            <a:r>
-              <a:rPr lang="en-US" dirty="0"/>
-              <a:t>Skip Gram</a:t>
-            </a:r>
-          </a:p>
-          <a:p>
-            <a:pPr lvl="1"/>
-            <a:r>
-              <a:rPr lang="en-US" dirty="0"/>
-              <a:t>Often better with low frequency words and maintains sequence information. </a:t>
-            </a:r>
-          </a:p>
-          <a:p>
-            <a:pPr lvl="1"/>
-            <a:r>
-              <a:rPr lang="en-US" dirty="0"/>
-              <a:t>Can be computationally slow and perform worse with non-diverse datasets. </a:t>
-            </a:r>
-          </a:p>
-          <a:p>
-            <a:pPr lvl="1"/>
-            <a:r>
-              <a:rPr lang="en-US" dirty="0"/>
-              <a:t>Better for semantic relationships (meaning) and text generation. </a:t>
-            </a:r>
-          </a:p>
-          <a:p>
-            <a:r>
-              <a:rPr lang="en-US" dirty="0"/>
-              <a:t>CBOW</a:t>
-            </a:r>
-          </a:p>
-          <a:p>
-            <a:pPr lvl="1"/>
-            <a:r>
-              <a:rPr lang="en-US" dirty="0"/>
-              <a:t>Faster and often better where words are frequent and order is less important. </a:t>
-            </a:r>
-          </a:p>
-          <a:p>
-            <a:pPr lvl="1"/>
-            <a:r>
-              <a:rPr lang="en-US" dirty="0"/>
-              <a:t>Often worse with low-frequency words and loses order. </a:t>
-            </a:r>
-          </a:p>
-          <a:p>
-            <a:pPr lvl="1"/>
-            <a:r>
-              <a:rPr lang="en-US" dirty="0"/>
-              <a:t>Common in classification and recommendations – ‘vibes’ over details. </a:t>
-            </a:r>
-          </a:p>
-          <a:p>
-            <a:r>
-              <a:rPr lang="en-US" dirty="0"/>
-              <a:t>How well the embedding matches the text meaning and use will determine performance.</a:t>
-            </a:r>
-          </a:p>
-        </p:txBody>
-      </p:sp>
-    </p:spTree>
-    <p:extLst>
-      <p:ext uri="{BB962C8B-B14F-4D97-AF65-F5344CB8AC3E}">
-        <p14:creationId xmlns:p14="http://schemas.microsoft.com/office/powerpoint/2010/main" val="4238678843"/>
-      </p:ext>
-    </p:extLst>
-  </p:cSld>
-  <p:clrMapOvr>
-    <a:masterClrMapping/>
-  </p:clrMapOvr>
-</p:sld>
-</file>
-
-<file path=ppt/slides/slide3.xml><?xml version="1.0" encoding="utf-8"?>
-<p:sld xmlns:a="http://schemas.openxmlformats.org/drawingml/2006/main" xmlns:r="http://schemas.openxmlformats.org/officeDocument/2006/relationships" xmlns:p="http://schemas.openxmlformats.org/presentationml/2006/main">
-  <p:cSld>
-    <p:spTree>
-      <p:nvGrpSpPr>
-        <p:cNvPr id="1" name=""/>
-        <p:cNvGrpSpPr/>
-        <p:nvPr/>
-      </p:nvGrpSpPr>
-      <p:grpSpPr>
-        <a:xfrm>
-          <a:off x="0" y="0"/>
-          <a:ext cx="0" cy="0"/>
-          <a:chOff x="0" y="0"/>
-          <a:chExt cx="0" cy="0"/>
-        </a:xfrm>
-      </p:grpSpPr>
-      <p:sp>
-        <p:nvSpPr>
-          <p:cNvPr id="2" name="Title 1">
-            <a:extLst>
-              <a:ext uri="{FF2B5EF4-FFF2-40B4-BE49-F238E27FC236}">
-                <a16:creationId xmlns:a16="http://schemas.microsoft.com/office/drawing/2014/main" id="{975ECA53-E686-75D2-3F6C-4D91841474F9}"/>
-              </a:ext>
-            </a:extLst>
-          </p:cNvPr>
-          <p:cNvSpPr>
-            <a:spLocks noGrp="1"/>
-          </p:cNvSpPr>
-          <p:nvPr>
-            <p:ph type="title"/>
-          </p:nvPr>
-        </p:nvSpPr>
-        <p:spPr/>
-        <p:txBody>
-          <a:bodyPr/>
-          <a:lstStyle/>
-          <a:p>
-            <a:r>
-              <a:rPr lang="en-US" dirty="0"/>
-              <a:t>Natural Language Processing Intro</a:t>
-            </a:r>
-          </a:p>
-        </p:txBody>
-      </p:sp>
-      <p:sp>
-        <p:nvSpPr>
-          <p:cNvPr id="3" name="Content Placeholder 2">
-            <a:extLst>
-              <a:ext uri="{FF2B5EF4-FFF2-40B4-BE49-F238E27FC236}">
-                <a16:creationId xmlns:a16="http://schemas.microsoft.com/office/drawing/2014/main" id="{6FE30764-4B1F-4F0B-4EF5-06F5C7594A3B}"/>
-              </a:ext>
-            </a:extLst>
-          </p:cNvPr>
-          <p:cNvSpPr>
-            <a:spLocks noGrp="1"/>
-          </p:cNvSpPr>
-          <p:nvPr>
-            <p:ph idx="1"/>
-          </p:nvPr>
-        </p:nvSpPr>
-        <p:spPr>
-          <a:xfrm>
-            <a:off x="1451579" y="1853754"/>
-            <a:ext cx="9603275" cy="4199727"/>
-          </a:xfrm>
-        </p:spPr>
-        <p:txBody>
-          <a:bodyPr/>
-          <a:lstStyle/>
-          <a:p>
-            <a:r>
-              <a:rPr lang="en-US" dirty="0"/>
-              <a:t>We can use text as a feature set to do predictive modelling. </a:t>
-            </a:r>
-          </a:p>
-          <a:p>
-            <a:pPr lvl="1"/>
-            <a:r>
-              <a:rPr lang="en-US" dirty="0"/>
-              <a:t>X is our feature set – the text after its processing. </a:t>
-            </a:r>
-          </a:p>
-          <a:p>
-            <a:pPr lvl="1"/>
-            <a:r>
-              <a:rPr lang="en-US" dirty="0"/>
-              <a:t>Y is our target – something external. E.g. positive/negative review, spam/not spam. </a:t>
-            </a:r>
-          </a:p>
-          <a:p>
-            <a:pPr lvl="1"/>
-            <a:r>
-              <a:rPr lang="en-US" dirty="0"/>
-              <a:t>We end up with a ‘normal’ array of data, that we can then TTS, predict, </a:t>
-            </a:r>
-            <a:r>
-              <a:rPr lang="en-US" dirty="0" err="1"/>
-              <a:t>etc</a:t>
-            </a:r>
-            <a:r>
-              <a:rPr lang="en-US" dirty="0"/>
-              <a:t>…</a:t>
-            </a:r>
-          </a:p>
-          <a:p>
-            <a:r>
-              <a:rPr lang="en-US" dirty="0"/>
-              <a:t>NLP uses some specific terms:</a:t>
-            </a:r>
-          </a:p>
-          <a:p>
-            <a:pPr lvl="1"/>
-            <a:r>
-              <a:rPr lang="en-US" dirty="0"/>
-              <a:t>Corpus – all the text that we are using. </a:t>
-            </a:r>
-          </a:p>
-          <a:p>
-            <a:pPr lvl="1"/>
-            <a:r>
-              <a:rPr lang="en-US" dirty="0"/>
-              <a:t>Document – one ‘piece’ of text. Normally a sentence or line. </a:t>
-            </a:r>
-          </a:p>
-          <a:p>
-            <a:pPr lvl="1"/>
-            <a:r>
-              <a:rPr lang="en-US" dirty="0"/>
-              <a:t>Vocabulary – all the tokens (words/terms) that is in our corpus. </a:t>
-            </a:r>
-          </a:p>
-          <a:p>
-            <a:r>
-              <a:rPr lang="en-US" dirty="0"/>
-              <a:t>Creating the feature set from the text involves some preparation. </a:t>
-            </a:r>
-          </a:p>
-          <a:p>
-            <a:pPr lvl="1"/>
-            <a:r>
-              <a:rPr lang="en-US" dirty="0"/>
-              <a:t>Text is first tokenized – transformed into individual ‘terms’ (words or n-grams). </a:t>
-            </a:r>
-          </a:p>
-        </p:txBody>
-      </p:sp>
-    </p:spTree>
-    <p:extLst>
-      <p:ext uri="{BB962C8B-B14F-4D97-AF65-F5344CB8AC3E}">
-        <p14:creationId xmlns:p14="http://schemas.microsoft.com/office/powerpoint/2010/main" val="1605237893"/>
-      </p:ext>
-    </p:extLst>
-  </p:cSld>
-  <p:clrMapOvr>
-    <a:masterClrMapping/>
-  </p:clrMapOvr>
-</p:sld>
-</file>
-
-<file path=ppt/slides/slide30.xml><?xml version="1.0" encoding="utf-8"?>
-<p:sld xmlns:a="http://schemas.openxmlformats.org/drawingml/2006/main" xmlns:r="http://schemas.openxmlformats.org/officeDocument/2006/relationships" xmlns:p="http://schemas.openxmlformats.org/presentationml/2006/main">
-  <p:cSld>
-    <p:spTree>
-      <p:nvGrpSpPr>
-        <p:cNvPr id="1" name=""/>
-        <p:cNvGrpSpPr/>
-        <p:nvPr/>
-      </p:nvGrpSpPr>
-      <p:grpSpPr>
-        <a:xfrm>
-          <a:off x="0" y="0"/>
-          <a:ext cx="0" cy="0"/>
-          <a:chOff x="0" y="0"/>
-          <a:chExt cx="0" cy="0"/>
-        </a:xfrm>
-      </p:grpSpPr>
-      <p:sp>
-        <p:nvSpPr>
-          <p:cNvPr id="2" name="Title 1">
-            <a:extLst>
-              <a:ext uri="{FF2B5EF4-FFF2-40B4-BE49-F238E27FC236}">
-                <a16:creationId xmlns:a16="http://schemas.microsoft.com/office/drawing/2014/main" id="{94C13580-C066-403C-F510-0D51B59D4054}"/>
-              </a:ext>
-            </a:extLst>
-          </p:cNvPr>
-          <p:cNvSpPr>
-            <a:spLocks noGrp="1"/>
-          </p:cNvSpPr>
-          <p:nvPr>
-            <p:ph type="title"/>
-          </p:nvPr>
-        </p:nvSpPr>
-        <p:spPr/>
-        <p:txBody>
-          <a:bodyPr/>
-          <a:lstStyle/>
-          <a:p>
-            <a:endParaRPr lang="en-US"/>
-          </a:p>
-        </p:txBody>
-      </p:sp>
-      <p:sp>
-        <p:nvSpPr>
-          <p:cNvPr id="3" name="Content Placeholder 2">
-            <a:extLst>
-              <a:ext uri="{FF2B5EF4-FFF2-40B4-BE49-F238E27FC236}">
-                <a16:creationId xmlns:a16="http://schemas.microsoft.com/office/drawing/2014/main" id="{10997F70-73BA-9251-7164-424F69DC9A03}"/>
-              </a:ext>
-            </a:extLst>
-          </p:cNvPr>
-          <p:cNvSpPr>
-            <a:spLocks noGrp="1"/>
-          </p:cNvSpPr>
-          <p:nvPr>
-            <p:ph idx="1"/>
-          </p:nvPr>
-        </p:nvSpPr>
-        <p:spPr/>
-        <p:txBody>
-          <a:bodyPr/>
-          <a:lstStyle/>
-          <a:p>
-            <a:endParaRPr lang="en-US"/>
-          </a:p>
-        </p:txBody>
-      </p:sp>
-      <p:pic>
-        <p:nvPicPr>
-          <p:cNvPr id="2050" name="Picture 2" descr="vector - word mapping for 2D word embedding - Stack Overflow">
-            <a:extLst>
-              <a:ext uri="{FF2B5EF4-FFF2-40B4-BE49-F238E27FC236}">
-                <a16:creationId xmlns:a16="http://schemas.microsoft.com/office/drawing/2014/main" id="{CE1DA12F-1873-06E6-2B79-EB882E5F91BA}"/>
-              </a:ext>
-            </a:extLst>
-          </p:cNvPr>
-          <p:cNvPicPr>
-            <a:picLocks noChangeAspect="1" noChangeArrowheads="1"/>
-          </p:cNvPicPr>
-          <p:nvPr/>
-        </p:nvPicPr>
-        <p:blipFill>
-          <a:blip r:embed="rId2">
-            <a:extLst>
-              <a:ext uri="{28A0092B-C50C-407E-A947-70E740481C1C}">
-                <a14:useLocalDpi xmlns:a14="http://schemas.microsoft.com/office/drawing/2010/main" val="0"/>
-              </a:ext>
-            </a:extLst>
-          </a:blip>
-          <a:srcRect/>
-          <a:stretch>
-            <a:fillRect/>
-          </a:stretch>
-        </p:blipFill>
-        <p:spPr bwMode="auto">
-          <a:xfrm>
-            <a:off x="2667000" y="0"/>
-            <a:ext cx="6858000" cy="6858000"/>
-          </a:xfrm>
-          <a:prstGeom prst="rect">
-            <a:avLst/>
-          </a:prstGeom>
-          <a:noFill/>
-          <a:extLst>
-            <a:ext uri="{909E8E84-426E-40DD-AFC4-6F175D3DCCD1}">
-              <a14:hiddenFill xmlns:a14="http://schemas.microsoft.com/office/drawing/2010/main">
-                <a:solidFill>
-                  <a:srgbClr val="FFFFFF"/>
-                </a:solidFill>
-              </a14:hiddenFill>
-            </a:ext>
-          </a:extLst>
-        </p:spPr>
-      </p:pic>
-    </p:spTree>
-    <p:extLst>
-      <p:ext uri="{BB962C8B-B14F-4D97-AF65-F5344CB8AC3E}">
-        <p14:creationId xmlns:p14="http://schemas.microsoft.com/office/powerpoint/2010/main" val="3825656030"/>
-      </p:ext>
-    </p:extLst>
-  </p:cSld>
-  <p:clrMapOvr>
-    <a:masterClrMapping/>
-  </p:clrMapOvr>
-</p:sld>
-</file>
-
-<file path=ppt/slides/slide31.xml><?xml version="1.0" encoding="utf-8"?>
-<p:sld xmlns:a="http://schemas.openxmlformats.org/drawingml/2006/main" xmlns:r="http://schemas.openxmlformats.org/officeDocument/2006/relationships" xmlns:p="http://schemas.openxmlformats.org/presentationml/2006/main">
-  <p:cSld>
-    <p:spTree>
-      <p:nvGrpSpPr>
-        <p:cNvPr id="1" name=""/>
-        <p:cNvGrpSpPr/>
-        <p:nvPr/>
-      </p:nvGrpSpPr>
-      <p:grpSpPr>
-        <a:xfrm>
-          <a:off x="0" y="0"/>
-          <a:ext cx="0" cy="0"/>
-          <a:chOff x="0" y="0"/>
-          <a:chExt cx="0" cy="0"/>
-        </a:xfrm>
-      </p:grpSpPr>
-      <p:sp>
-        <p:nvSpPr>
-          <p:cNvPr id="2" name="Title 1">
-            <a:extLst>
-              <a:ext uri="{FF2B5EF4-FFF2-40B4-BE49-F238E27FC236}">
-                <a16:creationId xmlns:a16="http://schemas.microsoft.com/office/drawing/2014/main" id="{E84D1227-A141-327F-EB19-DF351941BF62}"/>
-              </a:ext>
-            </a:extLst>
-          </p:cNvPr>
-          <p:cNvSpPr>
-            <a:spLocks noGrp="1"/>
-          </p:cNvSpPr>
-          <p:nvPr>
-            <p:ph type="title"/>
-          </p:nvPr>
-        </p:nvSpPr>
-        <p:spPr/>
-        <p:txBody>
-          <a:bodyPr/>
-          <a:lstStyle/>
-          <a:p>
-            <a:r>
-              <a:rPr lang="en-US" dirty="0"/>
-              <a:t>Big Note</a:t>
-            </a:r>
-          </a:p>
-        </p:txBody>
-      </p:sp>
-      <p:sp>
-        <p:nvSpPr>
-          <p:cNvPr id="3" name="Content Placeholder 2">
-            <a:extLst>
-              <a:ext uri="{FF2B5EF4-FFF2-40B4-BE49-F238E27FC236}">
-                <a16:creationId xmlns:a16="http://schemas.microsoft.com/office/drawing/2014/main" id="{66AF796C-B5F8-A589-2F00-3A98CB8A78A9}"/>
-              </a:ext>
-            </a:extLst>
-          </p:cNvPr>
-          <p:cNvSpPr>
-            <a:spLocks noGrp="1"/>
-          </p:cNvSpPr>
-          <p:nvPr>
-            <p:ph idx="1"/>
-          </p:nvPr>
-        </p:nvSpPr>
-        <p:spPr>
-          <a:xfrm>
-            <a:off x="1451579" y="1853755"/>
-            <a:ext cx="9603275" cy="4199726"/>
-          </a:xfrm>
-        </p:spPr>
-        <p:txBody>
-          <a:bodyPr/>
-          <a:lstStyle/>
-          <a:p>
-            <a:r>
-              <a:rPr lang="en-US" dirty="0"/>
-              <a:t>We will use embeddings, but we have to collapse them to 1 dimension. </a:t>
-            </a:r>
-          </a:p>
-          <a:p>
-            <a:pPr lvl="1"/>
-            <a:r>
-              <a:rPr lang="en-US" dirty="0"/>
-              <a:t>Each feature needs 1 value, not 200 values. </a:t>
-            </a:r>
-          </a:p>
-          <a:p>
-            <a:r>
-              <a:rPr lang="en-US" dirty="0"/>
-              <a:t>This is a simplification for our simple models that must have 1D data. </a:t>
-            </a:r>
-          </a:p>
-          <a:p>
-            <a:r>
-              <a:rPr lang="en-US" dirty="0"/>
-              <a:t>In neural network models we don’t do this, we can keep 2D data. </a:t>
-            </a:r>
-          </a:p>
-          <a:p>
-            <a:pPr lvl="1"/>
-            <a:r>
-              <a:rPr lang="en-US" dirty="0"/>
-              <a:t>Feature x embedding dimensions. </a:t>
-            </a:r>
-          </a:p>
-          <a:p>
-            <a:pPr lvl="1"/>
-            <a:r>
-              <a:rPr lang="en-US" dirty="0"/>
-              <a:t>The process doesn’t really change all that much, the we can just use the embedding as is. </a:t>
-            </a:r>
-          </a:p>
-          <a:p>
-            <a:r>
-              <a:rPr lang="en-US" dirty="0"/>
-              <a:t>This loses the ‘magic’ of fancy embedding, so we can expect much better results with this approach only if we use a bigger model to take advantage of them. </a:t>
-            </a:r>
-          </a:p>
-          <a:p>
-            <a:pPr lvl="1"/>
-            <a:r>
-              <a:rPr lang="en-US" dirty="0"/>
-              <a:t>I.e. when flattening all this data to a single value, we shouldn’t expect things to </a:t>
-            </a:r>
-            <a:r>
-              <a:rPr lang="en-US"/>
-              <a:t>be great. </a:t>
-            </a:r>
-            <a:endParaRPr lang="en-US" dirty="0"/>
-          </a:p>
-        </p:txBody>
-      </p:sp>
-    </p:spTree>
-    <p:extLst>
-      <p:ext uri="{BB962C8B-B14F-4D97-AF65-F5344CB8AC3E}">
-        <p14:creationId xmlns:p14="http://schemas.microsoft.com/office/powerpoint/2010/main" val="3213704600"/>
-      </p:ext>
-    </p:extLst>
-  </p:cSld>
-  <p:clrMapOvr>
-    <a:masterClrMapping/>
-  </p:clrMapOvr>
-</p:sld>
-</file>
-
-<file path=ppt/slides/slide32.xml><?xml version="1.0" encoding="utf-8"?>
-<p:sld xmlns:a="http://schemas.openxmlformats.org/drawingml/2006/main" xmlns:r="http://schemas.openxmlformats.org/officeDocument/2006/relationships" xmlns:p="http://schemas.openxmlformats.org/presentationml/2006/main" show="0">
-  <p:cSld>
-    <p:spTree>
-      <p:nvGrpSpPr>
-        <p:cNvPr id="1" name=""/>
-        <p:cNvGrpSpPr/>
-        <p:nvPr/>
-      </p:nvGrpSpPr>
-      <p:grpSpPr>
-        <a:xfrm>
-          <a:off x="0" y="0"/>
-          <a:ext cx="0" cy="0"/>
-          <a:chOff x="0" y="0"/>
-          <a:chExt cx="0" cy="0"/>
-        </a:xfrm>
-      </p:grpSpPr>
-      <p:sp>
-        <p:nvSpPr>
-          <p:cNvPr id="2" name="Title 1">
-            <a:extLst>
-              <a:ext uri="{FF2B5EF4-FFF2-40B4-BE49-F238E27FC236}">
-                <a16:creationId xmlns:a16="http://schemas.microsoft.com/office/drawing/2014/main" id="{7276A5D6-C8FC-B473-94E4-174561A24133}"/>
-              </a:ext>
-            </a:extLst>
-          </p:cNvPr>
-          <p:cNvSpPr>
-            <a:spLocks noGrp="1"/>
-          </p:cNvSpPr>
-          <p:nvPr>
-            <p:ph type="title"/>
-          </p:nvPr>
-        </p:nvSpPr>
-        <p:spPr/>
-        <p:txBody>
-          <a:bodyPr/>
-          <a:lstStyle/>
-          <a:p>
-            <a:r>
-              <a:rPr lang="en-US" dirty="0"/>
-              <a:t>Using Embeddings</a:t>
-            </a:r>
-          </a:p>
-        </p:txBody>
-      </p:sp>
-      <p:sp>
-        <p:nvSpPr>
-          <p:cNvPr id="3" name="Content Placeholder 2">
-            <a:extLst>
-              <a:ext uri="{FF2B5EF4-FFF2-40B4-BE49-F238E27FC236}">
-                <a16:creationId xmlns:a16="http://schemas.microsoft.com/office/drawing/2014/main" id="{7C9F7881-E651-AE6B-4396-F5603E69A376}"/>
-              </a:ext>
-            </a:extLst>
-          </p:cNvPr>
-          <p:cNvSpPr>
-            <a:spLocks noGrp="1"/>
-          </p:cNvSpPr>
-          <p:nvPr>
-            <p:ph idx="1"/>
-          </p:nvPr>
-        </p:nvSpPr>
-        <p:spPr>
-          <a:xfrm>
-            <a:off x="1451579" y="2015732"/>
-            <a:ext cx="9603275" cy="4037749"/>
-          </a:xfrm>
-        </p:spPr>
-        <p:txBody>
-          <a:bodyPr/>
-          <a:lstStyle/>
-          <a:p>
-            <a:r>
-              <a:rPr lang="en-US" dirty="0"/>
-              <a:t>For us, for now, we’ll collapse the embedding values down. </a:t>
-            </a:r>
-          </a:p>
-          <a:p>
-            <a:r>
-              <a:rPr lang="en-US" dirty="0"/>
-              <a:t>Later, with neural networks, we’ll look at how we can use them sans collapse. </a:t>
-            </a:r>
-          </a:p>
-          <a:p>
-            <a:pPr lvl="1"/>
-            <a:r>
-              <a:rPr lang="en-US" dirty="0"/>
-              <a:t>Our models can only handle a 2D grid of data.</a:t>
-            </a:r>
-          </a:p>
-          <a:p>
-            <a:r>
-              <a:rPr lang="en-US" dirty="0"/>
-              <a:t>Overall, any representation could work.</a:t>
-            </a:r>
-          </a:p>
-          <a:p>
-            <a:pPr lvl="1"/>
-            <a:r>
-              <a:rPr lang="en-US" dirty="0"/>
-              <a:t>In our examples, we’ll collapse multi-D embeddings down to 1 D. </a:t>
-            </a:r>
-          </a:p>
-          <a:p>
-            <a:pPr lvl="1"/>
-            <a:r>
-              <a:rPr lang="en-US" dirty="0"/>
-              <a:t>We could keep the multiple dimensions, and have a 3D dataset (later). </a:t>
-            </a:r>
-          </a:p>
-          <a:p>
-            <a:pPr lvl="1"/>
-            <a:r>
-              <a:rPr lang="en-US" dirty="0"/>
-              <a:t>We could do any other flattening – we’d have to test to see what works well. </a:t>
-            </a:r>
-          </a:p>
-        </p:txBody>
-      </p:sp>
-    </p:spTree>
-    <p:extLst>
-      <p:ext uri="{BB962C8B-B14F-4D97-AF65-F5344CB8AC3E}">
-        <p14:creationId xmlns:p14="http://schemas.microsoft.com/office/powerpoint/2010/main" val="2498184138"/>
-      </p:ext>
-    </p:extLst>
-  </p:cSld>
-  <p:clrMapOvr>
-    <a:masterClrMapping/>
-  </p:clrMapOvr>
-</p:sld>
-</file>
-
 <file path=ppt/slides/slide33.xml><?xml version="1.0" encoding="utf-8"?>
 <p:sld xmlns:a="http://schemas.openxmlformats.org/drawingml/2006/main" xmlns:r="http://schemas.openxmlformats.org/officeDocument/2006/relationships" xmlns:p="http://schemas.openxmlformats.org/presentationml/2006/main">
   <p:cSld>
@@ -7247,7 +7411,7 @@
           <p:cNvPr id="2" name="Title 1">
             <a:extLst>
               <a:ext uri="{FF2B5EF4-FFF2-40B4-BE49-F238E27FC236}">
-                <a16:creationId xmlns:a16="http://schemas.microsoft.com/office/drawing/2014/main" id="{2F6D39ED-4049-484A-8A23-EF2C3DFB812B}"/>
+                <a16:creationId xmlns:a16="http://schemas.microsoft.com/office/drawing/2014/main" id="{3DF1F473-3831-723D-A4F2-DB607ABCE706}"/>
               </a:ext>
             </a:extLst>
           </p:cNvPr>
@@ -7265,7 +7429,7 @@
           <a:p>
             <a:r>
               <a:rPr lang="en-US" dirty="0"/>
-              <a:t>NLP in Practice</a:t>
+              <a:t>Be More Aware…</a:t>
             </a:r>
           </a:p>
         </p:txBody>
@@ -7275,7 +7439,7 @@
           <p:cNvPr id="3" name="Content Placeholder 2">
             <a:extLst>
               <a:ext uri="{FF2B5EF4-FFF2-40B4-BE49-F238E27FC236}">
-                <a16:creationId xmlns:a16="http://schemas.microsoft.com/office/drawing/2014/main" id="{776F59CA-DD5B-E345-972A-8104869FCF33}"/>
+                <a16:creationId xmlns:a16="http://schemas.microsoft.com/office/drawing/2014/main" id="{4EA1C8ED-D767-7DC9-4496-E670EA042455}"/>
               </a:ext>
             </a:extLst>
           </p:cNvPr>
@@ -7289,78 +7453,159 @@
         <p:spPr>
           <a:xfrm>
             <a:off x="1451579" y="1853754"/>
-            <a:ext cx="9603275" cy="4199727"/>
+            <a:ext cx="9749821" cy="4199727"/>
           </a:xfrm>
         </p:spPr>
         <p:txBody>
           <a:bodyPr>
-            <a:normAutofit lnSpcReduction="10000"/>
+            <a:normAutofit/>
           </a:bodyPr>
           <a:lstStyle/>
           <a:p>
             <a:r>
               <a:rPr lang="en-US" dirty="0"/>
-              <a:t>NLP is an area that is very quickly developing. </a:t>
-            </a:r>
-          </a:p>
-          <a:p>
-            <a:r>
-              <a:rPr lang="en-US" dirty="0"/>
-              <a:t>More data makes a big difference!</a:t>
-            </a:r>
-          </a:p>
-          <a:p>
-            <a:pPr lvl="1"/>
-            <a:r>
-              <a:rPr lang="en-US" dirty="0"/>
-              <a:t>Language has subtleties, massive datasets allow those subtleties to become patterns. </a:t>
-            </a:r>
-          </a:p>
-          <a:p>
-            <a:pPr lvl="1"/>
-            <a:r>
-              <a:rPr lang="en-US" dirty="0"/>
-              <a:t>The #1 determinant of future language models will probably be access to human written text.</a:t>
-            </a:r>
-          </a:p>
-          <a:p>
-            <a:r>
-              <a:rPr lang="en-US" dirty="0"/>
-              <a:t>Preprocessing choices can make massive differences:</a:t>
-            </a:r>
-          </a:p>
-          <a:p>
-            <a:pPr lvl="1"/>
-            <a:r>
-              <a:rPr lang="en-US" dirty="0"/>
-              <a:t>Stemming, lemmatization, stop words, and n-gram size all vary widely depending on context. </a:t>
-            </a:r>
-          </a:p>
-          <a:p>
-            <a:r>
-              <a:rPr lang="en-US" dirty="0"/>
-              <a:t>The embedding space quality matters as much or more than the predictor. </a:t>
-            </a:r>
-          </a:p>
-          <a:p>
-            <a:pPr lvl="1"/>
-            <a:r>
-              <a:rPr lang="en-US" dirty="0"/>
-              <a:t>Like images, we must represent text as numbers – how well we do this is critical. </a:t>
-            </a:r>
-          </a:p>
-          <a:p>
-            <a:pPr lvl="1"/>
-            <a:r>
-              <a:rPr lang="en-US" dirty="0"/>
-              <a:t>This is a source of irreducible error for the predictive model. </a:t>
-            </a:r>
-          </a:p>
-          <a:p>
-            <a:pPr lvl="1"/>
-            <a:r>
-              <a:rPr lang="en-US" dirty="0"/>
-              <a:t>E.g. the word “lit” has a different lemma on Twitter, in a college English dept, or for wildfires. </a:t>
+              <a:t>With images, we flattened the data and that looses spatial awareness. </a:t>
+            </a:r>
+          </a:p>
+          <a:p>
+            <a:pPr lvl="1"/>
+            <a:r>
+              <a:rPr lang="en-US" dirty="0"/>
+              <a:t>The relationship of pixels that are close to each other is important. </a:t>
+            </a:r>
+          </a:p>
+          <a:p>
+            <a:pPr lvl="1"/>
+            <a:r>
+              <a:rPr lang="en-US" dirty="0"/>
+              <a:t>A face is the same in the top left or bottom right, we don’t capture that in our features. </a:t>
+            </a:r>
+          </a:p>
+          <a:p>
+            <a:r>
+              <a:rPr lang="en-US" dirty="0"/>
+              <a:t>With text, we transform the data into a ~count of words, this looses temporal awareness.</a:t>
+            </a:r>
+          </a:p>
+          <a:p>
+            <a:pPr lvl="1"/>
+            <a:r>
+              <a:rPr lang="en-US" dirty="0"/>
+              <a:t>The relationship of tokens to things before/after them matters.  </a:t>
+            </a:r>
+          </a:p>
+          <a:p>
+            <a:pPr lvl="1"/>
+            <a:r>
+              <a:rPr lang="en-US" dirty="0"/>
+              <a:t>Where words are in text matters and can change meaning, our features don’t capture that. </a:t>
+            </a:r>
+          </a:p>
+          <a:p>
+            <a:r>
+              <a:rPr lang="en-US" dirty="0"/>
+              <a:t>Each of these is an example of how classical models don’t fit unstructured data well. </a:t>
+            </a:r>
+          </a:p>
+          <a:p>
+            <a:pPr lvl="1"/>
+            <a:r>
+              <a:rPr lang="en-US" dirty="0"/>
+              <a:t>One of the things we need to make accurate predictions isn’t capturable by our methods. </a:t>
+            </a:r>
+          </a:p>
+          <a:p>
+            <a:pPr lvl="1"/>
+            <a:r>
+              <a:rPr lang="en-US" dirty="0"/>
+              <a:t>We can use other types of NN models that are able to handle this. </a:t>
+            </a:r>
+          </a:p>
+          <a:p>
+            <a:pPr lvl="1"/>
+            <a:r>
+              <a:rPr lang="en-US" dirty="0"/>
+              <a:t>There’s model structures that specialize in capturing different types of relationships. </a:t>
+            </a:r>
+          </a:p>
+        </p:txBody>
+      </p:sp>
+      <p:pic>
+        <p:nvPicPr>
+          <p:cNvPr id="4" name="Picture 3" descr="Data Augmentation: How to Use Deep Learning with Limited Data">
+            <a:extLst>
+              <a:ext uri="{FF2B5EF4-FFF2-40B4-BE49-F238E27FC236}">
+                <a16:creationId xmlns:a16="http://schemas.microsoft.com/office/drawing/2014/main" id="{9682DDC7-DF9D-4493-9EE3-B361FFEAB7FD}"/>
+              </a:ext>
+            </a:extLst>
+          </p:cNvPr>
+          <p:cNvPicPr>
+            <a:picLocks noChangeAspect="1"/>
+          </p:cNvPicPr>
+          <p:nvPr/>
+        </p:nvPicPr>
+        <p:blipFill>
+          <a:blip r:embed="rId2"/>
+          <a:srcRect b="16703"/>
+          <a:stretch>
+            <a:fillRect/>
+          </a:stretch>
+        </p:blipFill>
+        <p:spPr>
+          <a:xfrm>
+            <a:off x="5712110" y="404652"/>
+            <a:ext cx="2848022" cy="1202635"/>
+          </a:xfrm>
+          <a:prstGeom prst="rect">
+            <a:avLst/>
+          </a:prstGeom>
+        </p:spPr>
+      </p:pic>
+      <p:sp>
+        <p:nvSpPr>
+          <p:cNvPr id="5" name="TextBox 4">
+            <a:extLst>
+              <a:ext uri="{FF2B5EF4-FFF2-40B4-BE49-F238E27FC236}">
+                <a16:creationId xmlns:a16="http://schemas.microsoft.com/office/drawing/2014/main" id="{B5A87E6E-0631-43AF-2755-FFEB267061DF}"/>
+              </a:ext>
+            </a:extLst>
+          </p:cNvPr>
+          <p:cNvSpPr txBox="1"/>
+          <p:nvPr/>
+        </p:nvSpPr>
+        <p:spPr>
+          <a:xfrm>
+            <a:off x="9343815" y="836711"/>
+            <a:ext cx="2494722" cy="646331"/>
+          </a:xfrm>
+          <a:prstGeom prst="rect">
+            <a:avLst/>
+          </a:prstGeom>
+          <a:noFill/>
+        </p:spPr>
+        <p:txBody>
+          <a:bodyPr wrap="square" rtlCol="0">
+            <a:spAutoFit/>
+          </a:bodyPr>
+          <a:lstStyle/>
+          <a:p>
+            <a:pPr marL="285750" indent="-285750">
+              <a:buFont typeface="Arial" panose="020B0604020202020204" pitchFamily="34" charset="0"/>
+              <a:buChar char="•"/>
+            </a:pPr>
+            <a:r>
+              <a:rPr lang="en-US" dirty="0"/>
+              <a:t>“He killed it” vs</a:t>
+            </a:r>
+          </a:p>
+          <a:p>
+            <a:pPr marL="285750" indent="-285750">
+              <a:buFont typeface="Arial" panose="020B0604020202020204" pitchFamily="34" charset="0"/>
+              <a:buChar char="•"/>
+            </a:pPr>
+            <a:r>
+              <a:rPr lang="en-US" dirty="0"/>
+              <a:t>“It killed him”</a:t>
             </a:r>
           </a:p>
         </p:txBody>
@@ -7368,7 +7613,7 @@
     </p:spTree>
     <p:extLst>
       <p:ext uri="{BB962C8B-B14F-4D97-AF65-F5344CB8AC3E}">
-        <p14:creationId xmlns:p14="http://schemas.microsoft.com/office/powerpoint/2010/main" val="2196243548"/>
+        <p14:creationId xmlns:p14="http://schemas.microsoft.com/office/powerpoint/2010/main" val="2191944804"/>
       </p:ext>
     </p:extLst>
   </p:cSld>
@@ -7379,6 +7624,137 @@
 </file>
 
 <file path=ppt/slides/slide34.xml><?xml version="1.0" encoding="utf-8"?>
+<p:sld xmlns:a="http://schemas.openxmlformats.org/drawingml/2006/main" xmlns:r="http://schemas.openxmlformats.org/officeDocument/2006/relationships" xmlns:p="http://schemas.openxmlformats.org/presentationml/2006/main" show="0">
+  <p:cSld>
+    <p:spTree>
+      <p:nvGrpSpPr>
+        <p:cNvPr id="1" name=""/>
+        <p:cNvGrpSpPr/>
+        <p:nvPr/>
+      </p:nvGrpSpPr>
+      <p:grpSpPr>
+        <a:xfrm>
+          <a:off x="0" y="0"/>
+          <a:ext cx="0" cy="0"/>
+          <a:chOff x="0" y="0"/>
+          <a:chExt cx="0" cy="0"/>
+        </a:xfrm>
+      </p:grpSpPr>
+      <p:sp>
+        <p:nvSpPr>
+          <p:cNvPr id="2" name="Title 1">
+            <a:extLst>
+              <a:ext uri="{FF2B5EF4-FFF2-40B4-BE49-F238E27FC236}">
+                <a16:creationId xmlns:a16="http://schemas.microsoft.com/office/drawing/2014/main" id="{7276A5D6-C8FC-B473-94E4-174561A24133}"/>
+              </a:ext>
+            </a:extLst>
+          </p:cNvPr>
+          <p:cNvSpPr>
+            <a:spLocks noGrp="1"/>
+          </p:cNvSpPr>
+          <p:nvPr>
+            <p:ph type="title"/>
+          </p:nvPr>
+        </p:nvSpPr>
+        <p:spPr/>
+        <p:txBody>
+          <a:bodyPr/>
+          <a:lstStyle/>
+          <a:p>
+            <a:r>
+              <a:rPr lang="en-US" dirty="0"/>
+              <a:t>Using Embeddings</a:t>
+            </a:r>
+          </a:p>
+        </p:txBody>
+      </p:sp>
+      <p:sp>
+        <p:nvSpPr>
+          <p:cNvPr id="3" name="Content Placeholder 2">
+            <a:extLst>
+              <a:ext uri="{FF2B5EF4-FFF2-40B4-BE49-F238E27FC236}">
+                <a16:creationId xmlns:a16="http://schemas.microsoft.com/office/drawing/2014/main" id="{7C9F7881-E651-AE6B-4396-F5603E69A376}"/>
+              </a:ext>
+            </a:extLst>
+          </p:cNvPr>
+          <p:cNvSpPr>
+            <a:spLocks noGrp="1"/>
+          </p:cNvSpPr>
+          <p:nvPr>
+            <p:ph idx="1"/>
+          </p:nvPr>
+        </p:nvSpPr>
+        <p:spPr>
+          <a:xfrm>
+            <a:off x="1451579" y="2015732"/>
+            <a:ext cx="9603275" cy="4037749"/>
+          </a:xfrm>
+        </p:spPr>
+        <p:txBody>
+          <a:bodyPr/>
+          <a:lstStyle/>
+          <a:p>
+            <a:r>
+              <a:rPr lang="en-US" dirty="0"/>
+              <a:t>For us, for now, we’ll collapse the embedding values down. </a:t>
+            </a:r>
+          </a:p>
+          <a:p>
+            <a:r>
+              <a:rPr lang="en-US" dirty="0"/>
+              <a:t>Later, with neural networks, we’ll look at how we can use them sans collapse. </a:t>
+            </a:r>
+          </a:p>
+          <a:p>
+            <a:pPr lvl="1"/>
+            <a:r>
+              <a:rPr lang="en-US" dirty="0"/>
+              <a:t>Our models can only handle a 2D grid of data.</a:t>
+            </a:r>
+          </a:p>
+          <a:p>
+            <a:r>
+              <a:rPr lang="en-US" dirty="0"/>
+              <a:t>Overall, any representation could work.</a:t>
+            </a:r>
+          </a:p>
+          <a:p>
+            <a:pPr lvl="1"/>
+            <a:r>
+              <a:rPr lang="en-US" dirty="0"/>
+              <a:t>In our examples, we’ll collapse multi-D embeddings down to 1 D. </a:t>
+            </a:r>
+          </a:p>
+          <a:p>
+            <a:pPr lvl="1"/>
+            <a:r>
+              <a:rPr lang="en-US" dirty="0"/>
+              <a:t>We could keep the multiple dimensions, and have a 3D dataset (later). </a:t>
+            </a:r>
+          </a:p>
+          <a:p>
+            <a:pPr lvl="1"/>
+            <a:r>
+              <a:rPr lang="en-US" dirty="0"/>
+              <a:t>We could do any other flattening – we’d have to test to see what works well. </a:t>
+            </a:r>
+          </a:p>
+        </p:txBody>
+      </p:sp>
+    </p:spTree>
+    <p:extLst>
+      <p:ext uri="{BB962C8B-B14F-4D97-AF65-F5344CB8AC3E}">
+        <p14:creationId xmlns:p14="http://schemas.microsoft.com/office/powerpoint/2010/main" val="2498184138"/>
+      </p:ext>
+    </p:extLst>
+  </p:cSld>
+  <p:clrMapOvr>
+    <a:masterClrMapping/>
+  </p:clrMapOvr>
+</p:sld>
+</file>
+
+<file path=ppt/slides/slide35.xml><?xml version="1.0" encoding="utf-8"?>
 <p:sld xmlns:a="http://schemas.openxmlformats.org/drawingml/2006/main" xmlns:r="http://schemas.openxmlformats.org/officeDocument/2006/relationships" xmlns:p="http://schemas.openxmlformats.org/presentationml/2006/main">
   <p:cSld>
     <p:spTree>
@@ -7400,6 +7776,159 @@
           <p:cNvPr id="2" name="Title 1">
             <a:extLst>
               <a:ext uri="{FF2B5EF4-FFF2-40B4-BE49-F238E27FC236}">
+                <a16:creationId xmlns:a16="http://schemas.microsoft.com/office/drawing/2014/main" id="{2F6D39ED-4049-484A-8A23-EF2C3DFB812B}"/>
+              </a:ext>
+            </a:extLst>
+          </p:cNvPr>
+          <p:cNvSpPr>
+            <a:spLocks noGrp="1"/>
+          </p:cNvSpPr>
+          <p:nvPr>
+            <p:ph type="title"/>
+          </p:nvPr>
+        </p:nvSpPr>
+        <p:spPr/>
+        <p:txBody>
+          <a:bodyPr/>
+          <a:lstStyle/>
+          <a:p>
+            <a:r>
+              <a:rPr lang="en-US" dirty="0"/>
+              <a:t>NLP in Practice</a:t>
+            </a:r>
+          </a:p>
+        </p:txBody>
+      </p:sp>
+      <p:sp>
+        <p:nvSpPr>
+          <p:cNvPr id="3" name="Content Placeholder 2">
+            <a:extLst>
+              <a:ext uri="{FF2B5EF4-FFF2-40B4-BE49-F238E27FC236}">
+                <a16:creationId xmlns:a16="http://schemas.microsoft.com/office/drawing/2014/main" id="{776F59CA-DD5B-E345-972A-8104869FCF33}"/>
+              </a:ext>
+            </a:extLst>
+          </p:cNvPr>
+          <p:cNvSpPr>
+            <a:spLocks noGrp="1"/>
+          </p:cNvSpPr>
+          <p:nvPr>
+            <p:ph idx="1"/>
+          </p:nvPr>
+        </p:nvSpPr>
+        <p:spPr>
+          <a:xfrm>
+            <a:off x="1451579" y="1853754"/>
+            <a:ext cx="9603275" cy="4199727"/>
+          </a:xfrm>
+        </p:spPr>
+        <p:txBody>
+          <a:bodyPr>
+            <a:normAutofit lnSpcReduction="10000"/>
+          </a:bodyPr>
+          <a:lstStyle/>
+          <a:p>
+            <a:r>
+              <a:rPr lang="en-US" dirty="0"/>
+              <a:t>NLP is an area that is very quickly developing. </a:t>
+            </a:r>
+          </a:p>
+          <a:p>
+            <a:r>
+              <a:rPr lang="en-US" dirty="0"/>
+              <a:t>More data makes a big difference!</a:t>
+            </a:r>
+          </a:p>
+          <a:p>
+            <a:pPr lvl="1"/>
+            <a:r>
+              <a:rPr lang="en-US" dirty="0"/>
+              <a:t>Language has subtleties, massive datasets allow those subtleties to become patterns. </a:t>
+            </a:r>
+          </a:p>
+          <a:p>
+            <a:pPr lvl="1"/>
+            <a:r>
+              <a:rPr lang="en-US" dirty="0"/>
+              <a:t>The #1 determinant of future language models will probably be access to human written text.</a:t>
+            </a:r>
+          </a:p>
+          <a:p>
+            <a:r>
+              <a:rPr lang="en-US" dirty="0"/>
+              <a:t>Preprocessing choices can make massive differences:</a:t>
+            </a:r>
+          </a:p>
+          <a:p>
+            <a:pPr lvl="1"/>
+            <a:r>
+              <a:rPr lang="en-US" dirty="0"/>
+              <a:t>Stemming, lemmatization, stop words, and n-gram size all vary widely depending on context. </a:t>
+            </a:r>
+          </a:p>
+          <a:p>
+            <a:r>
+              <a:rPr lang="en-US" dirty="0"/>
+              <a:t>The embedding space quality matters as much or more than the predictor. </a:t>
+            </a:r>
+          </a:p>
+          <a:p>
+            <a:pPr lvl="1"/>
+            <a:r>
+              <a:rPr lang="en-US" dirty="0"/>
+              <a:t>Like images, we must represent text as numbers – how well we do this is critical. </a:t>
+            </a:r>
+          </a:p>
+          <a:p>
+            <a:pPr lvl="1"/>
+            <a:r>
+              <a:rPr lang="en-US" dirty="0"/>
+              <a:t>This is a source of irreducible error for the predictive model. </a:t>
+            </a:r>
+          </a:p>
+          <a:p>
+            <a:pPr lvl="1"/>
+            <a:r>
+              <a:rPr lang="en-US" dirty="0"/>
+              <a:t>E.g. the word “lit” has a different lemma on Twitter, in a college English dept, or for wildfires. </a:t>
+            </a:r>
+          </a:p>
+        </p:txBody>
+      </p:sp>
+    </p:spTree>
+    <p:extLst>
+      <p:ext uri="{BB962C8B-B14F-4D97-AF65-F5344CB8AC3E}">
+        <p14:creationId xmlns:p14="http://schemas.microsoft.com/office/powerpoint/2010/main" val="2196243548"/>
+      </p:ext>
+    </p:extLst>
+  </p:cSld>
+  <p:clrMapOvr>
+    <a:masterClrMapping/>
+  </p:clrMapOvr>
+</p:sld>
+</file>
+
+<file path=ppt/slides/slide36.xml><?xml version="1.0" encoding="utf-8"?>
+<p:sld xmlns:a="http://schemas.openxmlformats.org/drawingml/2006/main" xmlns:r="http://schemas.openxmlformats.org/officeDocument/2006/relationships" xmlns:p="http://schemas.openxmlformats.org/presentationml/2006/main">
+  <p:cSld>
+    <p:spTree>
+      <p:nvGrpSpPr>
+        <p:cNvPr id="1" name=""/>
+        <p:cNvGrpSpPr/>
+        <p:nvPr/>
+      </p:nvGrpSpPr>
+      <p:grpSpPr>
+        <a:xfrm>
+          <a:off x="0" y="0"/>
+          <a:ext cx="0" cy="0"/>
+          <a:chOff x="0" y="0"/>
+          <a:chExt cx="0" cy="0"/>
+        </a:xfrm>
+      </p:grpSpPr>
+      <p:sp>
+        <p:nvSpPr>
+          <p:cNvPr id="2" name="Title 1">
+            <a:extLst>
+              <a:ext uri="{FF2B5EF4-FFF2-40B4-BE49-F238E27FC236}">
                 <a16:creationId xmlns:a16="http://schemas.microsoft.com/office/drawing/2014/main" id="{984A237C-6E20-E34E-B7D9-06A3FF0331A8}"/>
               </a:ext>
             </a:extLst>
@@ -7526,7 +8055,7 @@
 </p:sld>
 </file>
 
-<file path=ppt/slides/slide35.xml><?xml version="1.0" encoding="utf-8"?>
+<file path=ppt/slides/slide37.xml><?xml version="1.0" encoding="utf-8"?>
 <p:sld xmlns:a="http://schemas.openxmlformats.org/drawingml/2006/main" xmlns:r="http://schemas.openxmlformats.org/officeDocument/2006/relationships" xmlns:p="http://schemas.openxmlformats.org/presentationml/2006/main">
   <p:cSld>
     <p:spTree>
@@ -7702,7 +8231,7 @@
           <p:cNvPr id="2" name="Title 1">
             <a:extLst>
               <a:ext uri="{FF2B5EF4-FFF2-40B4-BE49-F238E27FC236}">
-                <a16:creationId xmlns:a16="http://schemas.microsoft.com/office/drawing/2014/main" id="{9388007C-70FB-789B-403A-EC838F0D8CB2}"/>
+                <a16:creationId xmlns:a16="http://schemas.microsoft.com/office/drawing/2014/main" id="{975ECA53-E686-75D2-3F6C-4D91841474F9}"/>
               </a:ext>
             </a:extLst>
           </p:cNvPr>
@@ -7720,7 +8249,7 @@
           <a:p>
             <a:r>
               <a:rPr lang="en-US" dirty="0"/>
-              <a:t>Vectorization </a:t>
+              <a:t>Natural Language Processing Intro</a:t>
             </a:r>
           </a:p>
         </p:txBody>
@@ -7730,7 +8259,7 @@
           <p:cNvPr id="3" name="Content Placeholder 2">
             <a:extLst>
               <a:ext uri="{FF2B5EF4-FFF2-40B4-BE49-F238E27FC236}">
-                <a16:creationId xmlns:a16="http://schemas.microsoft.com/office/drawing/2014/main" id="{AC307A0B-3132-B113-8D27-0DEA73CDF445}"/>
+                <a16:creationId xmlns:a16="http://schemas.microsoft.com/office/drawing/2014/main" id="{6FE30764-4B1F-4F0B-4EF5-06F5C7594A3B}"/>
               </a:ext>
             </a:extLst>
           </p:cNvPr>
@@ -7753,56 +8282,28 @@
           <a:p>
             <a:r>
               <a:rPr lang="en-US" dirty="0"/>
-              <a:t>Turning the text into numbers – vectorization. </a:t>
-            </a:r>
-          </a:p>
-          <a:p>
-            <a:pPr lvl="1"/>
-            <a:r>
-              <a:rPr lang="en-US" dirty="0"/>
-              <a:t>We translate the free text into a numerical representation of that text. </a:t>
-            </a:r>
-          </a:p>
-          <a:p>
-            <a:pPr lvl="1"/>
-            <a:r>
-              <a:rPr lang="en-US" dirty="0"/>
-              <a:t>Simple vectorization is based on counts of words in that piece of text. </a:t>
-            </a:r>
-          </a:p>
-          <a:p>
-            <a:pPr lvl="1"/>
-            <a:r>
-              <a:rPr lang="en-US" dirty="0"/>
-              <a:t>More elaborate vectorization calculates a value based on frequency (</a:t>
-            </a:r>
-            <a:r>
-              <a:rPr lang="en-US" dirty="0" err="1"/>
-              <a:t>tf-idf</a:t>
-            </a:r>
-            <a:r>
-              <a:rPr lang="en-US" dirty="0"/>
-              <a:t>). </a:t>
-            </a:r>
-          </a:p>
-          <a:p>
-            <a:pPr lvl="1"/>
-            <a:r>
-              <a:rPr lang="en-US" dirty="0"/>
-              <a:t>Result is a set of numbers (a vector) that represents the document we started with. </a:t>
-            </a:r>
-          </a:p>
-          <a:p>
-            <a:r>
-              <a:rPr lang="en-US" dirty="0"/>
-              <a:t>Text-y data preparation tools are also involved:</a:t>
-            </a:r>
-          </a:p>
-          <a:p>
-            <a:pPr lvl="1"/>
-            <a:r>
-              <a:rPr lang="en-US" dirty="0"/>
-              <a:t>Removing stop words – get rid of ‘a’, ’the’, ‘it’, </a:t>
+              <a:t>We can use text as a feature set to do predictive modelling. </a:t>
+            </a:r>
+          </a:p>
+          <a:p>
+            <a:pPr lvl="1"/>
+            <a:r>
+              <a:rPr lang="en-US" dirty="0"/>
+              <a:t>X is our feature set – the text after its processing. </a:t>
+            </a:r>
+          </a:p>
+          <a:p>
+            <a:pPr lvl="1"/>
+            <a:r>
+              <a:rPr lang="en-US" dirty="0"/>
+              <a:t>Y is our target – something external. E.g. positive/negative review, spam/not spam. </a:t>
+            </a:r>
+          </a:p>
+          <a:p>
+            <a:pPr lvl="1"/>
+            <a:r>
+              <a:rPr lang="en-US" dirty="0"/>
+              <a:t>We end up with a ‘normal’ array of data, that we can then TTS, predict, </a:t>
             </a:r>
             <a:r>
               <a:rPr lang="en-US" dirty="0" err="1"/>
@@ -7810,38 +8311,55 @@
             </a:r>
             <a:r>
               <a:rPr lang="en-US" dirty="0"/>
-              <a:t>… as they don’t really change meaning. </a:t>
-            </a:r>
-          </a:p>
-          <a:p>
-            <a:pPr lvl="1"/>
-            <a:r>
-              <a:rPr lang="en-US" dirty="0"/>
-              <a:t>Stemming – chopping words down to their root. E.g. Skiing -&gt; ski. </a:t>
-            </a:r>
-          </a:p>
-          <a:p>
-            <a:pPr lvl="1"/>
-            <a:r>
-              <a:rPr lang="en-US" dirty="0"/>
-              <a:t>Lemmatization – reducing words down to their root meaning. Chuckling -&gt; laugh. </a:t>
-            </a:r>
-          </a:p>
-          <a:p>
-            <a:r>
-              <a:rPr lang="en-US" dirty="0"/>
-              <a:t>The goal is to have a vector that “means” the same as the original text. </a:t>
-            </a:r>
-          </a:p>
-          <a:p>
-            <a:endParaRPr lang="en-US" dirty="0"/>
+              <a:t>…</a:t>
+            </a:r>
+          </a:p>
+          <a:p>
+            <a:r>
+              <a:rPr lang="en-US" dirty="0"/>
+              <a:t>NLP uses some specific terms:</a:t>
+            </a:r>
+          </a:p>
+          <a:p>
+            <a:pPr lvl="1"/>
+            <a:r>
+              <a:rPr lang="en-US" dirty="0"/>
+              <a:t>Corpus – all the text that we are using. </a:t>
+            </a:r>
+          </a:p>
+          <a:p>
+            <a:pPr lvl="1"/>
+            <a:r>
+              <a:rPr lang="en-US" dirty="0"/>
+              <a:t>Document – one ‘piece’ of text. Normally a sentence or line. </a:t>
+            </a:r>
+          </a:p>
+          <a:p>
+            <a:pPr lvl="1"/>
+            <a:r>
+              <a:rPr lang="en-US" dirty="0"/>
+              <a:t>Vocabulary – all the tokens (words/terms) that is in our corpus. </a:t>
+            </a:r>
+          </a:p>
+          <a:p>
+            <a:r>
+              <a:rPr lang="en-US" dirty="0"/>
+              <a:t>Creating the feature set from the text involves some preparation. </a:t>
+            </a:r>
+          </a:p>
+          <a:p>
+            <a:pPr lvl="1"/>
+            <a:r>
+              <a:rPr lang="en-US" dirty="0"/>
+              <a:t>Text is first tokenized – transformed into individual ‘terms’ (words or n-grams). </a:t>
+            </a:r>
           </a:p>
         </p:txBody>
       </p:sp>
     </p:spTree>
     <p:extLst>
       <p:ext uri="{BB962C8B-B14F-4D97-AF65-F5344CB8AC3E}">
-        <p14:creationId xmlns:p14="http://schemas.microsoft.com/office/powerpoint/2010/main" val="16288712"/>
+        <p14:creationId xmlns:p14="http://schemas.microsoft.com/office/powerpoint/2010/main" val="1605237893"/>
       </p:ext>
     </p:extLst>
   </p:cSld>
@@ -7873,7 +8391,7 @@
           <p:cNvPr id="2" name="Title 1">
             <a:extLst>
               <a:ext uri="{FF2B5EF4-FFF2-40B4-BE49-F238E27FC236}">
-                <a16:creationId xmlns:a16="http://schemas.microsoft.com/office/drawing/2014/main" id="{A2F24136-6DD6-4902-50EB-74935C67968F}"/>
+                <a16:creationId xmlns:a16="http://schemas.microsoft.com/office/drawing/2014/main" id="{9388007C-70FB-789B-403A-EC838F0D8CB2}"/>
               </a:ext>
             </a:extLst>
           </p:cNvPr>
@@ -7891,7 +8409,7 @@
           <a:p>
             <a:r>
               <a:rPr lang="en-US" dirty="0"/>
-              <a:t>“meaning” of Text</a:t>
+              <a:t>Vectorization </a:t>
             </a:r>
           </a:p>
         </p:txBody>
@@ -7901,7 +8419,7 @@
           <p:cNvPr id="3" name="Content Placeholder 2">
             <a:extLst>
               <a:ext uri="{FF2B5EF4-FFF2-40B4-BE49-F238E27FC236}">
-                <a16:creationId xmlns:a16="http://schemas.microsoft.com/office/drawing/2014/main" id="{F7B4B84B-C360-DEF2-1561-165793C385CD}"/>
+                <a16:creationId xmlns:a16="http://schemas.microsoft.com/office/drawing/2014/main" id="{AC307A0B-3132-B113-8D27-0DEA73CDF445}"/>
               </a:ext>
             </a:extLst>
           </p:cNvPr>
@@ -7915,7 +8433,7 @@
         <p:spPr>
           <a:xfrm>
             <a:off x="1451579" y="1853754"/>
-            <a:ext cx="9603275" cy="4287642"/>
+            <a:ext cx="9603275" cy="4199727"/>
           </a:xfrm>
         </p:spPr>
         <p:txBody>
@@ -7924,69 +8442,95 @@
           <a:p>
             <a:r>
               <a:rPr lang="en-US" dirty="0"/>
-              <a:t>When used for prediction, the meaning of the vector determines model quality. </a:t>
-            </a:r>
-          </a:p>
-          <a:p>
-            <a:pPr lvl="1"/>
-            <a:r>
-              <a:rPr lang="en-US" dirty="0"/>
-              <a:t>We need to generate a vector that accurately captures the underlying meaning in text. </a:t>
-            </a:r>
-          </a:p>
-          <a:p>
-            <a:r>
-              <a:rPr lang="en-US" dirty="0"/>
-              <a:t>In larger scenarios this is called creating embeddings. </a:t>
-            </a:r>
-          </a:p>
-          <a:p>
-            <a:pPr lvl="1"/>
-            <a:r>
-              <a:rPr lang="en-US" dirty="0"/>
-              <a:t>Take in some free text. </a:t>
-            </a:r>
-          </a:p>
-          <a:p>
-            <a:pPr lvl="1"/>
-            <a:r>
-              <a:rPr lang="en-US" dirty="0"/>
-              <a:t>Evaluate the meaning of that text, using some complex model. </a:t>
-            </a:r>
-          </a:p>
-          <a:p>
-            <a:pPr lvl="1"/>
-            <a:r>
-              <a:rPr lang="en-US" dirty="0"/>
-              <a:t>Return a set of values that ‘capture the meaning’ in n-dimensional space. </a:t>
-            </a:r>
-          </a:p>
-          <a:p>
-            <a:r>
-              <a:rPr lang="en-US" dirty="0"/>
-              <a:t>“Real” models can have an embedding space that is 1000s or more dimensions. </a:t>
-            </a:r>
-          </a:p>
-          <a:p>
-            <a:pPr lvl="1"/>
-            <a:r>
-              <a:rPr lang="en-US" dirty="0"/>
-              <a:t>The ‘meaning’ of a word is its position in 1000-dimensional space. </a:t>
-            </a:r>
-          </a:p>
-          <a:p>
-            <a:pPr lvl="1"/>
-            <a:r>
-              <a:rPr lang="en-US" dirty="0"/>
-              <a:t>The distance between words shows their similarity in meaning. </a:t>
-            </a:r>
+              <a:t>Turning the text into numbers – vectorization. </a:t>
+            </a:r>
+          </a:p>
+          <a:p>
+            <a:pPr lvl="1"/>
+            <a:r>
+              <a:rPr lang="en-US" dirty="0"/>
+              <a:t>We translate the free text into a numerical representation of that text. </a:t>
+            </a:r>
+          </a:p>
+          <a:p>
+            <a:pPr lvl="1"/>
+            <a:r>
+              <a:rPr lang="en-US" dirty="0"/>
+              <a:t>Simple vectorization is based on counts of words in that piece of text. </a:t>
+            </a:r>
+          </a:p>
+          <a:p>
+            <a:pPr lvl="1"/>
+            <a:r>
+              <a:rPr lang="en-US" dirty="0"/>
+              <a:t>More elaborate vectorization calculates a value based on frequency (</a:t>
+            </a:r>
+            <a:r>
+              <a:rPr lang="en-US" dirty="0" err="1"/>
+              <a:t>tf-idf</a:t>
+            </a:r>
+            <a:r>
+              <a:rPr lang="en-US" dirty="0"/>
+              <a:t>). </a:t>
+            </a:r>
+          </a:p>
+          <a:p>
+            <a:pPr lvl="1"/>
+            <a:r>
+              <a:rPr lang="en-US" dirty="0"/>
+              <a:t>Result is a set of numbers (a vector) that represents the document we started with. </a:t>
+            </a:r>
+          </a:p>
+          <a:p>
+            <a:r>
+              <a:rPr lang="en-US" dirty="0"/>
+              <a:t>Text-y data preparation tools are also involved:</a:t>
+            </a:r>
+          </a:p>
+          <a:p>
+            <a:pPr lvl="1"/>
+            <a:r>
+              <a:rPr lang="en-US" dirty="0"/>
+              <a:t>Removing stop words – get rid of ‘a’, ’the’, ‘it’, </a:t>
+            </a:r>
+            <a:r>
+              <a:rPr lang="en-US" dirty="0" err="1"/>
+              <a:t>etc</a:t>
+            </a:r>
+            <a:r>
+              <a:rPr lang="en-US" dirty="0"/>
+              <a:t>… as they don’t really change meaning. </a:t>
+            </a:r>
+          </a:p>
+          <a:p>
+            <a:pPr lvl="1"/>
+            <a:r>
+              <a:rPr lang="en-US" dirty="0"/>
+              <a:t>Stemming – chopping words down to their root. E.g. Skiing -&gt; ski. </a:t>
+            </a:r>
+          </a:p>
+          <a:p>
+            <a:pPr lvl="1"/>
+            <a:r>
+              <a:rPr lang="en-US" dirty="0"/>
+              <a:t>Lemmatization – reducing words down to their root meaning. Chuckling -&gt; laugh. </a:t>
+            </a:r>
+          </a:p>
+          <a:p>
+            <a:r>
+              <a:rPr lang="en-US" dirty="0"/>
+              <a:t>The goal is to have a vector that “means” the same as the original text. </a:t>
+            </a:r>
+          </a:p>
+          <a:p>
+            <a:endParaRPr lang="en-US" dirty="0"/>
           </a:p>
         </p:txBody>
       </p:sp>
     </p:spTree>
     <p:extLst>
       <p:ext uri="{BB962C8B-B14F-4D97-AF65-F5344CB8AC3E}">
-        <p14:creationId xmlns:p14="http://schemas.microsoft.com/office/powerpoint/2010/main" val="1543216124"/>
+        <p14:creationId xmlns:p14="http://schemas.microsoft.com/office/powerpoint/2010/main" val="16288712"/>
       </p:ext>
     </p:extLst>
   </p:cSld>
@@ -8018,7 +8562,7 @@
           <p:cNvPr id="2" name="Title 1">
             <a:extLst>
               <a:ext uri="{FF2B5EF4-FFF2-40B4-BE49-F238E27FC236}">
-                <a16:creationId xmlns:a16="http://schemas.microsoft.com/office/drawing/2014/main" id="{6B48219A-7D89-8AA7-9FF7-BBE0F5B9727C}"/>
+                <a16:creationId xmlns:a16="http://schemas.microsoft.com/office/drawing/2014/main" id="{A2F24136-6DD6-4902-50EB-74935C67968F}"/>
               </a:ext>
             </a:extLst>
           </p:cNvPr>
@@ -8036,7 +8580,7 @@
           <a:p>
             <a:r>
               <a:rPr lang="en-US" dirty="0"/>
-              <a:t>Dimensionality and Embeddings</a:t>
+              <a:t>“meaning” of Text</a:t>
             </a:r>
           </a:p>
         </p:txBody>
@@ -8046,7 +8590,7 @@
           <p:cNvPr id="3" name="Content Placeholder 2">
             <a:extLst>
               <a:ext uri="{FF2B5EF4-FFF2-40B4-BE49-F238E27FC236}">
-                <a16:creationId xmlns:a16="http://schemas.microsoft.com/office/drawing/2014/main" id="{013D9838-C41B-043A-0E9F-03F2391DED4B}"/>
+                <a16:creationId xmlns:a16="http://schemas.microsoft.com/office/drawing/2014/main" id="{F7B4B84B-C360-DEF2-1561-165793C385CD}"/>
               </a:ext>
             </a:extLst>
           </p:cNvPr>
@@ -8059,8 +8603,8 @@
         </p:nvSpPr>
         <p:spPr>
           <a:xfrm>
-            <a:off x="881974" y="1853754"/>
-            <a:ext cx="10460477" cy="4255216"/>
+            <a:off x="1451579" y="1853754"/>
+            <a:ext cx="9603275" cy="4287642"/>
           </a:xfrm>
         </p:spPr>
         <p:txBody>
@@ -8069,61 +8613,61 @@
           <a:p>
             <a:r>
               <a:rPr lang="en-US" dirty="0"/>
-              <a:t>The meaning captured with real embedding processes are more sophisticated. </a:t>
-            </a:r>
-          </a:p>
-          <a:p>
-            <a:pPr lvl="1"/>
-            <a:r>
-              <a:rPr lang="en-US" dirty="0"/>
-              <a:t>Use massive amounts of text to learn meaning from seeing tokens over and over. </a:t>
-            </a:r>
-          </a:p>
-          <a:p>
-            <a:r>
-              <a:rPr lang="en-US" dirty="0"/>
-              <a:t>The larger and more complex the embedding space, the higher the celling. </a:t>
-            </a:r>
-          </a:p>
-          <a:p>
-            <a:pPr lvl="1"/>
-            <a:r>
-              <a:rPr lang="en-US" dirty="0"/>
-              <a:t>The amount of data needed to generate it also increases. </a:t>
-            </a:r>
-          </a:p>
-          <a:p>
-            <a:r>
-              <a:rPr lang="en-US" dirty="0"/>
-              <a:t>For smarter NLP-</a:t>
-            </a:r>
-            <a:r>
-              <a:rPr lang="en-US" dirty="0" err="1"/>
-              <a:t>ish</a:t>
-            </a:r>
-            <a:r>
-              <a:rPr lang="en-US" dirty="0"/>
-              <a:t> models, we want to represent the meaning of docs as accurately as possible. </a:t>
-            </a:r>
-          </a:p>
-          <a:p>
-            <a:pPr lvl="1"/>
-            <a:r>
-              <a:rPr lang="en-US" dirty="0"/>
-              <a:t>Counting occurrences of terms captures some meaning, but it is rudimentary. </a:t>
-            </a:r>
-          </a:p>
-          <a:p>
-            <a:pPr lvl="1"/>
-            <a:r>
-              <a:rPr lang="en-US" dirty="0"/>
-              <a:t>We can use other processing tools to extract meaning from the text, and use the values on those “meaning” metrics as our feature set. </a:t>
-            </a:r>
-          </a:p>
-          <a:p>
-            <a:r>
-              <a:rPr lang="en-US" dirty="0"/>
-              <a:t>Note: this isn’t dealing with generating text, that requires models that capture sequence. </a:t>
+              <a:t>When used for prediction, the meaning of the vector determines model quality. </a:t>
+            </a:r>
+          </a:p>
+          <a:p>
+            <a:pPr lvl="1"/>
+            <a:r>
+              <a:rPr lang="en-US" dirty="0"/>
+              <a:t>We need to generate a vector that accurately captures the underlying meaning in text. </a:t>
+            </a:r>
+          </a:p>
+          <a:p>
+            <a:r>
+              <a:rPr lang="en-US" dirty="0"/>
+              <a:t>In larger scenarios this is called creating embeddings. </a:t>
+            </a:r>
+          </a:p>
+          <a:p>
+            <a:pPr lvl="1"/>
+            <a:r>
+              <a:rPr lang="en-US" dirty="0"/>
+              <a:t>Take in some free text. </a:t>
+            </a:r>
+          </a:p>
+          <a:p>
+            <a:pPr lvl="1"/>
+            <a:r>
+              <a:rPr lang="en-US" dirty="0"/>
+              <a:t>Evaluate the meaning of that text, using some complex model. </a:t>
+            </a:r>
+          </a:p>
+          <a:p>
+            <a:pPr lvl="1"/>
+            <a:r>
+              <a:rPr lang="en-US" dirty="0"/>
+              <a:t>Return a set of values that ‘capture the meaning’ in n-dimensional space. </a:t>
+            </a:r>
+          </a:p>
+          <a:p>
+            <a:r>
+              <a:rPr lang="en-US" dirty="0"/>
+              <a:t>“Real” models can have an embedding space that is 1000s or more dimensions. </a:t>
+            </a:r>
+          </a:p>
+          <a:p>
+            <a:pPr lvl="1"/>
+            <a:r>
+              <a:rPr lang="en-US" dirty="0"/>
+              <a:t>The ‘meaning’ of a word is its position in 1000-dimensional space. </a:t>
+            </a:r>
+          </a:p>
+          <a:p>
+            <a:pPr lvl="1"/>
+            <a:r>
+              <a:rPr lang="en-US" dirty="0"/>
+              <a:t>The distance between words shows their similarity in meaning. </a:t>
             </a:r>
           </a:p>
         </p:txBody>
@@ -8131,7 +8675,7 @@
     </p:spTree>
     <p:extLst>
       <p:ext uri="{BB962C8B-B14F-4D97-AF65-F5344CB8AC3E}">
-        <p14:creationId xmlns:p14="http://schemas.microsoft.com/office/powerpoint/2010/main" val="751915472"/>
+        <p14:creationId xmlns:p14="http://schemas.microsoft.com/office/powerpoint/2010/main" val="1543216124"/>
       </p:ext>
     </p:extLst>
   </p:cSld>
@@ -8163,6 +8707,151 @@
           <p:cNvPr id="2" name="Title 1">
             <a:extLst>
               <a:ext uri="{FF2B5EF4-FFF2-40B4-BE49-F238E27FC236}">
+                <a16:creationId xmlns:a16="http://schemas.microsoft.com/office/drawing/2014/main" id="{6B48219A-7D89-8AA7-9FF7-BBE0F5B9727C}"/>
+              </a:ext>
+            </a:extLst>
+          </p:cNvPr>
+          <p:cNvSpPr>
+            <a:spLocks noGrp="1"/>
+          </p:cNvSpPr>
+          <p:nvPr>
+            <p:ph type="title"/>
+          </p:nvPr>
+        </p:nvSpPr>
+        <p:spPr/>
+        <p:txBody>
+          <a:bodyPr/>
+          <a:lstStyle/>
+          <a:p>
+            <a:r>
+              <a:rPr lang="en-US" dirty="0"/>
+              <a:t>Dimensionality and Embeddings</a:t>
+            </a:r>
+          </a:p>
+        </p:txBody>
+      </p:sp>
+      <p:sp>
+        <p:nvSpPr>
+          <p:cNvPr id="3" name="Content Placeholder 2">
+            <a:extLst>
+              <a:ext uri="{FF2B5EF4-FFF2-40B4-BE49-F238E27FC236}">
+                <a16:creationId xmlns:a16="http://schemas.microsoft.com/office/drawing/2014/main" id="{013D9838-C41B-043A-0E9F-03F2391DED4B}"/>
+              </a:ext>
+            </a:extLst>
+          </p:cNvPr>
+          <p:cNvSpPr>
+            <a:spLocks noGrp="1"/>
+          </p:cNvSpPr>
+          <p:nvPr>
+            <p:ph idx="1"/>
+          </p:nvPr>
+        </p:nvSpPr>
+        <p:spPr>
+          <a:xfrm>
+            <a:off x="881974" y="1853754"/>
+            <a:ext cx="10460477" cy="4255216"/>
+          </a:xfrm>
+        </p:spPr>
+        <p:txBody>
+          <a:bodyPr/>
+          <a:lstStyle/>
+          <a:p>
+            <a:r>
+              <a:rPr lang="en-US" dirty="0"/>
+              <a:t>The meaning captured with real embedding processes are more sophisticated. </a:t>
+            </a:r>
+          </a:p>
+          <a:p>
+            <a:pPr lvl="1"/>
+            <a:r>
+              <a:rPr lang="en-US" dirty="0"/>
+              <a:t>Use massive amounts of text to learn meaning from seeing tokens over and over. </a:t>
+            </a:r>
+          </a:p>
+          <a:p>
+            <a:r>
+              <a:rPr lang="en-US" dirty="0"/>
+              <a:t>The larger and more complex the embedding space, the higher the celling. </a:t>
+            </a:r>
+          </a:p>
+          <a:p>
+            <a:pPr lvl="1"/>
+            <a:r>
+              <a:rPr lang="en-US" dirty="0"/>
+              <a:t>The amount of data needed to generate it also increases. </a:t>
+            </a:r>
+          </a:p>
+          <a:p>
+            <a:r>
+              <a:rPr lang="en-US" dirty="0"/>
+              <a:t>For smarter NLP-</a:t>
+            </a:r>
+            <a:r>
+              <a:rPr lang="en-US" dirty="0" err="1"/>
+              <a:t>ish</a:t>
+            </a:r>
+            <a:r>
+              <a:rPr lang="en-US" dirty="0"/>
+              <a:t> models, we want to represent the meaning of docs as accurately as possible. </a:t>
+            </a:r>
+          </a:p>
+          <a:p>
+            <a:pPr lvl="1"/>
+            <a:r>
+              <a:rPr lang="en-US" dirty="0"/>
+              <a:t>Counting occurrences of terms captures some meaning, but it is rudimentary. </a:t>
+            </a:r>
+          </a:p>
+          <a:p>
+            <a:pPr lvl="1"/>
+            <a:r>
+              <a:rPr lang="en-US" dirty="0"/>
+              <a:t>We can use other processing tools to extract meaning from the text, and use the values on those “meaning” metrics as our feature set. </a:t>
+            </a:r>
+          </a:p>
+          <a:p>
+            <a:r>
+              <a:rPr lang="en-US" dirty="0"/>
+              <a:t>Note: this isn’t dealing with generating text, that requires models that capture sequence. </a:t>
+            </a:r>
+          </a:p>
+        </p:txBody>
+      </p:sp>
+    </p:spTree>
+    <p:extLst>
+      <p:ext uri="{BB962C8B-B14F-4D97-AF65-F5344CB8AC3E}">
+        <p14:creationId xmlns:p14="http://schemas.microsoft.com/office/powerpoint/2010/main" val="751915472"/>
+      </p:ext>
+    </p:extLst>
+  </p:cSld>
+  <p:clrMapOvr>
+    <a:masterClrMapping/>
+  </p:clrMapOvr>
+</p:sld>
+</file>
+
+<file path=ppt/slides/slide8.xml><?xml version="1.0" encoding="utf-8"?>
+<p:sld xmlns:a="http://schemas.openxmlformats.org/drawingml/2006/main" xmlns:r="http://schemas.openxmlformats.org/officeDocument/2006/relationships" xmlns:p="http://schemas.openxmlformats.org/presentationml/2006/main">
+  <p:cSld>
+    <p:spTree>
+      <p:nvGrpSpPr>
+        <p:cNvPr id="1" name=""/>
+        <p:cNvGrpSpPr/>
+        <p:nvPr/>
+      </p:nvGrpSpPr>
+      <p:grpSpPr>
+        <a:xfrm>
+          <a:off x="0" y="0"/>
+          <a:ext cx="0" cy="0"/>
+          <a:chOff x="0" y="0"/>
+          <a:chExt cx="0" cy="0"/>
+        </a:xfrm>
+      </p:grpSpPr>
+      <p:sp>
+        <p:nvSpPr>
+          <p:cNvPr id="2" name="Title 1">
+            <a:extLst>
+              <a:ext uri="{FF2B5EF4-FFF2-40B4-BE49-F238E27FC236}">
                 <a16:creationId xmlns:a16="http://schemas.microsoft.com/office/drawing/2014/main" id="{7E0EC565-B3FD-8EB5-6FCC-0911E40FE6CE}"/>
               </a:ext>
             </a:extLst>
@@ -8224,7 +8913,7 @@
 </p:sld>
 </file>
 
-<file path=ppt/slides/slide8.xml><?xml version="1.0" encoding="utf-8"?>
+<file path=ppt/slides/slide9.xml><?xml version="1.0" encoding="utf-8"?>
 <p:sld xmlns:a="http://schemas.openxmlformats.org/drawingml/2006/main" xmlns:r="http://schemas.openxmlformats.org/officeDocument/2006/relationships" xmlns:p="http://schemas.openxmlformats.org/presentationml/2006/main">
   <p:cSld>
     <p:bg>
@@ -8464,149 +9153,6 @@
     <p:extLst>
       <p:ext uri="{BB962C8B-B14F-4D97-AF65-F5344CB8AC3E}">
         <p14:creationId xmlns:p14="http://schemas.microsoft.com/office/powerpoint/2010/main" val="4013296653"/>
-      </p:ext>
-    </p:extLst>
-  </p:cSld>
-  <p:clrMapOvr>
-    <a:masterClrMapping/>
-  </p:clrMapOvr>
-</p:sld>
-</file>
-
-<file path=ppt/slides/slide9.xml><?xml version="1.0" encoding="utf-8"?>
-<p:sld xmlns:a="http://schemas.openxmlformats.org/drawingml/2006/main" xmlns:r="http://schemas.openxmlformats.org/officeDocument/2006/relationships" xmlns:p="http://schemas.openxmlformats.org/presentationml/2006/main">
-  <p:cSld>
-    <p:spTree>
-      <p:nvGrpSpPr>
-        <p:cNvPr id="1" name=""/>
-        <p:cNvGrpSpPr/>
-        <p:nvPr/>
-      </p:nvGrpSpPr>
-      <p:grpSpPr>
-        <a:xfrm>
-          <a:off x="0" y="0"/>
-          <a:ext cx="0" cy="0"/>
-          <a:chOff x="0" y="0"/>
-          <a:chExt cx="0" cy="0"/>
-        </a:xfrm>
-      </p:grpSpPr>
-      <p:sp>
-        <p:nvSpPr>
-          <p:cNvPr id="2" name="Title 1">
-            <a:extLst>
-              <a:ext uri="{FF2B5EF4-FFF2-40B4-BE49-F238E27FC236}">
-                <a16:creationId xmlns:a16="http://schemas.microsoft.com/office/drawing/2014/main" id="{878B71F2-A6CC-D74A-B73E-8FD74DE8D2B8}"/>
-              </a:ext>
-            </a:extLst>
-          </p:cNvPr>
-          <p:cNvSpPr>
-            <a:spLocks noGrp="1"/>
-          </p:cNvSpPr>
-          <p:nvPr>
-            <p:ph type="title"/>
-          </p:nvPr>
-        </p:nvSpPr>
-        <p:spPr/>
-        <p:txBody>
-          <a:bodyPr/>
-          <a:lstStyle/>
-          <a:p>
-            <a:r>
-              <a:rPr lang="en-US" dirty="0"/>
-              <a:t>Truncated SVD and LSA</a:t>
-            </a:r>
-          </a:p>
-        </p:txBody>
-      </p:sp>
-      <p:sp>
-        <p:nvSpPr>
-          <p:cNvPr id="3" name="Content Placeholder 2">
-            <a:extLst>
-              <a:ext uri="{FF2B5EF4-FFF2-40B4-BE49-F238E27FC236}">
-                <a16:creationId xmlns:a16="http://schemas.microsoft.com/office/drawing/2014/main" id="{DE660909-3AB2-F946-BC80-4602BB028BB8}"/>
-              </a:ext>
-            </a:extLst>
-          </p:cNvPr>
-          <p:cNvSpPr>
-            <a:spLocks noGrp="1"/>
-          </p:cNvSpPr>
-          <p:nvPr>
-            <p:ph idx="1"/>
-          </p:nvPr>
-        </p:nvSpPr>
-        <p:spPr>
-          <a:xfrm>
-            <a:off x="1451579" y="1853754"/>
-            <a:ext cx="9603275" cy="4199727"/>
-          </a:xfrm>
-        </p:spPr>
-        <p:txBody>
-          <a:bodyPr>
-            <a:normAutofit lnSpcReduction="10000"/>
-          </a:bodyPr>
-          <a:lstStyle/>
-          <a:p>
-            <a:r>
-              <a:rPr lang="en-US" dirty="0"/>
-              <a:t>LSA is latent semantic analysis. LSA attempts to:</a:t>
-            </a:r>
-          </a:p>
-          <a:p>
-            <a:pPr lvl="1"/>
-            <a:r>
-              <a:rPr lang="en-US" dirty="0"/>
-              <a:t>Extract meaning from large amounts of text, using more advanced frequency calculations. </a:t>
-            </a:r>
-          </a:p>
-          <a:p>
-            <a:r>
-              <a:rPr lang="en-US" dirty="0"/>
-              <a:t>LSA follows a couple of assumptions:</a:t>
-            </a:r>
-          </a:p>
-          <a:p>
-            <a:pPr lvl="1"/>
-            <a:r>
-              <a:rPr lang="en-CA" i="1" dirty="0"/>
-              <a:t>Meaning of Sentences or Documents is a sum of the meaning of all words</a:t>
-            </a:r>
-            <a:r>
-              <a:rPr lang="en-CA" dirty="0"/>
-              <a:t> occurring in it. Overall, the meaning of a certain word is an average across all the documents it occurs in.</a:t>
-            </a:r>
-          </a:p>
-          <a:p>
-            <a:pPr lvl="1"/>
-            <a:r>
-              <a:rPr lang="en-CA" dirty="0"/>
-              <a:t>Semantic associations between words are present not explicitly, but only latently in the large sample of language.</a:t>
-            </a:r>
-          </a:p>
-          <a:p>
-            <a:r>
-              <a:rPr lang="en-CA" dirty="0"/>
-              <a:t>Latent Semantic Analysis (LSA) comprises of certain mathematical operation to get insight on a document. This algorithm forms the basis of </a:t>
-            </a:r>
-            <a:r>
-              <a:rPr lang="en-CA" i="1" dirty="0"/>
-              <a:t>Topic Modeling</a:t>
-            </a:r>
-            <a:r>
-              <a:rPr lang="en-CA" dirty="0"/>
-              <a:t>. The core idea is to take a matrix of what we have — documents and terms — and decompose it into a separate document-topic matrix and a topic-term matrix.</a:t>
-            </a:r>
-            <a:endParaRPr lang="en-US" dirty="0"/>
-          </a:p>
-          <a:p>
-            <a:pPr lvl="1"/>
-            <a:endParaRPr lang="en-US" dirty="0"/>
-          </a:p>
-        </p:txBody>
-      </p:sp>
-    </p:spTree>
-    <p:extLst>
-      <p:ext uri="{BB962C8B-B14F-4D97-AF65-F5344CB8AC3E}">
-        <p14:creationId xmlns:p14="http://schemas.microsoft.com/office/powerpoint/2010/main" val="3999811635"/>
       </p:ext>
     </p:extLst>
   </p:cSld>
